--- a/cs2620/slides/cs2620_notes10.pptx
+++ b/cs2620/slides/cs2620_notes10.pptx
@@ -5,7 +5,7 @@
     <p:sldMasterId id="2147483660" r:id="rId1"/>
   </p:sldMasterIdLst>
   <p:notesMasterIdLst>
-    <p:notesMasterId r:id="rId88"/>
+    <p:notesMasterId r:id="rId89"/>
   </p:notesMasterIdLst>
   <p:sldIdLst>
     <p:sldId id="256" r:id="rId2"/>
@@ -30,11 +30,11 @@
     <p:sldId id="352" r:id="rId21"/>
     <p:sldId id="390" r:id="rId22"/>
     <p:sldId id="402" r:id="rId23"/>
-    <p:sldId id="404" r:id="rId24"/>
-    <p:sldId id="473" r:id="rId25"/>
-    <p:sldId id="479" r:id="rId26"/>
-    <p:sldId id="302" r:id="rId27"/>
-    <p:sldId id="304" r:id="rId28"/>
+    <p:sldId id="473" r:id="rId24"/>
+    <p:sldId id="479" r:id="rId25"/>
+    <p:sldId id="404" r:id="rId26"/>
+    <p:sldId id="304" r:id="rId27"/>
+    <p:sldId id="302" r:id="rId28"/>
     <p:sldId id="296" r:id="rId29"/>
     <p:sldId id="306" r:id="rId30"/>
     <p:sldId id="308" r:id="rId31"/>
@@ -43,57 +43,58 @@
     <p:sldId id="408" r:id="rId34"/>
     <p:sldId id="466" r:id="rId35"/>
     <p:sldId id="319" r:id="rId36"/>
-    <p:sldId id="409" r:id="rId37"/>
-    <p:sldId id="475" r:id="rId38"/>
-    <p:sldId id="410" r:id="rId39"/>
-    <p:sldId id="467" r:id="rId40"/>
-    <p:sldId id="327" r:id="rId41"/>
-    <p:sldId id="335" r:id="rId42"/>
-    <p:sldId id="353" r:id="rId43"/>
-    <p:sldId id="415" r:id="rId44"/>
-    <p:sldId id="477" r:id="rId45"/>
-    <p:sldId id="420" r:id="rId46"/>
-    <p:sldId id="417" r:id="rId47"/>
-    <p:sldId id="421" r:id="rId48"/>
-    <p:sldId id="422" r:id="rId49"/>
-    <p:sldId id="478" r:id="rId50"/>
-    <p:sldId id="423" r:id="rId51"/>
-    <p:sldId id="418" r:id="rId52"/>
-    <p:sldId id="339" r:id="rId53"/>
-    <p:sldId id="427" r:id="rId54"/>
-    <p:sldId id="429" r:id="rId55"/>
-    <p:sldId id="428" r:id="rId56"/>
-    <p:sldId id="430" r:id="rId57"/>
-    <p:sldId id="431" r:id="rId58"/>
-    <p:sldId id="432" r:id="rId59"/>
-    <p:sldId id="355" r:id="rId60"/>
-    <p:sldId id="342" r:id="rId61"/>
-    <p:sldId id="436" r:id="rId62"/>
-    <p:sldId id="437" r:id="rId63"/>
-    <p:sldId id="442" r:id="rId64"/>
-    <p:sldId id="447" r:id="rId65"/>
-    <p:sldId id="443" r:id="rId66"/>
-    <p:sldId id="441" r:id="rId67"/>
-    <p:sldId id="448" r:id="rId68"/>
-    <p:sldId id="450" r:id="rId69"/>
-    <p:sldId id="451" r:id="rId70"/>
-    <p:sldId id="357" r:id="rId71"/>
-    <p:sldId id="452" r:id="rId72"/>
-    <p:sldId id="453" r:id="rId73"/>
-    <p:sldId id="454" r:id="rId74"/>
-    <p:sldId id="456" r:id="rId75"/>
-    <p:sldId id="468" r:id="rId76"/>
-    <p:sldId id="480" r:id="rId77"/>
-    <p:sldId id="481" r:id="rId78"/>
-    <p:sldId id="469" r:id="rId79"/>
-    <p:sldId id="455" r:id="rId80"/>
-    <p:sldId id="457" r:id="rId81"/>
-    <p:sldId id="458" r:id="rId82"/>
-    <p:sldId id="463" r:id="rId83"/>
-    <p:sldId id="465" r:id="rId84"/>
-    <p:sldId id="460" r:id="rId85"/>
-    <p:sldId id="434" r:id="rId86"/>
-    <p:sldId id="461" r:id="rId87"/>
+    <p:sldId id="482" r:id="rId37"/>
+    <p:sldId id="409" r:id="rId38"/>
+    <p:sldId id="475" r:id="rId39"/>
+    <p:sldId id="410" r:id="rId40"/>
+    <p:sldId id="467" r:id="rId41"/>
+    <p:sldId id="327" r:id="rId42"/>
+    <p:sldId id="335" r:id="rId43"/>
+    <p:sldId id="353" r:id="rId44"/>
+    <p:sldId id="415" r:id="rId45"/>
+    <p:sldId id="477" r:id="rId46"/>
+    <p:sldId id="420" r:id="rId47"/>
+    <p:sldId id="417" r:id="rId48"/>
+    <p:sldId id="421" r:id="rId49"/>
+    <p:sldId id="422" r:id="rId50"/>
+    <p:sldId id="478" r:id="rId51"/>
+    <p:sldId id="423" r:id="rId52"/>
+    <p:sldId id="418" r:id="rId53"/>
+    <p:sldId id="339" r:id="rId54"/>
+    <p:sldId id="427" r:id="rId55"/>
+    <p:sldId id="429" r:id="rId56"/>
+    <p:sldId id="428" r:id="rId57"/>
+    <p:sldId id="430" r:id="rId58"/>
+    <p:sldId id="431" r:id="rId59"/>
+    <p:sldId id="432" r:id="rId60"/>
+    <p:sldId id="355" r:id="rId61"/>
+    <p:sldId id="342" r:id="rId62"/>
+    <p:sldId id="436" r:id="rId63"/>
+    <p:sldId id="437" r:id="rId64"/>
+    <p:sldId id="442" r:id="rId65"/>
+    <p:sldId id="447" r:id="rId66"/>
+    <p:sldId id="443" r:id="rId67"/>
+    <p:sldId id="441" r:id="rId68"/>
+    <p:sldId id="448" r:id="rId69"/>
+    <p:sldId id="450" r:id="rId70"/>
+    <p:sldId id="451" r:id="rId71"/>
+    <p:sldId id="357" r:id="rId72"/>
+    <p:sldId id="452" r:id="rId73"/>
+    <p:sldId id="453" r:id="rId74"/>
+    <p:sldId id="454" r:id="rId75"/>
+    <p:sldId id="456" r:id="rId76"/>
+    <p:sldId id="468" r:id="rId77"/>
+    <p:sldId id="480" r:id="rId78"/>
+    <p:sldId id="481" r:id="rId79"/>
+    <p:sldId id="469" r:id="rId80"/>
+    <p:sldId id="455" r:id="rId81"/>
+    <p:sldId id="457" r:id="rId82"/>
+    <p:sldId id="458" r:id="rId83"/>
+    <p:sldId id="463" r:id="rId84"/>
+    <p:sldId id="465" r:id="rId85"/>
+    <p:sldId id="460" r:id="rId86"/>
+    <p:sldId id="434" r:id="rId87"/>
+    <p:sldId id="461" r:id="rId88"/>
   </p:sldIdLst>
   <p:sldSz cx="9144000" cy="6858000" type="screen4x3"/>
   <p:notesSz cx="6858000" cy="9144000"/>
@@ -211,15 +212,185 @@
 </p:presentation>
 </file>
 
+<file path=ppt/revisionInfo.xml><?xml version="1.0" encoding="utf-8"?>
+<p1510:revInfo xmlns:a="http://schemas.openxmlformats.org/drawingml/2006/main" xmlns:r="http://schemas.openxmlformats.org/officeDocument/2006/relationships" xmlns:p1510="http://schemas.microsoft.com/office/powerpoint/2015/10/main">
+  <p1510:revLst>
+    <p1510:client id="{0550724F-5D33-FC48-80B7-89CFFB601FB8}" v="7" dt="2020-10-27T16:19:16.680"/>
+  </p1510:revLst>
+</p1510:revInfo>
+</file>
+
 <file path=ppt/changesInfos/changesInfo1.xml><?xml version="1.0" encoding="utf-8"?>
 <pc:chgInfo xmlns:a="http://schemas.openxmlformats.org/drawingml/2006/main" xmlns:r="http://schemas.openxmlformats.org/officeDocument/2006/relationships" xmlns:ac="http://schemas.microsoft.com/office/drawing/2013/main/command" xmlns:pc="http://schemas.microsoft.com/office/powerpoint/2013/main/command">
   <pc:docChgLst>
     <pc:chgData name="Lin  Chen" userId="5b8d33d8-9b1a-4612-8f39-9bee1ddd9437" providerId="ADAL" clId="{0550724F-5D33-FC48-80B7-89CFFB601FB8}"/>
-    <pc:docChg chg="undo custSel modSld">
-      <pc:chgData name="Lin  Chen" userId="5b8d33d8-9b1a-4612-8f39-9bee1ddd9437" providerId="ADAL" clId="{0550724F-5D33-FC48-80B7-89CFFB601FB8}" dt="2020-10-22T17:14:24.270" v="27" actId="207"/>
+    <pc:docChg chg="undo custSel addSld delSld modSld sldOrd">
+      <pc:chgData name="Lin  Chen" userId="5b8d33d8-9b1a-4612-8f39-9bee1ddd9437" providerId="ADAL" clId="{0550724F-5D33-FC48-80B7-89CFFB601FB8}" dt="2020-10-27T16:41:48.747" v="396" actId="207"/>
       <pc:docMkLst>
         <pc:docMk/>
       </pc:docMkLst>
+      <pc:sldChg chg="modSp mod">
+        <pc:chgData name="Lin  Chen" userId="5b8d33d8-9b1a-4612-8f39-9bee1ddd9437" providerId="ADAL" clId="{0550724F-5D33-FC48-80B7-89CFFB601FB8}" dt="2020-10-27T15:33:51.625" v="77" actId="20577"/>
+        <pc:sldMkLst>
+          <pc:docMk/>
+          <pc:sldMk cId="0" sldId="302"/>
+        </pc:sldMkLst>
+        <pc:spChg chg="mod">
+          <ac:chgData name="Lin  Chen" userId="5b8d33d8-9b1a-4612-8f39-9bee1ddd9437" providerId="ADAL" clId="{0550724F-5D33-FC48-80B7-89CFFB601FB8}" dt="2020-10-27T15:33:51.625" v="77" actId="20577"/>
+          <ac:spMkLst>
+            <pc:docMk/>
+            <pc:sldMk cId="0" sldId="302"/>
+            <ac:spMk id="3" creationId="{00000000-0000-0000-0000-000000000000}"/>
+          </ac:spMkLst>
+        </pc:spChg>
+      </pc:sldChg>
+      <pc:sldChg chg="ord">
+        <pc:chgData name="Lin  Chen" userId="5b8d33d8-9b1a-4612-8f39-9bee1ddd9437" providerId="ADAL" clId="{0550724F-5D33-FC48-80B7-89CFFB601FB8}" dt="2020-10-27T15:41:04.540" v="152" actId="20578"/>
+        <pc:sldMkLst>
+          <pc:docMk/>
+          <pc:sldMk cId="0" sldId="304"/>
+        </pc:sldMkLst>
+      </pc:sldChg>
+      <pc:sldChg chg="modSp mod">
+        <pc:chgData name="Lin  Chen" userId="5b8d33d8-9b1a-4612-8f39-9bee1ddd9437" providerId="ADAL" clId="{0550724F-5D33-FC48-80B7-89CFFB601FB8}" dt="2020-10-27T15:42:11.482" v="155" actId="207"/>
+        <pc:sldMkLst>
+          <pc:docMk/>
+          <pc:sldMk cId="0" sldId="306"/>
+        </pc:sldMkLst>
+        <pc:spChg chg="mod">
+          <ac:chgData name="Lin  Chen" userId="5b8d33d8-9b1a-4612-8f39-9bee1ddd9437" providerId="ADAL" clId="{0550724F-5D33-FC48-80B7-89CFFB601FB8}" dt="2020-10-27T15:42:11.482" v="155" actId="207"/>
+          <ac:spMkLst>
+            <pc:docMk/>
+            <pc:sldMk cId="0" sldId="306"/>
+            <ac:spMk id="3" creationId="{00000000-0000-0000-0000-000000000000}"/>
+          </ac:spMkLst>
+        </pc:spChg>
+      </pc:sldChg>
+      <pc:sldChg chg="delSp modSp add del mod">
+        <pc:chgData name="Lin  Chen" userId="5b8d33d8-9b1a-4612-8f39-9bee1ddd9437" providerId="ADAL" clId="{0550724F-5D33-FC48-80B7-89CFFB601FB8}" dt="2020-10-27T16:20:27.913" v="386" actId="113"/>
+        <pc:sldMkLst>
+          <pc:docMk/>
+          <pc:sldMk cId="0" sldId="319"/>
+        </pc:sldMkLst>
+        <pc:spChg chg="mod">
+          <ac:chgData name="Lin  Chen" userId="5b8d33d8-9b1a-4612-8f39-9bee1ddd9437" providerId="ADAL" clId="{0550724F-5D33-FC48-80B7-89CFFB601FB8}" dt="2020-10-27T16:20:27.913" v="386" actId="113"/>
+          <ac:spMkLst>
+            <pc:docMk/>
+            <pc:sldMk cId="0" sldId="319"/>
+            <ac:spMk id="3" creationId="{00000000-0000-0000-0000-000000000000}"/>
+          </ac:spMkLst>
+        </pc:spChg>
+        <pc:spChg chg="del">
+          <ac:chgData name="Lin  Chen" userId="5b8d33d8-9b1a-4612-8f39-9bee1ddd9437" providerId="ADAL" clId="{0550724F-5D33-FC48-80B7-89CFFB601FB8}" dt="2020-10-27T16:19:25.247" v="167" actId="478"/>
+          <ac:spMkLst>
+            <pc:docMk/>
+            <pc:sldMk cId="0" sldId="319"/>
+            <ac:spMk id="6" creationId="{00000000-0000-0000-0000-000000000000}"/>
+          </ac:spMkLst>
+        </pc:spChg>
+        <pc:spChg chg="del">
+          <ac:chgData name="Lin  Chen" userId="5b8d33d8-9b1a-4612-8f39-9bee1ddd9437" providerId="ADAL" clId="{0550724F-5D33-FC48-80B7-89CFFB601FB8}" dt="2020-10-27T16:19:25.247" v="167" actId="478"/>
+          <ac:spMkLst>
+            <pc:docMk/>
+            <pc:sldMk cId="0" sldId="319"/>
+            <ac:spMk id="7" creationId="{00000000-0000-0000-0000-000000000000}"/>
+          </ac:spMkLst>
+        </pc:spChg>
+        <pc:spChg chg="del">
+          <ac:chgData name="Lin  Chen" userId="5b8d33d8-9b1a-4612-8f39-9bee1ddd9437" providerId="ADAL" clId="{0550724F-5D33-FC48-80B7-89CFFB601FB8}" dt="2020-10-27T16:19:25.247" v="167" actId="478"/>
+          <ac:spMkLst>
+            <pc:docMk/>
+            <pc:sldMk cId="0" sldId="319"/>
+            <ac:spMk id="8" creationId="{00000000-0000-0000-0000-000000000000}"/>
+          </ac:spMkLst>
+        </pc:spChg>
+        <pc:spChg chg="del">
+          <ac:chgData name="Lin  Chen" userId="5b8d33d8-9b1a-4612-8f39-9bee1ddd9437" providerId="ADAL" clId="{0550724F-5D33-FC48-80B7-89CFFB601FB8}" dt="2020-10-27T16:19:25.247" v="167" actId="478"/>
+          <ac:spMkLst>
+            <pc:docMk/>
+            <pc:sldMk cId="0" sldId="319"/>
+            <ac:spMk id="9" creationId="{00000000-0000-0000-0000-000000000000}"/>
+          </ac:spMkLst>
+        </pc:spChg>
+        <pc:spChg chg="del">
+          <ac:chgData name="Lin  Chen" userId="5b8d33d8-9b1a-4612-8f39-9bee1ddd9437" providerId="ADAL" clId="{0550724F-5D33-FC48-80B7-89CFFB601FB8}" dt="2020-10-27T16:19:25.247" v="167" actId="478"/>
+          <ac:spMkLst>
+            <pc:docMk/>
+            <pc:sldMk cId="0" sldId="319"/>
+            <ac:spMk id="10" creationId="{00000000-0000-0000-0000-000000000000}"/>
+          </ac:spMkLst>
+        </pc:spChg>
+        <pc:spChg chg="del">
+          <ac:chgData name="Lin  Chen" userId="5b8d33d8-9b1a-4612-8f39-9bee1ddd9437" providerId="ADAL" clId="{0550724F-5D33-FC48-80B7-89CFFB601FB8}" dt="2020-10-27T16:19:25.247" v="167" actId="478"/>
+          <ac:spMkLst>
+            <pc:docMk/>
+            <pc:sldMk cId="0" sldId="319"/>
+            <ac:spMk id="11" creationId="{00000000-0000-0000-0000-000000000000}"/>
+          </ac:spMkLst>
+        </pc:spChg>
+        <pc:spChg chg="del">
+          <ac:chgData name="Lin  Chen" userId="5b8d33d8-9b1a-4612-8f39-9bee1ddd9437" providerId="ADAL" clId="{0550724F-5D33-FC48-80B7-89CFFB601FB8}" dt="2020-10-27T16:19:25.247" v="167" actId="478"/>
+          <ac:spMkLst>
+            <pc:docMk/>
+            <pc:sldMk cId="0" sldId="319"/>
+            <ac:spMk id="12" creationId="{00000000-0000-0000-0000-000000000000}"/>
+          </ac:spMkLst>
+        </pc:spChg>
+        <pc:spChg chg="del">
+          <ac:chgData name="Lin  Chen" userId="5b8d33d8-9b1a-4612-8f39-9bee1ddd9437" providerId="ADAL" clId="{0550724F-5D33-FC48-80B7-89CFFB601FB8}" dt="2020-10-27T16:19:25.247" v="167" actId="478"/>
+          <ac:spMkLst>
+            <pc:docMk/>
+            <pc:sldMk cId="0" sldId="319"/>
+            <ac:spMk id="13" creationId="{00000000-0000-0000-0000-000000000000}"/>
+          </ac:spMkLst>
+        </pc:spChg>
+        <pc:spChg chg="del">
+          <ac:chgData name="Lin  Chen" userId="5b8d33d8-9b1a-4612-8f39-9bee1ddd9437" providerId="ADAL" clId="{0550724F-5D33-FC48-80B7-89CFFB601FB8}" dt="2020-10-27T16:19:25.247" v="167" actId="478"/>
+          <ac:spMkLst>
+            <pc:docMk/>
+            <pc:sldMk cId="0" sldId="319"/>
+            <ac:spMk id="14" creationId="{00000000-0000-0000-0000-000000000000}"/>
+          </ac:spMkLst>
+        </pc:spChg>
+        <pc:picChg chg="del">
+          <ac:chgData name="Lin  Chen" userId="5b8d33d8-9b1a-4612-8f39-9bee1ddd9437" providerId="ADAL" clId="{0550724F-5D33-FC48-80B7-89CFFB601FB8}" dt="2020-10-27T16:19:21.622" v="166" actId="478"/>
+          <ac:picMkLst>
+            <pc:docMk/>
+            <pc:sldMk cId="0" sldId="319"/>
+            <ac:picMk id="4" creationId="{00000000-0000-0000-0000-000000000000}"/>
+          </ac:picMkLst>
+        </pc:picChg>
+      </pc:sldChg>
+      <pc:sldChg chg="modSp mod">
+        <pc:chgData name="Lin  Chen" userId="5b8d33d8-9b1a-4612-8f39-9bee1ddd9437" providerId="ADAL" clId="{0550724F-5D33-FC48-80B7-89CFFB601FB8}" dt="2020-10-27T16:40:05.875" v="395" actId="207"/>
+        <pc:sldMkLst>
+          <pc:docMk/>
+          <pc:sldMk cId="0" sldId="327"/>
+        </pc:sldMkLst>
+        <pc:spChg chg="mod">
+          <ac:chgData name="Lin  Chen" userId="5b8d33d8-9b1a-4612-8f39-9bee1ddd9437" providerId="ADAL" clId="{0550724F-5D33-FC48-80B7-89CFFB601FB8}" dt="2020-10-27T16:40:05.875" v="395" actId="207"/>
+          <ac:spMkLst>
+            <pc:docMk/>
+            <pc:sldMk cId="0" sldId="327"/>
+            <ac:spMk id="3" creationId="{00000000-0000-0000-0000-000000000000}"/>
+          </ac:spMkLst>
+        </pc:spChg>
+      </pc:sldChg>
+      <pc:sldChg chg="modSp mod">
+        <pc:chgData name="Lin  Chen" userId="5b8d33d8-9b1a-4612-8f39-9bee1ddd9437" providerId="ADAL" clId="{0550724F-5D33-FC48-80B7-89CFFB601FB8}" dt="2020-10-27T16:41:48.747" v="396" actId="207"/>
+        <pc:sldMkLst>
+          <pc:docMk/>
+          <pc:sldMk cId="0" sldId="335"/>
+        </pc:sldMkLst>
+        <pc:spChg chg="mod">
+          <ac:chgData name="Lin  Chen" userId="5b8d33d8-9b1a-4612-8f39-9bee1ddd9437" providerId="ADAL" clId="{0550724F-5D33-FC48-80B7-89CFFB601FB8}" dt="2020-10-27T16:41:48.747" v="396" actId="207"/>
+          <ac:spMkLst>
+            <pc:docMk/>
+            <pc:sldMk cId="0" sldId="335"/>
+            <ac:spMk id="3" creationId="{00000000-0000-0000-0000-000000000000}"/>
+          </ac:spMkLst>
+        </pc:spChg>
+      </pc:sldChg>
       <pc:sldChg chg="modSp mod">
         <pc:chgData name="Lin  Chen" userId="5b8d33d8-9b1a-4612-8f39-9bee1ddd9437" providerId="ADAL" clId="{0550724F-5D33-FC48-80B7-89CFFB601FB8}" dt="2020-10-22T17:03:56.958" v="7" actId="207"/>
         <pc:sldMkLst>
@@ -306,6 +477,21 @@
           <ac:spMkLst>
             <pc:docMk/>
             <pc:sldMk cId="0" sldId="383"/>
+            <ac:spMk id="3" creationId="{00000000-0000-0000-0000-000000000000}"/>
+          </ac:spMkLst>
+        </pc:spChg>
+      </pc:sldChg>
+      <pc:sldChg chg="modSp mod">
+        <pc:chgData name="Lin  Chen" userId="5b8d33d8-9b1a-4612-8f39-9bee1ddd9437" providerId="ADAL" clId="{0550724F-5D33-FC48-80B7-89CFFB601FB8}" dt="2020-10-27T14:56:51.530" v="31" actId="207"/>
+        <pc:sldMkLst>
+          <pc:docMk/>
+          <pc:sldMk cId="0" sldId="390"/>
+        </pc:sldMkLst>
+        <pc:spChg chg="mod">
+          <ac:chgData name="Lin  Chen" userId="5b8d33d8-9b1a-4612-8f39-9bee1ddd9437" providerId="ADAL" clId="{0550724F-5D33-FC48-80B7-89CFFB601FB8}" dt="2020-10-27T14:56:51.530" v="31" actId="207"/>
+          <ac:spMkLst>
+            <pc:docMk/>
+            <pc:sldMk cId="0" sldId="390"/>
             <ac:spMk id="3" creationId="{00000000-0000-0000-0000-000000000000}"/>
           </ac:spMkLst>
         </pc:spChg>
@@ -401,6 +587,260 @@
           </ac:spMkLst>
         </pc:spChg>
       </pc:sldChg>
+      <pc:sldChg chg="ord">
+        <pc:chgData name="Lin  Chen" userId="5b8d33d8-9b1a-4612-8f39-9bee1ddd9437" providerId="ADAL" clId="{0550724F-5D33-FC48-80B7-89CFFB601FB8}" dt="2020-10-27T15:35:15.198" v="78" actId="20578"/>
+        <pc:sldMkLst>
+          <pc:docMk/>
+          <pc:sldMk cId="3334432247" sldId="404"/>
+        </pc:sldMkLst>
+      </pc:sldChg>
+      <pc:sldChg chg="modSp mod">
+        <pc:chgData name="Lin  Chen" userId="5b8d33d8-9b1a-4612-8f39-9bee1ddd9437" providerId="ADAL" clId="{0550724F-5D33-FC48-80B7-89CFFB601FB8}" dt="2020-10-27T15:43:20.578" v="156" actId="207"/>
+        <pc:sldMkLst>
+          <pc:docMk/>
+          <pc:sldMk cId="4132828845" sldId="405"/>
+        </pc:sldMkLst>
+        <pc:spChg chg="mod">
+          <ac:chgData name="Lin  Chen" userId="5b8d33d8-9b1a-4612-8f39-9bee1ddd9437" providerId="ADAL" clId="{0550724F-5D33-FC48-80B7-89CFFB601FB8}" dt="2020-10-27T15:43:20.578" v="156" actId="207"/>
+          <ac:spMkLst>
+            <pc:docMk/>
+            <pc:sldMk cId="4132828845" sldId="405"/>
+            <ac:spMk id="3" creationId="{00000000-0000-0000-0000-000000000000}"/>
+          </ac:spMkLst>
+        </pc:spChg>
+      </pc:sldChg>
+      <pc:sldChg chg="modSp mod">
+        <pc:chgData name="Lin  Chen" userId="5b8d33d8-9b1a-4612-8f39-9bee1ddd9437" providerId="ADAL" clId="{0550724F-5D33-FC48-80B7-89CFFB601FB8}" dt="2020-10-27T16:10:46.173" v="158" actId="207"/>
+        <pc:sldMkLst>
+          <pc:docMk/>
+          <pc:sldMk cId="2000387578" sldId="406"/>
+        </pc:sldMkLst>
+        <pc:spChg chg="mod">
+          <ac:chgData name="Lin  Chen" userId="5b8d33d8-9b1a-4612-8f39-9bee1ddd9437" providerId="ADAL" clId="{0550724F-5D33-FC48-80B7-89CFFB601FB8}" dt="2020-10-27T16:10:46.173" v="158" actId="207"/>
+          <ac:spMkLst>
+            <pc:docMk/>
+            <pc:sldMk cId="2000387578" sldId="406"/>
+            <ac:spMk id="3" creationId="{00000000-0000-0000-0000-000000000000}"/>
+          </ac:spMkLst>
+        </pc:spChg>
+      </pc:sldChg>
+      <pc:sldChg chg="modSp mod">
+        <pc:chgData name="Lin  Chen" userId="5b8d33d8-9b1a-4612-8f39-9bee1ddd9437" providerId="ADAL" clId="{0550724F-5D33-FC48-80B7-89CFFB601FB8}" dt="2020-10-27T16:10:57.385" v="159" actId="207"/>
+        <pc:sldMkLst>
+          <pc:docMk/>
+          <pc:sldMk cId="3328532882" sldId="408"/>
+        </pc:sldMkLst>
+        <pc:spChg chg="mod">
+          <ac:chgData name="Lin  Chen" userId="5b8d33d8-9b1a-4612-8f39-9bee1ddd9437" providerId="ADAL" clId="{0550724F-5D33-FC48-80B7-89CFFB601FB8}" dt="2020-10-27T16:10:57.385" v="159" actId="207"/>
+          <ac:spMkLst>
+            <pc:docMk/>
+            <pc:sldMk cId="3328532882" sldId="408"/>
+            <ac:spMk id="3" creationId="{00000000-0000-0000-0000-000000000000}"/>
+          </ac:spMkLst>
+        </pc:spChg>
+      </pc:sldChg>
+      <pc:sldChg chg="modSp mod">
+        <pc:chgData name="Lin  Chen" userId="5b8d33d8-9b1a-4612-8f39-9bee1ddd9437" providerId="ADAL" clId="{0550724F-5D33-FC48-80B7-89CFFB601FB8}" dt="2020-10-27T16:22:52.511" v="392" actId="207"/>
+        <pc:sldMkLst>
+          <pc:docMk/>
+          <pc:sldMk cId="803159991" sldId="410"/>
+        </pc:sldMkLst>
+        <pc:spChg chg="mod">
+          <ac:chgData name="Lin  Chen" userId="5b8d33d8-9b1a-4612-8f39-9bee1ddd9437" providerId="ADAL" clId="{0550724F-5D33-FC48-80B7-89CFFB601FB8}" dt="2020-10-27T16:22:52.511" v="392" actId="207"/>
+          <ac:spMkLst>
+            <pc:docMk/>
+            <pc:sldMk cId="803159991" sldId="410"/>
+            <ac:spMk id="3" creationId="{00000000-0000-0000-0000-000000000000}"/>
+          </ac:spMkLst>
+        </pc:spChg>
+      </pc:sldChg>
+      <pc:sldChg chg="modSp mod">
+        <pc:chgData name="Lin  Chen" userId="5b8d33d8-9b1a-4612-8f39-9bee1ddd9437" providerId="ADAL" clId="{0550724F-5D33-FC48-80B7-89CFFB601FB8}" dt="2020-10-27T16:15:30.094" v="162" actId="207"/>
+        <pc:sldMkLst>
+          <pc:docMk/>
+          <pc:sldMk cId="2206668227" sldId="466"/>
+        </pc:sldMkLst>
+        <pc:spChg chg="mod">
+          <ac:chgData name="Lin  Chen" userId="5b8d33d8-9b1a-4612-8f39-9bee1ddd9437" providerId="ADAL" clId="{0550724F-5D33-FC48-80B7-89CFFB601FB8}" dt="2020-10-27T16:15:30.094" v="162" actId="207"/>
+          <ac:spMkLst>
+            <pc:docMk/>
+            <pc:sldMk cId="2206668227" sldId="466"/>
+            <ac:spMk id="3" creationId="{00000000-0000-0000-0000-000000000000}"/>
+          </ac:spMkLst>
+        </pc:spChg>
+      </pc:sldChg>
+      <pc:sldChg chg="modSp mod">
+        <pc:chgData name="Lin  Chen" userId="5b8d33d8-9b1a-4612-8f39-9bee1ddd9437" providerId="ADAL" clId="{0550724F-5D33-FC48-80B7-89CFFB601FB8}" dt="2020-10-27T16:38:51.462" v="394" actId="20577"/>
+        <pc:sldMkLst>
+          <pc:docMk/>
+          <pc:sldMk cId="130525831" sldId="467"/>
+        </pc:sldMkLst>
+        <pc:spChg chg="mod">
+          <ac:chgData name="Lin  Chen" userId="5b8d33d8-9b1a-4612-8f39-9bee1ddd9437" providerId="ADAL" clId="{0550724F-5D33-FC48-80B7-89CFFB601FB8}" dt="2020-10-27T16:28:48.945" v="393" actId="20577"/>
+          <ac:spMkLst>
+            <pc:docMk/>
+            <pc:sldMk cId="130525831" sldId="467"/>
+            <ac:spMk id="2" creationId="{00000000-0000-0000-0000-000000000000}"/>
+          </ac:spMkLst>
+        </pc:spChg>
+        <pc:spChg chg="mod">
+          <ac:chgData name="Lin  Chen" userId="5b8d33d8-9b1a-4612-8f39-9bee1ddd9437" providerId="ADAL" clId="{0550724F-5D33-FC48-80B7-89CFFB601FB8}" dt="2020-10-27T16:38:51.462" v="394" actId="20577"/>
+          <ac:spMkLst>
+            <pc:docMk/>
+            <pc:sldMk cId="130525831" sldId="467"/>
+            <ac:spMk id="3" creationId="{00000000-0000-0000-0000-000000000000}"/>
+          </ac:spMkLst>
+        </pc:spChg>
+      </pc:sldChg>
+      <pc:sldChg chg="modSp mod">
+        <pc:chgData name="Lin  Chen" userId="5b8d33d8-9b1a-4612-8f39-9bee1ddd9437" providerId="ADAL" clId="{0550724F-5D33-FC48-80B7-89CFFB601FB8}" dt="2020-10-27T15:32:30.800" v="76" actId="14100"/>
+        <pc:sldMkLst>
+          <pc:docMk/>
+          <pc:sldMk cId="1458659913" sldId="473"/>
+        </pc:sldMkLst>
+        <pc:spChg chg="mod">
+          <ac:chgData name="Lin  Chen" userId="5b8d33d8-9b1a-4612-8f39-9bee1ddd9437" providerId="ADAL" clId="{0550724F-5D33-FC48-80B7-89CFFB601FB8}" dt="2020-10-27T15:31:58.526" v="72" actId="20577"/>
+          <ac:spMkLst>
+            <pc:docMk/>
+            <pc:sldMk cId="1458659913" sldId="473"/>
+            <ac:spMk id="3" creationId="{00000000-0000-0000-0000-000000000000}"/>
+          </ac:spMkLst>
+        </pc:spChg>
+        <pc:spChg chg="mod">
+          <ac:chgData name="Lin  Chen" userId="5b8d33d8-9b1a-4612-8f39-9bee1ddd9437" providerId="ADAL" clId="{0550724F-5D33-FC48-80B7-89CFFB601FB8}" dt="2020-10-27T15:32:30.800" v="76" actId="14100"/>
+          <ac:spMkLst>
+            <pc:docMk/>
+            <pc:sldMk cId="1458659913" sldId="473"/>
+            <ac:spMk id="4" creationId="{00000000-0000-0000-0000-000000000000}"/>
+          </ac:spMkLst>
+        </pc:spChg>
+      </pc:sldChg>
+      <pc:sldChg chg="addSp delSp modSp add mod">
+        <pc:chgData name="Lin  Chen" userId="5b8d33d8-9b1a-4612-8f39-9bee1ddd9437" providerId="ADAL" clId="{0550724F-5D33-FC48-80B7-89CFFB601FB8}" dt="2020-10-27T16:20:50.858" v="391" actId="1076"/>
+        <pc:sldMkLst>
+          <pc:docMk/>
+          <pc:sldMk cId="273729380" sldId="482"/>
+        </pc:sldMkLst>
+        <pc:spChg chg="del mod">
+          <ac:chgData name="Lin  Chen" userId="5b8d33d8-9b1a-4612-8f39-9bee1ddd9437" providerId="ADAL" clId="{0550724F-5D33-FC48-80B7-89CFFB601FB8}" dt="2020-10-27T16:20:37.770" v="389" actId="478"/>
+          <ac:spMkLst>
+            <pc:docMk/>
+            <pc:sldMk cId="273729380" sldId="482"/>
+            <ac:spMk id="3" creationId="{00000000-0000-0000-0000-000000000000}"/>
+          </ac:spMkLst>
+        </pc:spChg>
+        <pc:spChg chg="mod">
+          <ac:chgData name="Lin  Chen" userId="5b8d33d8-9b1a-4612-8f39-9bee1ddd9437" providerId="ADAL" clId="{0550724F-5D33-FC48-80B7-89CFFB601FB8}" dt="2020-10-27T16:20:50.858" v="391" actId="1076"/>
+          <ac:spMkLst>
+            <pc:docMk/>
+            <pc:sldMk cId="273729380" sldId="482"/>
+            <ac:spMk id="6" creationId="{00000000-0000-0000-0000-000000000000}"/>
+          </ac:spMkLst>
+        </pc:spChg>
+        <pc:spChg chg="mod">
+          <ac:chgData name="Lin  Chen" userId="5b8d33d8-9b1a-4612-8f39-9bee1ddd9437" providerId="ADAL" clId="{0550724F-5D33-FC48-80B7-89CFFB601FB8}" dt="2020-10-27T16:20:50.858" v="391" actId="1076"/>
+          <ac:spMkLst>
+            <pc:docMk/>
+            <pc:sldMk cId="273729380" sldId="482"/>
+            <ac:spMk id="7" creationId="{00000000-0000-0000-0000-000000000000}"/>
+          </ac:spMkLst>
+        </pc:spChg>
+        <pc:spChg chg="mod">
+          <ac:chgData name="Lin  Chen" userId="5b8d33d8-9b1a-4612-8f39-9bee1ddd9437" providerId="ADAL" clId="{0550724F-5D33-FC48-80B7-89CFFB601FB8}" dt="2020-10-27T16:20:50.858" v="391" actId="1076"/>
+          <ac:spMkLst>
+            <pc:docMk/>
+            <pc:sldMk cId="273729380" sldId="482"/>
+            <ac:spMk id="8" creationId="{00000000-0000-0000-0000-000000000000}"/>
+          </ac:spMkLst>
+        </pc:spChg>
+        <pc:spChg chg="mod">
+          <ac:chgData name="Lin  Chen" userId="5b8d33d8-9b1a-4612-8f39-9bee1ddd9437" providerId="ADAL" clId="{0550724F-5D33-FC48-80B7-89CFFB601FB8}" dt="2020-10-27T16:20:50.858" v="391" actId="1076"/>
+          <ac:spMkLst>
+            <pc:docMk/>
+            <pc:sldMk cId="273729380" sldId="482"/>
+            <ac:spMk id="9" creationId="{00000000-0000-0000-0000-000000000000}"/>
+          </ac:spMkLst>
+        </pc:spChg>
+        <pc:spChg chg="mod">
+          <ac:chgData name="Lin  Chen" userId="5b8d33d8-9b1a-4612-8f39-9bee1ddd9437" providerId="ADAL" clId="{0550724F-5D33-FC48-80B7-89CFFB601FB8}" dt="2020-10-27T16:20:50.858" v="391" actId="1076"/>
+          <ac:spMkLst>
+            <pc:docMk/>
+            <pc:sldMk cId="273729380" sldId="482"/>
+            <ac:spMk id="10" creationId="{00000000-0000-0000-0000-000000000000}"/>
+          </ac:spMkLst>
+        </pc:spChg>
+        <pc:spChg chg="mod">
+          <ac:chgData name="Lin  Chen" userId="5b8d33d8-9b1a-4612-8f39-9bee1ddd9437" providerId="ADAL" clId="{0550724F-5D33-FC48-80B7-89CFFB601FB8}" dt="2020-10-27T16:20:50.858" v="391" actId="1076"/>
+          <ac:spMkLst>
+            <pc:docMk/>
+            <pc:sldMk cId="273729380" sldId="482"/>
+            <ac:spMk id="11" creationId="{00000000-0000-0000-0000-000000000000}"/>
+          </ac:spMkLst>
+        </pc:spChg>
+        <pc:spChg chg="mod">
+          <ac:chgData name="Lin  Chen" userId="5b8d33d8-9b1a-4612-8f39-9bee1ddd9437" providerId="ADAL" clId="{0550724F-5D33-FC48-80B7-89CFFB601FB8}" dt="2020-10-27T16:20:50.858" v="391" actId="1076"/>
+          <ac:spMkLst>
+            <pc:docMk/>
+            <pc:sldMk cId="273729380" sldId="482"/>
+            <ac:spMk id="12" creationId="{00000000-0000-0000-0000-000000000000}"/>
+          </ac:spMkLst>
+        </pc:spChg>
+        <pc:spChg chg="mod">
+          <ac:chgData name="Lin  Chen" userId="5b8d33d8-9b1a-4612-8f39-9bee1ddd9437" providerId="ADAL" clId="{0550724F-5D33-FC48-80B7-89CFFB601FB8}" dt="2020-10-27T16:20:50.858" v="391" actId="1076"/>
+          <ac:spMkLst>
+            <pc:docMk/>
+            <pc:sldMk cId="273729380" sldId="482"/>
+            <ac:spMk id="13" creationId="{00000000-0000-0000-0000-000000000000}"/>
+          </ac:spMkLst>
+        </pc:spChg>
+        <pc:spChg chg="mod">
+          <ac:chgData name="Lin  Chen" userId="5b8d33d8-9b1a-4612-8f39-9bee1ddd9437" providerId="ADAL" clId="{0550724F-5D33-FC48-80B7-89CFFB601FB8}" dt="2020-10-27T16:20:50.858" v="391" actId="1076"/>
+          <ac:spMkLst>
+            <pc:docMk/>
+            <pc:sldMk cId="273729380" sldId="482"/>
+            <ac:spMk id="14" creationId="{00000000-0000-0000-0000-000000000000}"/>
+          </ac:spMkLst>
+        </pc:spChg>
+        <pc:spChg chg="add del mod">
+          <ac:chgData name="Lin  Chen" userId="5b8d33d8-9b1a-4612-8f39-9bee1ddd9437" providerId="ADAL" clId="{0550724F-5D33-FC48-80B7-89CFFB601FB8}" dt="2020-10-27T16:20:40.543" v="390" actId="478"/>
+          <ac:spMkLst>
+            <pc:docMk/>
+            <pc:sldMk cId="273729380" sldId="482"/>
+            <ac:spMk id="15" creationId="{4CA48CD7-F9B0-7F45-A381-5B35B8AB8F49}"/>
+          </ac:spMkLst>
+        </pc:spChg>
+        <pc:picChg chg="mod">
+          <ac:chgData name="Lin  Chen" userId="5b8d33d8-9b1a-4612-8f39-9bee1ddd9437" providerId="ADAL" clId="{0550724F-5D33-FC48-80B7-89CFFB601FB8}" dt="2020-10-27T16:20:50.858" v="391" actId="1076"/>
+          <ac:picMkLst>
+            <pc:docMk/>
+            <pc:sldMk cId="273729380" sldId="482"/>
+            <ac:picMk id="4" creationId="{00000000-0000-0000-0000-000000000000}"/>
+          </ac:picMkLst>
+        </pc:picChg>
+      </pc:sldChg>
+      <pc:sldChg chg="delSp modSp add del mod">
+        <pc:chgData name="Lin  Chen" userId="5b8d33d8-9b1a-4612-8f39-9bee1ddd9437" providerId="ADAL" clId="{0550724F-5D33-FC48-80B7-89CFFB601FB8}" dt="2020-10-27T15:41:07.567" v="153" actId="2696"/>
+        <pc:sldMkLst>
+          <pc:docMk/>
+          <pc:sldMk cId="3207662928" sldId="482"/>
+        </pc:sldMkLst>
+        <pc:spChg chg="mod">
+          <ac:chgData name="Lin  Chen" userId="5b8d33d8-9b1a-4612-8f39-9bee1ddd9437" providerId="ADAL" clId="{0550724F-5D33-FC48-80B7-89CFFB601FB8}" dt="2020-10-27T15:38:18.728" v="150" actId="20577"/>
+          <ac:spMkLst>
+            <pc:docMk/>
+            <pc:sldMk cId="3207662928" sldId="482"/>
+            <ac:spMk id="3" creationId="{00000000-0000-0000-0000-000000000000}"/>
+          </ac:spMkLst>
+        </pc:spChg>
+        <pc:spChg chg="del">
+          <ac:chgData name="Lin  Chen" userId="5b8d33d8-9b1a-4612-8f39-9bee1ddd9437" providerId="ADAL" clId="{0550724F-5D33-FC48-80B7-89CFFB601FB8}" dt="2020-10-27T15:38:25.297" v="151" actId="478"/>
+          <ac:spMkLst>
+            <pc:docMk/>
+            <pc:sldMk cId="3207662928" sldId="482"/>
+            <ac:spMk id="5" creationId="{00000000-0000-0000-0000-000000000000}"/>
+          </ac:spMkLst>
+        </pc:spChg>
+      </pc:sldChg>
     </pc:docChg>
   </pc:docChgLst>
 </pc:chgInfo>
@@ -489,7 +929,7 @@
             <a:fld id="{F62EE97F-2327-4FE9-8874-2C0F3581839A}" type="datetimeFigureOut">
               <a:rPr lang="en-US" smtClean="0"/>
               <a:pPr/>
-              <a:t>10/22/20</a:t>
+              <a:t>10/27/20</a:t>
             </a:fld>
             <a:endParaRPr lang="en-US"/>
           </a:p>
@@ -825,7 +1265,7 @@
             <a:fld id="{8A6B134D-0EB3-42CB-9322-AA369738187D}" type="slidenum">
               <a:rPr lang="en-US" smtClean="0"/>
               <a:pPr/>
-              <a:t>69</a:t>
+              <a:t>70</a:t>
             </a:fld>
             <a:endParaRPr lang="en-US"/>
           </a:p>
@@ -1016,7 +1456,7 @@
             <a:fld id="{74223539-C274-414E-836E-21403C9CE2AE}" type="datetimeFigureOut">
               <a:rPr lang="en-US" smtClean="0"/>
               <a:pPr/>
-              <a:t>10/22/20</a:t>
+              <a:t>10/27/20</a:t>
             </a:fld>
             <a:endParaRPr lang="en-US"/>
           </a:p>
@@ -1182,7 +1622,7 @@
             <a:fld id="{74223539-C274-414E-836E-21403C9CE2AE}" type="datetimeFigureOut">
               <a:rPr lang="en-US" smtClean="0"/>
               <a:pPr/>
-              <a:t>10/22/20</a:t>
+              <a:t>10/27/20</a:t>
             </a:fld>
             <a:endParaRPr lang="en-US"/>
           </a:p>
@@ -1358,7 +1798,7 @@
             <a:fld id="{74223539-C274-414E-836E-21403C9CE2AE}" type="datetimeFigureOut">
               <a:rPr lang="en-US" smtClean="0"/>
               <a:pPr/>
-              <a:t>10/22/20</a:t>
+              <a:t>10/27/20</a:t>
             </a:fld>
             <a:endParaRPr lang="en-US"/>
           </a:p>
@@ -1524,7 +1964,7 @@
             <a:fld id="{74223539-C274-414E-836E-21403C9CE2AE}" type="datetimeFigureOut">
               <a:rPr lang="en-US" smtClean="0"/>
               <a:pPr/>
-              <a:t>10/22/20</a:t>
+              <a:t>10/27/20</a:t>
             </a:fld>
             <a:endParaRPr lang="en-US"/>
           </a:p>
@@ -1767,7 +2207,7 @@
             <a:fld id="{74223539-C274-414E-836E-21403C9CE2AE}" type="datetimeFigureOut">
               <a:rPr lang="en-US" smtClean="0"/>
               <a:pPr/>
-              <a:t>10/22/20</a:t>
+              <a:t>10/27/20</a:t>
             </a:fld>
             <a:endParaRPr lang="en-US"/>
           </a:p>
@@ -2032,7 +2472,7 @@
             <a:fld id="{74223539-C274-414E-836E-21403C9CE2AE}" type="datetimeFigureOut">
               <a:rPr lang="en-US" smtClean="0"/>
               <a:pPr/>
-              <a:t>10/22/20</a:t>
+              <a:t>10/27/20</a:t>
             </a:fld>
             <a:endParaRPr lang="en-US"/>
           </a:p>
@@ -2411,7 +2851,7 @@
             <a:fld id="{74223539-C274-414E-836E-21403C9CE2AE}" type="datetimeFigureOut">
               <a:rPr lang="en-US" smtClean="0"/>
               <a:pPr/>
-              <a:t>10/22/20</a:t>
+              <a:t>10/27/20</a:t>
             </a:fld>
             <a:endParaRPr lang="en-US"/>
           </a:p>
@@ -2562,7 +3002,7 @@
             <a:fld id="{74223539-C274-414E-836E-21403C9CE2AE}" type="datetimeFigureOut">
               <a:rPr lang="en-US" smtClean="0"/>
               <a:pPr/>
-              <a:t>10/22/20</a:t>
+              <a:t>10/27/20</a:t>
             </a:fld>
             <a:endParaRPr lang="en-US"/>
           </a:p>
@@ -2654,7 +3094,7 @@
             <a:fld id="{74223539-C274-414E-836E-21403C9CE2AE}" type="datetimeFigureOut">
               <a:rPr lang="en-US" smtClean="0"/>
               <a:pPr/>
-              <a:t>10/22/20</a:t>
+              <a:t>10/27/20</a:t>
             </a:fld>
             <a:endParaRPr lang="en-US"/>
           </a:p>
@@ -2916,7 +3356,7 @@
             <a:fld id="{74223539-C274-414E-836E-21403C9CE2AE}" type="datetimeFigureOut">
               <a:rPr lang="en-US" smtClean="0"/>
               <a:pPr/>
-              <a:t>10/22/20</a:t>
+              <a:t>10/27/20</a:t>
             </a:fld>
             <a:endParaRPr lang="en-US"/>
           </a:p>
@@ -3205,7 +3645,7 @@
             <a:fld id="{74223539-C274-414E-836E-21403C9CE2AE}" type="datetimeFigureOut">
               <a:rPr lang="en-US" smtClean="0"/>
               <a:pPr/>
-              <a:t>10/22/20</a:t>
+              <a:t>10/27/20</a:t>
             </a:fld>
             <a:endParaRPr lang="en-US"/>
           </a:p>
@@ -3976,7 +4416,7 @@
             <a:fld id="{74223539-C274-414E-836E-21403C9CE2AE}" type="datetimeFigureOut">
               <a:rPr lang="en-US" smtClean="0"/>
               <a:pPr/>
-              <a:t>10/22/20</a:t>
+              <a:t>10/27/20</a:t>
             </a:fld>
             <a:endParaRPr lang="en-US"/>
           </a:p>
@@ -6788,7 +7228,11 @@
               <a:t> are called </a:t>
             </a:r>
             <a:r>
-              <a:rPr lang="en-US" i="1" dirty="0"/>
+              <a:rPr lang="en-US" i="1" dirty="0">
+                <a:solidFill>
+                  <a:srgbClr val="FF0000"/>
+                </a:solidFill>
+              </a:rPr>
               <a:t>adjacent</a:t>
             </a:r>
             <a:r>
@@ -6949,20 +7393,40 @@
               <a:t>), denoted by </a:t>
             </a:r>
             <a:r>
-              <a:rPr lang="en-US" i="1" dirty="0"/>
+              <a:rPr lang="en-US" i="1" dirty="0">
+                <a:solidFill>
+                  <a:srgbClr val="FF0000"/>
+                </a:solidFill>
+              </a:rPr>
               <a:t>N</a:t>
             </a:r>
             <a:r>
-              <a:rPr lang="en-US" dirty="0"/>
+              <a:rPr lang="en-US" dirty="0">
+                <a:solidFill>
+                  <a:srgbClr val="FF0000"/>
+                </a:solidFill>
+              </a:rPr>
               <a:t>(</a:t>
             </a:r>
             <a:r>
-              <a:rPr lang="en-US" i="1" dirty="0"/>
+              <a:rPr lang="en-US" i="1" dirty="0">
+                <a:solidFill>
+                  <a:srgbClr val="FF0000"/>
+                </a:solidFill>
+              </a:rPr>
               <a:t>v</a:t>
             </a:r>
             <a:r>
-              <a:rPr lang="en-US" dirty="0"/>
-              <a:t>), is called the </a:t>
+              <a:rPr lang="en-US" dirty="0">
+                <a:solidFill>
+                  <a:srgbClr val="FF0000"/>
+                </a:solidFill>
+              </a:rPr>
+              <a:t>), </a:t>
+            </a:r>
+            <a:r>
+              <a:rPr lang="en-US" dirty="0"/>
+              <a:t>is called the </a:t>
             </a:r>
             <a:r>
               <a:rPr lang="en-US" i="1" dirty="0"/>
@@ -7057,8 +7521,16 @@
               <a:t>. The </a:t>
             </a:r>
             <a:r>
-              <a:rPr lang="en-US" i="1" dirty="0"/>
-              <a:t>degree of a vertex in a undirected graph </a:t>
+              <a:rPr lang="en-US" i="1" dirty="0">
+                <a:solidFill>
+                  <a:srgbClr val="FF0000"/>
+                </a:solidFill>
+              </a:rPr>
+              <a:t>degree of a vertex </a:t>
+            </a:r>
+            <a:r>
+              <a:rPr lang="en-US" i="1" dirty="0"/>
+              <a:t>in a undirected graph </a:t>
             </a:r>
             <a:r>
               <a:rPr lang="en-US" dirty="0"/>
@@ -7073,20 +7545,40 @@
               <a:t> is denoted by </a:t>
             </a:r>
             <a:r>
-              <a:rPr lang="en-US" dirty="0" err="1"/>
+              <a:rPr lang="en-US" dirty="0" err="1">
+                <a:solidFill>
+                  <a:srgbClr val="FF0000"/>
+                </a:solidFill>
+              </a:rPr>
               <a:t>deg</a:t>
             </a:r>
             <a:r>
-              <a:rPr lang="en-US" dirty="0"/>
+              <a:rPr lang="en-US" dirty="0">
+                <a:solidFill>
+                  <a:srgbClr val="FF0000"/>
+                </a:solidFill>
+              </a:rPr>
               <a:t>(</a:t>
             </a:r>
             <a:r>
-              <a:rPr lang="en-US" i="1" dirty="0"/>
+              <a:rPr lang="en-US" i="1" dirty="0">
+                <a:solidFill>
+                  <a:srgbClr val="FF0000"/>
+                </a:solidFill>
+              </a:rPr>
               <a:t>v</a:t>
             </a:r>
             <a:r>
-              <a:rPr lang="en-US" dirty="0"/>
-              <a:t>).</a:t>
+              <a:rPr lang="en-US" dirty="0">
+                <a:solidFill>
+                  <a:srgbClr val="FF0000"/>
+                </a:solidFill>
+              </a:rPr>
+              <a:t>)</a:t>
+            </a:r>
+            <a:r>
+              <a:rPr lang="en-US" dirty="0"/>
+              <a:t>.</a:t>
             </a:r>
           </a:p>
         </p:txBody>
@@ -7943,6 +8435,258 @@
 </file>
 
 <file path=ppt/slides/slide23.xml><?xml version="1.0" encoding="utf-8"?>
+<p:sld xmlns:a="http://schemas.openxmlformats.org/drawingml/2006/main" xmlns:r="http://schemas.openxmlformats.org/officeDocument/2006/relationships" xmlns:p="http://schemas.openxmlformats.org/presentationml/2006/main">
+  <p:cSld>
+    <p:spTree>
+      <p:nvGrpSpPr>
+        <p:cNvPr id="1" name=""/>
+        <p:cNvGrpSpPr/>
+        <p:nvPr/>
+      </p:nvGrpSpPr>
+      <p:grpSpPr>
+        <a:xfrm>
+          <a:off x="0" y="0"/>
+          <a:ext cx="0" cy="0"/>
+          <a:chOff x="0" y="0"/>
+          <a:chExt cx="0" cy="0"/>
+        </a:xfrm>
+      </p:grpSpPr>
+      <p:sp>
+        <p:nvSpPr>
+          <p:cNvPr id="4" name="Rectangle 3" descr="ch10_Page_040"/>
+          <p:cNvSpPr>
+            <a:spLocks noGrp="1" noChangeAspect="1" noChangeArrowheads="1"/>
+          </p:cNvSpPr>
+          <p:nvPr isPhoto="1"/>
+        </p:nvSpPr>
+        <p:spPr bwMode="auto">
+          <a:xfrm>
+            <a:off x="2438400" y="3624525"/>
+            <a:ext cx="3704627" cy="3081075"/>
+          </a:xfrm>
+          <a:prstGeom prst="rect">
+            <a:avLst/>
+          </a:prstGeom>
+          <a:blipFill dpi="0" rotWithShape="1">
+            <a:blip r:embed="rId2"/>
+            <a:srcRect/>
+            <a:stretch>
+              <a:fillRect/>
+            </a:stretch>
+          </a:blipFill>
+          <a:ln w="9525">
+            <a:solidFill>
+              <a:schemeClr val="tx1"/>
+            </a:solidFill>
+            <a:miter lim="800000"/>
+            <a:headEnd/>
+            <a:tailEnd/>
+          </a:ln>
+          <a:effectLst/>
+          <a:extLst>
+            <a:ext uri="{AF507438-7753-43E0-B8FC-AC1667EBCBE1}">
+              <a14:hiddenEffects xmlns:a14="http://schemas.microsoft.com/office/drawing/2010/main">
+                <a:effectLst>
+                  <a:outerShdw dist="35921" dir="2700000" algn="ctr" rotWithShape="0">
+                    <a:schemeClr val="bg2"/>
+                  </a:outerShdw>
+                </a:effectLst>
+              </a14:hiddenEffects>
+            </a:ext>
+          </a:extLst>
+        </p:spPr>
+        <p:txBody>
+          <a:bodyPr/>
+          <a:lstStyle/>
+          <a:p>
+            <a:endParaRPr lang="en-US"/>
+          </a:p>
+        </p:txBody>
+      </p:sp>
+      <p:sp>
+        <p:nvSpPr>
+          <p:cNvPr id="2" name="Title 1"/>
+          <p:cNvSpPr>
+            <a:spLocks noGrp="1"/>
+          </p:cNvSpPr>
+          <p:nvPr>
+            <p:ph type="title"/>
+          </p:nvPr>
+        </p:nvSpPr>
+        <p:spPr/>
+        <p:txBody>
+          <a:bodyPr/>
+          <a:lstStyle/>
+          <a:p>
+            <a:r>
+              <a:rPr lang="en-US" dirty="0"/>
+              <a:t>Classroom Exercise</a:t>
+            </a:r>
+          </a:p>
+        </p:txBody>
+      </p:sp>
+      <p:sp>
+        <p:nvSpPr>
+          <p:cNvPr id="3" name="Content Placeholder 2"/>
+          <p:cNvSpPr>
+            <a:spLocks noGrp="1"/>
+          </p:cNvSpPr>
+          <p:nvPr>
+            <p:ph idx="1"/>
+          </p:nvPr>
+        </p:nvSpPr>
+        <p:spPr/>
+        <p:txBody>
+          <a:bodyPr/>
+          <a:lstStyle/>
+          <a:p>
+            <a:r>
+              <a:rPr lang="en-US" dirty="0"/>
+              <a:t>Find the number of vertices, the number of edges, and the degree of each vertex in the given undirected graph. Identify all isolated (degree is zero) and pendant vertices (degree is one).</a:t>
+            </a:r>
+          </a:p>
+        </p:txBody>
+      </p:sp>
+    </p:spTree>
+    <p:extLst>
+      <p:ext uri="{BB962C8B-B14F-4D97-AF65-F5344CB8AC3E}">
+        <p14:creationId xmlns:p14="http://schemas.microsoft.com/office/powerpoint/2010/main" val="1458659913"/>
+      </p:ext>
+    </p:extLst>
+  </p:cSld>
+  <p:clrMapOvr>
+    <a:masterClrMapping/>
+  </p:clrMapOvr>
+</p:sld>
+</file>
+
+<file path=ppt/slides/slide24.xml><?xml version="1.0" encoding="utf-8"?>
+<p:sld xmlns:a="http://schemas.openxmlformats.org/drawingml/2006/main" xmlns:r="http://schemas.openxmlformats.org/officeDocument/2006/relationships" xmlns:p="http://schemas.openxmlformats.org/presentationml/2006/main">
+  <p:cSld>
+    <p:spTree>
+      <p:nvGrpSpPr>
+        <p:cNvPr id="1" name=""/>
+        <p:cNvGrpSpPr/>
+        <p:nvPr/>
+      </p:nvGrpSpPr>
+      <p:grpSpPr>
+        <a:xfrm>
+          <a:off x="0" y="0"/>
+          <a:ext cx="0" cy="0"/>
+          <a:chOff x="0" y="0"/>
+          <a:chExt cx="0" cy="0"/>
+        </a:xfrm>
+      </p:grpSpPr>
+      <p:sp>
+        <p:nvSpPr>
+          <p:cNvPr id="2" name="Title 1"/>
+          <p:cNvSpPr>
+            <a:spLocks noGrp="1"/>
+          </p:cNvSpPr>
+          <p:nvPr>
+            <p:ph type="title"/>
+          </p:nvPr>
+        </p:nvSpPr>
+        <p:spPr/>
+        <p:txBody>
+          <a:bodyPr/>
+          <a:lstStyle/>
+          <a:p>
+            <a:r>
+              <a:rPr lang="en-US" dirty="0"/>
+              <a:t>Classroom Exercise</a:t>
+            </a:r>
+          </a:p>
+        </p:txBody>
+      </p:sp>
+      <p:sp>
+        <p:nvSpPr>
+          <p:cNvPr id="3" name="Content Placeholder 2"/>
+          <p:cNvSpPr>
+            <a:spLocks noGrp="1"/>
+          </p:cNvSpPr>
+          <p:nvPr>
+            <p:ph idx="1"/>
+          </p:nvPr>
+        </p:nvSpPr>
+        <p:spPr/>
+        <p:txBody>
+          <a:bodyPr/>
+          <a:lstStyle/>
+          <a:p>
+            <a:r>
+              <a:rPr lang="en-US" dirty="0"/>
+              <a:t>Find the number of vertices, the number of edges, and the degree of each vertex in the given undirected graph. Identify all isolated and pendant vertices.</a:t>
+            </a:r>
+          </a:p>
+        </p:txBody>
+      </p:sp>
+      <p:sp>
+        <p:nvSpPr>
+          <p:cNvPr id="5" name="Rectangle 3" descr="ch10_Page_042"/>
+          <p:cNvSpPr>
+            <a:spLocks noGrp="1" noChangeAspect="1" noChangeArrowheads="1"/>
+          </p:cNvSpPr>
+          <p:nvPr isPhoto="1"/>
+        </p:nvSpPr>
+        <p:spPr bwMode="auto">
+          <a:xfrm>
+            <a:off x="2057400" y="3163513"/>
+            <a:ext cx="4572000" cy="3429000"/>
+          </a:xfrm>
+          <a:prstGeom prst="rect">
+            <a:avLst/>
+          </a:prstGeom>
+          <a:blipFill dpi="0" rotWithShape="1">
+            <a:blip r:embed="rId2"/>
+            <a:srcRect/>
+            <a:stretch>
+              <a:fillRect/>
+            </a:stretch>
+          </a:blipFill>
+          <a:ln w="9525">
+            <a:solidFill>
+              <a:schemeClr val="tx1"/>
+            </a:solidFill>
+            <a:miter lim="800000"/>
+            <a:headEnd/>
+            <a:tailEnd/>
+          </a:ln>
+          <a:effectLst/>
+          <a:extLst>
+            <a:ext uri="{AF507438-7753-43E0-B8FC-AC1667EBCBE1}">
+              <a14:hiddenEffects xmlns:a14="http://schemas.microsoft.com/office/drawing/2010/main">
+                <a:effectLst>
+                  <a:outerShdw dist="35921" dir="2700000" algn="ctr" rotWithShape="0">
+                    <a:schemeClr val="bg2"/>
+                  </a:outerShdw>
+                </a:effectLst>
+              </a14:hiddenEffects>
+            </a:ext>
+          </a:extLst>
+        </p:spPr>
+        <p:txBody>
+          <a:bodyPr/>
+          <a:lstStyle/>
+          <a:p>
+            <a:endParaRPr lang="en-US"/>
+          </a:p>
+        </p:txBody>
+      </p:sp>
+    </p:spTree>
+    <p:extLst>
+      <p:ext uri="{BB962C8B-B14F-4D97-AF65-F5344CB8AC3E}">
+        <p14:creationId xmlns:p14="http://schemas.microsoft.com/office/powerpoint/2010/main" val="701905873"/>
+      </p:ext>
+    </p:extLst>
+  </p:cSld>
+  <p:clrMapOvr>
+    <a:masterClrMapping/>
+  </p:clrMapOvr>
+</p:sld>
+</file>
+
+<file path=ppt/slides/slide25.xml><?xml version="1.0" encoding="utf-8"?>
 <p:sld xmlns:a="http://schemas.openxmlformats.org/drawingml/2006/main" xmlns:r="http://schemas.openxmlformats.org/officeDocument/2006/relationships" xmlns:p="http://schemas.openxmlformats.org/presentationml/2006/main">
   <p:cSld>
     <p:spTree>
@@ -8329,528 +9073,7 @@
 </p:sld>
 </file>
 
-<file path=ppt/slides/slide24.xml><?xml version="1.0" encoding="utf-8"?>
-<p:sld xmlns:a="http://schemas.openxmlformats.org/drawingml/2006/main" xmlns:r="http://schemas.openxmlformats.org/officeDocument/2006/relationships" xmlns:p="http://schemas.openxmlformats.org/presentationml/2006/main">
-  <p:cSld>
-    <p:spTree>
-      <p:nvGrpSpPr>
-        <p:cNvPr id="1" name=""/>
-        <p:cNvGrpSpPr/>
-        <p:nvPr/>
-      </p:nvGrpSpPr>
-      <p:grpSpPr>
-        <a:xfrm>
-          <a:off x="0" y="0"/>
-          <a:ext cx="0" cy="0"/>
-          <a:chOff x="0" y="0"/>
-          <a:chExt cx="0" cy="0"/>
-        </a:xfrm>
-      </p:grpSpPr>
-      <p:sp>
-        <p:nvSpPr>
-          <p:cNvPr id="4" name="Rectangle 3" descr="ch10_Page_040"/>
-          <p:cNvSpPr>
-            <a:spLocks noGrp="1" noChangeAspect="1" noChangeArrowheads="1"/>
-          </p:cNvSpPr>
-          <p:nvPr isPhoto="1"/>
-        </p:nvSpPr>
-        <p:spPr bwMode="auto">
-          <a:xfrm>
-            <a:off x="2514600" y="3163513"/>
-            <a:ext cx="4170136" cy="3468232"/>
-          </a:xfrm>
-          <a:prstGeom prst="rect">
-            <a:avLst/>
-          </a:prstGeom>
-          <a:blipFill dpi="0" rotWithShape="1">
-            <a:blip r:embed="rId2"/>
-            <a:srcRect/>
-            <a:stretch>
-              <a:fillRect/>
-            </a:stretch>
-          </a:blipFill>
-          <a:ln w="9525">
-            <a:solidFill>
-              <a:schemeClr val="tx1"/>
-            </a:solidFill>
-            <a:miter lim="800000"/>
-            <a:headEnd/>
-            <a:tailEnd/>
-          </a:ln>
-          <a:effectLst/>
-          <a:extLst>
-            <a:ext uri="{AF507438-7753-43E0-B8FC-AC1667EBCBE1}">
-              <a14:hiddenEffects xmlns:a14="http://schemas.microsoft.com/office/drawing/2010/main">
-                <a:effectLst>
-                  <a:outerShdw dist="35921" dir="2700000" algn="ctr" rotWithShape="0">
-                    <a:schemeClr val="bg2"/>
-                  </a:outerShdw>
-                </a:effectLst>
-              </a14:hiddenEffects>
-            </a:ext>
-          </a:extLst>
-        </p:spPr>
-        <p:txBody>
-          <a:bodyPr/>
-          <a:lstStyle/>
-          <a:p>
-            <a:endParaRPr lang="en-US"/>
-          </a:p>
-        </p:txBody>
-      </p:sp>
-      <p:sp>
-        <p:nvSpPr>
-          <p:cNvPr id="2" name="Title 1"/>
-          <p:cNvSpPr>
-            <a:spLocks noGrp="1"/>
-          </p:cNvSpPr>
-          <p:nvPr>
-            <p:ph type="title"/>
-          </p:nvPr>
-        </p:nvSpPr>
-        <p:spPr/>
-        <p:txBody>
-          <a:bodyPr/>
-          <a:lstStyle/>
-          <a:p>
-            <a:r>
-              <a:rPr lang="en-US" dirty="0"/>
-              <a:t>Classroom Exercise</a:t>
-            </a:r>
-          </a:p>
-        </p:txBody>
-      </p:sp>
-      <p:sp>
-        <p:nvSpPr>
-          <p:cNvPr id="3" name="Content Placeholder 2"/>
-          <p:cNvSpPr>
-            <a:spLocks noGrp="1"/>
-          </p:cNvSpPr>
-          <p:nvPr>
-            <p:ph idx="1"/>
-          </p:nvPr>
-        </p:nvSpPr>
-        <p:spPr/>
-        <p:txBody>
-          <a:bodyPr/>
-          <a:lstStyle/>
-          <a:p>
-            <a:r>
-              <a:rPr lang="en-US" dirty="0"/>
-              <a:t>Find the number of vertices, the number of edges, and the degree of each vertex in the given undirected graph. Identify all isolated and pendant vertices.</a:t>
-            </a:r>
-          </a:p>
-        </p:txBody>
-      </p:sp>
-    </p:spTree>
-    <p:extLst>
-      <p:ext uri="{BB962C8B-B14F-4D97-AF65-F5344CB8AC3E}">
-        <p14:creationId xmlns:p14="http://schemas.microsoft.com/office/powerpoint/2010/main" val="1458659913"/>
-      </p:ext>
-    </p:extLst>
-  </p:cSld>
-  <p:clrMapOvr>
-    <a:masterClrMapping/>
-  </p:clrMapOvr>
-</p:sld>
-</file>
-
-<file path=ppt/slides/slide25.xml><?xml version="1.0" encoding="utf-8"?>
-<p:sld xmlns:a="http://schemas.openxmlformats.org/drawingml/2006/main" xmlns:r="http://schemas.openxmlformats.org/officeDocument/2006/relationships" xmlns:p="http://schemas.openxmlformats.org/presentationml/2006/main">
-  <p:cSld>
-    <p:spTree>
-      <p:nvGrpSpPr>
-        <p:cNvPr id="1" name=""/>
-        <p:cNvGrpSpPr/>
-        <p:nvPr/>
-      </p:nvGrpSpPr>
-      <p:grpSpPr>
-        <a:xfrm>
-          <a:off x="0" y="0"/>
-          <a:ext cx="0" cy="0"/>
-          <a:chOff x="0" y="0"/>
-          <a:chExt cx="0" cy="0"/>
-        </a:xfrm>
-      </p:grpSpPr>
-      <p:sp>
-        <p:nvSpPr>
-          <p:cNvPr id="2" name="Title 1"/>
-          <p:cNvSpPr>
-            <a:spLocks noGrp="1"/>
-          </p:cNvSpPr>
-          <p:nvPr>
-            <p:ph type="title"/>
-          </p:nvPr>
-        </p:nvSpPr>
-        <p:spPr/>
-        <p:txBody>
-          <a:bodyPr/>
-          <a:lstStyle/>
-          <a:p>
-            <a:r>
-              <a:rPr lang="en-US" dirty="0"/>
-              <a:t>Classroom Exercise</a:t>
-            </a:r>
-          </a:p>
-        </p:txBody>
-      </p:sp>
-      <p:sp>
-        <p:nvSpPr>
-          <p:cNvPr id="3" name="Content Placeholder 2"/>
-          <p:cNvSpPr>
-            <a:spLocks noGrp="1"/>
-          </p:cNvSpPr>
-          <p:nvPr>
-            <p:ph idx="1"/>
-          </p:nvPr>
-        </p:nvSpPr>
-        <p:spPr/>
-        <p:txBody>
-          <a:bodyPr/>
-          <a:lstStyle/>
-          <a:p>
-            <a:r>
-              <a:rPr lang="en-US" dirty="0"/>
-              <a:t>Find the number of vertices, the number of edges, and the degree of each vertex in the given undirected graph. Identify all isolated and pendant vertices.</a:t>
-            </a:r>
-          </a:p>
-        </p:txBody>
-      </p:sp>
-      <p:sp>
-        <p:nvSpPr>
-          <p:cNvPr id="5" name="Rectangle 3" descr="ch10_Page_042"/>
-          <p:cNvSpPr>
-            <a:spLocks noGrp="1" noChangeAspect="1" noChangeArrowheads="1"/>
-          </p:cNvSpPr>
-          <p:nvPr isPhoto="1"/>
-        </p:nvSpPr>
-        <p:spPr bwMode="auto">
-          <a:xfrm>
-            <a:off x="2057400" y="3163513"/>
-            <a:ext cx="4572000" cy="3429000"/>
-          </a:xfrm>
-          <a:prstGeom prst="rect">
-            <a:avLst/>
-          </a:prstGeom>
-          <a:blipFill dpi="0" rotWithShape="1">
-            <a:blip r:embed="rId2"/>
-            <a:srcRect/>
-            <a:stretch>
-              <a:fillRect/>
-            </a:stretch>
-          </a:blipFill>
-          <a:ln w="9525">
-            <a:solidFill>
-              <a:schemeClr val="tx1"/>
-            </a:solidFill>
-            <a:miter lim="800000"/>
-            <a:headEnd/>
-            <a:tailEnd/>
-          </a:ln>
-          <a:effectLst/>
-          <a:extLst>
-            <a:ext uri="{AF507438-7753-43E0-B8FC-AC1667EBCBE1}">
-              <a14:hiddenEffects xmlns:a14="http://schemas.microsoft.com/office/drawing/2010/main">
-                <a:effectLst>
-                  <a:outerShdw dist="35921" dir="2700000" algn="ctr" rotWithShape="0">
-                    <a:schemeClr val="bg2"/>
-                  </a:outerShdw>
-                </a:effectLst>
-              </a14:hiddenEffects>
-            </a:ext>
-          </a:extLst>
-        </p:spPr>
-        <p:txBody>
-          <a:bodyPr/>
-          <a:lstStyle/>
-          <a:p>
-            <a:endParaRPr lang="en-US"/>
-          </a:p>
-        </p:txBody>
-      </p:sp>
-    </p:spTree>
-    <p:extLst>
-      <p:ext uri="{BB962C8B-B14F-4D97-AF65-F5344CB8AC3E}">
-        <p14:creationId xmlns:p14="http://schemas.microsoft.com/office/powerpoint/2010/main" val="701905873"/>
-      </p:ext>
-    </p:extLst>
-  </p:cSld>
-  <p:clrMapOvr>
-    <a:masterClrMapping/>
-  </p:clrMapOvr>
-</p:sld>
-</file>
-
 <file path=ppt/slides/slide26.xml><?xml version="1.0" encoding="utf-8"?>
-<p:sld xmlns:a="http://schemas.openxmlformats.org/drawingml/2006/main" xmlns:r="http://schemas.openxmlformats.org/officeDocument/2006/relationships" xmlns:p="http://schemas.openxmlformats.org/presentationml/2006/main">
-  <p:cSld>
-    <p:spTree>
-      <p:nvGrpSpPr>
-        <p:cNvPr id="1" name=""/>
-        <p:cNvGrpSpPr/>
-        <p:nvPr/>
-      </p:nvGrpSpPr>
-      <p:grpSpPr>
-        <a:xfrm>
-          <a:off x="0" y="0"/>
-          <a:ext cx="0" cy="0"/>
-          <a:chOff x="0" y="0"/>
-          <a:chExt cx="0" cy="0"/>
-        </a:xfrm>
-      </p:grpSpPr>
-      <p:sp>
-        <p:nvSpPr>
-          <p:cNvPr id="2" name="Title 1"/>
-          <p:cNvSpPr>
-            <a:spLocks noGrp="1"/>
-          </p:cNvSpPr>
-          <p:nvPr>
-            <p:ph type="title"/>
-          </p:nvPr>
-        </p:nvSpPr>
-        <p:spPr/>
-        <p:txBody>
-          <a:bodyPr>
-            <a:normAutofit/>
-          </a:bodyPr>
-          <a:lstStyle/>
-          <a:p>
-            <a:r>
-              <a:rPr lang="en-US" dirty="0"/>
-              <a:t>Handshaking Theorem</a:t>
-            </a:r>
-          </a:p>
-        </p:txBody>
-      </p:sp>
-      <p:sp>
-        <p:nvSpPr>
-          <p:cNvPr id="3" name="Content Placeholder 2"/>
-          <p:cNvSpPr>
-            <a:spLocks noGrp="1"/>
-          </p:cNvSpPr>
-          <p:nvPr>
-            <p:ph idx="1"/>
-          </p:nvPr>
-        </p:nvSpPr>
-        <p:spPr/>
-        <p:txBody>
-          <a:bodyPr>
-            <a:normAutofit fontScale="85000" lnSpcReduction="20000"/>
-          </a:bodyPr>
-          <a:lstStyle/>
-          <a:p>
-            <a:pPr indent="0">
-              <a:buNone/>
-            </a:pPr>
-            <a:r>
-              <a:rPr lang="en-US" dirty="0"/>
-              <a:t>We now give two examples illustrating the usefulness of the handshaking theorem.</a:t>
-            </a:r>
-          </a:p>
-          <a:p>
-            <a:pPr indent="0">
-              <a:buNone/>
-            </a:pPr>
-            <a:endParaRPr lang="en-US" b="1" dirty="0"/>
-          </a:p>
-          <a:p>
-            <a:pPr indent="0">
-              <a:buNone/>
-            </a:pPr>
-            <a:r>
-              <a:rPr lang="en-US" b="1" dirty="0"/>
-              <a:t>Example</a:t>
-            </a:r>
-            <a:r>
-              <a:rPr lang="en-US" dirty="0"/>
-              <a:t>: How many edges are there in a graph with </a:t>
-            </a:r>
-            <a:r>
-              <a:rPr lang="en-US" dirty="0">
-                <a:latin typeface="Cambria" pitchFamily="18" charset="0"/>
-              </a:rPr>
-              <a:t>10</a:t>
-            </a:r>
-            <a:r>
-              <a:rPr lang="en-US" dirty="0"/>
-              <a:t> vertices of degree six?</a:t>
-            </a:r>
-          </a:p>
-          <a:p>
-            <a:pPr indent="0">
-              <a:buNone/>
-            </a:pPr>
-            <a:r>
-              <a:rPr lang="en-US" b="1" dirty="0"/>
-              <a:t>Solution</a:t>
-            </a:r>
-            <a:r>
-              <a:rPr lang="en-US" dirty="0"/>
-              <a:t>: Because the sum of the degrees of the vertices is                </a:t>
-            </a:r>
-            <a:r>
-              <a:rPr lang="en-US" dirty="0">
-                <a:latin typeface="Cambria" pitchFamily="18" charset="0"/>
-              </a:rPr>
-              <a:t>6 </a:t>
-            </a:r>
-            <a:r>
-              <a:rPr lang="en-US" dirty="0">
-                <a:latin typeface="Cambria" pitchFamily="18" charset="0"/>
-                <a:ea typeface="Cambria Math"/>
-                <a:sym typeface="Symbol"/>
-              </a:rPr>
-              <a:t> </a:t>
-            </a:r>
-            <a:r>
-              <a:rPr lang="en-US" dirty="0">
-                <a:latin typeface="Cambria" pitchFamily="18" charset="0"/>
-              </a:rPr>
-              <a:t>10 </a:t>
-            </a:r>
-            <a:r>
-              <a:rPr lang="en-US" dirty="0"/>
-              <a:t>= </a:t>
-            </a:r>
-            <a:r>
-              <a:rPr lang="en-US" dirty="0">
-                <a:latin typeface="Cambria" pitchFamily="18" charset="0"/>
-              </a:rPr>
-              <a:t>60</a:t>
-            </a:r>
-            <a:r>
-              <a:rPr lang="en-US" dirty="0"/>
-              <a:t>, the handshaking theorem tells us that </a:t>
-            </a:r>
-            <a:r>
-              <a:rPr lang="en-US" dirty="0">
-                <a:latin typeface="Cambria" pitchFamily="18" charset="0"/>
-              </a:rPr>
-              <a:t>2</a:t>
-            </a:r>
-            <a:r>
-              <a:rPr lang="en-US" i="1" dirty="0"/>
-              <a:t>m</a:t>
-            </a:r>
-            <a:r>
-              <a:rPr lang="en-US" dirty="0"/>
-              <a:t> = </a:t>
-            </a:r>
-            <a:r>
-              <a:rPr lang="en-US" dirty="0">
-                <a:latin typeface="Cambria" pitchFamily="18" charset="0"/>
-              </a:rPr>
-              <a:t>60.             So the number of edges </a:t>
-            </a:r>
-            <a:r>
-              <a:rPr lang="en-US" i="1" dirty="0"/>
-              <a:t>m</a:t>
-            </a:r>
-            <a:r>
-              <a:rPr lang="en-US" dirty="0">
-                <a:latin typeface="Cambria" pitchFamily="18" charset="0"/>
-              </a:rPr>
-              <a:t> = 30.</a:t>
-            </a:r>
-          </a:p>
-          <a:p>
-            <a:pPr indent="0">
-              <a:buNone/>
-            </a:pPr>
-            <a:endParaRPr lang="en-US" dirty="0"/>
-          </a:p>
-          <a:p>
-            <a:pPr indent="0">
-              <a:buNone/>
-            </a:pPr>
-            <a:r>
-              <a:rPr lang="en-US" b="1" dirty="0"/>
-              <a:t>Example</a:t>
-            </a:r>
-            <a:r>
-              <a:rPr lang="en-US" dirty="0"/>
-              <a:t>: If a graph has </a:t>
-            </a:r>
-            <a:r>
-              <a:rPr lang="en-US" dirty="0">
-                <a:latin typeface="Cambria" pitchFamily="18" charset="0"/>
-              </a:rPr>
-              <a:t>5</a:t>
-            </a:r>
-            <a:r>
-              <a:rPr lang="en-US" dirty="0"/>
-              <a:t> vertices, can each vertex have degree </a:t>
-            </a:r>
-            <a:r>
-              <a:rPr lang="en-US" dirty="0">
-                <a:latin typeface="Cambria" pitchFamily="18" charset="0"/>
-              </a:rPr>
-              <a:t>3</a:t>
-            </a:r>
-            <a:r>
-              <a:rPr lang="en-US" dirty="0"/>
-              <a:t>?</a:t>
-            </a:r>
-          </a:p>
-          <a:p>
-            <a:pPr indent="0">
-              <a:buNone/>
-            </a:pPr>
-            <a:r>
-              <a:rPr lang="en-US" b="1" dirty="0"/>
-              <a:t>Solution</a:t>
-            </a:r>
-            <a:r>
-              <a:rPr lang="en-US" dirty="0"/>
-              <a:t>: This is not possible by the handshaking </a:t>
-            </a:r>
-            <a:r>
-              <a:rPr lang="en-US" dirty="0" err="1"/>
-              <a:t>thorem</a:t>
-            </a:r>
-            <a:r>
-              <a:rPr lang="en-US" dirty="0"/>
-              <a:t>, because the sum of the degrees of the vertices </a:t>
-            </a:r>
-            <a:r>
-              <a:rPr lang="en-US" dirty="0">
-                <a:latin typeface="Cambria" pitchFamily="18" charset="0"/>
-              </a:rPr>
-              <a:t>3</a:t>
-            </a:r>
-            <a:r>
-              <a:rPr lang="en-US" dirty="0">
-                <a:latin typeface="Cambria" pitchFamily="18" charset="0"/>
-                <a:ea typeface="Cambria Math"/>
-                <a:sym typeface="Symbol"/>
-              </a:rPr>
-              <a:t> </a:t>
-            </a:r>
-            <a:r>
-              <a:rPr lang="en-US" dirty="0">
-                <a:latin typeface="Cambria" pitchFamily="18" charset="0"/>
-              </a:rPr>
-              <a:t>  5 = 15 </a:t>
-            </a:r>
-            <a:r>
-              <a:rPr lang="en-US" dirty="0"/>
-              <a:t>is odd.</a:t>
-            </a:r>
-          </a:p>
-          <a:p>
-            <a:endParaRPr lang="en-US" dirty="0"/>
-          </a:p>
-        </p:txBody>
-      </p:sp>
-    </p:spTree>
-  </p:cSld>
-  <p:clrMapOvr>
-    <a:masterClrMapping/>
-  </p:clrMapOvr>
-</p:sld>
-</file>
-
-<file path=ppt/slides/slide27.xml><?xml version="1.0" encoding="utf-8"?>
 <p:sld xmlns:a="http://schemas.openxmlformats.org/drawingml/2006/main" xmlns:r="http://schemas.openxmlformats.org/officeDocument/2006/relationships" xmlns:p="http://schemas.openxmlformats.org/presentationml/2006/main">
   <p:cSld>
     <p:spTree>
@@ -9363,6 +9586,267 @@
 </p:sld>
 </file>
 
+<file path=ppt/slides/slide27.xml><?xml version="1.0" encoding="utf-8"?>
+<p:sld xmlns:a="http://schemas.openxmlformats.org/drawingml/2006/main" xmlns:r="http://schemas.openxmlformats.org/officeDocument/2006/relationships" xmlns:p="http://schemas.openxmlformats.org/presentationml/2006/main">
+  <p:cSld>
+    <p:spTree>
+      <p:nvGrpSpPr>
+        <p:cNvPr id="1" name=""/>
+        <p:cNvGrpSpPr/>
+        <p:nvPr/>
+      </p:nvGrpSpPr>
+      <p:grpSpPr>
+        <a:xfrm>
+          <a:off x="0" y="0"/>
+          <a:ext cx="0" cy="0"/>
+          <a:chOff x="0" y="0"/>
+          <a:chExt cx="0" cy="0"/>
+        </a:xfrm>
+      </p:grpSpPr>
+      <p:sp>
+        <p:nvSpPr>
+          <p:cNvPr id="2" name="Title 1"/>
+          <p:cNvSpPr>
+            <a:spLocks noGrp="1"/>
+          </p:cNvSpPr>
+          <p:nvPr>
+            <p:ph type="title"/>
+          </p:nvPr>
+        </p:nvSpPr>
+        <p:spPr/>
+        <p:txBody>
+          <a:bodyPr>
+            <a:normAutofit/>
+          </a:bodyPr>
+          <a:lstStyle/>
+          <a:p>
+            <a:r>
+              <a:rPr lang="en-US" dirty="0"/>
+              <a:t>Handshaking Theorem</a:t>
+            </a:r>
+          </a:p>
+        </p:txBody>
+      </p:sp>
+      <p:sp>
+        <p:nvSpPr>
+          <p:cNvPr id="3" name="Content Placeholder 2"/>
+          <p:cNvSpPr>
+            <a:spLocks noGrp="1"/>
+          </p:cNvSpPr>
+          <p:nvPr>
+            <p:ph idx="1"/>
+          </p:nvPr>
+        </p:nvSpPr>
+        <p:spPr/>
+        <p:txBody>
+          <a:bodyPr>
+            <a:normAutofit fontScale="85000" lnSpcReduction="20000"/>
+          </a:bodyPr>
+          <a:lstStyle/>
+          <a:p>
+            <a:pPr indent="0">
+              <a:buNone/>
+            </a:pPr>
+            <a:r>
+              <a:rPr lang="en-US" dirty="0"/>
+              <a:t>We now give two examples illustrating the usefulness of the handshaking theorem.</a:t>
+            </a:r>
+          </a:p>
+          <a:p>
+            <a:pPr indent="0">
+              <a:buNone/>
+            </a:pPr>
+            <a:endParaRPr lang="en-US" b="1" dirty="0"/>
+          </a:p>
+          <a:p>
+            <a:pPr indent="0">
+              <a:buNone/>
+            </a:pPr>
+            <a:r>
+              <a:rPr lang="en-US" b="1" dirty="0"/>
+              <a:t>Example</a:t>
+            </a:r>
+            <a:r>
+              <a:rPr lang="en-US" dirty="0"/>
+              <a:t>: How many edges are there in a graph with </a:t>
+            </a:r>
+            <a:r>
+              <a:rPr lang="en-US" dirty="0">
+                <a:latin typeface="Cambria" pitchFamily="18" charset="0"/>
+              </a:rPr>
+              <a:t>10</a:t>
+            </a:r>
+            <a:r>
+              <a:rPr lang="en-US" dirty="0"/>
+              <a:t> vertices of degree six?</a:t>
+            </a:r>
+          </a:p>
+          <a:p>
+            <a:pPr indent="0">
+              <a:buNone/>
+            </a:pPr>
+            <a:r>
+              <a:rPr lang="en-US" b="1" dirty="0"/>
+              <a:t>Solution</a:t>
+            </a:r>
+            <a:r>
+              <a:rPr lang="en-US" dirty="0"/>
+              <a:t>: Because the sum of the degrees of the vertices is                </a:t>
+            </a:r>
+            <a:r>
+              <a:rPr lang="en-US" dirty="0">
+                <a:latin typeface="Cambria" pitchFamily="18" charset="0"/>
+              </a:rPr>
+              <a:t>6 </a:t>
+            </a:r>
+            <a:r>
+              <a:rPr lang="en-US" dirty="0">
+                <a:latin typeface="Cambria" pitchFamily="18" charset="0"/>
+                <a:ea typeface="Cambria Math"/>
+                <a:sym typeface="Symbol"/>
+              </a:rPr>
+              <a:t> </a:t>
+            </a:r>
+            <a:r>
+              <a:rPr lang="en-US" dirty="0">
+                <a:latin typeface="Cambria" pitchFamily="18" charset="0"/>
+              </a:rPr>
+              <a:t>10 </a:t>
+            </a:r>
+            <a:r>
+              <a:rPr lang="en-US" dirty="0"/>
+              <a:t>= </a:t>
+            </a:r>
+            <a:r>
+              <a:rPr lang="en-US" dirty="0">
+                <a:latin typeface="Cambria" pitchFamily="18" charset="0"/>
+              </a:rPr>
+              <a:t>60</a:t>
+            </a:r>
+            <a:r>
+              <a:rPr lang="en-US" dirty="0"/>
+              <a:t>, the handshaking theorem tells us that </a:t>
+            </a:r>
+            <a:r>
+              <a:rPr lang="en-US" dirty="0">
+                <a:latin typeface="Cambria" pitchFamily="18" charset="0"/>
+              </a:rPr>
+              <a:t>2</a:t>
+            </a:r>
+            <a:r>
+              <a:rPr lang="en-US" i="1" dirty="0"/>
+              <a:t>m</a:t>
+            </a:r>
+            <a:r>
+              <a:rPr lang="en-US" dirty="0"/>
+              <a:t> = </a:t>
+            </a:r>
+            <a:r>
+              <a:rPr lang="en-US" dirty="0">
+                <a:latin typeface="Cambria" pitchFamily="18" charset="0"/>
+              </a:rPr>
+              <a:t>60.             So the number of edges </a:t>
+            </a:r>
+            <a:r>
+              <a:rPr lang="en-US" i="1" dirty="0"/>
+              <a:t>m</a:t>
+            </a:r>
+            <a:r>
+              <a:rPr lang="en-US" dirty="0">
+                <a:latin typeface="Cambria" pitchFamily="18" charset="0"/>
+              </a:rPr>
+              <a:t> = 30.</a:t>
+            </a:r>
+          </a:p>
+          <a:p>
+            <a:pPr indent="0">
+              <a:buNone/>
+            </a:pPr>
+            <a:endParaRPr lang="en-US" dirty="0"/>
+          </a:p>
+          <a:p>
+            <a:pPr indent="0">
+              <a:buNone/>
+            </a:pPr>
+            <a:r>
+              <a:rPr lang="en-US" b="1" dirty="0"/>
+              <a:t>Example</a:t>
+            </a:r>
+            <a:r>
+              <a:rPr lang="en-US" dirty="0"/>
+              <a:t>: If a graph has </a:t>
+            </a:r>
+            <a:r>
+              <a:rPr lang="en-US" dirty="0">
+                <a:latin typeface="Cambria" pitchFamily="18" charset="0"/>
+              </a:rPr>
+              <a:t>5</a:t>
+            </a:r>
+            <a:r>
+              <a:rPr lang="en-US" dirty="0"/>
+              <a:t> vertices, can each vertex have degree </a:t>
+            </a:r>
+            <a:r>
+              <a:rPr lang="en-US" dirty="0">
+                <a:latin typeface="Cambria" pitchFamily="18" charset="0"/>
+              </a:rPr>
+              <a:t>3</a:t>
+            </a:r>
+            <a:r>
+              <a:rPr lang="en-US" dirty="0"/>
+              <a:t>?</a:t>
+            </a:r>
+          </a:p>
+          <a:p>
+            <a:pPr indent="0">
+              <a:buNone/>
+            </a:pPr>
+            <a:r>
+              <a:rPr lang="en-US" b="1" dirty="0"/>
+              <a:t>Solution</a:t>
+            </a:r>
+            <a:r>
+              <a:rPr lang="en-US" dirty="0"/>
+              <a:t>: This is not possible by the handshaking theorem, because the sum of the degrees of the vertices </a:t>
+            </a:r>
+            <a:r>
+              <a:rPr lang="en-US" dirty="0">
+                <a:latin typeface="Cambria" pitchFamily="18" charset="0"/>
+              </a:rPr>
+              <a:t>3</a:t>
+            </a:r>
+            <a:r>
+              <a:rPr lang="en-US" dirty="0">
+                <a:latin typeface="Cambria" pitchFamily="18" charset="0"/>
+                <a:ea typeface="Cambria Math"/>
+                <a:sym typeface="Symbol"/>
+              </a:rPr>
+              <a:t> </a:t>
+            </a:r>
+            <a:r>
+              <a:rPr lang="en-US" dirty="0">
+                <a:latin typeface="Cambria" pitchFamily="18" charset="0"/>
+              </a:rPr>
+              <a:t>  5 = 15 </a:t>
+            </a:r>
+            <a:r>
+              <a:rPr lang="en-US" dirty="0"/>
+              <a:t>is odd.</a:t>
+            </a:r>
+          </a:p>
+          <a:p>
+            <a:endParaRPr lang="en-US" dirty="0"/>
+          </a:p>
+        </p:txBody>
+      </p:sp>
+    </p:spTree>
+  </p:cSld>
+  <p:clrMapOvr>
+    <a:masterClrMapping/>
+  </p:clrMapOvr>
+</p:sld>
+</file>
+
 <file path=ppt/slides/slide28.xml><?xml version="1.0" encoding="utf-8"?>
 <p:sld xmlns:a="http://schemas.openxmlformats.org/drawingml/2006/main" xmlns:r="http://schemas.openxmlformats.org/officeDocument/2006/relationships" xmlns:p="http://schemas.openxmlformats.org/presentationml/2006/main">
   <p:cSld>
@@ -9758,8 +10242,16 @@
               <a:t>  The </a:t>
             </a:r>
             <a:r>
-              <a:rPr lang="en-US" i="1" dirty="0"/>
-              <a:t>in-degree of a vertex v</a:t>
+              <a:rPr lang="en-US" i="1" dirty="0">
+                <a:solidFill>
+                  <a:srgbClr val="FF0000"/>
+                </a:solidFill>
+              </a:rPr>
+              <a:t>in-degree</a:t>
+            </a:r>
+            <a:r>
+              <a:rPr lang="en-US" i="1" dirty="0"/>
+              <a:t> of a vertex v</a:t>
             </a:r>
             <a:r>
               <a:rPr lang="en-US" dirty="0"/>
@@ -9797,8 +10289,16 @@
               <a:t>. The </a:t>
             </a:r>
             <a:r>
-              <a:rPr lang="en-US" i="1" dirty="0"/>
-              <a:t>out-degree of v</a:t>
+              <a:rPr lang="en-US" i="1" dirty="0">
+                <a:solidFill>
+                  <a:srgbClr val="FF0000"/>
+                </a:solidFill>
+              </a:rPr>
+              <a:t>out-degree</a:t>
+            </a:r>
+            <a:r>
+              <a:rPr lang="en-US" i="1" dirty="0"/>
+              <a:t> of v</a:t>
             </a:r>
             <a:r>
               <a:rPr lang="en-US" dirty="0"/>
@@ -11501,8 +12001,16 @@
               <a:t>A </a:t>
             </a:r>
             <a:r>
-              <a:rPr lang="en-US" i="1" dirty="0"/>
-              <a:t>complete graph on n vertices</a:t>
+              <a:rPr lang="en-US" i="1" dirty="0">
+                <a:solidFill>
+                  <a:srgbClr val="FF0000"/>
+                </a:solidFill>
+              </a:rPr>
+              <a:t>complete graph </a:t>
+            </a:r>
+            <a:r>
+              <a:rPr lang="en-US" i="1" dirty="0"/>
+              <a:t>on n vertices</a:t>
             </a:r>
             <a:r>
               <a:rPr lang="en-US" dirty="0"/>
@@ -11630,7 +12138,11 @@
               <a:t>A </a:t>
             </a:r>
             <a:r>
-              <a:rPr lang="en-US" i="1" dirty="0"/>
+              <a:rPr lang="en-US" i="1" dirty="0">
+                <a:solidFill>
+                  <a:srgbClr val="FF0000"/>
+                </a:solidFill>
+              </a:rPr>
               <a:t>cycle</a:t>
             </a:r>
             <a:r>
@@ -11903,7 +12415,11 @@
               <a:t>A </a:t>
             </a:r>
             <a:r>
-              <a:rPr lang="en-US" i="1" dirty="0"/>
+              <a:rPr lang="en-US" i="1" dirty="0">
+                <a:solidFill>
+                  <a:srgbClr val="FF0000"/>
+                </a:solidFill>
+              </a:rPr>
               <a:t>wheel</a:t>
             </a:r>
             <a:r>
@@ -12146,8 +12662,16 @@
               <a:t>, or </a:t>
             </a:r>
             <a:r>
-              <a:rPr lang="en-US" i="1" dirty="0"/>
-              <a:t>n-cube, </a:t>
+              <a:rPr lang="en-US" i="1" dirty="0">
+                <a:solidFill>
+                  <a:srgbClr val="FF0000"/>
+                </a:solidFill>
+              </a:rPr>
+              <a:t>n-cube</a:t>
+            </a:r>
+            <a:r>
+              <a:rPr lang="en-US" i="1" dirty="0"/>
+              <a:t>, </a:t>
             </a:r>
             <a:r>
               <a:rPr lang="en-US" b="1" i="1" dirty="0" err="1"/>
@@ -12366,7 +12890,11 @@
               <a:t>Some local area networks use a </a:t>
             </a:r>
             <a:r>
-              <a:rPr lang="en-US" i="1" dirty="0"/>
+              <a:rPr lang="en-US" i="1" dirty="0">
+                <a:solidFill>
+                  <a:srgbClr val="FF0000"/>
+                </a:solidFill>
+              </a:rPr>
               <a:t>star topology</a:t>
             </a:r>
             <a:r>
@@ -12407,7 +12935,11 @@
               <a:t>Other local networks are based on a </a:t>
             </a:r>
             <a:r>
-              <a:rPr lang="en-US" i="1" dirty="0"/>
+              <a:rPr lang="en-US" i="1" dirty="0">
+                <a:solidFill>
+                  <a:srgbClr val="FF0000"/>
+                </a:solidFill>
+              </a:rPr>
               <a:t>ring topology</a:t>
             </a:r>
             <a:r>
@@ -12456,7 +12988,19 @@
           <a:p>
             <a:r>
               <a:rPr lang="en-US" dirty="0"/>
-              <a:t>Various special graphs also play a role in parallel processing where processors need to be interconnected as one processor may need the output generated by another. </a:t>
+              <a:t>Various special graphs also play a role in </a:t>
+            </a:r>
+            <a:r>
+              <a:rPr lang="en-US" dirty="0">
+                <a:solidFill>
+                  <a:srgbClr val="FF0000"/>
+                </a:solidFill>
+              </a:rPr>
+              <a:t>parallel processing </a:t>
+            </a:r>
+            <a:r>
+              <a:rPr lang="en-US" dirty="0"/>
+              <a:t>where processors need to be interconnected as one processor may need the output generated by another. </a:t>
             </a:r>
           </a:p>
           <a:p>
@@ -12647,7 +13191,7 @@
         <p:spPr/>
         <p:txBody>
           <a:bodyPr>
-            <a:normAutofit fontScale="85000" lnSpcReduction="20000"/>
+            <a:normAutofit fontScale="70000" lnSpcReduction="20000"/>
           </a:bodyPr>
           <a:lstStyle/>
           <a:p>
@@ -12789,8 +13333,12 @@
               <a:buNone/>
             </a:pPr>
             <a:r>
-              <a:rPr lang="en-US" dirty="0"/>
-              <a:t> </a:t>
+              <a:rPr lang="en-US" b="1" dirty="0"/>
+              <a:t>Theorem 4. </a:t>
+            </a:r>
+            <a:r>
+              <a:rPr lang="en-US" dirty="0"/>
+              <a:t>A simple graph is bipartite if and only if it is possible to assign one of two different colors to each vertex of the graph so that no two adjacent vertices are assigned the same color.</a:t>
             </a:r>
           </a:p>
           <a:p>
@@ -12803,15 +13351,77 @@
             <a:pPr indent="0">
               <a:buNone/>
             </a:pPr>
-            <a:endParaRPr lang="en-US" dirty="0"/>
+            <a:r>
+              <a:rPr lang="en-US" dirty="0"/>
+              <a:t> </a:t>
+            </a:r>
           </a:p>
           <a:p>
             <a:pPr indent="0">
               <a:buNone/>
             </a:pPr>
+            <a:endParaRPr lang="en-US" dirty="0"/>
+          </a:p>
+          <a:p>
+            <a:pPr indent="0">
+              <a:buNone/>
+            </a:pPr>
+            <a:endParaRPr lang="en-US" dirty="0"/>
+          </a:p>
+          <a:p>
+            <a:pPr indent="0">
+              <a:buNone/>
+            </a:pPr>
             <a:r>
               <a:rPr lang="en-US" dirty="0"/>
               <a:t>  </a:t>
+            </a:r>
+          </a:p>
+        </p:txBody>
+      </p:sp>
+    </p:spTree>
+  </p:cSld>
+  <p:clrMapOvr>
+    <a:masterClrMapping/>
+  </p:clrMapOvr>
+</p:sld>
+</file>
+
+<file path=ppt/slides/slide36.xml><?xml version="1.0" encoding="utf-8"?>
+<p:sld xmlns:a="http://schemas.openxmlformats.org/drawingml/2006/main" xmlns:r="http://schemas.openxmlformats.org/officeDocument/2006/relationships" xmlns:p="http://schemas.openxmlformats.org/presentationml/2006/main">
+  <p:cSld>
+    <p:spTree>
+      <p:nvGrpSpPr>
+        <p:cNvPr id="1" name=""/>
+        <p:cNvGrpSpPr/>
+        <p:nvPr/>
+      </p:nvGrpSpPr>
+      <p:grpSpPr>
+        <a:xfrm>
+          <a:off x="0" y="0"/>
+          <a:ext cx="0" cy="0"/>
+          <a:chOff x="0" y="0"/>
+          <a:chExt cx="0" cy="0"/>
+        </a:xfrm>
+      </p:grpSpPr>
+      <p:sp>
+        <p:nvSpPr>
+          <p:cNvPr id="2" name="Title 1"/>
+          <p:cNvSpPr>
+            <a:spLocks noGrp="1"/>
+          </p:cNvSpPr>
+          <p:nvPr>
+            <p:ph type="title"/>
+          </p:nvPr>
+        </p:nvSpPr>
+        <p:spPr/>
+        <p:txBody>
+          <a:bodyPr/>
+          <a:lstStyle/>
+          <a:p>
+            <a:r>
+              <a:rPr lang="en-US" dirty="0"/>
+              <a:t>Bipartite Graphs</a:t>
             </a:r>
           </a:p>
         </p:txBody>
@@ -12838,7 +13448,7 @@
         </p:blipFill>
         <p:spPr>
           <a:xfrm>
-            <a:off x="1981200" y="4800600"/>
+            <a:off x="1720516" y="2895600"/>
             <a:ext cx="4695820" cy="1742313"/>
           </a:xfrm>
           <a:prstGeom prst="rect">
@@ -12859,7 +13469,7 @@
         </p:nvSpPr>
         <p:spPr>
           <a:xfrm>
-            <a:off x="685800" y="5136214"/>
+            <a:off x="425116" y="3231214"/>
             <a:ext cx="1066800" cy="646331"/>
           </a:xfrm>
           <a:prstGeom prst="rect">
@@ -12892,7 +13502,7 @@
         </p:nvSpPr>
         <p:spPr>
           <a:xfrm>
-            <a:off x="6858000" y="4788587"/>
+            <a:off x="6597316" y="2883587"/>
             <a:ext cx="2057400" cy="1754326"/>
           </a:xfrm>
           <a:prstGeom prst="rect">
@@ -12955,7 +13565,7 @@
         </p:nvSpPr>
         <p:spPr>
           <a:xfrm>
-            <a:off x="2590800" y="4953000"/>
+            <a:off x="2330116" y="3048000"/>
             <a:ext cx="152400" cy="142115"/>
           </a:xfrm>
           <a:prstGeom prst="ellipse">
@@ -13001,7 +13611,7 @@
         </p:nvSpPr>
         <p:spPr>
           <a:xfrm>
-            <a:off x="3505200" y="4952999"/>
+            <a:off x="3244516" y="3047999"/>
             <a:ext cx="152400" cy="142115"/>
           </a:xfrm>
           <a:prstGeom prst="ellipse">
@@ -13047,7 +13657,7 @@
         </p:nvSpPr>
         <p:spPr>
           <a:xfrm>
-            <a:off x="3505200" y="5867400"/>
+            <a:off x="3244516" y="3962400"/>
             <a:ext cx="152400" cy="142115"/>
           </a:xfrm>
           <a:prstGeom prst="ellipse">
@@ -13093,7 +13703,7 @@
         </p:nvSpPr>
         <p:spPr>
           <a:xfrm>
-            <a:off x="2057400" y="5257800"/>
+            <a:off x="1796716" y="3352800"/>
             <a:ext cx="152400" cy="142115"/>
           </a:xfrm>
           <a:prstGeom prst="ellipse">
@@ -13139,7 +13749,7 @@
         </p:nvSpPr>
         <p:spPr>
           <a:xfrm>
-            <a:off x="2075290" y="5640430"/>
+            <a:off x="1814606" y="3735430"/>
             <a:ext cx="152400" cy="142115"/>
           </a:xfrm>
           <a:prstGeom prst="ellipse">
@@ -13185,7 +13795,7 @@
         </p:nvSpPr>
         <p:spPr>
           <a:xfrm>
-            <a:off x="4038600" y="5317264"/>
+            <a:off x="3777916" y="3412264"/>
             <a:ext cx="152400" cy="142115"/>
           </a:xfrm>
           <a:prstGeom prst="ellipse">
@@ -13231,7 +13841,7 @@
         </p:nvSpPr>
         <p:spPr>
           <a:xfrm>
-            <a:off x="2608690" y="5864177"/>
+            <a:off x="2348006" y="3959177"/>
             <a:ext cx="152400" cy="142115"/>
           </a:xfrm>
           <a:prstGeom prst="ellipse">
@@ -13270,6 +13880,11 @@
         </p:txBody>
       </p:sp>
     </p:spTree>
+    <p:extLst>
+      <p:ext uri="{BB962C8B-B14F-4D97-AF65-F5344CB8AC3E}">
+        <p14:creationId xmlns:p14="http://schemas.microsoft.com/office/powerpoint/2010/main" val="273729380"/>
+      </p:ext>
+    </p:extLst>
   </p:cSld>
   <p:clrMapOvr>
     <a:masterClrMapping/>
@@ -13277,7 +13892,7 @@
 </p:sld>
 </file>
 
-<file path=ppt/slides/slide36.xml><?xml version="1.0" encoding="utf-8"?>
+<file path=ppt/slides/slide37.xml><?xml version="1.0" encoding="utf-8"?>
 <p:sld xmlns:a="http://schemas.openxmlformats.org/drawingml/2006/main" xmlns:r="http://schemas.openxmlformats.org/officeDocument/2006/relationships" xmlns:p="http://schemas.openxmlformats.org/presentationml/2006/main">
   <p:cSld>
     <p:spTree>
@@ -13760,7 +14375,7 @@
 </p:sld>
 </file>
 
-<file path=ppt/slides/slide37.xml><?xml version="1.0" encoding="utf-8"?>
+<file path=ppt/slides/slide38.xml><?xml version="1.0" encoding="utf-8"?>
 <p:sld xmlns:a="http://schemas.openxmlformats.org/drawingml/2006/main" xmlns:r="http://schemas.openxmlformats.org/officeDocument/2006/relationships" xmlns:p="http://schemas.openxmlformats.org/presentationml/2006/main">
   <p:cSld>
     <p:spTree>
@@ -13886,7 +14501,7 @@
 </p:sld>
 </file>
 
-<file path=ppt/slides/slide38.xml><?xml version="1.0" encoding="utf-8"?>
+<file path=ppt/slides/slide39.xml><?xml version="1.0" encoding="utf-8"?>
 <p:sld xmlns:a="http://schemas.openxmlformats.org/drawingml/2006/main" xmlns:r="http://schemas.openxmlformats.org/officeDocument/2006/relationships" xmlns:p="http://schemas.openxmlformats.org/presentationml/2006/main">
   <p:cSld>
     <p:spTree>
@@ -13952,7 +14567,11 @@
               <a:t>  A </a:t>
             </a:r>
             <a:r>
-              <a:rPr lang="en-US" i="1" dirty="0"/>
+              <a:rPr lang="en-US" i="1" dirty="0">
+                <a:solidFill>
+                  <a:srgbClr val="FF0000"/>
+                </a:solidFill>
+              </a:rPr>
               <a:t>complete bipartite graph </a:t>
             </a:r>
             <a:r>
@@ -14099,184 +14718,6 @@
     <p:extLst>
       <p:ext uri="{BB962C8B-B14F-4D97-AF65-F5344CB8AC3E}">
         <p14:creationId xmlns:p14="http://schemas.microsoft.com/office/powerpoint/2010/main" val="803159991"/>
-      </p:ext>
-    </p:extLst>
-  </p:cSld>
-  <p:clrMapOvr>
-    <a:masterClrMapping/>
-  </p:clrMapOvr>
-</p:sld>
-</file>
-
-<file path=ppt/slides/slide39.xml><?xml version="1.0" encoding="utf-8"?>
-<p:sld xmlns:a="http://schemas.openxmlformats.org/drawingml/2006/main" xmlns:r="http://schemas.openxmlformats.org/officeDocument/2006/relationships" xmlns:p="http://schemas.openxmlformats.org/presentationml/2006/main">
-  <p:cSld>
-    <p:spTree>
-      <p:nvGrpSpPr>
-        <p:cNvPr id="1" name=""/>
-        <p:cNvGrpSpPr/>
-        <p:nvPr/>
-      </p:nvGrpSpPr>
-      <p:grpSpPr>
-        <a:xfrm>
-          <a:off x="0" y="0"/>
-          <a:ext cx="0" cy="0"/>
-          <a:chOff x="0" y="0"/>
-          <a:chExt cx="0" cy="0"/>
-        </a:xfrm>
-      </p:grpSpPr>
-      <p:sp>
-        <p:nvSpPr>
-          <p:cNvPr id="2" name="Title 1"/>
-          <p:cNvSpPr>
-            <a:spLocks noGrp="1"/>
-          </p:cNvSpPr>
-          <p:nvPr>
-            <p:ph type="title"/>
-          </p:nvPr>
-        </p:nvSpPr>
-        <p:spPr/>
-        <p:txBody>
-          <a:bodyPr/>
-          <a:lstStyle/>
-          <a:p>
-            <a:r>
-              <a:rPr lang="en-US" dirty="0"/>
-              <a:t>Bipartite Graphs and </a:t>
-            </a:r>
-            <a:r>
-              <a:rPr lang="en-US" dirty="0" err="1"/>
-              <a:t>Matchings</a:t>
-            </a:r>
-            <a:endParaRPr lang="en-US" dirty="0"/>
-          </a:p>
-        </p:txBody>
-      </p:sp>
-      <p:sp>
-        <p:nvSpPr>
-          <p:cNvPr id="3" name="Content Placeholder 2"/>
-          <p:cNvSpPr>
-            <a:spLocks noGrp="1"/>
-          </p:cNvSpPr>
-          <p:nvPr>
-            <p:ph idx="1"/>
-          </p:nvPr>
-        </p:nvSpPr>
-        <p:spPr/>
-        <p:txBody>
-          <a:bodyPr>
-            <a:normAutofit fontScale="77500" lnSpcReduction="20000"/>
-          </a:bodyPr>
-          <a:lstStyle/>
-          <a:p>
-            <a:r>
-              <a:rPr lang="en-US" dirty="0"/>
-              <a:t>Bipartite graphs are used to model applications that involve matching the elements of one set to elements in another, for example:</a:t>
-            </a:r>
-          </a:p>
-          <a:p>
-            <a:r>
-              <a:rPr lang="en-US" i="1" dirty="0"/>
-              <a:t>Job assignments </a:t>
-            </a:r>
-            <a:r>
-              <a:rPr lang="en-US" dirty="0"/>
-              <a:t>- vertices represent the jobs and the employees, edges link employees with those jobs they have been trained to do. A common goal is to match jobs to employees so that the most jobs are done.</a:t>
-            </a:r>
-          </a:p>
-          <a:p>
-            <a:endParaRPr lang="en-US" dirty="0"/>
-          </a:p>
-          <a:p>
-            <a:pPr marL="0" indent="0">
-              <a:buNone/>
-            </a:pPr>
-            <a:endParaRPr lang="en-US" dirty="0"/>
-          </a:p>
-          <a:p>
-            <a:endParaRPr lang="en-US" dirty="0"/>
-          </a:p>
-          <a:p>
-            <a:r>
-              <a:rPr lang="en-US" i="1" dirty="0"/>
-              <a:t>Marriage </a:t>
-            </a:r>
-            <a:r>
-              <a:rPr lang="en-US" dirty="0"/>
-              <a:t>- vertices represent the men and the women and edges link a </a:t>
-            </a:r>
-            <a:r>
-              <a:rPr lang="en-US" dirty="0" err="1"/>
-              <a:t>a</a:t>
-            </a:r>
-            <a:r>
-              <a:rPr lang="en-US" dirty="0"/>
-              <a:t> man and a woman if they are an acceptable spouse.  We may wish to find the largest number of possible marriages.</a:t>
-            </a:r>
-          </a:p>
-          <a:p>
-            <a:endParaRPr lang="en-US" dirty="0"/>
-          </a:p>
-          <a:p>
-            <a:pPr marL="0" indent="0">
-              <a:buNone/>
-            </a:pPr>
-            <a:r>
-              <a:rPr lang="en-US" dirty="0"/>
-              <a:t>   </a:t>
-            </a:r>
-            <a:r>
-              <a:rPr lang="en-US" i="1" dirty="0"/>
-              <a:t>See the text for more about </a:t>
-            </a:r>
-            <a:r>
-              <a:rPr lang="en-US" i="1" dirty="0" err="1"/>
-              <a:t>matchings</a:t>
-            </a:r>
-            <a:r>
-              <a:rPr lang="en-US" i="1" dirty="0"/>
-              <a:t> in bipartite graphs.</a:t>
-            </a:r>
-          </a:p>
-          <a:p>
-            <a:endParaRPr lang="en-US" i="1" dirty="0"/>
-          </a:p>
-        </p:txBody>
-      </p:sp>
-      <p:pic>
-        <p:nvPicPr>
-          <p:cNvPr id="4" name="Picture 3"/>
-          <p:cNvPicPr>
-            <a:picLocks noChangeAspect="1"/>
-          </p:cNvPicPr>
-          <p:nvPr/>
-        </p:nvPicPr>
-        <p:blipFill>
-          <a:blip r:embed="rId2" cstate="print">
-            <a:extLst>
-              <a:ext uri="{28A0092B-C50C-407E-A947-70E740481C1C}">
-                <a14:useLocalDpi xmlns:a14="http://schemas.microsoft.com/office/drawing/2010/main" val="0"/>
-              </a:ext>
-            </a:extLst>
-          </a:blip>
-          <a:stretch>
-            <a:fillRect/>
-          </a:stretch>
-        </p:blipFill>
-        <p:spPr>
-          <a:xfrm>
-            <a:off x="2514600" y="3352800"/>
-            <a:ext cx="4674108" cy="1099566"/>
-          </a:xfrm>
-          <a:prstGeom prst="rect">
-            <a:avLst/>
-          </a:prstGeom>
-        </p:spPr>
-      </p:pic>
-    </p:spTree>
-    <p:extLst>
-      <p:ext uri="{BB962C8B-B14F-4D97-AF65-F5344CB8AC3E}">
-        <p14:creationId xmlns:p14="http://schemas.microsoft.com/office/powerpoint/2010/main" val="130525831"/>
       </p:ext>
     </p:extLst>
   </p:cSld>
@@ -15264,6 +15705,171 @@
           <a:p>
             <a:r>
               <a:rPr lang="en-US" dirty="0"/>
+              <a:t>Bipartite Graphs and Matching</a:t>
+            </a:r>
+          </a:p>
+        </p:txBody>
+      </p:sp>
+      <p:sp>
+        <p:nvSpPr>
+          <p:cNvPr id="3" name="Content Placeholder 2"/>
+          <p:cNvSpPr>
+            <a:spLocks noGrp="1"/>
+          </p:cNvSpPr>
+          <p:nvPr>
+            <p:ph idx="1"/>
+          </p:nvPr>
+        </p:nvSpPr>
+        <p:spPr/>
+        <p:txBody>
+          <a:bodyPr>
+            <a:normAutofit fontScale="77500" lnSpcReduction="20000"/>
+          </a:bodyPr>
+          <a:lstStyle/>
+          <a:p>
+            <a:r>
+              <a:rPr lang="en-US" dirty="0"/>
+              <a:t>Bipartite graphs are used to model applications that involve matching the elements of one set to elements in another, for example:</a:t>
+            </a:r>
+          </a:p>
+          <a:p>
+            <a:r>
+              <a:rPr lang="en-US" i="1" dirty="0"/>
+              <a:t>Job assignments </a:t>
+            </a:r>
+            <a:r>
+              <a:rPr lang="en-US" dirty="0"/>
+              <a:t>- vertices represent the jobs and the employees, edges link employees with those jobs they have been trained to do. A common goal is to match jobs to employees so that the most jobs are done.</a:t>
+            </a:r>
+          </a:p>
+          <a:p>
+            <a:endParaRPr lang="en-US" dirty="0"/>
+          </a:p>
+          <a:p>
+            <a:pPr marL="0" indent="0">
+              <a:buNone/>
+            </a:pPr>
+            <a:endParaRPr lang="en-US" dirty="0"/>
+          </a:p>
+          <a:p>
+            <a:endParaRPr lang="en-US" dirty="0"/>
+          </a:p>
+          <a:p>
+            <a:r>
+              <a:rPr lang="en-US" i="1" dirty="0"/>
+              <a:t>Marriage </a:t>
+            </a:r>
+            <a:r>
+              <a:rPr lang="en-US" dirty="0"/>
+              <a:t>- vertices represent the men and the women and edges link a </a:t>
+            </a:r>
+            <a:r>
+              <a:rPr lang="en-US" dirty="0" err="1"/>
+              <a:t>a</a:t>
+            </a:r>
+            <a:r>
+              <a:rPr lang="en-US" dirty="0"/>
+              <a:t> man and a woman if they are an acceptable spouse.  We may wish to find the largest number of possible marriages.</a:t>
+            </a:r>
+          </a:p>
+          <a:p>
+            <a:endParaRPr lang="en-US" dirty="0"/>
+          </a:p>
+          <a:p>
+            <a:pPr marL="0" indent="0">
+              <a:buNone/>
+            </a:pPr>
+            <a:r>
+              <a:rPr lang="en-US" dirty="0"/>
+              <a:t>   </a:t>
+            </a:r>
+            <a:r>
+              <a:rPr lang="en-US" i="1" dirty="0"/>
+              <a:t>See the text for more about matching in bipartite graphs.</a:t>
+            </a:r>
+          </a:p>
+          <a:p>
+            <a:endParaRPr lang="en-US" i="1" dirty="0"/>
+          </a:p>
+        </p:txBody>
+      </p:sp>
+      <p:pic>
+        <p:nvPicPr>
+          <p:cNvPr id="4" name="Picture 3"/>
+          <p:cNvPicPr>
+            <a:picLocks noChangeAspect="1"/>
+          </p:cNvPicPr>
+          <p:nvPr/>
+        </p:nvPicPr>
+        <p:blipFill>
+          <a:blip r:embed="rId2" cstate="print">
+            <a:extLst>
+              <a:ext uri="{28A0092B-C50C-407E-A947-70E740481C1C}">
+                <a14:useLocalDpi xmlns:a14="http://schemas.microsoft.com/office/drawing/2010/main" val="0"/>
+              </a:ext>
+            </a:extLst>
+          </a:blip>
+          <a:stretch>
+            <a:fillRect/>
+          </a:stretch>
+        </p:blipFill>
+        <p:spPr>
+          <a:xfrm>
+            <a:off x="2514600" y="3352800"/>
+            <a:ext cx="4674108" cy="1099566"/>
+          </a:xfrm>
+          <a:prstGeom prst="rect">
+            <a:avLst/>
+          </a:prstGeom>
+        </p:spPr>
+      </p:pic>
+    </p:spTree>
+    <p:extLst>
+      <p:ext uri="{BB962C8B-B14F-4D97-AF65-F5344CB8AC3E}">
+        <p14:creationId xmlns:p14="http://schemas.microsoft.com/office/powerpoint/2010/main" val="130525831"/>
+      </p:ext>
+    </p:extLst>
+  </p:cSld>
+  <p:clrMapOvr>
+    <a:masterClrMapping/>
+  </p:clrMapOvr>
+</p:sld>
+</file>
+
+<file path=ppt/slides/slide41.xml><?xml version="1.0" encoding="utf-8"?>
+<p:sld xmlns:a="http://schemas.openxmlformats.org/drawingml/2006/main" xmlns:r="http://schemas.openxmlformats.org/officeDocument/2006/relationships" xmlns:p="http://schemas.openxmlformats.org/presentationml/2006/main">
+  <p:cSld>
+    <p:spTree>
+      <p:nvGrpSpPr>
+        <p:cNvPr id="1" name=""/>
+        <p:cNvGrpSpPr/>
+        <p:nvPr/>
+      </p:nvGrpSpPr>
+      <p:grpSpPr>
+        <a:xfrm>
+          <a:off x="0" y="0"/>
+          <a:ext cx="0" cy="0"/>
+          <a:chOff x="0" y="0"/>
+          <a:chExt cx="0" cy="0"/>
+        </a:xfrm>
+      </p:grpSpPr>
+      <p:sp>
+        <p:nvSpPr>
+          <p:cNvPr id="2" name="Title 1"/>
+          <p:cNvSpPr>
+            <a:spLocks noGrp="1"/>
+          </p:cNvSpPr>
+          <p:nvPr>
+            <p:ph type="title"/>
+          </p:nvPr>
+        </p:nvSpPr>
+        <p:spPr/>
+        <p:txBody>
+          <a:bodyPr/>
+          <a:lstStyle/>
+          <a:p>
+            <a:r>
+              <a:rPr lang="en-US" dirty="0"/>
               <a:t>New Graphs from Old </a:t>
             </a:r>
           </a:p>
@@ -15298,7 +15904,11 @@
               <a:t>A </a:t>
             </a:r>
             <a:r>
-              <a:rPr lang="en-US" i="1" dirty="0" err="1"/>
+              <a:rPr lang="en-US" i="1" dirty="0" err="1">
+                <a:solidFill>
+                  <a:srgbClr val="FF0000"/>
+                </a:solidFill>
+              </a:rPr>
               <a:t>subgraph</a:t>
             </a:r>
             <a:r>
@@ -15875,7 +16485,7 @@
 </p:sld>
 </file>
 
-<file path=ppt/slides/slide41.xml><?xml version="1.0" encoding="utf-8"?>
+<file path=ppt/slides/slide42.xml><?xml version="1.0" encoding="utf-8"?>
 <p:sld xmlns:a="http://schemas.openxmlformats.org/drawingml/2006/main" xmlns:r="http://schemas.openxmlformats.org/officeDocument/2006/relationships" xmlns:p="http://schemas.openxmlformats.org/presentationml/2006/main">
   <p:cSld>
     <p:spTree>
@@ -15951,7 +16561,11 @@
               <a:t>: The </a:t>
             </a:r>
             <a:r>
-              <a:rPr lang="en-US" i="1" dirty="0"/>
+              <a:rPr lang="en-US" i="1" dirty="0">
+                <a:solidFill>
+                  <a:srgbClr val="FF0000"/>
+                </a:solidFill>
+              </a:rPr>
               <a:t>union</a:t>
             </a:r>
             <a:r>
@@ -16354,7 +16968,7 @@
 </p:sld>
 </file>
 
-<file path=ppt/slides/slide42.xml><?xml version="1.0" encoding="utf-8"?>
+<file path=ppt/slides/slide43.xml><?xml version="1.0" encoding="utf-8"?>
 <p:sld xmlns:a="http://schemas.openxmlformats.org/drawingml/2006/main" xmlns:r="http://schemas.openxmlformats.org/officeDocument/2006/relationships" xmlns:p="http://schemas.openxmlformats.org/presentationml/2006/main">
   <p:cSld>
     <p:spTree>
@@ -16430,7 +17044,7 @@
 </p:sld>
 </file>
 
-<file path=ppt/slides/slide43.xml><?xml version="1.0" encoding="utf-8"?>
+<file path=ppt/slides/slide44.xml><?xml version="1.0" encoding="utf-8"?>
 <p:sld xmlns:a="http://schemas.openxmlformats.org/drawingml/2006/main" xmlns:r="http://schemas.openxmlformats.org/officeDocument/2006/relationships" xmlns:p="http://schemas.openxmlformats.org/presentationml/2006/main">
   <p:cSld>
     <p:spTree>
@@ -16749,7 +17363,7 @@
 </p:sld>
 </file>
 
-<file path=ppt/slides/slide44.xml><?xml version="1.0" encoding="utf-8"?>
+<file path=ppt/slides/slide45.xml><?xml version="1.0" encoding="utf-8"?>
 <p:sld xmlns:a="http://schemas.openxmlformats.org/drawingml/2006/main" xmlns:r="http://schemas.openxmlformats.org/officeDocument/2006/relationships" xmlns:p="http://schemas.openxmlformats.org/presentationml/2006/main">
   <p:cSld>
     <p:spTree>
@@ -16875,7 +17489,7 @@
 </p:sld>
 </file>
 
-<file path=ppt/slides/slide45.xml><?xml version="1.0" encoding="utf-8"?>
+<file path=ppt/slides/slide46.xml><?xml version="1.0" encoding="utf-8"?>
 <p:sld xmlns:a="http://schemas.openxmlformats.org/drawingml/2006/main" xmlns:r="http://schemas.openxmlformats.org/officeDocument/2006/relationships" xmlns:p="http://schemas.openxmlformats.org/presentationml/2006/main">
   <p:cSld>
     <p:spTree>
@@ -17255,7 +17869,7 @@
 </p:sld>
 </file>
 
-<file path=ppt/slides/slide46.xml><?xml version="1.0" encoding="utf-8"?>
+<file path=ppt/slides/slide47.xml><?xml version="1.0" encoding="utf-8"?>
 <p:sld xmlns:a="http://schemas.openxmlformats.org/drawingml/2006/main" xmlns:r="http://schemas.openxmlformats.org/officeDocument/2006/relationships" xmlns:p="http://schemas.openxmlformats.org/presentationml/2006/main">
   <p:cSld>
     <p:spTree>
@@ -17801,7 +18415,7 @@
 </p:sld>
 </file>
 
-<file path=ppt/slides/slide47.xml><?xml version="1.0" encoding="utf-8"?>
+<file path=ppt/slides/slide48.xml><?xml version="1.0" encoding="utf-8"?>
 <p:sld xmlns:a="http://schemas.openxmlformats.org/drawingml/2006/main" xmlns:r="http://schemas.openxmlformats.org/officeDocument/2006/relationships" xmlns:p="http://schemas.openxmlformats.org/presentationml/2006/main">
   <p:cSld>
     <p:spTree>
@@ -18149,7 +18763,7 @@
 </p:sld>
 </file>
 
-<file path=ppt/slides/slide48.xml><?xml version="1.0" encoding="utf-8"?>
+<file path=ppt/slides/slide49.xml><?xml version="1.0" encoding="utf-8"?>
 <p:sld xmlns:a="http://schemas.openxmlformats.org/drawingml/2006/main" xmlns:r="http://schemas.openxmlformats.org/officeDocument/2006/relationships" xmlns:p="http://schemas.openxmlformats.org/presentationml/2006/main">
   <p:cSld>
     <p:spTree>
@@ -18562,7 +19176,282 @@
 </p:sld>
 </file>
 
-<file path=ppt/slides/slide49.xml><?xml version="1.0" encoding="utf-8"?>
+<file path=ppt/slides/slide5.xml><?xml version="1.0" encoding="utf-8"?>
+<p:sld xmlns:a="http://schemas.openxmlformats.org/drawingml/2006/main" xmlns:r="http://schemas.openxmlformats.org/officeDocument/2006/relationships" xmlns:p="http://schemas.openxmlformats.org/presentationml/2006/main">
+  <p:cSld>
+    <p:spTree>
+      <p:nvGrpSpPr>
+        <p:cNvPr id="1" name=""/>
+        <p:cNvGrpSpPr/>
+        <p:nvPr/>
+      </p:nvGrpSpPr>
+      <p:grpSpPr>
+        <a:xfrm>
+          <a:off x="0" y="0"/>
+          <a:ext cx="0" cy="0"/>
+          <a:chOff x="0" y="0"/>
+          <a:chExt cx="0" cy="0"/>
+        </a:xfrm>
+      </p:grpSpPr>
+      <p:sp>
+        <p:nvSpPr>
+          <p:cNvPr id="2" name="Title 1"/>
+          <p:cNvSpPr>
+            <a:spLocks noGrp="1"/>
+          </p:cNvSpPr>
+          <p:nvPr>
+            <p:ph type="title"/>
+          </p:nvPr>
+        </p:nvSpPr>
+        <p:spPr/>
+        <p:txBody>
+          <a:bodyPr/>
+          <a:lstStyle/>
+          <a:p>
+            <a:r>
+              <a:rPr lang="en-US" dirty="0"/>
+              <a:t>Directed Graphs</a:t>
+            </a:r>
+          </a:p>
+        </p:txBody>
+      </p:sp>
+      <p:sp>
+        <p:nvSpPr>
+          <p:cNvPr id="3" name="Content Placeholder 2"/>
+          <p:cNvSpPr>
+            <a:spLocks noGrp="1"/>
+          </p:cNvSpPr>
+          <p:nvPr>
+            <p:ph idx="1"/>
+          </p:nvPr>
+        </p:nvSpPr>
+        <p:spPr/>
+        <p:txBody>
+          <a:bodyPr>
+            <a:normAutofit/>
+          </a:bodyPr>
+          <a:lstStyle/>
+          <a:p>
+            <a:pPr>
+              <a:buNone/>
+            </a:pPr>
+            <a:r>
+              <a:rPr lang="en-US" b="1" dirty="0"/>
+              <a:t>   Definition:</a:t>
+            </a:r>
+            <a:r>
+              <a:rPr lang="en-US" dirty="0"/>
+              <a:t> An </a:t>
+            </a:r>
+            <a:r>
+              <a:rPr lang="en-US" i="1" dirty="0">
+                <a:solidFill>
+                  <a:srgbClr val="FF0000"/>
+                </a:solidFill>
+              </a:rPr>
+              <a:t>directed</a:t>
+            </a:r>
+            <a:r>
+              <a:rPr lang="en-US" i="1" dirty="0"/>
+              <a:t> graph </a:t>
+            </a:r>
+            <a:r>
+              <a:rPr lang="en-US" dirty="0"/>
+              <a:t> (or </a:t>
+            </a:r>
+            <a:r>
+              <a:rPr lang="en-US" i="1" dirty="0"/>
+              <a:t>digraph</a:t>
+            </a:r>
+            <a:r>
+              <a:rPr lang="en-US" dirty="0"/>
+              <a:t>) </a:t>
+            </a:r>
+            <a:r>
+              <a:rPr lang="en-US" i="1" dirty="0"/>
+              <a:t>G = </a:t>
+            </a:r>
+            <a:r>
+              <a:rPr lang="en-US" dirty="0"/>
+              <a:t>(</a:t>
+            </a:r>
+            <a:r>
+              <a:rPr lang="en-US" i="1" dirty="0"/>
+              <a:t>V, E</a:t>
+            </a:r>
+            <a:r>
+              <a:rPr lang="en-US" dirty="0"/>
+              <a:t>)</a:t>
+            </a:r>
+            <a:r>
+              <a:rPr lang="en-US" i="1" dirty="0"/>
+              <a:t> </a:t>
+            </a:r>
+            <a:r>
+              <a:rPr lang="en-US" dirty="0"/>
+              <a:t>consists of </a:t>
+            </a:r>
+            <a:r>
+              <a:rPr lang="en-US" i="1" dirty="0"/>
+              <a:t> </a:t>
+            </a:r>
+            <a:r>
+              <a:rPr lang="en-US" dirty="0"/>
+              <a:t>a nonempty set </a:t>
+            </a:r>
+            <a:r>
+              <a:rPr lang="en-US" i="1" dirty="0"/>
+              <a:t>V</a:t>
+            </a:r>
+            <a:r>
+              <a:rPr lang="en-US" dirty="0"/>
+              <a:t> of </a:t>
+            </a:r>
+            <a:r>
+              <a:rPr lang="en-US" i="1" dirty="0"/>
+              <a:t>vertices </a:t>
+            </a:r>
+            <a:r>
+              <a:rPr lang="en-US" dirty="0"/>
+              <a:t>(or </a:t>
+            </a:r>
+            <a:r>
+              <a:rPr lang="en-US" i="1" dirty="0"/>
+              <a:t>nodes</a:t>
+            </a:r>
+            <a:r>
+              <a:rPr lang="en-US" dirty="0"/>
+              <a:t>) and a set </a:t>
+            </a:r>
+            <a:r>
+              <a:rPr lang="en-US" i="1" dirty="0"/>
+              <a:t>E</a:t>
+            </a:r>
+            <a:r>
+              <a:rPr lang="en-US" dirty="0"/>
+              <a:t> of </a:t>
+            </a:r>
+            <a:r>
+              <a:rPr lang="en-US" i="1" dirty="0"/>
+              <a:t>directed edges </a:t>
+            </a:r>
+            <a:r>
+              <a:rPr lang="en-US" dirty="0"/>
+              <a:t>(or </a:t>
+            </a:r>
+            <a:r>
+              <a:rPr lang="en-US" i="1" dirty="0"/>
+              <a:t>arcs</a:t>
+            </a:r>
+            <a:r>
+              <a:rPr lang="en-US" dirty="0"/>
+              <a:t>)</a:t>
+            </a:r>
+            <a:r>
+              <a:rPr lang="en-US" i="1" dirty="0"/>
+              <a:t>. </a:t>
+            </a:r>
+            <a:r>
+              <a:rPr lang="en-US" dirty="0"/>
+              <a:t>Each edge is associated with an ordered pair of vertices.  The directed edge associated with the ordered pair (</a:t>
+            </a:r>
+            <a:r>
+              <a:rPr lang="en-US" i="1" dirty="0" err="1"/>
+              <a:t>u</a:t>
+            </a:r>
+            <a:r>
+              <a:rPr lang="en-US" dirty="0" err="1"/>
+              <a:t>,</a:t>
+            </a:r>
+            <a:r>
+              <a:rPr lang="en-US" i="1" dirty="0" err="1"/>
+              <a:t>v</a:t>
+            </a:r>
+            <a:r>
+              <a:rPr lang="en-US" dirty="0"/>
+              <a:t>) is said to </a:t>
+            </a:r>
+            <a:r>
+              <a:rPr lang="en-US" i="1" dirty="0"/>
+              <a:t>start at u</a:t>
+            </a:r>
+            <a:r>
+              <a:rPr lang="en-US" dirty="0"/>
+              <a:t> and </a:t>
+            </a:r>
+            <a:r>
+              <a:rPr lang="en-US" i="1" dirty="0"/>
+              <a:t>end at</a:t>
+            </a:r>
+            <a:r>
+              <a:rPr lang="en-US" dirty="0"/>
+              <a:t> </a:t>
+            </a:r>
+            <a:r>
+              <a:rPr lang="en-US" i="1" dirty="0"/>
+              <a:t>v</a:t>
+            </a:r>
+            <a:r>
+              <a:rPr lang="en-US" dirty="0"/>
+              <a:t>. </a:t>
+            </a:r>
+          </a:p>
+          <a:p>
+            <a:pPr>
+              <a:buNone/>
+            </a:pPr>
+            <a:r>
+              <a:rPr lang="en-US" b="1" dirty="0"/>
+              <a:t>   Remark</a:t>
+            </a:r>
+            <a:r>
+              <a:rPr lang="en-US" dirty="0"/>
+              <a:t>: </a:t>
+            </a:r>
+          </a:p>
+          <a:p>
+            <a:pPr lvl="1"/>
+            <a:r>
+              <a:rPr lang="en-US" dirty="0"/>
+              <a:t>Graphs where the end points of an edge are not ordered are said to be </a:t>
+            </a:r>
+            <a:r>
+              <a:rPr lang="en-US" i="1" dirty="0">
+                <a:solidFill>
+                  <a:srgbClr val="FF0000"/>
+                </a:solidFill>
+              </a:rPr>
+              <a:t>undirected</a:t>
+            </a:r>
+            <a:r>
+              <a:rPr lang="en-US" i="1" dirty="0"/>
+              <a:t> graphs</a:t>
+            </a:r>
+            <a:r>
+              <a:rPr lang="en-US" dirty="0"/>
+              <a:t>.</a:t>
+            </a:r>
+          </a:p>
+          <a:p>
+            <a:pPr>
+              <a:buNone/>
+            </a:pPr>
+            <a:endParaRPr lang="en-US" i="1" dirty="0"/>
+          </a:p>
+          <a:p>
+            <a:endParaRPr lang="en-US" i="1" dirty="0"/>
+          </a:p>
+        </p:txBody>
+      </p:sp>
+    </p:spTree>
+  </p:cSld>
+  <p:clrMapOvr>
+    <a:masterClrMapping/>
+  </p:clrMapOvr>
+</p:sld>
+</file>
+
+<file path=ppt/slides/slide50.xml><?xml version="1.0" encoding="utf-8"?>
 <p:sld xmlns:a="http://schemas.openxmlformats.org/drawingml/2006/main" xmlns:r="http://schemas.openxmlformats.org/officeDocument/2006/relationships" xmlns:p="http://schemas.openxmlformats.org/presentationml/2006/main">
   <p:cSld>
     <p:spTree>
@@ -18688,282 +19577,7 @@
 </p:sld>
 </file>
 
-<file path=ppt/slides/slide5.xml><?xml version="1.0" encoding="utf-8"?>
-<p:sld xmlns:a="http://schemas.openxmlformats.org/drawingml/2006/main" xmlns:r="http://schemas.openxmlformats.org/officeDocument/2006/relationships" xmlns:p="http://schemas.openxmlformats.org/presentationml/2006/main">
-  <p:cSld>
-    <p:spTree>
-      <p:nvGrpSpPr>
-        <p:cNvPr id="1" name=""/>
-        <p:cNvGrpSpPr/>
-        <p:nvPr/>
-      </p:nvGrpSpPr>
-      <p:grpSpPr>
-        <a:xfrm>
-          <a:off x="0" y="0"/>
-          <a:ext cx="0" cy="0"/>
-          <a:chOff x="0" y="0"/>
-          <a:chExt cx="0" cy="0"/>
-        </a:xfrm>
-      </p:grpSpPr>
-      <p:sp>
-        <p:nvSpPr>
-          <p:cNvPr id="2" name="Title 1"/>
-          <p:cNvSpPr>
-            <a:spLocks noGrp="1"/>
-          </p:cNvSpPr>
-          <p:nvPr>
-            <p:ph type="title"/>
-          </p:nvPr>
-        </p:nvSpPr>
-        <p:spPr/>
-        <p:txBody>
-          <a:bodyPr/>
-          <a:lstStyle/>
-          <a:p>
-            <a:r>
-              <a:rPr lang="en-US" dirty="0"/>
-              <a:t>Directed Graphs</a:t>
-            </a:r>
-          </a:p>
-        </p:txBody>
-      </p:sp>
-      <p:sp>
-        <p:nvSpPr>
-          <p:cNvPr id="3" name="Content Placeholder 2"/>
-          <p:cNvSpPr>
-            <a:spLocks noGrp="1"/>
-          </p:cNvSpPr>
-          <p:nvPr>
-            <p:ph idx="1"/>
-          </p:nvPr>
-        </p:nvSpPr>
-        <p:spPr/>
-        <p:txBody>
-          <a:bodyPr>
-            <a:normAutofit/>
-          </a:bodyPr>
-          <a:lstStyle/>
-          <a:p>
-            <a:pPr>
-              <a:buNone/>
-            </a:pPr>
-            <a:r>
-              <a:rPr lang="en-US" b="1" dirty="0"/>
-              <a:t>   Definition:</a:t>
-            </a:r>
-            <a:r>
-              <a:rPr lang="en-US" dirty="0"/>
-              <a:t> An </a:t>
-            </a:r>
-            <a:r>
-              <a:rPr lang="en-US" i="1" dirty="0">
-                <a:solidFill>
-                  <a:srgbClr val="FF0000"/>
-                </a:solidFill>
-              </a:rPr>
-              <a:t>directed</a:t>
-            </a:r>
-            <a:r>
-              <a:rPr lang="en-US" i="1" dirty="0"/>
-              <a:t> graph </a:t>
-            </a:r>
-            <a:r>
-              <a:rPr lang="en-US" dirty="0"/>
-              <a:t> (or </a:t>
-            </a:r>
-            <a:r>
-              <a:rPr lang="en-US" i="1" dirty="0"/>
-              <a:t>digraph</a:t>
-            </a:r>
-            <a:r>
-              <a:rPr lang="en-US" dirty="0"/>
-              <a:t>) </a:t>
-            </a:r>
-            <a:r>
-              <a:rPr lang="en-US" i="1" dirty="0"/>
-              <a:t>G = </a:t>
-            </a:r>
-            <a:r>
-              <a:rPr lang="en-US" dirty="0"/>
-              <a:t>(</a:t>
-            </a:r>
-            <a:r>
-              <a:rPr lang="en-US" i="1" dirty="0"/>
-              <a:t>V, E</a:t>
-            </a:r>
-            <a:r>
-              <a:rPr lang="en-US" dirty="0"/>
-              <a:t>)</a:t>
-            </a:r>
-            <a:r>
-              <a:rPr lang="en-US" i="1" dirty="0"/>
-              <a:t> </a:t>
-            </a:r>
-            <a:r>
-              <a:rPr lang="en-US" dirty="0"/>
-              <a:t>consists of </a:t>
-            </a:r>
-            <a:r>
-              <a:rPr lang="en-US" i="1" dirty="0"/>
-              <a:t> </a:t>
-            </a:r>
-            <a:r>
-              <a:rPr lang="en-US" dirty="0"/>
-              <a:t>a nonempty set </a:t>
-            </a:r>
-            <a:r>
-              <a:rPr lang="en-US" i="1" dirty="0"/>
-              <a:t>V</a:t>
-            </a:r>
-            <a:r>
-              <a:rPr lang="en-US" dirty="0"/>
-              <a:t> of </a:t>
-            </a:r>
-            <a:r>
-              <a:rPr lang="en-US" i="1" dirty="0"/>
-              <a:t>vertices </a:t>
-            </a:r>
-            <a:r>
-              <a:rPr lang="en-US" dirty="0"/>
-              <a:t>(or </a:t>
-            </a:r>
-            <a:r>
-              <a:rPr lang="en-US" i="1" dirty="0"/>
-              <a:t>nodes</a:t>
-            </a:r>
-            <a:r>
-              <a:rPr lang="en-US" dirty="0"/>
-              <a:t>) and a set </a:t>
-            </a:r>
-            <a:r>
-              <a:rPr lang="en-US" i="1" dirty="0"/>
-              <a:t>E</a:t>
-            </a:r>
-            <a:r>
-              <a:rPr lang="en-US" dirty="0"/>
-              <a:t> of </a:t>
-            </a:r>
-            <a:r>
-              <a:rPr lang="en-US" i="1" dirty="0"/>
-              <a:t>directed edges </a:t>
-            </a:r>
-            <a:r>
-              <a:rPr lang="en-US" dirty="0"/>
-              <a:t>(or </a:t>
-            </a:r>
-            <a:r>
-              <a:rPr lang="en-US" i="1" dirty="0"/>
-              <a:t>arcs</a:t>
-            </a:r>
-            <a:r>
-              <a:rPr lang="en-US" dirty="0"/>
-              <a:t>)</a:t>
-            </a:r>
-            <a:r>
-              <a:rPr lang="en-US" i="1" dirty="0"/>
-              <a:t>. </a:t>
-            </a:r>
-            <a:r>
-              <a:rPr lang="en-US" dirty="0"/>
-              <a:t>Each edge is associated with an ordered pair of vertices.  The directed edge associated with the ordered pair (</a:t>
-            </a:r>
-            <a:r>
-              <a:rPr lang="en-US" i="1" dirty="0" err="1"/>
-              <a:t>u</a:t>
-            </a:r>
-            <a:r>
-              <a:rPr lang="en-US" dirty="0" err="1"/>
-              <a:t>,</a:t>
-            </a:r>
-            <a:r>
-              <a:rPr lang="en-US" i="1" dirty="0" err="1"/>
-              <a:t>v</a:t>
-            </a:r>
-            <a:r>
-              <a:rPr lang="en-US" dirty="0"/>
-              <a:t>) is said to </a:t>
-            </a:r>
-            <a:r>
-              <a:rPr lang="en-US" i="1" dirty="0"/>
-              <a:t>start at u</a:t>
-            </a:r>
-            <a:r>
-              <a:rPr lang="en-US" dirty="0"/>
-              <a:t> and </a:t>
-            </a:r>
-            <a:r>
-              <a:rPr lang="en-US" i="1" dirty="0"/>
-              <a:t>end at</a:t>
-            </a:r>
-            <a:r>
-              <a:rPr lang="en-US" dirty="0"/>
-              <a:t> </a:t>
-            </a:r>
-            <a:r>
-              <a:rPr lang="en-US" i="1" dirty="0"/>
-              <a:t>v</a:t>
-            </a:r>
-            <a:r>
-              <a:rPr lang="en-US" dirty="0"/>
-              <a:t>. </a:t>
-            </a:r>
-          </a:p>
-          <a:p>
-            <a:pPr>
-              <a:buNone/>
-            </a:pPr>
-            <a:r>
-              <a:rPr lang="en-US" b="1" dirty="0"/>
-              <a:t>   Remark</a:t>
-            </a:r>
-            <a:r>
-              <a:rPr lang="en-US" dirty="0"/>
-              <a:t>: </a:t>
-            </a:r>
-          </a:p>
-          <a:p>
-            <a:pPr lvl="1"/>
-            <a:r>
-              <a:rPr lang="en-US" dirty="0"/>
-              <a:t>Graphs where the end points of an edge are not ordered are said to be </a:t>
-            </a:r>
-            <a:r>
-              <a:rPr lang="en-US" i="1" dirty="0">
-                <a:solidFill>
-                  <a:srgbClr val="FF0000"/>
-                </a:solidFill>
-              </a:rPr>
-              <a:t>undirected</a:t>
-            </a:r>
-            <a:r>
-              <a:rPr lang="en-US" i="1" dirty="0"/>
-              <a:t> graphs</a:t>
-            </a:r>
-            <a:r>
-              <a:rPr lang="en-US" dirty="0"/>
-              <a:t>.</a:t>
-            </a:r>
-          </a:p>
-          <a:p>
-            <a:pPr>
-              <a:buNone/>
-            </a:pPr>
-            <a:endParaRPr lang="en-US" i="1" dirty="0"/>
-          </a:p>
-          <a:p>
-            <a:endParaRPr lang="en-US" i="1" dirty="0"/>
-          </a:p>
-        </p:txBody>
-      </p:sp>
-    </p:spTree>
-  </p:cSld>
-  <p:clrMapOvr>
-    <a:masterClrMapping/>
-  </p:clrMapOvr>
-</p:sld>
-</file>
-
-<file path=ppt/slides/slide50.xml><?xml version="1.0" encoding="utf-8"?>
+<file path=ppt/slides/slide51.xml><?xml version="1.0" encoding="utf-8"?>
 <p:sld xmlns:a="http://schemas.openxmlformats.org/drawingml/2006/main" xmlns:r="http://schemas.openxmlformats.org/officeDocument/2006/relationships" xmlns:p="http://schemas.openxmlformats.org/presentationml/2006/main">
   <p:cSld>
     <p:spTree>
@@ -19246,7 +19860,7 @@
 </p:sld>
 </file>
 
-<file path=ppt/slides/slide51.xml><?xml version="1.0" encoding="utf-8"?>
+<file path=ppt/slides/slide52.xml><?xml version="1.0" encoding="utf-8"?>
 <p:sld xmlns:a="http://schemas.openxmlformats.org/drawingml/2006/main" xmlns:r="http://schemas.openxmlformats.org/officeDocument/2006/relationships" xmlns:p="http://schemas.openxmlformats.org/presentationml/2006/main">
   <p:cSld>
     <p:spTree>
@@ -19703,7 +20317,7 @@
 </p:sld>
 </file>
 
-<file path=ppt/slides/slide52.xml><?xml version="1.0" encoding="utf-8"?>
+<file path=ppt/slides/slide53.xml><?xml version="1.0" encoding="utf-8"?>
 <p:sld xmlns:a="http://schemas.openxmlformats.org/drawingml/2006/main" xmlns:r="http://schemas.openxmlformats.org/officeDocument/2006/relationships" xmlns:p="http://schemas.openxmlformats.org/presentationml/2006/main">
   <p:cSld>
     <p:spTree>
@@ -20080,7 +20694,7 @@
 </p:sld>
 </file>
 
-<file path=ppt/slides/slide53.xml><?xml version="1.0" encoding="utf-8"?>
+<file path=ppt/slides/slide54.xml><?xml version="1.0" encoding="utf-8"?>
 <p:sld xmlns:a="http://schemas.openxmlformats.org/drawingml/2006/main" xmlns:r="http://schemas.openxmlformats.org/officeDocument/2006/relationships" xmlns:p="http://schemas.openxmlformats.org/presentationml/2006/main">
   <p:cSld>
     <p:spTree>
@@ -20909,7 +21523,7 @@
 </p:sld>
 </file>
 
-<file path=ppt/slides/slide54.xml><?xml version="1.0" encoding="utf-8"?>
+<file path=ppt/slides/slide55.xml><?xml version="1.0" encoding="utf-8"?>
 <p:sld xmlns:a="http://schemas.openxmlformats.org/drawingml/2006/main" xmlns:r="http://schemas.openxmlformats.org/officeDocument/2006/relationships" xmlns:p="http://schemas.openxmlformats.org/presentationml/2006/main">
   <p:cSld>
     <p:spTree>
@@ -21051,7 +21665,7 @@
 </p:sld>
 </file>
 
-<file path=ppt/slides/slide55.xml><?xml version="1.0" encoding="utf-8"?>
+<file path=ppt/slides/slide56.xml><?xml version="1.0" encoding="utf-8"?>
 <p:sld xmlns:a="http://schemas.openxmlformats.org/drawingml/2006/main" xmlns:r="http://schemas.openxmlformats.org/officeDocument/2006/relationships" xmlns:p="http://schemas.openxmlformats.org/presentationml/2006/main">
   <p:cSld>
     <p:spTree>
@@ -21502,7 +22116,7 @@
 </p:sld>
 </file>
 
-<file path=ppt/slides/slide56.xml><?xml version="1.0" encoding="utf-8"?>
+<file path=ppt/slides/slide57.xml><?xml version="1.0" encoding="utf-8"?>
 <p:sld xmlns:a="http://schemas.openxmlformats.org/drawingml/2006/main" xmlns:r="http://schemas.openxmlformats.org/officeDocument/2006/relationships" xmlns:p="http://schemas.openxmlformats.org/presentationml/2006/main">
   <p:cSld>
     <p:spTree>
@@ -22094,121 +22708,6 @@
 </p:sld>
 </file>
 
-<file path=ppt/slides/slide57.xml><?xml version="1.0" encoding="utf-8"?>
-<p:sld xmlns:a="http://schemas.openxmlformats.org/drawingml/2006/main" xmlns:r="http://schemas.openxmlformats.org/officeDocument/2006/relationships" xmlns:p="http://schemas.openxmlformats.org/presentationml/2006/main">
-  <p:cSld>
-    <p:spTree>
-      <p:nvGrpSpPr>
-        <p:cNvPr id="1" name=""/>
-        <p:cNvGrpSpPr/>
-        <p:nvPr/>
-      </p:nvGrpSpPr>
-      <p:grpSpPr>
-        <a:xfrm>
-          <a:off x="0" y="0"/>
-          <a:ext cx="0" cy="0"/>
-          <a:chOff x="0" y="0"/>
-          <a:chExt cx="0" cy="0"/>
-        </a:xfrm>
-      </p:grpSpPr>
-      <p:sp>
-        <p:nvSpPr>
-          <p:cNvPr id="2" name="Title 1"/>
-          <p:cNvSpPr>
-            <a:spLocks noGrp="1"/>
-          </p:cNvSpPr>
-          <p:nvPr>
-            <p:ph type="title"/>
-          </p:nvPr>
-        </p:nvSpPr>
-        <p:spPr/>
-        <p:txBody>
-          <a:bodyPr>
-            <a:normAutofit fontScale="90000"/>
-          </a:bodyPr>
-          <a:lstStyle/>
-          <a:p>
-            <a:r>
-              <a:rPr lang="en-US" dirty="0"/>
-              <a:t>Algorithms for Graph Isomorphism</a:t>
-            </a:r>
-          </a:p>
-        </p:txBody>
-      </p:sp>
-      <p:sp>
-        <p:nvSpPr>
-          <p:cNvPr id="3" name="Content Placeholder 2"/>
-          <p:cNvSpPr>
-            <a:spLocks noGrp="1"/>
-          </p:cNvSpPr>
-          <p:nvPr>
-            <p:ph idx="1"/>
-          </p:nvPr>
-        </p:nvSpPr>
-        <p:spPr/>
-        <p:txBody>
-          <a:bodyPr>
-            <a:normAutofit fontScale="92500"/>
-          </a:bodyPr>
-          <a:lstStyle/>
-          <a:p>
-            <a:r>
-              <a:rPr lang="en-US" dirty="0"/>
-              <a:t>The best algorithms known for determining whether two graphs are isomorphic have exponential worst-case time complexity (in the number of vertices of the graphs).</a:t>
-            </a:r>
-          </a:p>
-          <a:p>
-            <a:r>
-              <a:rPr lang="en-US" dirty="0"/>
-              <a:t>However,  there are algorithms with linear average-case time complexity. </a:t>
-            </a:r>
-          </a:p>
-          <a:p>
-            <a:r>
-              <a:rPr lang="en-US" dirty="0"/>
-              <a:t>You can use a public domain program called NAUTY to determine in less than a second whether two graphs with as many as 100 vertices are </a:t>
-            </a:r>
-            <a:r>
-              <a:rPr lang="en-US" dirty="0" err="1"/>
-              <a:t>isomoprhic</a:t>
-            </a:r>
-            <a:r>
-              <a:rPr lang="en-US" dirty="0"/>
-              <a:t>.</a:t>
-            </a:r>
-          </a:p>
-          <a:p>
-            <a:r>
-              <a:rPr lang="en-US" dirty="0"/>
-              <a:t>Graph isomorphism is a problem of special interest because it is one of a few NP problems not known to be either tractable or NP-complete (see Section </a:t>
-            </a:r>
-            <a:r>
-              <a:rPr lang="en-US" dirty="0">
-                <a:latin typeface="Cambria Math" pitchFamily="18" charset="0"/>
-                <a:ea typeface="Cambria Math" pitchFamily="18" charset="0"/>
-              </a:rPr>
-              <a:t>3.3</a:t>
-            </a:r>
-            <a:r>
-              <a:rPr lang="en-US" dirty="0"/>
-              <a:t>).</a:t>
-            </a:r>
-          </a:p>
-        </p:txBody>
-      </p:sp>
-    </p:spTree>
-    <p:extLst>
-      <p:ext uri="{BB962C8B-B14F-4D97-AF65-F5344CB8AC3E}">
-        <p14:creationId xmlns:p14="http://schemas.microsoft.com/office/powerpoint/2010/main" val="3264773922"/>
-      </p:ext>
-    </p:extLst>
-  </p:cSld>
-  <p:clrMapOvr>
-    <a:masterClrMapping/>
-  </p:clrMapOvr>
-</p:sld>
-</file>
-
 <file path=ppt/slides/slide58.xml><?xml version="1.0" encoding="utf-8"?>
 <p:sld xmlns:a="http://schemas.openxmlformats.org/drawingml/2006/main" xmlns:r="http://schemas.openxmlformats.org/officeDocument/2006/relationships" xmlns:p="http://schemas.openxmlformats.org/presentationml/2006/main">
   <p:cSld>
@@ -22245,7 +22744,7 @@
           <a:p>
             <a:r>
               <a:rPr lang="en-US" dirty="0"/>
-              <a:t>Applications of Graph Isomorphism </a:t>
+              <a:t>Algorithms for Graph Isomorphism</a:t>
             </a:r>
           </a:p>
         </p:txBody>
@@ -22263,41 +22762,50 @@
         <p:spPr/>
         <p:txBody>
           <a:bodyPr>
-            <a:normAutofit fontScale="85000" lnSpcReduction="20000"/>
+            <a:normAutofit fontScale="92500"/>
           </a:bodyPr>
           <a:lstStyle/>
           <a:p>
             <a:r>
               <a:rPr lang="en-US" dirty="0"/>
-              <a:t>The question whether graphs are isomorphic plays an important role in applications of graph theory. For example, </a:t>
-            </a:r>
-          </a:p>
-          <a:p>
-            <a:pPr lvl="1"/>
-            <a:r>
-              <a:rPr lang="en-US" dirty="0"/>
-              <a:t>chemists use molecular graphs to model chemical compounds. Vertices represent atoms and edges represent chemical bonds. When a new compound is synthesized, a database of molecular graphs is checked to determine whether the graph representing the new compound is isomorphic to the graph of a compound that this already known. </a:t>
-            </a:r>
-          </a:p>
-          <a:p>
-            <a:pPr lvl="1"/>
-            <a:r>
-              <a:rPr lang="en-US" dirty="0"/>
-              <a:t>Electronic circuits are modeled as graphs in which the vertices represent components and the edges represent connections between them. Graph isomorphism is the basis for </a:t>
-            </a:r>
-          </a:p>
-          <a:p>
-            <a:pPr lvl="2"/>
-            <a:r>
-              <a:rPr lang="en-US" sz="2400" dirty="0"/>
-              <a:t>the verification that a particular layout of a circuit corresponds to the design’s original schematics. </a:t>
-            </a:r>
-          </a:p>
-          <a:p>
-            <a:pPr lvl="2"/>
-            <a:r>
-              <a:rPr lang="en-US" sz="2400" dirty="0"/>
-              <a:t>determining whether a chip from one vendor includes the intellectual property of another vendor. </a:t>
+              <a:t>The best algorithms known for determining whether two graphs are isomorphic have exponential worst-case time complexity (in the number of vertices of the graphs).</a:t>
+            </a:r>
+          </a:p>
+          <a:p>
+            <a:r>
+              <a:rPr lang="en-US" dirty="0"/>
+              <a:t>However,  there are algorithms with linear average-case time complexity. </a:t>
+            </a:r>
+          </a:p>
+          <a:p>
+            <a:r>
+              <a:rPr lang="en-US" dirty="0"/>
+              <a:t>You can use a public domain program called NAUTY to determine in less than a second whether two graphs with as many as 100 vertices are </a:t>
+            </a:r>
+            <a:r>
+              <a:rPr lang="en-US" dirty="0" err="1"/>
+              <a:t>isomoprhic</a:t>
+            </a:r>
+            <a:r>
+              <a:rPr lang="en-US" dirty="0"/>
+              <a:t>.</a:t>
+            </a:r>
+          </a:p>
+          <a:p>
+            <a:r>
+              <a:rPr lang="en-US" dirty="0"/>
+              <a:t>Graph isomorphism is a problem of special interest because it is one of a few NP problems not known to be either tractable or NP-complete (see Section </a:t>
+            </a:r>
+            <a:r>
+              <a:rPr lang="en-US" dirty="0">
+                <a:latin typeface="Cambria Math" pitchFamily="18" charset="0"/>
+                <a:ea typeface="Cambria Math" pitchFamily="18" charset="0"/>
+              </a:rPr>
+              <a:t>3.3</a:t>
+            </a:r>
+            <a:r>
+              <a:rPr lang="en-US" dirty="0"/>
+              <a:t>).</a:t>
             </a:r>
           </a:p>
         </p:txBody>
@@ -22305,7 +22813,7 @@
     </p:spTree>
     <p:extLst>
       <p:ext uri="{BB962C8B-B14F-4D97-AF65-F5344CB8AC3E}">
-        <p14:creationId xmlns:p14="http://schemas.microsoft.com/office/powerpoint/2010/main" val="2293554144"/>
+        <p14:creationId xmlns:p14="http://schemas.microsoft.com/office/powerpoint/2010/main" val="3264773922"/>
       </p:ext>
     </p:extLst>
   </p:cSld>
@@ -22339,51 +22847,81 @@
             <a:spLocks noGrp="1"/>
           </p:cNvSpPr>
           <p:nvPr>
-            <p:ph type="ctrTitle"/>
+            <p:ph type="title"/>
           </p:nvPr>
         </p:nvSpPr>
         <p:spPr/>
         <p:txBody>
-          <a:bodyPr/>
+          <a:bodyPr>
+            <a:normAutofit fontScale="90000"/>
+          </a:bodyPr>
           <a:lstStyle/>
           <a:p>
             <a:r>
               <a:rPr lang="en-US" dirty="0"/>
-              <a:t>Connectivity</a:t>
+              <a:t>Applications of Graph Isomorphism </a:t>
             </a:r>
           </a:p>
         </p:txBody>
       </p:sp>
       <p:sp>
         <p:nvSpPr>
-          <p:cNvPr id="3" name="Subtitle 2"/>
+          <p:cNvPr id="3" name="Content Placeholder 2"/>
           <p:cNvSpPr>
             <a:spLocks noGrp="1"/>
           </p:cNvSpPr>
           <p:nvPr>
-            <p:ph type="subTitle" idx="1"/>
+            <p:ph idx="1"/>
           </p:nvPr>
         </p:nvSpPr>
         <p:spPr/>
         <p:txBody>
-          <a:bodyPr/>
+          <a:bodyPr>
+            <a:normAutofit fontScale="85000" lnSpcReduction="20000"/>
+          </a:bodyPr>
           <a:lstStyle/>
           <a:p>
             <a:r>
               <a:rPr lang="en-US" dirty="0"/>
-              <a:t>Section </a:t>
-            </a:r>
-            <a:r>
-              <a:rPr lang="en-US" dirty="0">
-                <a:latin typeface="Cambria Math" pitchFamily="18" charset="0"/>
-                <a:ea typeface="Cambria Math" pitchFamily="18" charset="0"/>
-              </a:rPr>
-              <a:t>10.4</a:t>
+              <a:t>The question whether graphs are isomorphic plays an important role in applications of graph theory. For example, </a:t>
+            </a:r>
+          </a:p>
+          <a:p>
+            <a:pPr lvl="1"/>
+            <a:r>
+              <a:rPr lang="en-US" dirty="0"/>
+              <a:t>chemists use molecular graphs to model chemical compounds. Vertices represent atoms and edges represent chemical bonds. When a new compound is synthesized, a database of molecular graphs is checked to determine whether the graph representing the new compound is isomorphic to the graph of a compound that this already known. </a:t>
+            </a:r>
+          </a:p>
+          <a:p>
+            <a:pPr lvl="1"/>
+            <a:r>
+              <a:rPr lang="en-US" dirty="0"/>
+              <a:t>Electronic circuits are modeled as graphs in which the vertices represent components and the edges represent connections between them. Graph isomorphism is the basis for </a:t>
+            </a:r>
+          </a:p>
+          <a:p>
+            <a:pPr lvl="2"/>
+            <a:r>
+              <a:rPr lang="en-US" sz="2400" dirty="0"/>
+              <a:t>the verification that a particular layout of a circuit corresponds to the design’s original schematics. </a:t>
+            </a:r>
+          </a:p>
+          <a:p>
+            <a:pPr lvl="2"/>
+            <a:r>
+              <a:rPr lang="en-US" sz="2400" dirty="0"/>
+              <a:t>determining whether a chip from one vendor includes the intellectual property of another vendor. </a:t>
             </a:r>
           </a:p>
         </p:txBody>
       </p:sp>
     </p:spTree>
+    <p:extLst>
+      <p:ext uri="{BB962C8B-B14F-4D97-AF65-F5344CB8AC3E}">
+        <p14:creationId xmlns:p14="http://schemas.microsoft.com/office/powerpoint/2010/main" val="2293554144"/>
+      </p:ext>
+    </p:extLst>
   </p:cSld>
   <p:clrMapOvr>
     <a:masterClrMapping/>
@@ -24146,7 +24684,7 @@
             <a:spLocks noGrp="1"/>
           </p:cNvSpPr>
           <p:nvPr>
-            <p:ph type="title"/>
+            <p:ph type="ctrTitle"/>
           </p:nvPr>
         </p:nvSpPr>
         <p:spPr/>
@@ -24156,73 +24694,36 @@
           <a:p>
             <a:r>
               <a:rPr lang="en-US" dirty="0"/>
-              <a:t>Paths</a:t>
+              <a:t>Connectivity</a:t>
             </a:r>
           </a:p>
         </p:txBody>
       </p:sp>
       <p:sp>
         <p:nvSpPr>
-          <p:cNvPr id="3" name="Content Placeholder 2"/>
+          <p:cNvPr id="3" name="Subtitle 2"/>
           <p:cNvSpPr>
             <a:spLocks noGrp="1"/>
           </p:cNvSpPr>
           <p:nvPr>
-            <p:ph idx="1"/>
+            <p:ph type="subTitle" idx="1"/>
           </p:nvPr>
         </p:nvSpPr>
         <p:spPr/>
         <p:txBody>
-          <a:bodyPr>
-            <a:normAutofit lnSpcReduction="10000"/>
-          </a:bodyPr>
+          <a:bodyPr/>
           <a:lstStyle/>
           <a:p>
-            <a:pPr indent="0">
-              <a:buNone/>
-            </a:pPr>
-            <a:r>
-              <a:rPr lang="en-US" b="1" dirty="0"/>
-              <a:t>Informal Definition: </a:t>
-            </a:r>
-            <a:r>
-              <a:rPr lang="en-US" dirty="0"/>
-              <a:t>A </a:t>
-            </a:r>
-            <a:r>
-              <a:rPr lang="en-US" i="1" dirty="0"/>
-              <a:t>path</a:t>
-            </a:r>
-            <a:r>
-              <a:rPr lang="en-US" dirty="0"/>
-              <a:t> is a sequence of edges that begins at a vertex of a graph and travels from vertex to vertex along edges of the graph. As the path travels along its edges, it visits the vertices along this path, that is, the endpoints of these.</a:t>
-            </a:r>
-          </a:p>
-          <a:p>
-            <a:pPr indent="0">
-              <a:buNone/>
-            </a:pPr>
-            <a:r>
-              <a:rPr lang="en-US" b="1" dirty="0"/>
-              <a:t>Applications</a:t>
-            </a:r>
-            <a:r>
-              <a:rPr lang="en-US" dirty="0"/>
-              <a:t>: Numerous problems can be modeled with paths formed by traveling along edges of graphs such as:</a:t>
-            </a:r>
-          </a:p>
-          <a:p>
-            <a:pPr marL="1097280" lvl="1" indent="-457200"/>
-            <a:r>
-              <a:rPr lang="en-US" dirty="0"/>
-              <a:t>determining whether a message can be sent between two computers.</a:t>
-            </a:r>
-          </a:p>
-          <a:p>
-            <a:pPr marL="1097280" lvl="1" indent="-457200"/>
-            <a:r>
-              <a:rPr lang="en-US" dirty="0"/>
-              <a:t>efficiently planning routes for mail delivery.</a:t>
+            <a:r>
+              <a:rPr lang="en-US" dirty="0"/>
+              <a:t>Section </a:t>
+            </a:r>
+            <a:r>
+              <a:rPr lang="en-US" dirty="0">
+                <a:latin typeface="Cambria Math" pitchFamily="18" charset="0"/>
+                <a:ea typeface="Cambria Math" pitchFamily="18" charset="0"/>
+              </a:rPr>
+              <a:t>10.4</a:t>
             </a:r>
           </a:p>
         </p:txBody>
@@ -24287,6 +24788,119 @@
         <p:spPr/>
         <p:txBody>
           <a:bodyPr>
+            <a:normAutofit lnSpcReduction="10000"/>
+          </a:bodyPr>
+          <a:lstStyle/>
+          <a:p>
+            <a:pPr indent="0">
+              <a:buNone/>
+            </a:pPr>
+            <a:r>
+              <a:rPr lang="en-US" b="1" dirty="0"/>
+              <a:t>Informal Definition: </a:t>
+            </a:r>
+            <a:r>
+              <a:rPr lang="en-US" dirty="0"/>
+              <a:t>A </a:t>
+            </a:r>
+            <a:r>
+              <a:rPr lang="en-US" i="1" dirty="0"/>
+              <a:t>path</a:t>
+            </a:r>
+            <a:r>
+              <a:rPr lang="en-US" dirty="0"/>
+              <a:t> is a sequence of edges that begins at a vertex of a graph and travels from vertex to vertex along edges of the graph. As the path travels along its edges, it visits the vertices along this path, that is, the endpoints of these.</a:t>
+            </a:r>
+          </a:p>
+          <a:p>
+            <a:pPr indent="0">
+              <a:buNone/>
+            </a:pPr>
+            <a:r>
+              <a:rPr lang="en-US" b="1" dirty="0"/>
+              <a:t>Applications</a:t>
+            </a:r>
+            <a:r>
+              <a:rPr lang="en-US" dirty="0"/>
+              <a:t>: Numerous problems can be modeled with paths formed by traveling along edges of graphs such as:</a:t>
+            </a:r>
+          </a:p>
+          <a:p>
+            <a:pPr marL="1097280" lvl="1" indent="-457200"/>
+            <a:r>
+              <a:rPr lang="en-US" dirty="0"/>
+              <a:t>determining whether a message can be sent between two computers.</a:t>
+            </a:r>
+          </a:p>
+          <a:p>
+            <a:pPr marL="1097280" lvl="1" indent="-457200"/>
+            <a:r>
+              <a:rPr lang="en-US" dirty="0"/>
+              <a:t>efficiently planning routes for mail delivery.</a:t>
+            </a:r>
+          </a:p>
+        </p:txBody>
+      </p:sp>
+    </p:spTree>
+  </p:cSld>
+  <p:clrMapOvr>
+    <a:masterClrMapping/>
+  </p:clrMapOvr>
+</p:sld>
+</file>
+
+<file path=ppt/slides/slide62.xml><?xml version="1.0" encoding="utf-8"?>
+<p:sld xmlns:a="http://schemas.openxmlformats.org/drawingml/2006/main" xmlns:r="http://schemas.openxmlformats.org/officeDocument/2006/relationships" xmlns:p="http://schemas.openxmlformats.org/presentationml/2006/main">
+  <p:cSld>
+    <p:spTree>
+      <p:nvGrpSpPr>
+        <p:cNvPr id="1" name=""/>
+        <p:cNvGrpSpPr/>
+        <p:nvPr/>
+      </p:nvGrpSpPr>
+      <p:grpSpPr>
+        <a:xfrm>
+          <a:off x="0" y="0"/>
+          <a:ext cx="0" cy="0"/>
+          <a:chOff x="0" y="0"/>
+          <a:chExt cx="0" cy="0"/>
+        </a:xfrm>
+      </p:grpSpPr>
+      <p:sp>
+        <p:nvSpPr>
+          <p:cNvPr id="2" name="Title 1"/>
+          <p:cNvSpPr>
+            <a:spLocks noGrp="1"/>
+          </p:cNvSpPr>
+          <p:nvPr>
+            <p:ph type="title"/>
+          </p:nvPr>
+        </p:nvSpPr>
+        <p:spPr/>
+        <p:txBody>
+          <a:bodyPr/>
+          <a:lstStyle/>
+          <a:p>
+            <a:r>
+              <a:rPr lang="en-US" dirty="0"/>
+              <a:t>Paths</a:t>
+            </a:r>
+          </a:p>
+        </p:txBody>
+      </p:sp>
+      <p:sp>
+        <p:nvSpPr>
+          <p:cNvPr id="3" name="Content Placeholder 2"/>
+          <p:cNvSpPr>
+            <a:spLocks noGrp="1"/>
+          </p:cNvSpPr>
+          <p:nvPr>
+            <p:ph idx="1"/>
+          </p:nvPr>
+        </p:nvSpPr>
+        <p:spPr/>
+        <p:txBody>
+          <a:bodyPr>
             <a:normAutofit fontScale="55000" lnSpcReduction="20000"/>
           </a:bodyPr>
           <a:lstStyle/>
@@ -24789,7 +25403,7 @@
 </p:sld>
 </file>
 
-<file path=ppt/slides/slide62.xml><?xml version="1.0" encoding="utf-8"?>
+<file path=ppt/slides/slide63.xml><?xml version="1.0" encoding="utf-8"?>
 <p:sld xmlns:a="http://schemas.openxmlformats.org/drawingml/2006/main" xmlns:r="http://schemas.openxmlformats.org/officeDocument/2006/relationships" xmlns:p="http://schemas.openxmlformats.org/presentationml/2006/main">
   <p:cSld>
     <p:spTree>
@@ -25129,7 +25743,7 @@
 </p:sld>
 </file>
 
-<file path=ppt/slides/slide63.xml><?xml version="1.0" encoding="utf-8"?>
+<file path=ppt/slides/slide64.xml><?xml version="1.0" encoding="utf-8"?>
 <p:sld xmlns:a="http://schemas.openxmlformats.org/drawingml/2006/main" xmlns:r="http://schemas.openxmlformats.org/officeDocument/2006/relationships" xmlns:p="http://schemas.openxmlformats.org/presentationml/2006/main">
   <p:cSld>
     <p:spTree>
@@ -25310,7 +25924,7 @@
 </p:sld>
 </file>
 
-<file path=ppt/slides/slide64.xml><?xml version="1.0" encoding="utf-8"?>
+<file path=ppt/slides/slide65.xml><?xml version="1.0" encoding="utf-8"?>
 <p:sld xmlns:a="http://schemas.openxmlformats.org/drawingml/2006/main" xmlns:r="http://schemas.openxmlformats.org/officeDocument/2006/relationships" xmlns:p="http://schemas.openxmlformats.org/presentationml/2006/main">
   <p:cSld>
     <p:spTree>
@@ -25545,7 +26159,7 @@
 </p:sld>
 </file>
 
-<file path=ppt/slides/slide65.xml><?xml version="1.0" encoding="utf-8"?>
+<file path=ppt/slides/slide66.xml><?xml version="1.0" encoding="utf-8"?>
 <p:sld xmlns:a="http://schemas.openxmlformats.org/drawingml/2006/main" xmlns:r="http://schemas.openxmlformats.org/officeDocument/2006/relationships" xmlns:p="http://schemas.openxmlformats.org/presentationml/2006/main">
   <p:cSld>
     <p:spTree>
@@ -25869,7 +26483,7 @@
 </p:sld>
 </file>
 
-<file path=ppt/slides/slide66.xml><?xml version="1.0" encoding="utf-8"?>
+<file path=ppt/slides/slide67.xml><?xml version="1.0" encoding="utf-8"?>
 <p:sld xmlns:a="http://schemas.openxmlformats.org/drawingml/2006/main" xmlns:r="http://schemas.openxmlformats.org/officeDocument/2006/relationships" xmlns:p="http://schemas.openxmlformats.org/presentationml/2006/main">
   <p:cSld>
     <p:spTree>
@@ -26041,7 +26655,7 @@
 </p:sld>
 </file>
 
-<file path=ppt/slides/slide67.xml><?xml version="1.0" encoding="utf-8"?>
+<file path=ppt/slides/slide68.xml><?xml version="1.0" encoding="utf-8"?>
 <p:sld xmlns:a="http://schemas.openxmlformats.org/drawingml/2006/main" xmlns:r="http://schemas.openxmlformats.org/officeDocument/2006/relationships" xmlns:p="http://schemas.openxmlformats.org/presentationml/2006/main">
   <p:cSld>
     <p:spTree>
@@ -26410,7 +27024,7 @@
 </p:sld>
 </file>
 
-<file path=ppt/slides/slide68.xml><?xml version="1.0" encoding="utf-8"?>
+<file path=ppt/slides/slide69.xml><?xml version="1.0" encoding="utf-8"?>
 <p:sld xmlns:a="http://schemas.openxmlformats.org/drawingml/2006/main" xmlns:r="http://schemas.openxmlformats.org/officeDocument/2006/relationships" xmlns:p="http://schemas.openxmlformats.org/presentationml/2006/main">
   <p:cSld>
     <p:spTree>
@@ -27520,7 +28134,161 @@
 </p:sld>
 </file>
 
-<file path=ppt/slides/slide69.xml><?xml version="1.0" encoding="utf-8"?>
+<file path=ppt/slides/slide7.xml><?xml version="1.0" encoding="utf-8"?>
+<p:sld xmlns:a="http://schemas.openxmlformats.org/drawingml/2006/main" xmlns:r="http://schemas.openxmlformats.org/officeDocument/2006/relationships" xmlns:p="http://schemas.openxmlformats.org/presentationml/2006/main">
+  <p:cSld>
+    <p:spTree>
+      <p:nvGrpSpPr>
+        <p:cNvPr id="1" name=""/>
+        <p:cNvGrpSpPr/>
+        <p:nvPr/>
+      </p:nvGrpSpPr>
+      <p:grpSpPr>
+        <a:xfrm>
+          <a:off x="0" y="0"/>
+          <a:ext cx="0" cy="0"/>
+          <a:chOff x="0" y="0"/>
+          <a:chExt cx="0" cy="0"/>
+        </a:xfrm>
+      </p:grpSpPr>
+      <p:sp>
+        <p:nvSpPr>
+          <p:cNvPr id="2" name="Title 1"/>
+          <p:cNvSpPr>
+            <a:spLocks noGrp="1"/>
+          </p:cNvSpPr>
+          <p:nvPr>
+            <p:ph type="title"/>
+          </p:nvPr>
+        </p:nvSpPr>
+        <p:spPr/>
+        <p:txBody>
+          <a:bodyPr>
+            <a:normAutofit fontScale="90000"/>
+          </a:bodyPr>
+          <a:lstStyle/>
+          <a:p>
+            <a:r>
+              <a:rPr lang="en-US" dirty="0"/>
+              <a:t>Graph Models: </a:t>
+            </a:r>
+            <a:br>
+              <a:rPr lang="en-US" dirty="0"/>
+            </a:br>
+            <a:r>
+              <a:rPr lang="en-US" dirty="0"/>
+              <a:t>Computer Networks</a:t>
+            </a:r>
+          </a:p>
+        </p:txBody>
+      </p:sp>
+      <p:sp>
+        <p:nvSpPr>
+          <p:cNvPr id="3" name="Content Placeholder 2"/>
+          <p:cNvSpPr>
+            <a:spLocks noGrp="1"/>
+          </p:cNvSpPr>
+          <p:nvPr>
+            <p:ph idx="1"/>
+          </p:nvPr>
+        </p:nvSpPr>
+        <p:spPr/>
+        <p:txBody>
+          <a:bodyPr>
+            <a:normAutofit fontScale="77500" lnSpcReduction="20000"/>
+          </a:bodyPr>
+          <a:lstStyle/>
+          <a:p>
+            <a:r>
+              <a:rPr lang="en-US" dirty="0"/>
+              <a:t>When we build a graph model, we use the appropriate type of graph to capture the important features of the application. </a:t>
+            </a:r>
+          </a:p>
+          <a:p>
+            <a:r>
+              <a:rPr lang="en-US" dirty="0"/>
+              <a:t>We illustrate this process using graph models of different types of computer networks. In all these graph models, the vertices represent data centers and the edges represent communication links.</a:t>
+            </a:r>
+          </a:p>
+          <a:p>
+            <a:r>
+              <a:rPr lang="en-US" dirty="0"/>
+              <a:t> To model a computer network where we are only concerned whether two data centers are connected by a communications link, we use a simple graph. This is the appropriate type of graph when we only care whether two data centers are directly linked (and not how many links there may be) and all communications links work in both directions.</a:t>
+            </a:r>
+          </a:p>
+          <a:p>
+            <a:endParaRPr lang="en-US" dirty="0"/>
+          </a:p>
+          <a:p>
+            <a:pPr marL="0" indent="0">
+              <a:buNone/>
+            </a:pPr>
+            <a:r>
+              <a:rPr lang="en-US" dirty="0"/>
+              <a:t> </a:t>
+            </a:r>
+          </a:p>
+          <a:p>
+            <a:pPr marL="0" indent="0">
+              <a:buNone/>
+            </a:pPr>
+            <a:r>
+              <a:rPr lang="en-US" dirty="0"/>
+              <a:t>  </a:t>
+            </a:r>
+          </a:p>
+          <a:p>
+            <a:endParaRPr lang="en-US" dirty="0"/>
+          </a:p>
+          <a:p>
+            <a:endParaRPr lang="en-US" dirty="0"/>
+          </a:p>
+          <a:p>
+            <a:endParaRPr lang="en-US" dirty="0"/>
+          </a:p>
+          <a:p>
+            <a:endParaRPr lang="en-US" dirty="0"/>
+          </a:p>
+        </p:txBody>
+      </p:sp>
+      <p:pic>
+        <p:nvPicPr>
+          <p:cNvPr id="5" name="Content Placeholder 3" descr="09001.jpg"/>
+          <p:cNvPicPr>
+            <a:picLocks noChangeAspect="1"/>
+          </p:cNvPicPr>
+          <p:nvPr/>
+        </p:nvPicPr>
+        <p:blipFill>
+          <a:blip r:embed="rId2" cstate="print"/>
+          <a:stretch>
+            <a:fillRect/>
+          </a:stretch>
+        </p:blipFill>
+        <p:spPr>
+          <a:xfrm>
+            <a:off x="3124200" y="5029200"/>
+            <a:ext cx="3444240" cy="903732"/>
+          </a:xfrm>
+          <a:prstGeom prst="rect">
+            <a:avLst/>
+          </a:prstGeom>
+        </p:spPr>
+      </p:pic>
+    </p:spTree>
+    <p:extLst>
+      <p:ext uri="{BB962C8B-B14F-4D97-AF65-F5344CB8AC3E}">
+        <p14:creationId xmlns:p14="http://schemas.microsoft.com/office/powerpoint/2010/main" val="2676422576"/>
+      </p:ext>
+    </p:extLst>
+  </p:cSld>
+  <p:clrMapOvr>
+    <a:masterClrMapping/>
+  </p:clrMapOvr>
+</p:sld>
+</file>
+
+<file path=ppt/slides/slide70.xml><?xml version="1.0" encoding="utf-8"?>
 <p:sld xmlns:a="http://schemas.openxmlformats.org/drawingml/2006/main" xmlns:r="http://schemas.openxmlformats.org/officeDocument/2006/relationships" xmlns:p="http://schemas.openxmlformats.org/presentationml/2006/main">
   <p:cSld>
     <p:spTree>
@@ -28414,161 +29182,7 @@
 </p:sld>
 </file>
 
-<file path=ppt/slides/slide7.xml><?xml version="1.0" encoding="utf-8"?>
-<p:sld xmlns:a="http://schemas.openxmlformats.org/drawingml/2006/main" xmlns:r="http://schemas.openxmlformats.org/officeDocument/2006/relationships" xmlns:p="http://schemas.openxmlformats.org/presentationml/2006/main">
-  <p:cSld>
-    <p:spTree>
-      <p:nvGrpSpPr>
-        <p:cNvPr id="1" name=""/>
-        <p:cNvGrpSpPr/>
-        <p:nvPr/>
-      </p:nvGrpSpPr>
-      <p:grpSpPr>
-        <a:xfrm>
-          <a:off x="0" y="0"/>
-          <a:ext cx="0" cy="0"/>
-          <a:chOff x="0" y="0"/>
-          <a:chExt cx="0" cy="0"/>
-        </a:xfrm>
-      </p:grpSpPr>
-      <p:sp>
-        <p:nvSpPr>
-          <p:cNvPr id="2" name="Title 1"/>
-          <p:cNvSpPr>
-            <a:spLocks noGrp="1"/>
-          </p:cNvSpPr>
-          <p:nvPr>
-            <p:ph type="title"/>
-          </p:nvPr>
-        </p:nvSpPr>
-        <p:spPr/>
-        <p:txBody>
-          <a:bodyPr>
-            <a:normAutofit fontScale="90000"/>
-          </a:bodyPr>
-          <a:lstStyle/>
-          <a:p>
-            <a:r>
-              <a:rPr lang="en-US" dirty="0"/>
-              <a:t>Graph Models: </a:t>
-            </a:r>
-            <a:br>
-              <a:rPr lang="en-US" dirty="0"/>
-            </a:br>
-            <a:r>
-              <a:rPr lang="en-US" dirty="0"/>
-              <a:t>Computer Networks</a:t>
-            </a:r>
-          </a:p>
-        </p:txBody>
-      </p:sp>
-      <p:sp>
-        <p:nvSpPr>
-          <p:cNvPr id="3" name="Content Placeholder 2"/>
-          <p:cNvSpPr>
-            <a:spLocks noGrp="1"/>
-          </p:cNvSpPr>
-          <p:nvPr>
-            <p:ph idx="1"/>
-          </p:nvPr>
-        </p:nvSpPr>
-        <p:spPr/>
-        <p:txBody>
-          <a:bodyPr>
-            <a:normAutofit fontScale="77500" lnSpcReduction="20000"/>
-          </a:bodyPr>
-          <a:lstStyle/>
-          <a:p>
-            <a:r>
-              <a:rPr lang="en-US" dirty="0"/>
-              <a:t>When we build a graph model, we use the appropriate type of graph to capture the important features of the application. </a:t>
-            </a:r>
-          </a:p>
-          <a:p>
-            <a:r>
-              <a:rPr lang="en-US" dirty="0"/>
-              <a:t>We illustrate this process using graph models of different types of computer networks. In all these graph models, the vertices represent data centers and the edges represent communication links.</a:t>
-            </a:r>
-          </a:p>
-          <a:p>
-            <a:r>
-              <a:rPr lang="en-US" dirty="0"/>
-              <a:t> To model a computer network where we are only concerned whether two data centers are connected by a communications link, we use a simple graph. This is the appropriate type of graph when we only care whether two data centers are directly linked (and not how many links there may be) and all communications links work in both directions.</a:t>
-            </a:r>
-          </a:p>
-          <a:p>
-            <a:endParaRPr lang="en-US" dirty="0"/>
-          </a:p>
-          <a:p>
-            <a:pPr marL="0" indent="0">
-              <a:buNone/>
-            </a:pPr>
-            <a:r>
-              <a:rPr lang="en-US" dirty="0"/>
-              <a:t> </a:t>
-            </a:r>
-          </a:p>
-          <a:p>
-            <a:pPr marL="0" indent="0">
-              <a:buNone/>
-            </a:pPr>
-            <a:r>
-              <a:rPr lang="en-US" dirty="0"/>
-              <a:t>  </a:t>
-            </a:r>
-          </a:p>
-          <a:p>
-            <a:endParaRPr lang="en-US" dirty="0"/>
-          </a:p>
-          <a:p>
-            <a:endParaRPr lang="en-US" dirty="0"/>
-          </a:p>
-          <a:p>
-            <a:endParaRPr lang="en-US" dirty="0"/>
-          </a:p>
-          <a:p>
-            <a:endParaRPr lang="en-US" dirty="0"/>
-          </a:p>
-        </p:txBody>
-      </p:sp>
-      <p:pic>
-        <p:nvPicPr>
-          <p:cNvPr id="5" name="Content Placeholder 3" descr="09001.jpg"/>
-          <p:cNvPicPr>
-            <a:picLocks noChangeAspect="1"/>
-          </p:cNvPicPr>
-          <p:nvPr/>
-        </p:nvPicPr>
-        <p:blipFill>
-          <a:blip r:embed="rId2" cstate="print"/>
-          <a:stretch>
-            <a:fillRect/>
-          </a:stretch>
-        </p:blipFill>
-        <p:spPr>
-          <a:xfrm>
-            <a:off x="3124200" y="5029200"/>
-            <a:ext cx="3444240" cy="903732"/>
-          </a:xfrm>
-          <a:prstGeom prst="rect">
-            <a:avLst/>
-          </a:prstGeom>
-        </p:spPr>
-      </p:pic>
-    </p:spTree>
-    <p:extLst>
-      <p:ext uri="{BB962C8B-B14F-4D97-AF65-F5344CB8AC3E}">
-        <p14:creationId xmlns:p14="http://schemas.microsoft.com/office/powerpoint/2010/main" val="2676422576"/>
-      </p:ext>
-    </p:extLst>
-  </p:cSld>
-  <p:clrMapOvr>
-    <a:masterClrMapping/>
-  </p:clrMapOvr>
-</p:sld>
-</file>
-
-<file path=ppt/slides/slide70.xml><?xml version="1.0" encoding="utf-8"?>
+<file path=ppt/slides/slide71.xml><?xml version="1.0" encoding="utf-8"?>
 <p:sld xmlns:a="http://schemas.openxmlformats.org/drawingml/2006/main" xmlns:r="http://schemas.openxmlformats.org/officeDocument/2006/relationships" xmlns:p="http://schemas.openxmlformats.org/presentationml/2006/main">
   <p:cSld>
     <p:spTree>
@@ -28644,7 +29258,7 @@
 </p:sld>
 </file>
 
-<file path=ppt/slides/slide71.xml><?xml version="1.0" encoding="utf-8"?>
+<file path=ppt/slides/slide72.xml><?xml version="1.0" encoding="utf-8"?>
 <p:sld xmlns:a="http://schemas.openxmlformats.org/drawingml/2006/main" xmlns:r="http://schemas.openxmlformats.org/officeDocument/2006/relationships" xmlns:p="http://schemas.openxmlformats.org/presentationml/2006/main">
   <p:cSld>
     <p:spTree>
@@ -29057,7 +29671,7 @@
 </p:sld>
 </file>
 
-<file path=ppt/slides/slide72.xml><?xml version="1.0" encoding="utf-8"?>
+<file path=ppt/slides/slide73.xml><?xml version="1.0" encoding="utf-8"?>
 <p:sld xmlns:a="http://schemas.openxmlformats.org/drawingml/2006/main" xmlns:r="http://schemas.openxmlformats.org/officeDocument/2006/relationships" xmlns:p="http://schemas.openxmlformats.org/presentationml/2006/main">
   <p:cSld>
     <p:spTree>
@@ -29507,7 +30121,7 @@
 </p:sld>
 </file>
 
-<file path=ppt/slides/slide73.xml><?xml version="1.0" encoding="utf-8"?>
+<file path=ppt/slides/slide74.xml><?xml version="1.0" encoding="utf-8"?>
 <p:sld xmlns:a="http://schemas.openxmlformats.org/drawingml/2006/main" xmlns:r="http://schemas.openxmlformats.org/officeDocument/2006/relationships" xmlns:p="http://schemas.openxmlformats.org/presentationml/2006/main">
   <p:cSld>
     <p:spTree>
@@ -29711,7 +30325,7 @@
 </p:sld>
 </file>
 
-<file path=ppt/slides/slide74.xml><?xml version="1.0" encoding="utf-8"?>
+<file path=ppt/slides/slide75.xml><?xml version="1.0" encoding="utf-8"?>
 <p:sld xmlns:a="http://schemas.openxmlformats.org/drawingml/2006/main" xmlns:r="http://schemas.openxmlformats.org/officeDocument/2006/relationships" xmlns:p="http://schemas.openxmlformats.org/presentationml/2006/main">
   <p:cSld>
     <p:spTree>
@@ -30555,7 +31169,7 @@
 </p:sld>
 </file>
 
-<file path=ppt/slides/slide75.xml><?xml version="1.0" encoding="utf-8"?>
+<file path=ppt/slides/slide76.xml><?xml version="1.0" encoding="utf-8"?>
 <p:sld xmlns:a="http://schemas.openxmlformats.org/drawingml/2006/main" xmlns:r="http://schemas.openxmlformats.org/officeDocument/2006/relationships" xmlns:p="http://schemas.openxmlformats.org/presentationml/2006/main">
   <p:cSld>
     <p:spTree>
@@ -30875,7 +31489,7 @@
 </p:sld>
 </file>
 
-<file path=ppt/slides/slide76.xml><?xml version="1.0" encoding="utf-8"?>
+<file path=ppt/slides/slide77.xml><?xml version="1.0" encoding="utf-8"?>
 <p:sld xmlns:a="http://schemas.openxmlformats.org/drawingml/2006/main" xmlns:r="http://schemas.openxmlformats.org/officeDocument/2006/relationships" xmlns:p="http://schemas.openxmlformats.org/presentationml/2006/main">
   <p:cSld>
     <p:spTree>
@@ -31056,7 +31670,7 @@
 </p:sld>
 </file>
 
-<file path=ppt/slides/slide77.xml><?xml version="1.0" encoding="utf-8"?>
+<file path=ppt/slides/slide78.xml><?xml version="1.0" encoding="utf-8"?>
 <p:sld xmlns:a="http://schemas.openxmlformats.org/drawingml/2006/main" xmlns:r="http://schemas.openxmlformats.org/officeDocument/2006/relationships" xmlns:p="http://schemas.openxmlformats.org/presentationml/2006/main">
   <p:cSld>
     <p:spTree>
@@ -31185,7 +31799,7 @@
 </p:sld>
 </file>
 
-<file path=ppt/slides/slide78.xml><?xml version="1.0" encoding="utf-8"?>
+<file path=ppt/slides/slide79.xml><?xml version="1.0" encoding="utf-8"?>
 <p:sld xmlns:a="http://schemas.openxmlformats.org/drawingml/2006/main" xmlns:r="http://schemas.openxmlformats.org/officeDocument/2006/relationships" xmlns:p="http://schemas.openxmlformats.org/presentationml/2006/main">
   <p:cSld>
     <p:spTree>
@@ -32164,214 +32778,6 @@
     <p:extLst>
       <p:ext uri="{BB962C8B-B14F-4D97-AF65-F5344CB8AC3E}">
         <p14:creationId xmlns:p14="http://schemas.microsoft.com/office/powerpoint/2010/main" val="2634232422"/>
-      </p:ext>
-    </p:extLst>
-  </p:cSld>
-  <p:clrMapOvr>
-    <a:masterClrMapping/>
-  </p:clrMapOvr>
-</p:sld>
-</file>
-
-<file path=ppt/slides/slide79.xml><?xml version="1.0" encoding="utf-8"?>
-<p:sld xmlns:a="http://schemas.openxmlformats.org/drawingml/2006/main" xmlns:r="http://schemas.openxmlformats.org/officeDocument/2006/relationships" xmlns:p="http://schemas.openxmlformats.org/presentationml/2006/main">
-  <p:cSld>
-    <p:spTree>
-      <p:nvGrpSpPr>
-        <p:cNvPr id="1" name=""/>
-        <p:cNvGrpSpPr/>
-        <p:nvPr/>
-      </p:nvGrpSpPr>
-      <p:grpSpPr>
-        <a:xfrm>
-          <a:off x="0" y="0"/>
-          <a:ext cx="0" cy="0"/>
-          <a:chOff x="0" y="0"/>
-          <a:chExt cx="0" cy="0"/>
-        </a:xfrm>
-      </p:grpSpPr>
-      <p:sp>
-        <p:nvSpPr>
-          <p:cNvPr id="2" name="Title 1"/>
-          <p:cNvSpPr>
-            <a:spLocks noGrp="1"/>
-          </p:cNvSpPr>
-          <p:nvPr>
-            <p:ph type="title"/>
-          </p:nvPr>
-        </p:nvSpPr>
-        <p:spPr/>
-        <p:txBody>
-          <a:bodyPr>
-            <a:noAutofit/>
-          </a:bodyPr>
-          <a:lstStyle/>
-          <a:p>
-            <a:r>
-              <a:rPr lang="en-US" sz="4000" dirty="0"/>
-              <a:t>Necessary and Sufficient Conditions for Euler Circuits and Paths (</a:t>
-            </a:r>
-            <a:r>
-              <a:rPr lang="en-US" sz="4000" i="1" dirty="0"/>
-              <a:t>continued</a:t>
-            </a:r>
-            <a:r>
-              <a:rPr lang="en-US" sz="4000" dirty="0"/>
-              <a:t>)</a:t>
-            </a:r>
-          </a:p>
-        </p:txBody>
-      </p:sp>
-      <p:sp>
-        <p:nvSpPr>
-          <p:cNvPr id="3" name="Content Placeholder 2"/>
-          <p:cNvSpPr>
-            <a:spLocks noGrp="1"/>
-          </p:cNvSpPr>
-          <p:nvPr>
-            <p:ph idx="1"/>
-          </p:nvPr>
-        </p:nvSpPr>
-        <p:spPr/>
-        <p:txBody>
-          <a:bodyPr>
-            <a:normAutofit fontScale="92500" lnSpcReduction="10000"/>
-          </a:bodyPr>
-          <a:lstStyle/>
-          <a:p>
-            <a:pPr marL="0" indent="0">
-              <a:buNone/>
-            </a:pPr>
-            <a:r>
-              <a:rPr lang="en-US" b="1" dirty="0"/>
-              <a:t>Theorem</a:t>
-            </a:r>
-            <a:r>
-              <a:rPr lang="en-US" dirty="0"/>
-              <a:t>: A connected </a:t>
-            </a:r>
-            <a:r>
-              <a:rPr lang="en-US" dirty="0" err="1"/>
-              <a:t>multigraph</a:t>
-            </a:r>
-            <a:r>
-              <a:rPr lang="en-US" dirty="0"/>
-              <a:t> with at least two vertices has an Euler circuit if and only if each of its vertices has an even degree and it has an Euler path if and only if it has exactly two vertices of odd degree.</a:t>
-            </a:r>
-          </a:p>
-          <a:p>
-            <a:pPr marL="0" indent="0">
-              <a:buNone/>
-            </a:pPr>
-            <a:endParaRPr lang="en-US" dirty="0"/>
-          </a:p>
-          <a:p>
-            <a:pPr marL="0" indent="0">
-              <a:buNone/>
-            </a:pPr>
-            <a:r>
-              <a:rPr lang="en-US" b="1" dirty="0"/>
-              <a:t>Example</a:t>
-            </a:r>
-            <a:r>
-              <a:rPr lang="en-US" dirty="0"/>
-              <a:t>: Two of the vertices in the </a:t>
-            </a:r>
-            <a:r>
-              <a:rPr lang="en-US" dirty="0" err="1"/>
-              <a:t>multigraph</a:t>
-            </a:r>
-            <a:r>
-              <a:rPr lang="en-US" dirty="0"/>
-              <a:t> model of the  K</a:t>
-            </a:r>
-            <a:r>
-              <a:rPr lang="az-Cyrl-AZ" dirty="0">
-                <a:latin typeface="Cambria Math"/>
-                <a:ea typeface="Cambria Math"/>
-              </a:rPr>
-              <a:t>ӧ</a:t>
-            </a:r>
-            <a:r>
-              <a:rPr lang="en-US" dirty="0" err="1"/>
-              <a:t>nigsberg</a:t>
-            </a:r>
-            <a:r>
-              <a:rPr lang="en-US" dirty="0"/>
-              <a:t> bridge problem have odd degree.   Hence, there is no Euler circuit in this </a:t>
-            </a:r>
-            <a:r>
-              <a:rPr lang="en-US" dirty="0" err="1"/>
-              <a:t>multigraph</a:t>
-            </a:r>
-            <a:r>
-              <a:rPr lang="en-US" dirty="0"/>
-              <a:t> and  it is impossible to start at a given point, cross each bridge exactly once, and return to the starting point. </a:t>
-            </a:r>
-          </a:p>
-          <a:p>
-            <a:pPr marL="0" indent="0">
-              <a:buNone/>
-            </a:pPr>
-            <a:endParaRPr lang="en-US" dirty="0"/>
-          </a:p>
-          <a:p>
-            <a:pPr marL="0" indent="0">
-              <a:buNone/>
-            </a:pPr>
-            <a:r>
-              <a:rPr lang="en-US" dirty="0"/>
-              <a:t> </a:t>
-            </a:r>
-          </a:p>
-          <a:p>
-            <a:pPr marL="0" indent="0">
-              <a:buNone/>
-            </a:pPr>
-            <a:endParaRPr lang="en-US" dirty="0"/>
-          </a:p>
-          <a:p>
-            <a:pPr marL="0" indent="0">
-              <a:buNone/>
-            </a:pPr>
-            <a:endParaRPr lang="en-US" dirty="0"/>
-          </a:p>
-        </p:txBody>
-      </p:sp>
-      <p:pic>
-        <p:nvPicPr>
-          <p:cNvPr id="4" name="Picture 3"/>
-          <p:cNvPicPr>
-            <a:picLocks noChangeAspect="1"/>
-          </p:cNvPicPr>
-          <p:nvPr/>
-        </p:nvPicPr>
-        <p:blipFill>
-          <a:blip r:embed="rId2" cstate="print">
-            <a:extLst>
-              <a:ext uri="{28A0092B-C50C-407E-A947-70E740481C1C}">
-                <a14:useLocalDpi xmlns:a14="http://schemas.microsoft.com/office/drawing/2010/main" val="0"/>
-              </a:ext>
-            </a:extLst>
-          </a:blip>
-          <a:stretch>
-            <a:fillRect/>
-          </a:stretch>
-        </p:blipFill>
-        <p:spPr>
-          <a:xfrm>
-            <a:off x="7391400" y="5181600"/>
-            <a:ext cx="834390" cy="1433322"/>
-          </a:xfrm>
-          <a:prstGeom prst="rect">
-            <a:avLst/>
-          </a:prstGeom>
-        </p:spPr>
-      </p:pic>
-    </p:spTree>
-    <p:extLst>
-      <p:ext uri="{BB962C8B-B14F-4D97-AF65-F5344CB8AC3E}">
-        <p14:creationId xmlns:p14="http://schemas.microsoft.com/office/powerpoint/2010/main" val="1282661429"/>
       </p:ext>
     </p:extLst>
   </p:cSld>
@@ -32691,6 +33097,214 @@
             <p:ph type="title"/>
           </p:nvPr>
         </p:nvSpPr>
+        <p:spPr/>
+        <p:txBody>
+          <a:bodyPr>
+            <a:noAutofit/>
+          </a:bodyPr>
+          <a:lstStyle/>
+          <a:p>
+            <a:r>
+              <a:rPr lang="en-US" sz="4000" dirty="0"/>
+              <a:t>Necessary and Sufficient Conditions for Euler Circuits and Paths (</a:t>
+            </a:r>
+            <a:r>
+              <a:rPr lang="en-US" sz="4000" i="1" dirty="0"/>
+              <a:t>continued</a:t>
+            </a:r>
+            <a:r>
+              <a:rPr lang="en-US" sz="4000" dirty="0"/>
+              <a:t>)</a:t>
+            </a:r>
+          </a:p>
+        </p:txBody>
+      </p:sp>
+      <p:sp>
+        <p:nvSpPr>
+          <p:cNvPr id="3" name="Content Placeholder 2"/>
+          <p:cNvSpPr>
+            <a:spLocks noGrp="1"/>
+          </p:cNvSpPr>
+          <p:nvPr>
+            <p:ph idx="1"/>
+          </p:nvPr>
+        </p:nvSpPr>
+        <p:spPr/>
+        <p:txBody>
+          <a:bodyPr>
+            <a:normAutofit fontScale="92500" lnSpcReduction="10000"/>
+          </a:bodyPr>
+          <a:lstStyle/>
+          <a:p>
+            <a:pPr marL="0" indent="0">
+              <a:buNone/>
+            </a:pPr>
+            <a:r>
+              <a:rPr lang="en-US" b="1" dirty="0"/>
+              <a:t>Theorem</a:t>
+            </a:r>
+            <a:r>
+              <a:rPr lang="en-US" dirty="0"/>
+              <a:t>: A connected </a:t>
+            </a:r>
+            <a:r>
+              <a:rPr lang="en-US" dirty="0" err="1"/>
+              <a:t>multigraph</a:t>
+            </a:r>
+            <a:r>
+              <a:rPr lang="en-US" dirty="0"/>
+              <a:t> with at least two vertices has an Euler circuit if and only if each of its vertices has an even degree and it has an Euler path if and only if it has exactly two vertices of odd degree.</a:t>
+            </a:r>
+          </a:p>
+          <a:p>
+            <a:pPr marL="0" indent="0">
+              <a:buNone/>
+            </a:pPr>
+            <a:endParaRPr lang="en-US" dirty="0"/>
+          </a:p>
+          <a:p>
+            <a:pPr marL="0" indent="0">
+              <a:buNone/>
+            </a:pPr>
+            <a:r>
+              <a:rPr lang="en-US" b="1" dirty="0"/>
+              <a:t>Example</a:t>
+            </a:r>
+            <a:r>
+              <a:rPr lang="en-US" dirty="0"/>
+              <a:t>: Two of the vertices in the </a:t>
+            </a:r>
+            <a:r>
+              <a:rPr lang="en-US" dirty="0" err="1"/>
+              <a:t>multigraph</a:t>
+            </a:r>
+            <a:r>
+              <a:rPr lang="en-US" dirty="0"/>
+              <a:t> model of the  K</a:t>
+            </a:r>
+            <a:r>
+              <a:rPr lang="az-Cyrl-AZ" dirty="0">
+                <a:latin typeface="Cambria Math"/>
+                <a:ea typeface="Cambria Math"/>
+              </a:rPr>
+              <a:t>ӧ</a:t>
+            </a:r>
+            <a:r>
+              <a:rPr lang="en-US" dirty="0" err="1"/>
+              <a:t>nigsberg</a:t>
+            </a:r>
+            <a:r>
+              <a:rPr lang="en-US" dirty="0"/>
+              <a:t> bridge problem have odd degree.   Hence, there is no Euler circuit in this </a:t>
+            </a:r>
+            <a:r>
+              <a:rPr lang="en-US" dirty="0" err="1"/>
+              <a:t>multigraph</a:t>
+            </a:r>
+            <a:r>
+              <a:rPr lang="en-US" dirty="0"/>
+              <a:t> and  it is impossible to start at a given point, cross each bridge exactly once, and return to the starting point. </a:t>
+            </a:r>
+          </a:p>
+          <a:p>
+            <a:pPr marL="0" indent="0">
+              <a:buNone/>
+            </a:pPr>
+            <a:endParaRPr lang="en-US" dirty="0"/>
+          </a:p>
+          <a:p>
+            <a:pPr marL="0" indent="0">
+              <a:buNone/>
+            </a:pPr>
+            <a:r>
+              <a:rPr lang="en-US" dirty="0"/>
+              <a:t> </a:t>
+            </a:r>
+          </a:p>
+          <a:p>
+            <a:pPr marL="0" indent="0">
+              <a:buNone/>
+            </a:pPr>
+            <a:endParaRPr lang="en-US" dirty="0"/>
+          </a:p>
+          <a:p>
+            <a:pPr marL="0" indent="0">
+              <a:buNone/>
+            </a:pPr>
+            <a:endParaRPr lang="en-US" dirty="0"/>
+          </a:p>
+        </p:txBody>
+      </p:sp>
+      <p:pic>
+        <p:nvPicPr>
+          <p:cNvPr id="4" name="Picture 3"/>
+          <p:cNvPicPr>
+            <a:picLocks noChangeAspect="1"/>
+          </p:cNvPicPr>
+          <p:nvPr/>
+        </p:nvPicPr>
+        <p:blipFill>
+          <a:blip r:embed="rId2" cstate="print">
+            <a:extLst>
+              <a:ext uri="{28A0092B-C50C-407E-A947-70E740481C1C}">
+                <a14:useLocalDpi xmlns:a14="http://schemas.microsoft.com/office/drawing/2010/main" val="0"/>
+              </a:ext>
+            </a:extLst>
+          </a:blip>
+          <a:stretch>
+            <a:fillRect/>
+          </a:stretch>
+        </p:blipFill>
+        <p:spPr>
+          <a:xfrm>
+            <a:off x="7391400" y="5181600"/>
+            <a:ext cx="834390" cy="1433322"/>
+          </a:xfrm>
+          <a:prstGeom prst="rect">
+            <a:avLst/>
+          </a:prstGeom>
+        </p:spPr>
+      </p:pic>
+    </p:spTree>
+    <p:extLst>
+      <p:ext uri="{BB962C8B-B14F-4D97-AF65-F5344CB8AC3E}">
+        <p14:creationId xmlns:p14="http://schemas.microsoft.com/office/powerpoint/2010/main" val="1282661429"/>
+      </p:ext>
+    </p:extLst>
+  </p:cSld>
+  <p:clrMapOvr>
+    <a:masterClrMapping/>
+  </p:clrMapOvr>
+</p:sld>
+</file>
+
+<file path=ppt/slides/slide81.xml><?xml version="1.0" encoding="utf-8"?>
+<p:sld xmlns:a="http://schemas.openxmlformats.org/drawingml/2006/main" xmlns:r="http://schemas.openxmlformats.org/officeDocument/2006/relationships" xmlns:p="http://schemas.openxmlformats.org/presentationml/2006/main">
+  <p:cSld>
+    <p:spTree>
+      <p:nvGrpSpPr>
+        <p:cNvPr id="1" name=""/>
+        <p:cNvGrpSpPr/>
+        <p:nvPr/>
+      </p:nvGrpSpPr>
+      <p:grpSpPr>
+        <a:xfrm>
+          <a:off x="0" y="0"/>
+          <a:ext cx="0" cy="0"/>
+          <a:chOff x="0" y="0"/>
+          <a:chExt cx="0" cy="0"/>
+        </a:xfrm>
+      </p:grpSpPr>
+      <p:sp>
+        <p:nvSpPr>
+          <p:cNvPr id="2" name="Title 1"/>
+          <p:cNvSpPr>
+            <a:spLocks noGrp="1"/>
+          </p:cNvSpPr>
+          <p:nvPr>
+            <p:ph type="title"/>
+          </p:nvPr>
+        </p:nvSpPr>
         <p:spPr>
           <a:xfrm>
             <a:off x="457200" y="685800"/>
@@ -33057,7 +33671,7 @@
 </p:sld>
 </file>
 
-<file path=ppt/slides/slide81.xml><?xml version="1.0" encoding="utf-8"?>
+<file path=ppt/slides/slide82.xml><?xml version="1.0" encoding="utf-8"?>
 <p:sld xmlns:a="http://schemas.openxmlformats.org/drawingml/2006/main" xmlns:r="http://schemas.openxmlformats.org/officeDocument/2006/relationships" xmlns:p="http://schemas.openxmlformats.org/presentationml/2006/main">
   <p:cSld>
     <p:spTree>
@@ -33190,7 +33804,7 @@
 </p:sld>
 </file>
 
-<file path=ppt/slides/slide82.xml><?xml version="1.0" encoding="utf-8"?>
+<file path=ppt/slides/slide83.xml><?xml version="1.0" encoding="utf-8"?>
 <p:sld xmlns:a="http://schemas.openxmlformats.org/drawingml/2006/main" xmlns:r="http://schemas.openxmlformats.org/officeDocument/2006/relationships" xmlns:p="http://schemas.openxmlformats.org/presentationml/2006/main">
   <p:cSld>
     <p:spTree>
@@ -33514,7 +34128,7 @@
 </p:sld>
 </file>
 
-<file path=ppt/slides/slide83.xml><?xml version="1.0" encoding="utf-8"?>
+<file path=ppt/slides/slide84.xml><?xml version="1.0" encoding="utf-8"?>
 <p:sld xmlns:a="http://schemas.openxmlformats.org/drawingml/2006/main" xmlns:r="http://schemas.openxmlformats.org/officeDocument/2006/relationships" xmlns:p="http://schemas.openxmlformats.org/presentationml/2006/main">
   <p:cSld>
     <p:spTree>
@@ -34115,7 +34729,7 @@
 </p:sld>
 </file>
 
-<file path=ppt/slides/slide84.xml><?xml version="1.0" encoding="utf-8"?>
+<file path=ppt/slides/slide85.xml><?xml version="1.0" encoding="utf-8"?>
 <p:sld xmlns:a="http://schemas.openxmlformats.org/drawingml/2006/main" xmlns:r="http://schemas.openxmlformats.org/officeDocument/2006/relationships" xmlns:p="http://schemas.openxmlformats.org/presentationml/2006/main">
   <p:cSld>
     <p:spTree>
@@ -34459,7 +35073,7 @@
 </p:sld>
 </file>
 
-<file path=ppt/slides/slide85.xml><?xml version="1.0" encoding="utf-8"?>
+<file path=ppt/slides/slide86.xml><?xml version="1.0" encoding="utf-8"?>
 <p:sld xmlns:a="http://schemas.openxmlformats.org/drawingml/2006/main" xmlns:r="http://schemas.openxmlformats.org/officeDocument/2006/relationships" xmlns:p="http://schemas.openxmlformats.org/presentationml/2006/main">
   <p:cSld>
     <p:spTree>
@@ -34902,7 +35516,7 @@
 </p:sld>
 </file>
 
-<file path=ppt/slides/slide86.xml><?xml version="1.0" encoding="utf-8"?>
+<file path=ppt/slides/slide87.xml><?xml version="1.0" encoding="utf-8"?>
 <p:sld xmlns:a="http://schemas.openxmlformats.org/drawingml/2006/main" xmlns:r="http://schemas.openxmlformats.org/officeDocument/2006/relationships" xmlns:p="http://schemas.openxmlformats.org/presentationml/2006/main">
   <p:cSld>
     <p:spTree>

--- a/cs2620/slides/cs2620_notes10.pptx
+++ b/cs2620/slides/cs2620_notes10.pptx
@@ -5,7 +5,7 @@
     <p:sldMasterId id="2147483660" r:id="rId1"/>
   </p:sldMasterIdLst>
   <p:notesMasterIdLst>
-    <p:notesMasterId r:id="rId89"/>
+    <p:notesMasterId r:id="rId90"/>
   </p:notesMasterIdLst>
   <p:sldIdLst>
     <p:sldId id="256" r:id="rId2"/>
@@ -58,43 +58,44 @@
     <p:sldId id="421" r:id="rId49"/>
     <p:sldId id="422" r:id="rId50"/>
     <p:sldId id="478" r:id="rId51"/>
-    <p:sldId id="423" r:id="rId52"/>
-    <p:sldId id="418" r:id="rId53"/>
-    <p:sldId id="339" r:id="rId54"/>
-    <p:sldId id="427" r:id="rId55"/>
-    <p:sldId id="429" r:id="rId56"/>
-    <p:sldId id="428" r:id="rId57"/>
-    <p:sldId id="430" r:id="rId58"/>
-    <p:sldId id="431" r:id="rId59"/>
-    <p:sldId id="432" r:id="rId60"/>
-    <p:sldId id="355" r:id="rId61"/>
-    <p:sldId id="342" r:id="rId62"/>
-    <p:sldId id="436" r:id="rId63"/>
-    <p:sldId id="437" r:id="rId64"/>
-    <p:sldId id="442" r:id="rId65"/>
-    <p:sldId id="447" r:id="rId66"/>
-    <p:sldId id="443" r:id="rId67"/>
-    <p:sldId id="441" r:id="rId68"/>
-    <p:sldId id="448" r:id="rId69"/>
-    <p:sldId id="450" r:id="rId70"/>
-    <p:sldId id="451" r:id="rId71"/>
-    <p:sldId id="357" r:id="rId72"/>
-    <p:sldId id="452" r:id="rId73"/>
-    <p:sldId id="453" r:id="rId74"/>
-    <p:sldId id="454" r:id="rId75"/>
-    <p:sldId id="456" r:id="rId76"/>
-    <p:sldId id="468" r:id="rId77"/>
-    <p:sldId id="480" r:id="rId78"/>
-    <p:sldId id="481" r:id="rId79"/>
-    <p:sldId id="469" r:id="rId80"/>
-    <p:sldId id="455" r:id="rId81"/>
-    <p:sldId id="457" r:id="rId82"/>
-    <p:sldId id="458" r:id="rId83"/>
-    <p:sldId id="463" r:id="rId84"/>
-    <p:sldId id="465" r:id="rId85"/>
-    <p:sldId id="460" r:id="rId86"/>
-    <p:sldId id="434" r:id="rId87"/>
-    <p:sldId id="461" r:id="rId88"/>
+    <p:sldId id="483" r:id="rId52"/>
+    <p:sldId id="423" r:id="rId53"/>
+    <p:sldId id="418" r:id="rId54"/>
+    <p:sldId id="339" r:id="rId55"/>
+    <p:sldId id="427" r:id="rId56"/>
+    <p:sldId id="429" r:id="rId57"/>
+    <p:sldId id="428" r:id="rId58"/>
+    <p:sldId id="430" r:id="rId59"/>
+    <p:sldId id="431" r:id="rId60"/>
+    <p:sldId id="432" r:id="rId61"/>
+    <p:sldId id="355" r:id="rId62"/>
+    <p:sldId id="342" r:id="rId63"/>
+    <p:sldId id="436" r:id="rId64"/>
+    <p:sldId id="437" r:id="rId65"/>
+    <p:sldId id="442" r:id="rId66"/>
+    <p:sldId id="447" r:id="rId67"/>
+    <p:sldId id="443" r:id="rId68"/>
+    <p:sldId id="441" r:id="rId69"/>
+    <p:sldId id="448" r:id="rId70"/>
+    <p:sldId id="450" r:id="rId71"/>
+    <p:sldId id="451" r:id="rId72"/>
+    <p:sldId id="357" r:id="rId73"/>
+    <p:sldId id="452" r:id="rId74"/>
+    <p:sldId id="453" r:id="rId75"/>
+    <p:sldId id="454" r:id="rId76"/>
+    <p:sldId id="456" r:id="rId77"/>
+    <p:sldId id="468" r:id="rId78"/>
+    <p:sldId id="480" r:id="rId79"/>
+    <p:sldId id="481" r:id="rId80"/>
+    <p:sldId id="469" r:id="rId81"/>
+    <p:sldId id="455" r:id="rId82"/>
+    <p:sldId id="457" r:id="rId83"/>
+    <p:sldId id="458" r:id="rId84"/>
+    <p:sldId id="463" r:id="rId85"/>
+    <p:sldId id="465" r:id="rId86"/>
+    <p:sldId id="460" r:id="rId87"/>
+    <p:sldId id="434" r:id="rId88"/>
+    <p:sldId id="461" r:id="rId89"/>
   </p:sldIdLst>
   <p:sldSz cx="9144000" cy="6858000" type="screen4x3"/>
   <p:notesSz cx="6858000" cy="9144000"/>
@@ -215,7 +216,7 @@
 <file path=ppt/revisionInfo.xml><?xml version="1.0" encoding="utf-8"?>
 <p1510:revInfo xmlns:a="http://schemas.openxmlformats.org/drawingml/2006/main" xmlns:r="http://schemas.openxmlformats.org/officeDocument/2006/relationships" xmlns:p1510="http://schemas.microsoft.com/office/powerpoint/2015/10/main">
   <p1510:revLst>
-    <p1510:client id="{0550724F-5D33-FC48-80B7-89CFFB601FB8}" v="7" dt="2020-10-27T16:19:16.680"/>
+    <p1510:client id="{0550724F-5D33-FC48-80B7-89CFFB601FB8}" v="10" dt="2020-11-03T17:36:15.477"/>
   </p1510:revLst>
 </p1510:revInfo>
 </file>
@@ -225,7 +226,7 @@
   <pc:docChgLst>
     <pc:chgData name="Lin  Chen" userId="5b8d33d8-9b1a-4612-8f39-9bee1ddd9437" providerId="ADAL" clId="{0550724F-5D33-FC48-80B7-89CFFB601FB8}"/>
     <pc:docChg chg="undo custSel addSld delSld modSld sldOrd">
-      <pc:chgData name="Lin  Chen" userId="5b8d33d8-9b1a-4612-8f39-9bee1ddd9437" providerId="ADAL" clId="{0550724F-5D33-FC48-80B7-89CFFB601FB8}" dt="2020-10-27T16:41:48.747" v="396" actId="207"/>
+      <pc:chgData name="Lin  Chen" userId="5b8d33d8-9b1a-4612-8f39-9bee1ddd9437" providerId="ADAL" clId="{0550724F-5D33-FC48-80B7-89CFFB601FB8}" dt="2020-11-03T17:52:29.989" v="760" actId="207"/>
       <pc:docMkLst>
         <pc:docMk/>
       </pc:docMkLst>
@@ -387,6 +388,21 @@
           <ac:spMkLst>
             <pc:docMk/>
             <pc:sldMk cId="0" sldId="335"/>
+            <ac:spMk id="3" creationId="{00000000-0000-0000-0000-000000000000}"/>
+          </ac:spMkLst>
+        </pc:spChg>
+      </pc:sldChg>
+      <pc:sldChg chg="modSp mod">
+        <pc:chgData name="Lin  Chen" userId="5b8d33d8-9b1a-4612-8f39-9bee1ddd9437" providerId="ADAL" clId="{0550724F-5D33-FC48-80B7-89CFFB601FB8}" dt="2020-11-03T17:43:51.744" v="755" actId="207"/>
+        <pc:sldMkLst>
+          <pc:docMk/>
+          <pc:sldMk cId="0" sldId="339"/>
+        </pc:sldMkLst>
+        <pc:spChg chg="mod">
+          <ac:chgData name="Lin  Chen" userId="5b8d33d8-9b1a-4612-8f39-9bee1ddd9437" providerId="ADAL" clId="{0550724F-5D33-FC48-80B7-89CFFB601FB8}" dt="2020-11-03T17:43:51.744" v="755" actId="207"/>
+          <ac:spMkLst>
+            <pc:docMk/>
+            <pc:sldMk cId="0" sldId="339"/>
             <ac:spMk id="3" creationId="{00000000-0000-0000-0000-000000000000}"/>
           </ac:spMkLst>
         </pc:spChg>
@@ -655,6 +671,81 @@
         </pc:spChg>
       </pc:sldChg>
       <pc:sldChg chg="modSp mod">
+        <pc:chgData name="Lin  Chen" userId="5b8d33d8-9b1a-4612-8f39-9bee1ddd9437" providerId="ADAL" clId="{0550724F-5D33-FC48-80B7-89CFFB601FB8}" dt="2020-11-03T17:31:30.821" v="397" actId="207"/>
+        <pc:sldMkLst>
+          <pc:docMk/>
+          <pc:sldMk cId="2450788592" sldId="415"/>
+        </pc:sldMkLst>
+        <pc:spChg chg="mod">
+          <ac:chgData name="Lin  Chen" userId="5b8d33d8-9b1a-4612-8f39-9bee1ddd9437" providerId="ADAL" clId="{0550724F-5D33-FC48-80B7-89CFFB601FB8}" dt="2020-11-03T17:31:30.821" v="397" actId="207"/>
+          <ac:spMkLst>
+            <pc:docMk/>
+            <pc:sldMk cId="2450788592" sldId="415"/>
+            <ac:spMk id="3" creationId="{00000000-0000-0000-0000-000000000000}"/>
+          </ac:spMkLst>
+        </pc:spChg>
+      </pc:sldChg>
+      <pc:sldChg chg="modSp mod">
+        <pc:chgData name="Lin  Chen" userId="5b8d33d8-9b1a-4612-8f39-9bee1ddd9437" providerId="ADAL" clId="{0550724F-5D33-FC48-80B7-89CFFB601FB8}" dt="2020-11-03T17:32:41.798" v="398" actId="207"/>
+        <pc:sldMkLst>
+          <pc:docMk/>
+          <pc:sldMk cId="1418618960" sldId="420"/>
+        </pc:sldMkLst>
+        <pc:spChg chg="mod">
+          <ac:chgData name="Lin  Chen" userId="5b8d33d8-9b1a-4612-8f39-9bee1ddd9437" providerId="ADAL" clId="{0550724F-5D33-FC48-80B7-89CFFB601FB8}" dt="2020-11-03T17:32:41.798" v="398" actId="207"/>
+          <ac:spMkLst>
+            <pc:docMk/>
+            <pc:sldMk cId="1418618960" sldId="420"/>
+            <ac:spMk id="3" creationId="{00000000-0000-0000-0000-000000000000}"/>
+          </ac:spMkLst>
+        </pc:spChg>
+      </pc:sldChg>
+      <pc:sldChg chg="modSp mod">
+        <pc:chgData name="Lin  Chen" userId="5b8d33d8-9b1a-4612-8f39-9bee1ddd9437" providerId="ADAL" clId="{0550724F-5D33-FC48-80B7-89CFFB601FB8}" dt="2020-11-03T17:39:20.157" v="751" actId="207"/>
+        <pc:sldMkLst>
+          <pc:docMk/>
+          <pc:sldMk cId="1746907366" sldId="423"/>
+        </pc:sldMkLst>
+        <pc:spChg chg="mod">
+          <ac:chgData name="Lin  Chen" userId="5b8d33d8-9b1a-4612-8f39-9bee1ddd9437" providerId="ADAL" clId="{0550724F-5D33-FC48-80B7-89CFFB601FB8}" dt="2020-11-03T17:39:20.157" v="751" actId="207"/>
+          <ac:spMkLst>
+            <pc:docMk/>
+            <pc:sldMk cId="1746907366" sldId="423"/>
+            <ac:spMk id="3" creationId="{00000000-0000-0000-0000-000000000000}"/>
+          </ac:spMkLst>
+        </pc:spChg>
+      </pc:sldChg>
+      <pc:sldChg chg="modSp mod">
+        <pc:chgData name="Lin  Chen" userId="5b8d33d8-9b1a-4612-8f39-9bee1ddd9437" providerId="ADAL" clId="{0550724F-5D33-FC48-80B7-89CFFB601FB8}" dt="2020-11-03T17:46:01.322" v="758" actId="207"/>
+        <pc:sldMkLst>
+          <pc:docMk/>
+          <pc:sldMk cId="1663453830" sldId="429"/>
+        </pc:sldMkLst>
+        <pc:spChg chg="mod">
+          <ac:chgData name="Lin  Chen" userId="5b8d33d8-9b1a-4612-8f39-9bee1ddd9437" providerId="ADAL" clId="{0550724F-5D33-FC48-80B7-89CFFB601FB8}" dt="2020-11-03T17:46:01.322" v="758" actId="207"/>
+          <ac:spMkLst>
+            <pc:docMk/>
+            <pc:sldMk cId="1663453830" sldId="429"/>
+            <ac:spMk id="3" creationId="{00000000-0000-0000-0000-000000000000}"/>
+          </ac:spMkLst>
+        </pc:spChg>
+      </pc:sldChg>
+      <pc:sldChg chg="modSp mod">
+        <pc:chgData name="Lin  Chen" userId="5b8d33d8-9b1a-4612-8f39-9bee1ddd9437" providerId="ADAL" clId="{0550724F-5D33-FC48-80B7-89CFFB601FB8}" dt="2020-11-03T17:52:29.989" v="760" actId="207"/>
+        <pc:sldMkLst>
+          <pc:docMk/>
+          <pc:sldMk cId="3264773922" sldId="431"/>
+        </pc:sldMkLst>
+        <pc:spChg chg="mod">
+          <ac:chgData name="Lin  Chen" userId="5b8d33d8-9b1a-4612-8f39-9bee1ddd9437" providerId="ADAL" clId="{0550724F-5D33-FC48-80B7-89CFFB601FB8}" dt="2020-11-03T17:52:29.989" v="760" actId="207"/>
+          <ac:spMkLst>
+            <pc:docMk/>
+            <pc:sldMk cId="3264773922" sldId="431"/>
+            <ac:spMk id="3" creationId="{00000000-0000-0000-0000-000000000000}"/>
+          </ac:spMkLst>
+        </pc:spChg>
+      </pc:sldChg>
+      <pc:sldChg chg="modSp mod">
         <pc:chgData name="Lin  Chen" userId="5b8d33d8-9b1a-4612-8f39-9bee1ddd9437" providerId="ADAL" clId="{0550724F-5D33-FC48-80B7-89CFFB601FB8}" dt="2020-10-27T16:15:30.094" v="162" actId="207"/>
         <pc:sldMkLst>
           <pc:docMk/>
@@ -841,6 +932,37 @@
           </ac:spMkLst>
         </pc:spChg>
       </pc:sldChg>
+      <pc:sldChg chg="delSp modSp add mod">
+        <pc:chgData name="Lin  Chen" userId="5b8d33d8-9b1a-4612-8f39-9bee1ddd9437" providerId="ADAL" clId="{0550724F-5D33-FC48-80B7-89CFFB601FB8}" dt="2020-11-03T17:38:27.689" v="750" actId="20577"/>
+        <pc:sldMkLst>
+          <pc:docMk/>
+          <pc:sldMk cId="3336872957" sldId="483"/>
+        </pc:sldMkLst>
+        <pc:spChg chg="mod">
+          <ac:chgData name="Lin  Chen" userId="5b8d33d8-9b1a-4612-8f39-9bee1ddd9437" providerId="ADAL" clId="{0550724F-5D33-FC48-80B7-89CFFB601FB8}" dt="2020-11-03T17:35:27.357" v="443" actId="20577"/>
+          <ac:spMkLst>
+            <pc:docMk/>
+            <pc:sldMk cId="3336872957" sldId="483"/>
+            <ac:spMk id="2" creationId="{00000000-0000-0000-0000-000000000000}"/>
+          </ac:spMkLst>
+        </pc:spChg>
+        <pc:spChg chg="mod">
+          <ac:chgData name="Lin  Chen" userId="5b8d33d8-9b1a-4612-8f39-9bee1ddd9437" providerId="ADAL" clId="{0550724F-5D33-FC48-80B7-89CFFB601FB8}" dt="2020-11-03T17:38:27.689" v="750" actId="20577"/>
+          <ac:spMkLst>
+            <pc:docMk/>
+            <pc:sldMk cId="3336872957" sldId="483"/>
+            <ac:spMk id="3" creationId="{00000000-0000-0000-0000-000000000000}"/>
+          </ac:spMkLst>
+        </pc:spChg>
+        <pc:spChg chg="del">
+          <ac:chgData name="Lin  Chen" userId="5b8d33d8-9b1a-4612-8f39-9bee1ddd9437" providerId="ADAL" clId="{0550724F-5D33-FC48-80B7-89CFFB601FB8}" dt="2020-11-03T17:35:12.186" v="400" actId="478"/>
+          <ac:spMkLst>
+            <pc:docMk/>
+            <pc:sldMk cId="3336872957" sldId="483"/>
+            <ac:spMk id="5" creationId="{00000000-0000-0000-0000-000000000000}"/>
+          </ac:spMkLst>
+        </pc:spChg>
+      </pc:sldChg>
     </pc:docChg>
   </pc:docChgLst>
 </pc:chgInfo>
@@ -929,7 +1051,7 @@
             <a:fld id="{F62EE97F-2327-4FE9-8874-2C0F3581839A}" type="datetimeFigureOut">
               <a:rPr lang="en-US" smtClean="0"/>
               <a:pPr/>
-              <a:t>10/27/20</a:t>
+              <a:t>11/3/20</a:t>
             </a:fld>
             <a:endParaRPr lang="en-US"/>
           </a:p>
@@ -1265,7 +1387,7 @@
             <a:fld id="{8A6B134D-0EB3-42CB-9322-AA369738187D}" type="slidenum">
               <a:rPr lang="en-US" smtClean="0"/>
               <a:pPr/>
-              <a:t>70</a:t>
+              <a:t>71</a:t>
             </a:fld>
             <a:endParaRPr lang="en-US"/>
           </a:p>
@@ -1456,7 +1578,7 @@
             <a:fld id="{74223539-C274-414E-836E-21403C9CE2AE}" type="datetimeFigureOut">
               <a:rPr lang="en-US" smtClean="0"/>
               <a:pPr/>
-              <a:t>10/27/20</a:t>
+              <a:t>11/3/20</a:t>
             </a:fld>
             <a:endParaRPr lang="en-US"/>
           </a:p>
@@ -1622,7 +1744,7 @@
             <a:fld id="{74223539-C274-414E-836E-21403C9CE2AE}" type="datetimeFigureOut">
               <a:rPr lang="en-US" smtClean="0"/>
               <a:pPr/>
-              <a:t>10/27/20</a:t>
+              <a:t>11/3/20</a:t>
             </a:fld>
             <a:endParaRPr lang="en-US"/>
           </a:p>
@@ -1798,7 +1920,7 @@
             <a:fld id="{74223539-C274-414E-836E-21403C9CE2AE}" type="datetimeFigureOut">
               <a:rPr lang="en-US" smtClean="0"/>
               <a:pPr/>
-              <a:t>10/27/20</a:t>
+              <a:t>11/3/20</a:t>
             </a:fld>
             <a:endParaRPr lang="en-US"/>
           </a:p>
@@ -1964,7 +2086,7 @@
             <a:fld id="{74223539-C274-414E-836E-21403C9CE2AE}" type="datetimeFigureOut">
               <a:rPr lang="en-US" smtClean="0"/>
               <a:pPr/>
-              <a:t>10/27/20</a:t>
+              <a:t>11/3/20</a:t>
             </a:fld>
             <a:endParaRPr lang="en-US"/>
           </a:p>
@@ -2207,7 +2329,7 @@
             <a:fld id="{74223539-C274-414E-836E-21403C9CE2AE}" type="datetimeFigureOut">
               <a:rPr lang="en-US" smtClean="0"/>
               <a:pPr/>
-              <a:t>10/27/20</a:t>
+              <a:t>11/3/20</a:t>
             </a:fld>
             <a:endParaRPr lang="en-US"/>
           </a:p>
@@ -2472,7 +2594,7 @@
             <a:fld id="{74223539-C274-414E-836E-21403C9CE2AE}" type="datetimeFigureOut">
               <a:rPr lang="en-US" smtClean="0"/>
               <a:pPr/>
-              <a:t>10/27/20</a:t>
+              <a:t>11/3/20</a:t>
             </a:fld>
             <a:endParaRPr lang="en-US"/>
           </a:p>
@@ -2851,7 +2973,7 @@
             <a:fld id="{74223539-C274-414E-836E-21403C9CE2AE}" type="datetimeFigureOut">
               <a:rPr lang="en-US" smtClean="0"/>
               <a:pPr/>
-              <a:t>10/27/20</a:t>
+              <a:t>11/3/20</a:t>
             </a:fld>
             <a:endParaRPr lang="en-US"/>
           </a:p>
@@ -3002,7 +3124,7 @@
             <a:fld id="{74223539-C274-414E-836E-21403C9CE2AE}" type="datetimeFigureOut">
               <a:rPr lang="en-US" smtClean="0"/>
               <a:pPr/>
-              <a:t>10/27/20</a:t>
+              <a:t>11/3/20</a:t>
             </a:fld>
             <a:endParaRPr lang="en-US"/>
           </a:p>
@@ -3094,7 +3216,7 @@
             <a:fld id="{74223539-C274-414E-836E-21403C9CE2AE}" type="datetimeFigureOut">
               <a:rPr lang="en-US" smtClean="0"/>
               <a:pPr/>
-              <a:t>10/27/20</a:t>
+              <a:t>11/3/20</a:t>
             </a:fld>
             <a:endParaRPr lang="en-US"/>
           </a:p>
@@ -3356,7 +3478,7 @@
             <a:fld id="{74223539-C274-414E-836E-21403C9CE2AE}" type="datetimeFigureOut">
               <a:rPr lang="en-US" smtClean="0"/>
               <a:pPr/>
-              <a:t>10/27/20</a:t>
+              <a:t>11/3/20</a:t>
             </a:fld>
             <a:endParaRPr lang="en-US"/>
           </a:p>
@@ -3645,7 +3767,7 @@
             <a:fld id="{74223539-C274-414E-836E-21403C9CE2AE}" type="datetimeFigureOut">
               <a:rPr lang="en-US" smtClean="0"/>
               <a:pPr/>
-              <a:t>10/27/20</a:t>
+              <a:t>11/3/20</a:t>
             </a:fld>
             <a:endParaRPr lang="en-US"/>
           </a:p>
@@ -4416,7 +4538,7 @@
             <a:fld id="{74223539-C274-414E-836E-21403C9CE2AE}" type="datetimeFigureOut">
               <a:rPr lang="en-US" smtClean="0"/>
               <a:pPr/>
-              <a:t>10/27/20</a:t>
+              <a:t>11/3/20</a:t>
             </a:fld>
             <a:endParaRPr lang="en-US"/>
           </a:p>
@@ -17119,7 +17241,11 @@
               <a:t>: An </a:t>
             </a:r>
             <a:r>
-              <a:rPr lang="en-US" i="1" dirty="0"/>
+              <a:rPr lang="en-US" i="1" dirty="0">
+                <a:solidFill>
+                  <a:srgbClr val="FF0000"/>
+                </a:solidFill>
+              </a:rPr>
               <a:t>adjacency list </a:t>
             </a:r>
             <a:r>
@@ -17647,11 +17773,19 @@
               <a:t>.  The </a:t>
             </a:r>
             <a:r>
-              <a:rPr lang="en-US" i="1" dirty="0"/>
+              <a:rPr lang="en-US" i="1" dirty="0">
+                <a:solidFill>
+                  <a:srgbClr val="FF0000"/>
+                </a:solidFill>
+              </a:rPr>
               <a:t>adjacency matrix </a:t>
             </a:r>
             <a:r>
-              <a:rPr lang="en-US" dirty="0"/>
+              <a:rPr lang="en-US" dirty="0">
+                <a:solidFill>
+                  <a:srgbClr val="FF0000"/>
+                </a:solidFill>
+              </a:rPr>
               <a:t> </a:t>
             </a:r>
             <a:r>
@@ -19613,7 +19747,15 @@
           <a:p>
             <a:r>
               <a:rPr lang="en-US" dirty="0"/>
-              <a:t>Representation of Graphs: Incidence Matrices</a:t>
+              <a:t>Adjacency List </a:t>
+            </a:r>
+            <a:r>
+              <a:rPr lang="en-US" dirty="0" err="1"/>
+              <a:t>v.s</a:t>
+            </a:r>
+            <a:r>
+              <a:rPr lang="en-US" dirty="0"/>
+              <a:t>. Adjacency Matrix</a:t>
             </a:r>
           </a:p>
         </p:txBody>
@@ -19633,6 +19775,127 @@
           <a:bodyPr/>
           <a:lstStyle/>
           <a:p>
+            <a:r>
+              <a:rPr lang="en-US" dirty="0"/>
+              <a:t>Memory</a:t>
+            </a:r>
+          </a:p>
+          <a:p>
+            <a:pPr lvl="1"/>
+            <a:r>
+              <a:rPr lang="en-US" dirty="0"/>
+              <a:t>Adjacency list, memory O(</a:t>
+            </a:r>
+            <a:r>
+              <a:rPr lang="en-US" dirty="0" err="1"/>
+              <a:t>cn</a:t>
+            </a:r>
+            <a:r>
+              <a:rPr lang="en-US" dirty="0"/>
+              <a:t>)</a:t>
+            </a:r>
+          </a:p>
+          <a:p>
+            <a:pPr lvl="1"/>
+            <a:r>
+              <a:rPr lang="en-US" dirty="0"/>
+              <a:t>Adjacency matrix, memory O(n^2)</a:t>
+            </a:r>
+          </a:p>
+          <a:p>
+            <a:r>
+              <a:rPr lang="en-US" dirty="0"/>
+              <a:t>Check if two nodes are neighbor nodes</a:t>
+            </a:r>
+          </a:p>
+          <a:p>
+            <a:pPr lvl="1"/>
+            <a:r>
+              <a:rPr lang="en-US" dirty="0"/>
+              <a:t>Adjacency list, Find a node, search the neighbor list</a:t>
+            </a:r>
+          </a:p>
+          <a:p>
+            <a:pPr lvl="1"/>
+            <a:r>
+              <a:rPr lang="en-US" dirty="0"/>
+              <a:t>Adjacency matrix, find the neighbor node by index</a:t>
+            </a:r>
+          </a:p>
+          <a:p>
+            <a:endParaRPr lang="en-US" dirty="0"/>
+          </a:p>
+        </p:txBody>
+      </p:sp>
+    </p:spTree>
+    <p:extLst>
+      <p:ext uri="{BB962C8B-B14F-4D97-AF65-F5344CB8AC3E}">
+        <p14:creationId xmlns:p14="http://schemas.microsoft.com/office/powerpoint/2010/main" val="3336872957"/>
+      </p:ext>
+    </p:extLst>
+  </p:cSld>
+  <p:clrMapOvr>
+    <a:masterClrMapping/>
+  </p:clrMapOvr>
+</p:sld>
+</file>
+
+<file path=ppt/slides/slide52.xml><?xml version="1.0" encoding="utf-8"?>
+<p:sld xmlns:a="http://schemas.openxmlformats.org/drawingml/2006/main" xmlns:r="http://schemas.openxmlformats.org/officeDocument/2006/relationships" xmlns:p="http://schemas.openxmlformats.org/presentationml/2006/main">
+  <p:cSld>
+    <p:spTree>
+      <p:nvGrpSpPr>
+        <p:cNvPr id="1" name=""/>
+        <p:cNvGrpSpPr/>
+        <p:nvPr/>
+      </p:nvGrpSpPr>
+      <p:grpSpPr>
+        <a:xfrm>
+          <a:off x="0" y="0"/>
+          <a:ext cx="0" cy="0"/>
+          <a:chOff x="0" y="0"/>
+          <a:chExt cx="0" cy="0"/>
+        </a:xfrm>
+      </p:grpSpPr>
+      <p:sp>
+        <p:nvSpPr>
+          <p:cNvPr id="2" name="Title 1"/>
+          <p:cNvSpPr>
+            <a:spLocks noGrp="1"/>
+          </p:cNvSpPr>
+          <p:nvPr>
+            <p:ph type="title"/>
+          </p:nvPr>
+        </p:nvSpPr>
+        <p:spPr/>
+        <p:txBody>
+          <a:bodyPr>
+            <a:normAutofit fontScale="90000"/>
+          </a:bodyPr>
+          <a:lstStyle/>
+          <a:p>
+            <a:r>
+              <a:rPr lang="en-US" dirty="0"/>
+              <a:t>Representation of Graphs: Incidence Matrices</a:t>
+            </a:r>
+          </a:p>
+        </p:txBody>
+      </p:sp>
+      <p:sp>
+        <p:nvSpPr>
+          <p:cNvPr id="3" name="Content Placeholder 2"/>
+          <p:cNvSpPr>
+            <a:spLocks noGrp="1"/>
+          </p:cNvSpPr>
+          <p:nvPr>
+            <p:ph idx="1"/>
+          </p:nvPr>
+        </p:nvSpPr>
+        <p:spPr/>
+        <p:txBody>
+          <a:bodyPr/>
+          <a:lstStyle/>
+          <a:p>
             <a:pPr indent="0">
               <a:buNone/>
             </a:pPr>
@@ -19756,7 +20019,19 @@
             </a:r>
             <a:r>
               <a:rPr lang="en-US" dirty="0"/>
-              <a:t>.  The incidence matrix with respect to the ordering of </a:t>
+              <a:t>.  The </a:t>
+            </a:r>
+            <a:r>
+              <a:rPr lang="en-US" dirty="0">
+                <a:solidFill>
+                  <a:srgbClr val="FF0000"/>
+                </a:solidFill>
+              </a:rPr>
+              <a:t>incidence matrix </a:t>
+            </a:r>
+            <a:r>
+              <a:rPr lang="en-US" dirty="0"/>
+              <a:t>with respect to the ordering of </a:t>
             </a:r>
             <a:r>
               <a:rPr lang="en-US" i="1" dirty="0"/>
@@ -19860,7 +20135,7 @@
 </p:sld>
 </file>
 
-<file path=ppt/slides/slide52.xml><?xml version="1.0" encoding="utf-8"?>
+<file path=ppt/slides/slide53.xml><?xml version="1.0" encoding="utf-8"?>
 <p:sld xmlns:a="http://schemas.openxmlformats.org/drawingml/2006/main" xmlns:r="http://schemas.openxmlformats.org/officeDocument/2006/relationships" xmlns:p="http://schemas.openxmlformats.org/presentationml/2006/main">
   <p:cSld>
     <p:spTree>
@@ -20317,7 +20592,7 @@
 </p:sld>
 </file>
 
-<file path=ppt/slides/slide53.xml><?xml version="1.0" encoding="utf-8"?>
+<file path=ppt/slides/slide54.xml><?xml version="1.0" encoding="utf-8"?>
 <p:sld xmlns:a="http://schemas.openxmlformats.org/drawingml/2006/main" xmlns:r="http://schemas.openxmlformats.org/officeDocument/2006/relationships" xmlns:p="http://schemas.openxmlformats.org/presentationml/2006/main">
   <p:cSld>
     <p:spTree>
@@ -20489,12 +20764,40 @@
               <a:t>are </a:t>
             </a:r>
             <a:r>
-              <a:rPr lang="en-US" i="1" dirty="0"/>
+              <a:rPr lang="en-US" i="1" dirty="0">
+                <a:solidFill>
+                  <a:srgbClr val="FF0000"/>
+                </a:solidFill>
+              </a:rPr>
               <a:t>isomorphic</a:t>
             </a:r>
             <a:r>
               <a:rPr lang="en-US" dirty="0"/>
-              <a:t> if there is a one-to-one and onto function </a:t>
+              <a:t> if there is a </a:t>
+            </a:r>
+            <a:r>
+              <a:rPr lang="en-US" dirty="0">
+                <a:solidFill>
+                  <a:srgbClr val="FF0000"/>
+                </a:solidFill>
+              </a:rPr>
+              <a:t>one-to-one</a:t>
+            </a:r>
+            <a:r>
+              <a:rPr lang="en-US" dirty="0"/>
+              <a:t> and </a:t>
+            </a:r>
+            <a:r>
+              <a:rPr lang="en-US" dirty="0">
+                <a:solidFill>
+                  <a:srgbClr val="FF0000"/>
+                </a:solidFill>
+              </a:rPr>
+              <a:t>onto</a:t>
+            </a:r>
+            <a:r>
+              <a:rPr lang="en-US" dirty="0"/>
+              <a:t> function </a:t>
             </a:r>
             <a:r>
               <a:rPr lang="en-US" i="1" dirty="0"/>
@@ -20668,8 +20971,16 @@
               <a:t>is called an </a:t>
             </a:r>
             <a:r>
-              <a:rPr lang="en-US" i="1" dirty="0"/>
-              <a:t>isomorphism. </a:t>
+              <a:rPr lang="en-US" i="1" dirty="0">
+                <a:solidFill>
+                  <a:srgbClr val="FF0000"/>
+                </a:solidFill>
+              </a:rPr>
+              <a:t>isomorphism</a:t>
+            </a:r>
+            <a:r>
+              <a:rPr lang="en-US" i="1" dirty="0"/>
+              <a:t>. </a:t>
             </a:r>
             <a:r>
               <a:rPr lang="en-US" dirty="0"/>
@@ -20694,7 +21005,7 @@
 </p:sld>
 </file>
 
-<file path=ppt/slides/slide54.xml><?xml version="1.0" encoding="utf-8"?>
+<file path=ppt/slides/slide55.xml><?xml version="1.0" encoding="utf-8"?>
 <p:sld xmlns:a="http://schemas.openxmlformats.org/drawingml/2006/main" xmlns:r="http://schemas.openxmlformats.org/officeDocument/2006/relationships" xmlns:p="http://schemas.openxmlformats.org/presentationml/2006/main">
   <p:cSld>
     <p:spTree>
@@ -21523,7 +21834,7 @@
 </p:sld>
 </file>
 
-<file path=ppt/slides/slide55.xml><?xml version="1.0" encoding="utf-8"?>
+<file path=ppt/slides/slide56.xml><?xml version="1.0" encoding="utf-8"?>
 <p:sld xmlns:a="http://schemas.openxmlformats.org/drawingml/2006/main" xmlns:r="http://schemas.openxmlformats.org/officeDocument/2006/relationships" xmlns:p="http://schemas.openxmlformats.org/presentationml/2006/main">
   <p:cSld>
     <p:spTree>
@@ -21592,12 +21903,24 @@
               <a:t>It is difficult to determine whether two simple graphs are isomorphic using brute force because there are </a:t>
             </a:r>
             <a:r>
-              <a:rPr lang="en-US" i="1" dirty="0"/>
+              <a:rPr lang="en-US" i="1" dirty="0">
+                <a:solidFill>
+                  <a:srgbClr val="FF0000"/>
+                </a:solidFill>
+              </a:rPr>
               <a:t>n</a:t>
             </a:r>
             <a:r>
-              <a:rPr lang="en-US" dirty="0"/>
-              <a:t>! possible one-to-one correspondences between the vertex sets of two simple graphs with </a:t>
+              <a:rPr lang="en-US" dirty="0">
+                <a:solidFill>
+                  <a:srgbClr val="FF0000"/>
+                </a:solidFill>
+              </a:rPr>
+              <a:t>! </a:t>
+            </a:r>
+            <a:r>
+              <a:rPr lang="en-US" dirty="0"/>
+              <a:t>possible one-to-one correspondences between the vertex sets of two simple graphs with </a:t>
             </a:r>
             <a:r>
               <a:rPr lang="en-US" i="1" dirty="0"/>
@@ -21611,7 +21934,19 @@
           <a:p>
             <a:r>
               <a:rPr lang="en-US" dirty="0"/>
-              <a:t>The best algorithms for determining weather two graphs are isomorphic have exponential worst case complexity in terms of the number of vertices of the graphs.</a:t>
+              <a:t>The best algorithms for determining weather two graphs are isomorphic have </a:t>
+            </a:r>
+            <a:r>
+              <a:rPr lang="en-US" dirty="0">
+                <a:solidFill>
+                  <a:srgbClr val="FF0000"/>
+                </a:solidFill>
+              </a:rPr>
+              <a:t>exponential</a:t>
+            </a:r>
+            <a:r>
+              <a:rPr lang="en-US" dirty="0"/>
+              <a:t> worst case complexity in terms of the number of vertices of the graphs.</a:t>
             </a:r>
           </a:p>
           <a:p>
@@ -21620,7 +21955,11 @@
               <a:t>Sometimes it is not hard to show that two graphs are not isomorphic. We can do so by finding a property, preserved by isomorphism, that only one of the two graphs has. Such a property is called </a:t>
             </a:r>
             <a:r>
-              <a:rPr lang="en-US" i="1" dirty="0"/>
+              <a:rPr lang="en-US" i="1" dirty="0">
+                <a:solidFill>
+                  <a:srgbClr val="FF0000"/>
+                </a:solidFill>
+              </a:rPr>
               <a:t>graph invariant</a:t>
             </a:r>
             <a:r>
@@ -21665,7 +22004,7 @@
 </p:sld>
 </file>
 
-<file path=ppt/slides/slide56.xml><?xml version="1.0" encoding="utf-8"?>
+<file path=ppt/slides/slide57.xml><?xml version="1.0" encoding="utf-8"?>
 <p:sld xmlns:a="http://schemas.openxmlformats.org/drawingml/2006/main" xmlns:r="http://schemas.openxmlformats.org/officeDocument/2006/relationships" xmlns:p="http://schemas.openxmlformats.org/presentationml/2006/main">
   <p:cSld>
     <p:spTree>
@@ -22116,7 +22455,7 @@
 </p:sld>
 </file>
 
-<file path=ppt/slides/slide57.xml><?xml version="1.0" encoding="utf-8"?>
+<file path=ppt/slides/slide58.xml><?xml version="1.0" encoding="utf-8"?>
 <p:sld xmlns:a="http://schemas.openxmlformats.org/drawingml/2006/main" xmlns:r="http://schemas.openxmlformats.org/officeDocument/2006/relationships" xmlns:p="http://schemas.openxmlformats.org/presentationml/2006/main">
   <p:cSld>
     <p:spTree>
@@ -22708,121 +23047,6 @@
 </p:sld>
 </file>
 
-<file path=ppt/slides/slide58.xml><?xml version="1.0" encoding="utf-8"?>
-<p:sld xmlns:a="http://schemas.openxmlformats.org/drawingml/2006/main" xmlns:r="http://schemas.openxmlformats.org/officeDocument/2006/relationships" xmlns:p="http://schemas.openxmlformats.org/presentationml/2006/main">
-  <p:cSld>
-    <p:spTree>
-      <p:nvGrpSpPr>
-        <p:cNvPr id="1" name=""/>
-        <p:cNvGrpSpPr/>
-        <p:nvPr/>
-      </p:nvGrpSpPr>
-      <p:grpSpPr>
-        <a:xfrm>
-          <a:off x="0" y="0"/>
-          <a:ext cx="0" cy="0"/>
-          <a:chOff x="0" y="0"/>
-          <a:chExt cx="0" cy="0"/>
-        </a:xfrm>
-      </p:grpSpPr>
-      <p:sp>
-        <p:nvSpPr>
-          <p:cNvPr id="2" name="Title 1"/>
-          <p:cNvSpPr>
-            <a:spLocks noGrp="1"/>
-          </p:cNvSpPr>
-          <p:nvPr>
-            <p:ph type="title"/>
-          </p:nvPr>
-        </p:nvSpPr>
-        <p:spPr/>
-        <p:txBody>
-          <a:bodyPr>
-            <a:normAutofit fontScale="90000"/>
-          </a:bodyPr>
-          <a:lstStyle/>
-          <a:p>
-            <a:r>
-              <a:rPr lang="en-US" dirty="0"/>
-              <a:t>Algorithms for Graph Isomorphism</a:t>
-            </a:r>
-          </a:p>
-        </p:txBody>
-      </p:sp>
-      <p:sp>
-        <p:nvSpPr>
-          <p:cNvPr id="3" name="Content Placeholder 2"/>
-          <p:cNvSpPr>
-            <a:spLocks noGrp="1"/>
-          </p:cNvSpPr>
-          <p:nvPr>
-            <p:ph idx="1"/>
-          </p:nvPr>
-        </p:nvSpPr>
-        <p:spPr/>
-        <p:txBody>
-          <a:bodyPr>
-            <a:normAutofit fontScale="92500"/>
-          </a:bodyPr>
-          <a:lstStyle/>
-          <a:p>
-            <a:r>
-              <a:rPr lang="en-US" dirty="0"/>
-              <a:t>The best algorithms known for determining whether two graphs are isomorphic have exponential worst-case time complexity (in the number of vertices of the graphs).</a:t>
-            </a:r>
-          </a:p>
-          <a:p>
-            <a:r>
-              <a:rPr lang="en-US" dirty="0"/>
-              <a:t>However,  there are algorithms with linear average-case time complexity. </a:t>
-            </a:r>
-          </a:p>
-          <a:p>
-            <a:r>
-              <a:rPr lang="en-US" dirty="0"/>
-              <a:t>You can use a public domain program called NAUTY to determine in less than a second whether two graphs with as many as 100 vertices are </a:t>
-            </a:r>
-            <a:r>
-              <a:rPr lang="en-US" dirty="0" err="1"/>
-              <a:t>isomoprhic</a:t>
-            </a:r>
-            <a:r>
-              <a:rPr lang="en-US" dirty="0"/>
-              <a:t>.</a:t>
-            </a:r>
-          </a:p>
-          <a:p>
-            <a:r>
-              <a:rPr lang="en-US" dirty="0"/>
-              <a:t>Graph isomorphism is a problem of special interest because it is one of a few NP problems not known to be either tractable or NP-complete (see Section </a:t>
-            </a:r>
-            <a:r>
-              <a:rPr lang="en-US" dirty="0">
-                <a:latin typeface="Cambria Math" pitchFamily="18" charset="0"/>
-                <a:ea typeface="Cambria Math" pitchFamily="18" charset="0"/>
-              </a:rPr>
-              <a:t>3.3</a:t>
-            </a:r>
-            <a:r>
-              <a:rPr lang="en-US" dirty="0"/>
-              <a:t>).</a:t>
-            </a:r>
-          </a:p>
-        </p:txBody>
-      </p:sp>
-    </p:spTree>
-    <p:extLst>
-      <p:ext uri="{BB962C8B-B14F-4D97-AF65-F5344CB8AC3E}">
-        <p14:creationId xmlns:p14="http://schemas.microsoft.com/office/powerpoint/2010/main" val="3264773922"/>
-      </p:ext>
-    </p:extLst>
-  </p:cSld>
-  <p:clrMapOvr>
-    <a:masterClrMapping/>
-  </p:clrMapOvr>
-</p:sld>
-</file>
-
 <file path=ppt/slides/slide59.xml><?xml version="1.0" encoding="utf-8"?>
 <p:sld xmlns:a="http://schemas.openxmlformats.org/drawingml/2006/main" xmlns:r="http://schemas.openxmlformats.org/officeDocument/2006/relationships" xmlns:p="http://schemas.openxmlformats.org/presentationml/2006/main">
   <p:cSld>
@@ -22859,7 +23083,7 @@
           <a:p>
             <a:r>
               <a:rPr lang="en-US" dirty="0"/>
-              <a:t>Applications of Graph Isomorphism </a:t>
+              <a:t>Algorithms for Graph Isomorphism</a:t>
             </a:r>
           </a:p>
         </p:txBody>
@@ -22877,41 +23101,74 @@
         <p:spPr/>
         <p:txBody>
           <a:bodyPr>
-            <a:normAutofit fontScale="85000" lnSpcReduction="20000"/>
+            <a:normAutofit fontScale="92500"/>
           </a:bodyPr>
           <a:lstStyle/>
           <a:p>
             <a:r>
               <a:rPr lang="en-US" dirty="0"/>
-              <a:t>The question whether graphs are isomorphic plays an important role in applications of graph theory. For example, </a:t>
-            </a:r>
-          </a:p>
-          <a:p>
-            <a:pPr lvl="1"/>
-            <a:r>
-              <a:rPr lang="en-US" dirty="0"/>
-              <a:t>chemists use molecular graphs to model chemical compounds. Vertices represent atoms and edges represent chemical bonds. When a new compound is synthesized, a database of molecular graphs is checked to determine whether the graph representing the new compound is isomorphic to the graph of a compound that this already known. </a:t>
-            </a:r>
-          </a:p>
-          <a:p>
-            <a:pPr lvl="1"/>
-            <a:r>
-              <a:rPr lang="en-US" dirty="0"/>
-              <a:t>Electronic circuits are modeled as graphs in which the vertices represent components and the edges represent connections between them. Graph isomorphism is the basis for </a:t>
-            </a:r>
-          </a:p>
-          <a:p>
-            <a:pPr lvl="2"/>
-            <a:r>
-              <a:rPr lang="en-US" sz="2400" dirty="0"/>
-              <a:t>the verification that a particular layout of a circuit corresponds to the design’s original schematics. </a:t>
-            </a:r>
-          </a:p>
-          <a:p>
-            <a:pPr lvl="2"/>
-            <a:r>
-              <a:rPr lang="en-US" sz="2400" dirty="0"/>
-              <a:t>determining whether a chip from one vendor includes the intellectual property of another vendor. </a:t>
+              <a:t>The best algorithms known for determining whether two graphs are isomorphic have </a:t>
+            </a:r>
+            <a:r>
+              <a:rPr lang="en-US" dirty="0">
+                <a:solidFill>
+                  <a:srgbClr val="FF0000"/>
+                </a:solidFill>
+              </a:rPr>
+              <a:t>exponential</a:t>
+            </a:r>
+            <a:r>
+              <a:rPr lang="en-US" dirty="0"/>
+              <a:t> worst-case time complexity (in the number of vertices of the graphs).</a:t>
+            </a:r>
+          </a:p>
+          <a:p>
+            <a:r>
+              <a:rPr lang="en-US" dirty="0"/>
+              <a:t>However,  there are algorithms with</a:t>
+            </a:r>
+            <a:r>
+              <a:rPr lang="en-US" dirty="0">
+                <a:solidFill>
+                  <a:srgbClr val="FF0000"/>
+                </a:solidFill>
+              </a:rPr>
+              <a:t> linear</a:t>
+            </a:r>
+            <a:r>
+              <a:rPr lang="en-US" dirty="0"/>
+              <a:t> average-case time complexity. </a:t>
+            </a:r>
+          </a:p>
+          <a:p>
+            <a:r>
+              <a:rPr lang="en-US" dirty="0"/>
+              <a:t>You can use a public domain program called NAUTY to determine in less than a second whether two graphs with as many as 100 vertices are </a:t>
+            </a:r>
+            <a:r>
+              <a:rPr lang="en-US" dirty="0" err="1"/>
+              <a:t>isomoprhic</a:t>
+            </a:r>
+            <a:r>
+              <a:rPr lang="en-US" dirty="0"/>
+              <a:t>.</a:t>
+            </a:r>
+          </a:p>
+          <a:p>
+            <a:r>
+              <a:rPr lang="en-US" dirty="0"/>
+              <a:t>Graph isomorphism is a problem of special interest because it is one of a few NP problems not known to be either tractable or NP-complete (see Section </a:t>
+            </a:r>
+            <a:r>
+              <a:rPr lang="en-US" dirty="0">
+                <a:latin typeface="Cambria Math" pitchFamily="18" charset="0"/>
+                <a:ea typeface="Cambria Math" pitchFamily="18" charset="0"/>
+              </a:rPr>
+              <a:t>3.3</a:t>
+            </a:r>
+            <a:r>
+              <a:rPr lang="en-US" dirty="0"/>
+              <a:t>).</a:t>
             </a:r>
           </a:p>
         </p:txBody>
@@ -22919,7 +23176,7 @@
     </p:spTree>
     <p:extLst>
       <p:ext uri="{BB962C8B-B14F-4D97-AF65-F5344CB8AC3E}">
-        <p14:creationId xmlns:p14="http://schemas.microsoft.com/office/powerpoint/2010/main" val="2293554144"/>
+        <p14:creationId xmlns:p14="http://schemas.microsoft.com/office/powerpoint/2010/main" val="3264773922"/>
       </p:ext>
     </p:extLst>
   </p:cSld>
@@ -24684,51 +24941,81 @@
             <a:spLocks noGrp="1"/>
           </p:cNvSpPr>
           <p:nvPr>
-            <p:ph type="ctrTitle"/>
+            <p:ph type="title"/>
           </p:nvPr>
         </p:nvSpPr>
         <p:spPr/>
         <p:txBody>
-          <a:bodyPr/>
+          <a:bodyPr>
+            <a:normAutofit fontScale="90000"/>
+          </a:bodyPr>
           <a:lstStyle/>
           <a:p>
             <a:r>
               <a:rPr lang="en-US" dirty="0"/>
-              <a:t>Connectivity</a:t>
+              <a:t>Applications of Graph Isomorphism </a:t>
             </a:r>
           </a:p>
         </p:txBody>
       </p:sp>
       <p:sp>
         <p:nvSpPr>
-          <p:cNvPr id="3" name="Subtitle 2"/>
+          <p:cNvPr id="3" name="Content Placeholder 2"/>
           <p:cNvSpPr>
             <a:spLocks noGrp="1"/>
           </p:cNvSpPr>
           <p:nvPr>
-            <p:ph type="subTitle" idx="1"/>
+            <p:ph idx="1"/>
           </p:nvPr>
         </p:nvSpPr>
         <p:spPr/>
         <p:txBody>
-          <a:bodyPr/>
+          <a:bodyPr>
+            <a:normAutofit fontScale="85000" lnSpcReduction="20000"/>
+          </a:bodyPr>
           <a:lstStyle/>
           <a:p>
             <a:r>
               <a:rPr lang="en-US" dirty="0"/>
-              <a:t>Section </a:t>
-            </a:r>
-            <a:r>
-              <a:rPr lang="en-US" dirty="0">
-                <a:latin typeface="Cambria Math" pitchFamily="18" charset="0"/>
-                <a:ea typeface="Cambria Math" pitchFamily="18" charset="0"/>
-              </a:rPr>
-              <a:t>10.4</a:t>
+              <a:t>The question whether graphs are isomorphic plays an important role in applications of graph theory. For example, </a:t>
+            </a:r>
+          </a:p>
+          <a:p>
+            <a:pPr lvl="1"/>
+            <a:r>
+              <a:rPr lang="en-US" dirty="0"/>
+              <a:t>chemists use molecular graphs to model chemical compounds. Vertices represent atoms and edges represent chemical bonds. When a new compound is synthesized, a database of molecular graphs is checked to determine whether the graph representing the new compound is isomorphic to the graph of a compound that this already known. </a:t>
+            </a:r>
+          </a:p>
+          <a:p>
+            <a:pPr lvl="1"/>
+            <a:r>
+              <a:rPr lang="en-US" dirty="0"/>
+              <a:t>Electronic circuits are modeled as graphs in which the vertices represent components and the edges represent connections between them. Graph isomorphism is the basis for </a:t>
+            </a:r>
+          </a:p>
+          <a:p>
+            <a:pPr lvl="2"/>
+            <a:r>
+              <a:rPr lang="en-US" sz="2400" dirty="0"/>
+              <a:t>the verification that a particular layout of a circuit corresponds to the design’s original schematics. </a:t>
+            </a:r>
+          </a:p>
+          <a:p>
+            <a:pPr lvl="2"/>
+            <a:r>
+              <a:rPr lang="en-US" sz="2400" dirty="0"/>
+              <a:t>determining whether a chip from one vendor includes the intellectual property of another vendor. </a:t>
             </a:r>
           </a:p>
         </p:txBody>
       </p:sp>
     </p:spTree>
+    <p:extLst>
+      <p:ext uri="{BB962C8B-B14F-4D97-AF65-F5344CB8AC3E}">
+        <p14:creationId xmlns:p14="http://schemas.microsoft.com/office/powerpoint/2010/main" val="2293554144"/>
+      </p:ext>
+    </p:extLst>
   </p:cSld>
   <p:clrMapOvr>
     <a:masterClrMapping/>
@@ -24760,7 +25047,7 @@
             <a:spLocks noGrp="1"/>
           </p:cNvSpPr>
           <p:nvPr>
-            <p:ph type="title"/>
+            <p:ph type="ctrTitle"/>
           </p:nvPr>
         </p:nvSpPr>
         <p:spPr/>
@@ -24770,73 +25057,36 @@
           <a:p>
             <a:r>
               <a:rPr lang="en-US" dirty="0"/>
-              <a:t>Paths</a:t>
+              <a:t>Connectivity</a:t>
             </a:r>
           </a:p>
         </p:txBody>
       </p:sp>
       <p:sp>
         <p:nvSpPr>
-          <p:cNvPr id="3" name="Content Placeholder 2"/>
+          <p:cNvPr id="3" name="Subtitle 2"/>
           <p:cNvSpPr>
             <a:spLocks noGrp="1"/>
           </p:cNvSpPr>
           <p:nvPr>
-            <p:ph idx="1"/>
+            <p:ph type="subTitle" idx="1"/>
           </p:nvPr>
         </p:nvSpPr>
         <p:spPr/>
         <p:txBody>
-          <a:bodyPr>
-            <a:normAutofit lnSpcReduction="10000"/>
-          </a:bodyPr>
+          <a:bodyPr/>
           <a:lstStyle/>
           <a:p>
-            <a:pPr indent="0">
-              <a:buNone/>
-            </a:pPr>
-            <a:r>
-              <a:rPr lang="en-US" b="1" dirty="0"/>
-              <a:t>Informal Definition: </a:t>
-            </a:r>
-            <a:r>
-              <a:rPr lang="en-US" dirty="0"/>
-              <a:t>A </a:t>
-            </a:r>
-            <a:r>
-              <a:rPr lang="en-US" i="1" dirty="0"/>
-              <a:t>path</a:t>
-            </a:r>
-            <a:r>
-              <a:rPr lang="en-US" dirty="0"/>
-              <a:t> is a sequence of edges that begins at a vertex of a graph and travels from vertex to vertex along edges of the graph. As the path travels along its edges, it visits the vertices along this path, that is, the endpoints of these.</a:t>
-            </a:r>
-          </a:p>
-          <a:p>
-            <a:pPr indent="0">
-              <a:buNone/>
-            </a:pPr>
-            <a:r>
-              <a:rPr lang="en-US" b="1" dirty="0"/>
-              <a:t>Applications</a:t>
-            </a:r>
-            <a:r>
-              <a:rPr lang="en-US" dirty="0"/>
-              <a:t>: Numerous problems can be modeled with paths formed by traveling along edges of graphs such as:</a:t>
-            </a:r>
-          </a:p>
-          <a:p>
-            <a:pPr marL="1097280" lvl="1" indent="-457200"/>
-            <a:r>
-              <a:rPr lang="en-US" dirty="0"/>
-              <a:t>determining whether a message can be sent between two computers.</a:t>
-            </a:r>
-          </a:p>
-          <a:p>
-            <a:pPr marL="1097280" lvl="1" indent="-457200"/>
-            <a:r>
-              <a:rPr lang="en-US" dirty="0"/>
-              <a:t>efficiently planning routes for mail delivery.</a:t>
+            <a:r>
+              <a:rPr lang="en-US" dirty="0"/>
+              <a:t>Section </a:t>
+            </a:r>
+            <a:r>
+              <a:rPr lang="en-US" dirty="0">
+                <a:latin typeface="Cambria Math" pitchFamily="18" charset="0"/>
+                <a:ea typeface="Cambria Math" pitchFamily="18" charset="0"/>
+              </a:rPr>
+              <a:t>10.4</a:t>
             </a:r>
           </a:p>
         </p:txBody>
@@ -24901,6 +25151,119 @@
         <p:spPr/>
         <p:txBody>
           <a:bodyPr>
+            <a:normAutofit lnSpcReduction="10000"/>
+          </a:bodyPr>
+          <a:lstStyle/>
+          <a:p>
+            <a:pPr indent="0">
+              <a:buNone/>
+            </a:pPr>
+            <a:r>
+              <a:rPr lang="en-US" b="1" dirty="0"/>
+              <a:t>Informal Definition: </a:t>
+            </a:r>
+            <a:r>
+              <a:rPr lang="en-US" dirty="0"/>
+              <a:t>A </a:t>
+            </a:r>
+            <a:r>
+              <a:rPr lang="en-US" i="1" dirty="0"/>
+              <a:t>path</a:t>
+            </a:r>
+            <a:r>
+              <a:rPr lang="en-US" dirty="0"/>
+              <a:t> is a sequence of edges that begins at a vertex of a graph and travels from vertex to vertex along edges of the graph. As the path travels along its edges, it visits the vertices along this path, that is, the endpoints of these.</a:t>
+            </a:r>
+          </a:p>
+          <a:p>
+            <a:pPr indent="0">
+              <a:buNone/>
+            </a:pPr>
+            <a:r>
+              <a:rPr lang="en-US" b="1" dirty="0"/>
+              <a:t>Applications</a:t>
+            </a:r>
+            <a:r>
+              <a:rPr lang="en-US" dirty="0"/>
+              <a:t>: Numerous problems can be modeled with paths formed by traveling along edges of graphs such as:</a:t>
+            </a:r>
+          </a:p>
+          <a:p>
+            <a:pPr marL="1097280" lvl="1" indent="-457200"/>
+            <a:r>
+              <a:rPr lang="en-US" dirty="0"/>
+              <a:t>determining whether a message can be sent between two computers.</a:t>
+            </a:r>
+          </a:p>
+          <a:p>
+            <a:pPr marL="1097280" lvl="1" indent="-457200"/>
+            <a:r>
+              <a:rPr lang="en-US" dirty="0"/>
+              <a:t>efficiently planning routes for mail delivery.</a:t>
+            </a:r>
+          </a:p>
+        </p:txBody>
+      </p:sp>
+    </p:spTree>
+  </p:cSld>
+  <p:clrMapOvr>
+    <a:masterClrMapping/>
+  </p:clrMapOvr>
+</p:sld>
+</file>
+
+<file path=ppt/slides/slide63.xml><?xml version="1.0" encoding="utf-8"?>
+<p:sld xmlns:a="http://schemas.openxmlformats.org/drawingml/2006/main" xmlns:r="http://schemas.openxmlformats.org/officeDocument/2006/relationships" xmlns:p="http://schemas.openxmlformats.org/presentationml/2006/main">
+  <p:cSld>
+    <p:spTree>
+      <p:nvGrpSpPr>
+        <p:cNvPr id="1" name=""/>
+        <p:cNvGrpSpPr/>
+        <p:nvPr/>
+      </p:nvGrpSpPr>
+      <p:grpSpPr>
+        <a:xfrm>
+          <a:off x="0" y="0"/>
+          <a:ext cx="0" cy="0"/>
+          <a:chOff x="0" y="0"/>
+          <a:chExt cx="0" cy="0"/>
+        </a:xfrm>
+      </p:grpSpPr>
+      <p:sp>
+        <p:nvSpPr>
+          <p:cNvPr id="2" name="Title 1"/>
+          <p:cNvSpPr>
+            <a:spLocks noGrp="1"/>
+          </p:cNvSpPr>
+          <p:nvPr>
+            <p:ph type="title"/>
+          </p:nvPr>
+        </p:nvSpPr>
+        <p:spPr/>
+        <p:txBody>
+          <a:bodyPr/>
+          <a:lstStyle/>
+          <a:p>
+            <a:r>
+              <a:rPr lang="en-US" dirty="0"/>
+              <a:t>Paths</a:t>
+            </a:r>
+          </a:p>
+        </p:txBody>
+      </p:sp>
+      <p:sp>
+        <p:nvSpPr>
+          <p:cNvPr id="3" name="Content Placeholder 2"/>
+          <p:cNvSpPr>
+            <a:spLocks noGrp="1"/>
+          </p:cNvSpPr>
+          <p:nvPr>
+            <p:ph idx="1"/>
+          </p:nvPr>
+        </p:nvSpPr>
+        <p:spPr/>
+        <p:txBody>
+          <a:bodyPr>
             <a:normAutofit fontScale="55000" lnSpcReduction="20000"/>
           </a:bodyPr>
           <a:lstStyle/>
@@ -25403,7 +25766,7 @@
 </p:sld>
 </file>
 
-<file path=ppt/slides/slide63.xml><?xml version="1.0" encoding="utf-8"?>
+<file path=ppt/slides/slide64.xml><?xml version="1.0" encoding="utf-8"?>
 <p:sld xmlns:a="http://schemas.openxmlformats.org/drawingml/2006/main" xmlns:r="http://schemas.openxmlformats.org/officeDocument/2006/relationships" xmlns:p="http://schemas.openxmlformats.org/presentationml/2006/main">
   <p:cSld>
     <p:spTree>
@@ -25743,7 +26106,7 @@
 </p:sld>
 </file>
 
-<file path=ppt/slides/slide64.xml><?xml version="1.0" encoding="utf-8"?>
+<file path=ppt/slides/slide65.xml><?xml version="1.0" encoding="utf-8"?>
 <p:sld xmlns:a="http://schemas.openxmlformats.org/drawingml/2006/main" xmlns:r="http://schemas.openxmlformats.org/officeDocument/2006/relationships" xmlns:p="http://schemas.openxmlformats.org/presentationml/2006/main">
   <p:cSld>
     <p:spTree>
@@ -25924,7 +26287,7 @@
 </p:sld>
 </file>
 
-<file path=ppt/slides/slide65.xml><?xml version="1.0" encoding="utf-8"?>
+<file path=ppt/slides/slide66.xml><?xml version="1.0" encoding="utf-8"?>
 <p:sld xmlns:a="http://schemas.openxmlformats.org/drawingml/2006/main" xmlns:r="http://schemas.openxmlformats.org/officeDocument/2006/relationships" xmlns:p="http://schemas.openxmlformats.org/presentationml/2006/main">
   <p:cSld>
     <p:spTree>
@@ -26159,7 +26522,7 @@
 </p:sld>
 </file>
 
-<file path=ppt/slides/slide66.xml><?xml version="1.0" encoding="utf-8"?>
+<file path=ppt/slides/slide67.xml><?xml version="1.0" encoding="utf-8"?>
 <p:sld xmlns:a="http://schemas.openxmlformats.org/drawingml/2006/main" xmlns:r="http://schemas.openxmlformats.org/officeDocument/2006/relationships" xmlns:p="http://schemas.openxmlformats.org/presentationml/2006/main">
   <p:cSld>
     <p:spTree>
@@ -26483,7 +26846,7 @@
 </p:sld>
 </file>
 
-<file path=ppt/slides/slide67.xml><?xml version="1.0" encoding="utf-8"?>
+<file path=ppt/slides/slide68.xml><?xml version="1.0" encoding="utf-8"?>
 <p:sld xmlns:a="http://schemas.openxmlformats.org/drawingml/2006/main" xmlns:r="http://schemas.openxmlformats.org/officeDocument/2006/relationships" xmlns:p="http://schemas.openxmlformats.org/presentationml/2006/main">
   <p:cSld>
     <p:spTree>
@@ -26655,7 +27018,7 @@
 </p:sld>
 </file>
 
-<file path=ppt/slides/slide68.xml><?xml version="1.0" encoding="utf-8"?>
+<file path=ppt/slides/slide69.xml><?xml version="1.0" encoding="utf-8"?>
 <p:sld xmlns:a="http://schemas.openxmlformats.org/drawingml/2006/main" xmlns:r="http://schemas.openxmlformats.org/officeDocument/2006/relationships" xmlns:p="http://schemas.openxmlformats.org/presentationml/2006/main">
   <p:cSld>
     <p:spTree>
@@ -27024,7 +27387,161 @@
 </p:sld>
 </file>
 
-<file path=ppt/slides/slide69.xml><?xml version="1.0" encoding="utf-8"?>
+<file path=ppt/slides/slide7.xml><?xml version="1.0" encoding="utf-8"?>
+<p:sld xmlns:a="http://schemas.openxmlformats.org/drawingml/2006/main" xmlns:r="http://schemas.openxmlformats.org/officeDocument/2006/relationships" xmlns:p="http://schemas.openxmlformats.org/presentationml/2006/main">
+  <p:cSld>
+    <p:spTree>
+      <p:nvGrpSpPr>
+        <p:cNvPr id="1" name=""/>
+        <p:cNvGrpSpPr/>
+        <p:nvPr/>
+      </p:nvGrpSpPr>
+      <p:grpSpPr>
+        <a:xfrm>
+          <a:off x="0" y="0"/>
+          <a:ext cx="0" cy="0"/>
+          <a:chOff x="0" y="0"/>
+          <a:chExt cx="0" cy="0"/>
+        </a:xfrm>
+      </p:grpSpPr>
+      <p:sp>
+        <p:nvSpPr>
+          <p:cNvPr id="2" name="Title 1"/>
+          <p:cNvSpPr>
+            <a:spLocks noGrp="1"/>
+          </p:cNvSpPr>
+          <p:nvPr>
+            <p:ph type="title"/>
+          </p:nvPr>
+        </p:nvSpPr>
+        <p:spPr/>
+        <p:txBody>
+          <a:bodyPr>
+            <a:normAutofit fontScale="90000"/>
+          </a:bodyPr>
+          <a:lstStyle/>
+          <a:p>
+            <a:r>
+              <a:rPr lang="en-US" dirty="0"/>
+              <a:t>Graph Models: </a:t>
+            </a:r>
+            <a:br>
+              <a:rPr lang="en-US" dirty="0"/>
+            </a:br>
+            <a:r>
+              <a:rPr lang="en-US" dirty="0"/>
+              <a:t>Computer Networks</a:t>
+            </a:r>
+          </a:p>
+        </p:txBody>
+      </p:sp>
+      <p:sp>
+        <p:nvSpPr>
+          <p:cNvPr id="3" name="Content Placeholder 2"/>
+          <p:cNvSpPr>
+            <a:spLocks noGrp="1"/>
+          </p:cNvSpPr>
+          <p:nvPr>
+            <p:ph idx="1"/>
+          </p:nvPr>
+        </p:nvSpPr>
+        <p:spPr/>
+        <p:txBody>
+          <a:bodyPr>
+            <a:normAutofit fontScale="77500" lnSpcReduction="20000"/>
+          </a:bodyPr>
+          <a:lstStyle/>
+          <a:p>
+            <a:r>
+              <a:rPr lang="en-US" dirty="0"/>
+              <a:t>When we build a graph model, we use the appropriate type of graph to capture the important features of the application. </a:t>
+            </a:r>
+          </a:p>
+          <a:p>
+            <a:r>
+              <a:rPr lang="en-US" dirty="0"/>
+              <a:t>We illustrate this process using graph models of different types of computer networks. In all these graph models, the vertices represent data centers and the edges represent communication links.</a:t>
+            </a:r>
+          </a:p>
+          <a:p>
+            <a:r>
+              <a:rPr lang="en-US" dirty="0"/>
+              <a:t> To model a computer network where we are only concerned whether two data centers are connected by a communications link, we use a simple graph. This is the appropriate type of graph when we only care whether two data centers are directly linked (and not how many links there may be) and all communications links work in both directions.</a:t>
+            </a:r>
+          </a:p>
+          <a:p>
+            <a:endParaRPr lang="en-US" dirty="0"/>
+          </a:p>
+          <a:p>
+            <a:pPr marL="0" indent="0">
+              <a:buNone/>
+            </a:pPr>
+            <a:r>
+              <a:rPr lang="en-US" dirty="0"/>
+              <a:t> </a:t>
+            </a:r>
+          </a:p>
+          <a:p>
+            <a:pPr marL="0" indent="0">
+              <a:buNone/>
+            </a:pPr>
+            <a:r>
+              <a:rPr lang="en-US" dirty="0"/>
+              <a:t>  </a:t>
+            </a:r>
+          </a:p>
+          <a:p>
+            <a:endParaRPr lang="en-US" dirty="0"/>
+          </a:p>
+          <a:p>
+            <a:endParaRPr lang="en-US" dirty="0"/>
+          </a:p>
+          <a:p>
+            <a:endParaRPr lang="en-US" dirty="0"/>
+          </a:p>
+          <a:p>
+            <a:endParaRPr lang="en-US" dirty="0"/>
+          </a:p>
+        </p:txBody>
+      </p:sp>
+      <p:pic>
+        <p:nvPicPr>
+          <p:cNvPr id="5" name="Content Placeholder 3" descr="09001.jpg"/>
+          <p:cNvPicPr>
+            <a:picLocks noChangeAspect="1"/>
+          </p:cNvPicPr>
+          <p:nvPr/>
+        </p:nvPicPr>
+        <p:blipFill>
+          <a:blip r:embed="rId2" cstate="print"/>
+          <a:stretch>
+            <a:fillRect/>
+          </a:stretch>
+        </p:blipFill>
+        <p:spPr>
+          <a:xfrm>
+            <a:off x="3124200" y="5029200"/>
+            <a:ext cx="3444240" cy="903732"/>
+          </a:xfrm>
+          <a:prstGeom prst="rect">
+            <a:avLst/>
+          </a:prstGeom>
+        </p:spPr>
+      </p:pic>
+    </p:spTree>
+    <p:extLst>
+      <p:ext uri="{BB962C8B-B14F-4D97-AF65-F5344CB8AC3E}">
+        <p14:creationId xmlns:p14="http://schemas.microsoft.com/office/powerpoint/2010/main" val="2676422576"/>
+      </p:ext>
+    </p:extLst>
+  </p:cSld>
+  <p:clrMapOvr>
+    <a:masterClrMapping/>
+  </p:clrMapOvr>
+</p:sld>
+</file>
+
+<file path=ppt/slides/slide70.xml><?xml version="1.0" encoding="utf-8"?>
 <p:sld xmlns:a="http://schemas.openxmlformats.org/drawingml/2006/main" xmlns:r="http://schemas.openxmlformats.org/officeDocument/2006/relationships" xmlns:p="http://schemas.openxmlformats.org/presentationml/2006/main">
   <p:cSld>
     <p:spTree>
@@ -28134,161 +28651,7 @@
 </p:sld>
 </file>
 
-<file path=ppt/slides/slide7.xml><?xml version="1.0" encoding="utf-8"?>
-<p:sld xmlns:a="http://schemas.openxmlformats.org/drawingml/2006/main" xmlns:r="http://schemas.openxmlformats.org/officeDocument/2006/relationships" xmlns:p="http://schemas.openxmlformats.org/presentationml/2006/main">
-  <p:cSld>
-    <p:spTree>
-      <p:nvGrpSpPr>
-        <p:cNvPr id="1" name=""/>
-        <p:cNvGrpSpPr/>
-        <p:nvPr/>
-      </p:nvGrpSpPr>
-      <p:grpSpPr>
-        <a:xfrm>
-          <a:off x="0" y="0"/>
-          <a:ext cx="0" cy="0"/>
-          <a:chOff x="0" y="0"/>
-          <a:chExt cx="0" cy="0"/>
-        </a:xfrm>
-      </p:grpSpPr>
-      <p:sp>
-        <p:nvSpPr>
-          <p:cNvPr id="2" name="Title 1"/>
-          <p:cNvSpPr>
-            <a:spLocks noGrp="1"/>
-          </p:cNvSpPr>
-          <p:nvPr>
-            <p:ph type="title"/>
-          </p:nvPr>
-        </p:nvSpPr>
-        <p:spPr/>
-        <p:txBody>
-          <a:bodyPr>
-            <a:normAutofit fontScale="90000"/>
-          </a:bodyPr>
-          <a:lstStyle/>
-          <a:p>
-            <a:r>
-              <a:rPr lang="en-US" dirty="0"/>
-              <a:t>Graph Models: </a:t>
-            </a:r>
-            <a:br>
-              <a:rPr lang="en-US" dirty="0"/>
-            </a:br>
-            <a:r>
-              <a:rPr lang="en-US" dirty="0"/>
-              <a:t>Computer Networks</a:t>
-            </a:r>
-          </a:p>
-        </p:txBody>
-      </p:sp>
-      <p:sp>
-        <p:nvSpPr>
-          <p:cNvPr id="3" name="Content Placeholder 2"/>
-          <p:cNvSpPr>
-            <a:spLocks noGrp="1"/>
-          </p:cNvSpPr>
-          <p:nvPr>
-            <p:ph idx="1"/>
-          </p:nvPr>
-        </p:nvSpPr>
-        <p:spPr/>
-        <p:txBody>
-          <a:bodyPr>
-            <a:normAutofit fontScale="77500" lnSpcReduction="20000"/>
-          </a:bodyPr>
-          <a:lstStyle/>
-          <a:p>
-            <a:r>
-              <a:rPr lang="en-US" dirty="0"/>
-              <a:t>When we build a graph model, we use the appropriate type of graph to capture the important features of the application. </a:t>
-            </a:r>
-          </a:p>
-          <a:p>
-            <a:r>
-              <a:rPr lang="en-US" dirty="0"/>
-              <a:t>We illustrate this process using graph models of different types of computer networks. In all these graph models, the vertices represent data centers and the edges represent communication links.</a:t>
-            </a:r>
-          </a:p>
-          <a:p>
-            <a:r>
-              <a:rPr lang="en-US" dirty="0"/>
-              <a:t> To model a computer network where we are only concerned whether two data centers are connected by a communications link, we use a simple graph. This is the appropriate type of graph when we only care whether two data centers are directly linked (and not how many links there may be) and all communications links work in both directions.</a:t>
-            </a:r>
-          </a:p>
-          <a:p>
-            <a:endParaRPr lang="en-US" dirty="0"/>
-          </a:p>
-          <a:p>
-            <a:pPr marL="0" indent="0">
-              <a:buNone/>
-            </a:pPr>
-            <a:r>
-              <a:rPr lang="en-US" dirty="0"/>
-              <a:t> </a:t>
-            </a:r>
-          </a:p>
-          <a:p>
-            <a:pPr marL="0" indent="0">
-              <a:buNone/>
-            </a:pPr>
-            <a:r>
-              <a:rPr lang="en-US" dirty="0"/>
-              <a:t>  </a:t>
-            </a:r>
-          </a:p>
-          <a:p>
-            <a:endParaRPr lang="en-US" dirty="0"/>
-          </a:p>
-          <a:p>
-            <a:endParaRPr lang="en-US" dirty="0"/>
-          </a:p>
-          <a:p>
-            <a:endParaRPr lang="en-US" dirty="0"/>
-          </a:p>
-          <a:p>
-            <a:endParaRPr lang="en-US" dirty="0"/>
-          </a:p>
-        </p:txBody>
-      </p:sp>
-      <p:pic>
-        <p:nvPicPr>
-          <p:cNvPr id="5" name="Content Placeholder 3" descr="09001.jpg"/>
-          <p:cNvPicPr>
-            <a:picLocks noChangeAspect="1"/>
-          </p:cNvPicPr>
-          <p:nvPr/>
-        </p:nvPicPr>
-        <p:blipFill>
-          <a:blip r:embed="rId2" cstate="print"/>
-          <a:stretch>
-            <a:fillRect/>
-          </a:stretch>
-        </p:blipFill>
-        <p:spPr>
-          <a:xfrm>
-            <a:off x="3124200" y="5029200"/>
-            <a:ext cx="3444240" cy="903732"/>
-          </a:xfrm>
-          <a:prstGeom prst="rect">
-            <a:avLst/>
-          </a:prstGeom>
-        </p:spPr>
-      </p:pic>
-    </p:spTree>
-    <p:extLst>
-      <p:ext uri="{BB962C8B-B14F-4D97-AF65-F5344CB8AC3E}">
-        <p14:creationId xmlns:p14="http://schemas.microsoft.com/office/powerpoint/2010/main" val="2676422576"/>
-      </p:ext>
-    </p:extLst>
-  </p:cSld>
-  <p:clrMapOvr>
-    <a:masterClrMapping/>
-  </p:clrMapOvr>
-</p:sld>
-</file>
-
-<file path=ppt/slides/slide70.xml><?xml version="1.0" encoding="utf-8"?>
+<file path=ppt/slides/slide71.xml><?xml version="1.0" encoding="utf-8"?>
 <p:sld xmlns:a="http://schemas.openxmlformats.org/drawingml/2006/main" xmlns:r="http://schemas.openxmlformats.org/officeDocument/2006/relationships" xmlns:p="http://schemas.openxmlformats.org/presentationml/2006/main">
   <p:cSld>
     <p:spTree>
@@ -29182,7 +29545,7 @@
 </p:sld>
 </file>
 
-<file path=ppt/slides/slide71.xml><?xml version="1.0" encoding="utf-8"?>
+<file path=ppt/slides/slide72.xml><?xml version="1.0" encoding="utf-8"?>
 <p:sld xmlns:a="http://schemas.openxmlformats.org/drawingml/2006/main" xmlns:r="http://schemas.openxmlformats.org/officeDocument/2006/relationships" xmlns:p="http://schemas.openxmlformats.org/presentationml/2006/main">
   <p:cSld>
     <p:spTree>
@@ -29258,7 +29621,7 @@
 </p:sld>
 </file>
 
-<file path=ppt/slides/slide72.xml><?xml version="1.0" encoding="utf-8"?>
+<file path=ppt/slides/slide73.xml><?xml version="1.0" encoding="utf-8"?>
 <p:sld xmlns:a="http://schemas.openxmlformats.org/drawingml/2006/main" xmlns:r="http://schemas.openxmlformats.org/officeDocument/2006/relationships" xmlns:p="http://schemas.openxmlformats.org/presentationml/2006/main">
   <p:cSld>
     <p:spTree>
@@ -29671,7 +30034,7 @@
 </p:sld>
 </file>
 
-<file path=ppt/slides/slide73.xml><?xml version="1.0" encoding="utf-8"?>
+<file path=ppt/slides/slide74.xml><?xml version="1.0" encoding="utf-8"?>
 <p:sld xmlns:a="http://schemas.openxmlformats.org/drawingml/2006/main" xmlns:r="http://schemas.openxmlformats.org/officeDocument/2006/relationships" xmlns:p="http://schemas.openxmlformats.org/presentationml/2006/main">
   <p:cSld>
     <p:spTree>
@@ -30121,7 +30484,7 @@
 </p:sld>
 </file>
 
-<file path=ppt/slides/slide74.xml><?xml version="1.0" encoding="utf-8"?>
+<file path=ppt/slides/slide75.xml><?xml version="1.0" encoding="utf-8"?>
 <p:sld xmlns:a="http://schemas.openxmlformats.org/drawingml/2006/main" xmlns:r="http://schemas.openxmlformats.org/officeDocument/2006/relationships" xmlns:p="http://schemas.openxmlformats.org/presentationml/2006/main">
   <p:cSld>
     <p:spTree>
@@ -30325,7 +30688,7 @@
 </p:sld>
 </file>
 
-<file path=ppt/slides/slide75.xml><?xml version="1.0" encoding="utf-8"?>
+<file path=ppt/slides/slide76.xml><?xml version="1.0" encoding="utf-8"?>
 <p:sld xmlns:a="http://schemas.openxmlformats.org/drawingml/2006/main" xmlns:r="http://schemas.openxmlformats.org/officeDocument/2006/relationships" xmlns:p="http://schemas.openxmlformats.org/presentationml/2006/main">
   <p:cSld>
     <p:spTree>
@@ -31169,7 +31532,7 @@
 </p:sld>
 </file>
 
-<file path=ppt/slides/slide76.xml><?xml version="1.0" encoding="utf-8"?>
+<file path=ppt/slides/slide77.xml><?xml version="1.0" encoding="utf-8"?>
 <p:sld xmlns:a="http://schemas.openxmlformats.org/drawingml/2006/main" xmlns:r="http://schemas.openxmlformats.org/officeDocument/2006/relationships" xmlns:p="http://schemas.openxmlformats.org/presentationml/2006/main">
   <p:cSld>
     <p:spTree>
@@ -31489,7 +31852,7 @@
 </p:sld>
 </file>
 
-<file path=ppt/slides/slide77.xml><?xml version="1.0" encoding="utf-8"?>
+<file path=ppt/slides/slide78.xml><?xml version="1.0" encoding="utf-8"?>
 <p:sld xmlns:a="http://schemas.openxmlformats.org/drawingml/2006/main" xmlns:r="http://schemas.openxmlformats.org/officeDocument/2006/relationships" xmlns:p="http://schemas.openxmlformats.org/presentationml/2006/main">
   <p:cSld>
     <p:spTree>
@@ -31670,7 +32033,7 @@
 </p:sld>
 </file>
 
-<file path=ppt/slides/slide78.xml><?xml version="1.0" encoding="utf-8"?>
+<file path=ppt/slides/slide79.xml><?xml version="1.0" encoding="utf-8"?>
 <p:sld xmlns:a="http://schemas.openxmlformats.org/drawingml/2006/main" xmlns:r="http://schemas.openxmlformats.org/officeDocument/2006/relationships" xmlns:p="http://schemas.openxmlformats.org/presentationml/2006/main">
   <p:cSld>
     <p:spTree>
@@ -31790,994 +32153,6 @@
     <p:extLst>
       <p:ext uri="{BB962C8B-B14F-4D97-AF65-F5344CB8AC3E}">
         <p14:creationId xmlns:p14="http://schemas.microsoft.com/office/powerpoint/2010/main" val="1195998045"/>
-      </p:ext>
-    </p:extLst>
-  </p:cSld>
-  <p:clrMapOvr>
-    <a:masterClrMapping/>
-  </p:clrMapOvr>
-</p:sld>
-</file>
-
-<file path=ppt/slides/slide79.xml><?xml version="1.0" encoding="utf-8"?>
-<p:sld xmlns:a="http://schemas.openxmlformats.org/drawingml/2006/main" xmlns:r="http://schemas.openxmlformats.org/officeDocument/2006/relationships" xmlns:p="http://schemas.openxmlformats.org/presentationml/2006/main">
-  <p:cSld>
-    <p:spTree>
-      <p:nvGrpSpPr>
-        <p:cNvPr id="1" name=""/>
-        <p:cNvGrpSpPr/>
-        <p:nvPr/>
-      </p:nvGrpSpPr>
-      <p:grpSpPr>
-        <a:xfrm>
-          <a:off x="0" y="0"/>
-          <a:ext cx="0" cy="0"/>
-          <a:chOff x="0" y="0"/>
-          <a:chExt cx="0" cy="0"/>
-        </a:xfrm>
-      </p:grpSpPr>
-      <p:sp>
-        <p:nvSpPr>
-          <p:cNvPr id="2" name="Title 1"/>
-          <p:cNvSpPr>
-            <a:spLocks noGrp="1"/>
-          </p:cNvSpPr>
-          <p:nvPr>
-            <p:ph type="title"/>
-          </p:nvPr>
-        </p:nvSpPr>
-        <p:spPr/>
-        <p:txBody>
-          <a:bodyPr>
-            <a:normAutofit fontScale="90000"/>
-          </a:bodyPr>
-          <a:lstStyle/>
-          <a:p>
-            <a:r>
-              <a:rPr lang="en-US" dirty="0"/>
-              <a:t>Algorithm for Constructing an  Euler Circuits</a:t>
-            </a:r>
-          </a:p>
-        </p:txBody>
-      </p:sp>
-      <p:sp>
-        <p:nvSpPr>
-          <p:cNvPr id="3" name="Content Placeholder 2"/>
-          <p:cNvSpPr>
-            <a:spLocks noGrp="1"/>
-          </p:cNvSpPr>
-          <p:nvPr>
-            <p:ph idx="1"/>
-          </p:nvPr>
-        </p:nvSpPr>
-        <p:spPr/>
-        <p:txBody>
-          <a:bodyPr/>
-          <a:lstStyle/>
-          <a:p>
-            <a:pPr marL="0" indent="0">
-              <a:buNone/>
-            </a:pPr>
-            <a:r>
-              <a:rPr lang="en-US" dirty="0"/>
-              <a:t>In our proof we developed this algorithms for constructing a Euler circuit in a graph with no vertices of odd degree.</a:t>
-            </a:r>
-          </a:p>
-        </p:txBody>
-      </p:sp>
-      <p:sp>
-        <p:nvSpPr>
-          <p:cNvPr id="4" name="Content Placeholder 2"/>
-          <p:cNvSpPr txBox="1">
-            <a:spLocks/>
-          </p:cNvSpPr>
-          <p:nvPr/>
-        </p:nvSpPr>
-        <p:spPr>
-          <a:xfrm>
-            <a:off x="685800" y="3429000"/>
-            <a:ext cx="8153400" cy="3124199"/>
-          </a:xfrm>
-          <a:prstGeom prst="rect">
-            <a:avLst/>
-          </a:prstGeom>
-          <a:ln>
-            <a:solidFill>
-              <a:schemeClr val="accent1"/>
-            </a:solidFill>
-          </a:ln>
-        </p:spPr>
-        <p:txBody>
-          <a:bodyPr vert="horz">
-            <a:normAutofit fontScale="70000" lnSpcReduction="20000"/>
-          </a:bodyPr>
-          <a:lstStyle/>
-          <a:p>
-            <a:pPr marL="274320" marR="0" lvl="0" indent="-274320" algn="l" defTabSz="914400" rtl="0" eaLnBrk="1" fontAlgn="auto" latinLnBrk="0" hangingPunct="1">
-              <a:lnSpc>
-                <a:spcPct val="100000"/>
-              </a:lnSpc>
-              <a:spcBef>
-                <a:spcPct val="20000"/>
-              </a:spcBef>
-              <a:spcAft>
-                <a:spcPts val="0"/>
-              </a:spcAft>
-              <a:buClr>
-                <a:schemeClr val="accent3"/>
-              </a:buClr>
-              <a:buSzPct val="95000"/>
-              <a:buFont typeface="Wingdings 2"/>
-              <a:buNone/>
-              <a:tabLst/>
-              <a:defRPr/>
-            </a:pPr>
-            <a:r>
-              <a:rPr lang="en-US" sz="2600" b="1" dirty="0"/>
-              <a:t>   procedure</a:t>
-            </a:r>
-            <a:r>
-              <a:rPr kumimoji="0" lang="en-US" sz="2600" b="0" i="0" u="none" strike="noStrike" kern="1200" cap="none" spc="0" normalizeH="0" baseline="0" noProof="0" dirty="0">
-                <a:ln>
-                  <a:noFill/>
-                </a:ln>
-                <a:solidFill>
-                  <a:schemeClr val="tx1"/>
-                </a:solidFill>
-                <a:effectLst/>
-                <a:uLnTx/>
-                <a:uFillTx/>
-                <a:latin typeface="+mn-lt"/>
-                <a:ea typeface="+mn-ea"/>
-                <a:cs typeface="+mn-cs"/>
-              </a:rPr>
-              <a:t> </a:t>
-            </a:r>
-            <a:r>
-              <a:rPr lang="en-US" sz="2600" i="1" dirty="0"/>
-              <a:t>Euler</a:t>
-            </a:r>
-            <a:r>
-              <a:rPr kumimoji="0" lang="en-US" sz="2600" b="0" i="0" u="none" strike="noStrike" kern="1200" cap="none" spc="0" normalizeH="0" baseline="0" noProof="0" dirty="0">
-                <a:ln>
-                  <a:noFill/>
-                </a:ln>
-                <a:solidFill>
-                  <a:schemeClr val="tx1"/>
-                </a:solidFill>
-                <a:effectLst/>
-                <a:uLnTx/>
-                <a:uFillTx/>
-                <a:latin typeface="+mn-lt"/>
-                <a:ea typeface="+mn-ea"/>
-                <a:cs typeface="+mn-cs"/>
-              </a:rPr>
-              <a:t>(</a:t>
-            </a:r>
-            <a:r>
-              <a:rPr lang="en-US" sz="2600" i="1" dirty="0"/>
-              <a:t>G</a:t>
-            </a:r>
-            <a:r>
-              <a:rPr kumimoji="0" lang="en-US" sz="2600" b="0" i="0" u="none" strike="noStrike" kern="1200" cap="none" spc="0" normalizeH="0" baseline="0" noProof="0" dirty="0">
-                <a:ln>
-                  <a:noFill/>
-                </a:ln>
-                <a:solidFill>
-                  <a:schemeClr val="tx1"/>
-                </a:solidFill>
-                <a:effectLst/>
-                <a:uLnTx/>
-                <a:uFillTx/>
-                <a:latin typeface="+mn-lt"/>
-                <a:ea typeface="+mn-ea"/>
-                <a:cs typeface="+mn-cs"/>
-              </a:rPr>
-              <a:t>: connected</a:t>
-            </a:r>
-            <a:r>
-              <a:rPr kumimoji="0" lang="en-US" sz="2600" b="0" i="0" u="none" strike="noStrike" kern="1200" cap="none" spc="0" normalizeH="0" noProof="0" dirty="0">
-                <a:ln>
-                  <a:noFill/>
-                </a:ln>
-                <a:solidFill>
-                  <a:schemeClr val="tx1"/>
-                </a:solidFill>
-                <a:effectLst/>
-                <a:uLnTx/>
-                <a:uFillTx/>
-                <a:latin typeface="+mn-lt"/>
-                <a:ea typeface="+mn-ea"/>
-                <a:cs typeface="+mn-cs"/>
-              </a:rPr>
-              <a:t> </a:t>
-            </a:r>
-            <a:r>
-              <a:rPr kumimoji="0" lang="en-US" sz="2600" b="0" i="0" u="none" strike="noStrike" kern="1200" cap="none" spc="0" normalizeH="0" noProof="0" dirty="0" err="1">
-                <a:ln>
-                  <a:noFill/>
-                </a:ln>
-                <a:solidFill>
-                  <a:schemeClr val="tx1"/>
-                </a:solidFill>
-                <a:effectLst/>
-                <a:uLnTx/>
-                <a:uFillTx/>
-                <a:latin typeface="+mn-lt"/>
-                <a:ea typeface="+mn-ea"/>
-                <a:cs typeface="+mn-cs"/>
-              </a:rPr>
-              <a:t>multigraph</a:t>
-            </a:r>
-            <a:r>
-              <a:rPr kumimoji="0" lang="en-US" sz="2600" b="0" i="0" u="none" strike="noStrike" kern="1200" cap="none" spc="0" normalizeH="0" noProof="0" dirty="0">
-                <a:ln>
-                  <a:noFill/>
-                </a:ln>
-                <a:solidFill>
-                  <a:schemeClr val="tx1"/>
-                </a:solidFill>
-                <a:effectLst/>
-                <a:uLnTx/>
-                <a:uFillTx/>
-                <a:latin typeface="+mn-lt"/>
-                <a:ea typeface="+mn-ea"/>
-                <a:cs typeface="+mn-cs"/>
-              </a:rPr>
-              <a:t> with all vertices of even degree</a:t>
-            </a:r>
-            <a:r>
-              <a:rPr kumimoji="0" lang="en-US" sz="2600" b="0" i="0" u="none" strike="noStrike" kern="1200" cap="none" spc="0" normalizeH="0" baseline="0" noProof="0" dirty="0">
-                <a:ln>
-                  <a:noFill/>
-                </a:ln>
-                <a:solidFill>
-                  <a:schemeClr val="tx1"/>
-                </a:solidFill>
-                <a:effectLst/>
-                <a:uLnTx/>
-                <a:uFillTx/>
-                <a:latin typeface="+mn-lt"/>
-                <a:ea typeface="+mn-ea"/>
-                <a:cs typeface="+mn-cs"/>
-              </a:rPr>
-              <a:t>)</a:t>
-            </a:r>
-          </a:p>
-          <a:p>
-            <a:pPr marL="274320" marR="0" lvl="0" indent="-274320" algn="l" defTabSz="914400" rtl="0" eaLnBrk="1" fontAlgn="auto" latinLnBrk="0" hangingPunct="1">
-              <a:lnSpc>
-                <a:spcPct val="100000"/>
-              </a:lnSpc>
-              <a:spcBef>
-                <a:spcPct val="20000"/>
-              </a:spcBef>
-              <a:spcAft>
-                <a:spcPts val="0"/>
-              </a:spcAft>
-              <a:buClr>
-                <a:schemeClr val="accent3"/>
-              </a:buClr>
-              <a:buSzPct val="95000"/>
-              <a:buFont typeface="Wingdings 2"/>
-              <a:buNone/>
-              <a:tabLst/>
-              <a:defRPr/>
-            </a:pPr>
-            <a:r>
-              <a:rPr kumimoji="0" lang="en-US" sz="2600" b="0" i="1" u="none" strike="noStrike" kern="1200" cap="none" spc="0" normalizeH="0" baseline="0" noProof="0" dirty="0">
-                <a:ln>
-                  <a:noFill/>
-                </a:ln>
-                <a:solidFill>
-                  <a:schemeClr val="tx1"/>
-                </a:solidFill>
-                <a:effectLst/>
-                <a:uLnTx/>
-                <a:uFillTx/>
-                <a:latin typeface="+mn-lt"/>
-                <a:ea typeface="+mn-ea"/>
-                <a:cs typeface="+mn-cs"/>
-              </a:rPr>
-              <a:t>   </a:t>
-            </a:r>
-            <a:r>
-              <a:rPr lang="en-US" sz="2600" i="1" dirty="0"/>
-              <a:t>circuit</a:t>
-            </a:r>
-            <a:r>
-              <a:rPr kumimoji="0" lang="en-US" sz="2600" b="0" i="0" u="none" strike="noStrike" kern="1200" cap="none" spc="0" normalizeH="0" baseline="0" noProof="0" dirty="0">
-                <a:ln>
-                  <a:noFill/>
-                </a:ln>
-                <a:solidFill>
-                  <a:schemeClr val="tx1"/>
-                </a:solidFill>
-                <a:effectLst/>
-                <a:uLnTx/>
-                <a:uFillTx/>
-                <a:latin typeface="+mn-lt"/>
-                <a:ea typeface="+mn-ea"/>
-                <a:cs typeface="+mn-cs"/>
-              </a:rPr>
-              <a:t> := </a:t>
-            </a:r>
-            <a:r>
-              <a:rPr lang="en-US" sz="2600" dirty="0">
-                <a:ea typeface="Cambria Math" pitchFamily="18" charset="0"/>
-              </a:rPr>
-              <a:t>a circuit in </a:t>
-            </a:r>
-            <a:r>
-              <a:rPr lang="en-US" sz="2600" i="1" dirty="0">
-                <a:ea typeface="Cambria Math" pitchFamily="18" charset="0"/>
-              </a:rPr>
-              <a:t>G </a:t>
-            </a:r>
-            <a:r>
-              <a:rPr lang="en-US" sz="2600" dirty="0">
-                <a:ea typeface="Cambria Math" pitchFamily="18" charset="0"/>
-              </a:rPr>
-              <a:t>beginning at an arbitrarily chosen vertex with edges </a:t>
-            </a:r>
-          </a:p>
-          <a:p>
-            <a:pPr marL="274320" marR="0" lvl="0" indent="-274320" algn="l" defTabSz="914400" rtl="0" eaLnBrk="1" fontAlgn="auto" latinLnBrk="0" hangingPunct="1">
-              <a:lnSpc>
-                <a:spcPct val="100000"/>
-              </a:lnSpc>
-              <a:spcBef>
-                <a:spcPct val="20000"/>
-              </a:spcBef>
-              <a:spcAft>
-                <a:spcPts val="0"/>
-              </a:spcAft>
-              <a:buClr>
-                <a:schemeClr val="accent3"/>
-              </a:buClr>
-              <a:buSzPct val="95000"/>
-              <a:buFont typeface="Wingdings 2"/>
-              <a:buNone/>
-              <a:tabLst/>
-              <a:defRPr/>
-            </a:pPr>
-            <a:r>
-              <a:rPr lang="en-US" sz="2600" dirty="0">
-                <a:ea typeface="Cambria Math" pitchFamily="18" charset="0"/>
-              </a:rPr>
-              <a:t>                   successively  </a:t>
-            </a:r>
-            <a:r>
-              <a:rPr kumimoji="0" lang="en-US" sz="2600" b="0" i="0" u="none" strike="noStrike" kern="1200" cap="none" spc="0" normalizeH="0" noProof="0" dirty="0">
-                <a:ln>
-                  <a:noFill/>
-                </a:ln>
-                <a:solidFill>
-                  <a:schemeClr val="tx1"/>
-                </a:solidFill>
-                <a:effectLst/>
-                <a:uLnTx/>
-                <a:uFillTx/>
-                <a:latin typeface="+mn-lt"/>
-                <a:ea typeface="Cambria Math" pitchFamily="18" charset="0"/>
-                <a:cs typeface="+mn-cs"/>
-              </a:rPr>
-              <a:t>added to form a path that returns to this vertex. </a:t>
-            </a:r>
-            <a:endParaRPr kumimoji="0" lang="en-US" sz="2600" b="0" i="0" u="none" strike="noStrike" kern="1200" cap="none" spc="0" normalizeH="0" baseline="0" noProof="0" dirty="0">
-              <a:ln>
-                <a:noFill/>
-              </a:ln>
-              <a:solidFill>
-                <a:schemeClr val="tx1"/>
-              </a:solidFill>
-              <a:effectLst/>
-              <a:uLnTx/>
-              <a:uFillTx/>
-              <a:latin typeface="+mn-lt"/>
-              <a:ea typeface="+mn-ea"/>
-              <a:cs typeface="+mn-cs"/>
-            </a:endParaRPr>
-          </a:p>
-          <a:p>
-            <a:pPr marL="274320" marR="0" lvl="0" indent="-274320" algn="l" defTabSz="914400" rtl="0" eaLnBrk="1" fontAlgn="auto" latinLnBrk="0" hangingPunct="1">
-              <a:lnSpc>
-                <a:spcPct val="100000"/>
-              </a:lnSpc>
-              <a:spcBef>
-                <a:spcPct val="20000"/>
-              </a:spcBef>
-              <a:spcAft>
-                <a:spcPts val="0"/>
-              </a:spcAft>
-              <a:buClr>
-                <a:schemeClr val="accent3"/>
-              </a:buClr>
-              <a:buSzPct val="95000"/>
-              <a:buFont typeface="Wingdings 2"/>
-              <a:buNone/>
-              <a:tabLst/>
-              <a:defRPr/>
-            </a:pPr>
-            <a:r>
-              <a:rPr kumimoji="0" lang="en-US" sz="2600" b="0" i="1" u="none" strike="noStrike" kern="1200" cap="none" spc="0" normalizeH="0" baseline="0" noProof="0" dirty="0">
-                <a:ln>
-                  <a:noFill/>
-                </a:ln>
-                <a:solidFill>
-                  <a:schemeClr val="tx1"/>
-                </a:solidFill>
-                <a:effectLst/>
-                <a:uLnTx/>
-                <a:uFillTx/>
-                <a:latin typeface="+mn-lt"/>
-                <a:ea typeface="+mn-ea"/>
-                <a:cs typeface="+mn-cs"/>
-              </a:rPr>
-              <a:t>    H</a:t>
-            </a:r>
-            <a:r>
-              <a:rPr kumimoji="0" lang="en-US" sz="2600" b="0" i="0" u="none" strike="noStrike" kern="1200" cap="none" spc="0" normalizeH="0" baseline="0" noProof="0" dirty="0">
-                <a:ln>
-                  <a:noFill/>
-                </a:ln>
-                <a:solidFill>
-                  <a:schemeClr val="tx1"/>
-                </a:solidFill>
-                <a:effectLst/>
-                <a:uLnTx/>
-                <a:uFillTx/>
-                <a:latin typeface="+mn-lt"/>
-                <a:ea typeface="+mn-ea"/>
-                <a:cs typeface="+mn-cs"/>
-              </a:rPr>
-              <a:t> := </a:t>
-            </a:r>
-            <a:r>
-              <a:rPr lang="en-US" sz="2600" i="1" dirty="0"/>
-              <a:t>G</a:t>
-            </a:r>
-            <a:r>
-              <a:rPr lang="en-US" sz="2600" dirty="0"/>
-              <a:t> with the edges of this circuit removed</a:t>
-            </a:r>
-            <a:r>
-              <a:rPr kumimoji="0" lang="en-US" sz="2600" b="0" u="none" strike="noStrike" kern="1200" cap="none" spc="0" normalizeH="0" baseline="0" noProof="0" dirty="0">
-                <a:ln>
-                  <a:noFill/>
-                </a:ln>
-                <a:solidFill>
-                  <a:schemeClr val="tx1"/>
-                </a:solidFill>
-                <a:effectLst/>
-                <a:uLnTx/>
-                <a:uFillTx/>
-              </a:rPr>
-              <a:t> </a:t>
-            </a:r>
-          </a:p>
-          <a:p>
-            <a:pPr marL="274320" marR="0" lvl="0" indent="-274320" algn="l" defTabSz="914400" rtl="0" eaLnBrk="1" fontAlgn="auto" latinLnBrk="0" hangingPunct="1">
-              <a:lnSpc>
-                <a:spcPct val="100000"/>
-              </a:lnSpc>
-              <a:spcBef>
-                <a:spcPct val="20000"/>
-              </a:spcBef>
-              <a:spcAft>
-                <a:spcPts val="0"/>
-              </a:spcAft>
-              <a:buClr>
-                <a:schemeClr val="accent3"/>
-              </a:buClr>
-              <a:buSzPct val="95000"/>
-              <a:buFont typeface="Wingdings 2"/>
-              <a:buNone/>
-              <a:tabLst/>
-              <a:defRPr/>
-            </a:pPr>
-            <a:r>
-              <a:rPr kumimoji="0" lang="en-US" sz="2600" b="0" i="0" u="none" strike="noStrike" kern="1200" cap="none" spc="0" normalizeH="0" baseline="0" noProof="0" dirty="0">
-                <a:ln>
-                  <a:noFill/>
-                </a:ln>
-                <a:solidFill>
-                  <a:schemeClr val="tx1"/>
-                </a:solidFill>
-                <a:effectLst/>
-                <a:uLnTx/>
-                <a:uFillTx/>
-                <a:latin typeface="+mn-lt"/>
-                <a:ea typeface="+mn-ea"/>
-                <a:cs typeface="+mn-cs"/>
-              </a:rPr>
-              <a:t>    </a:t>
-            </a:r>
-            <a:r>
-              <a:rPr lang="en-US" sz="2600" b="1" dirty="0"/>
-              <a:t>while</a:t>
-            </a:r>
-            <a:r>
-              <a:rPr kumimoji="0" lang="en-US" sz="2600" b="0" i="0" u="none" strike="noStrike" kern="1200" cap="none" spc="0" normalizeH="0" baseline="0" noProof="0" dirty="0">
-                <a:ln>
-                  <a:noFill/>
-                </a:ln>
-                <a:solidFill>
-                  <a:schemeClr val="tx1"/>
-                </a:solidFill>
-                <a:effectLst/>
-                <a:uLnTx/>
-                <a:uFillTx/>
-                <a:latin typeface="+mn-lt"/>
-                <a:ea typeface="+mn-ea"/>
-                <a:cs typeface="+mn-cs"/>
-              </a:rPr>
-              <a:t> </a:t>
-            </a:r>
-            <a:r>
-              <a:rPr lang="en-US" sz="2600" i="1" dirty="0"/>
-              <a:t>H </a:t>
-            </a:r>
-            <a:r>
-              <a:rPr kumimoji="0" lang="en-US" sz="2600" b="0" i="0" u="none" strike="noStrike" kern="1200" cap="none" spc="0" normalizeH="0" baseline="0" noProof="0" dirty="0">
-                <a:ln>
-                  <a:noFill/>
-                </a:ln>
-                <a:solidFill>
-                  <a:schemeClr val="tx1"/>
-                </a:solidFill>
-                <a:effectLst/>
-                <a:uLnTx/>
-                <a:uFillTx/>
-                <a:latin typeface="+mn-lt"/>
-                <a:ea typeface="+mn-ea"/>
-                <a:cs typeface="+mn-cs"/>
-              </a:rPr>
-              <a:t> has edges</a:t>
-            </a:r>
-            <a:endParaRPr lang="en-US" sz="2600" b="1" dirty="0"/>
-          </a:p>
-          <a:p>
-            <a:pPr marL="274320" marR="0" lvl="0" indent="-274320" algn="l" defTabSz="914400" rtl="0" eaLnBrk="1" fontAlgn="auto" latinLnBrk="0" hangingPunct="1">
-              <a:lnSpc>
-                <a:spcPct val="100000"/>
-              </a:lnSpc>
-              <a:spcBef>
-                <a:spcPct val="20000"/>
-              </a:spcBef>
-              <a:spcAft>
-                <a:spcPts val="0"/>
-              </a:spcAft>
-              <a:buClr>
-                <a:schemeClr val="accent3"/>
-              </a:buClr>
-              <a:buSzPct val="95000"/>
-              <a:buFont typeface="Wingdings 2"/>
-              <a:buNone/>
-              <a:tabLst/>
-              <a:defRPr/>
-            </a:pPr>
-            <a:r>
-              <a:rPr lang="en-US" sz="2600" b="1" i="1" dirty="0"/>
-              <a:t>         </a:t>
-            </a:r>
-            <a:r>
-              <a:rPr lang="en-US" sz="2600" i="1" dirty="0" err="1"/>
-              <a:t>subciruit</a:t>
-            </a:r>
-            <a:r>
-              <a:rPr lang="en-US" sz="2600" i="1" dirty="0"/>
-              <a:t> </a:t>
-            </a:r>
-            <a:r>
-              <a:rPr kumimoji="0" lang="en-US" sz="2600" b="0" i="0" u="none" strike="noStrike" kern="1200" cap="none" spc="0" normalizeH="0" baseline="0" noProof="0" dirty="0">
-                <a:ln>
-                  <a:noFill/>
-                </a:ln>
-                <a:solidFill>
-                  <a:schemeClr val="tx1"/>
-                </a:solidFill>
-                <a:effectLst/>
-                <a:uLnTx/>
-                <a:uFillTx/>
-                <a:latin typeface="+mn-lt"/>
-                <a:ea typeface="+mn-ea"/>
-                <a:cs typeface="+mn-cs"/>
-              </a:rPr>
-              <a:t> := a</a:t>
-            </a:r>
-            <a:r>
-              <a:rPr kumimoji="0" lang="en-US" sz="2600" b="0" i="0" u="none" strike="noStrike" kern="1200" cap="none" spc="0" normalizeH="0" noProof="0" dirty="0">
-                <a:ln>
-                  <a:noFill/>
-                </a:ln>
-                <a:solidFill>
-                  <a:schemeClr val="tx1"/>
-                </a:solidFill>
-                <a:effectLst/>
-                <a:uLnTx/>
-                <a:uFillTx/>
-                <a:latin typeface="+mn-lt"/>
-                <a:ea typeface="+mn-ea"/>
-                <a:cs typeface="+mn-cs"/>
-              </a:rPr>
-              <a:t> circuit in </a:t>
-            </a:r>
-            <a:r>
-              <a:rPr kumimoji="0" lang="en-US" sz="2600" b="0" i="1" u="none" strike="noStrike" kern="1200" cap="none" spc="0" normalizeH="0" noProof="0" dirty="0">
-                <a:ln>
-                  <a:noFill/>
-                </a:ln>
-                <a:solidFill>
-                  <a:schemeClr val="tx1"/>
-                </a:solidFill>
-                <a:effectLst/>
-                <a:uLnTx/>
-                <a:uFillTx/>
-                <a:latin typeface="+mn-lt"/>
-                <a:ea typeface="+mn-ea"/>
-                <a:cs typeface="+mn-cs"/>
-              </a:rPr>
-              <a:t>H</a:t>
-            </a:r>
-            <a:r>
-              <a:rPr kumimoji="0" lang="en-US" sz="2600" b="0" i="0" u="none" strike="noStrike" kern="1200" cap="none" spc="0" normalizeH="0" noProof="0" dirty="0">
-                <a:ln>
-                  <a:noFill/>
-                </a:ln>
-                <a:solidFill>
-                  <a:schemeClr val="tx1"/>
-                </a:solidFill>
-                <a:effectLst/>
-                <a:uLnTx/>
-                <a:uFillTx/>
-                <a:latin typeface="+mn-lt"/>
-                <a:ea typeface="+mn-ea"/>
-                <a:cs typeface="+mn-cs"/>
-              </a:rPr>
-              <a:t> beginning at a vertex in </a:t>
-            </a:r>
-            <a:r>
-              <a:rPr kumimoji="0" lang="en-US" sz="2600" b="0" i="1" u="none" strike="noStrike" kern="1200" cap="none" spc="0" normalizeH="0" noProof="0" dirty="0">
-                <a:ln>
-                  <a:noFill/>
-                </a:ln>
-                <a:solidFill>
-                  <a:schemeClr val="tx1"/>
-                </a:solidFill>
-                <a:effectLst/>
-                <a:uLnTx/>
-                <a:uFillTx/>
-                <a:latin typeface="+mn-lt"/>
-                <a:ea typeface="+mn-ea"/>
-                <a:cs typeface="+mn-cs"/>
-              </a:rPr>
-              <a:t>H</a:t>
-            </a:r>
-            <a:r>
-              <a:rPr kumimoji="0" lang="en-US" sz="2600" b="0" i="0" u="none" strike="noStrike" kern="1200" cap="none" spc="0" normalizeH="0" noProof="0" dirty="0">
-                <a:ln>
-                  <a:noFill/>
-                </a:ln>
-                <a:solidFill>
-                  <a:schemeClr val="tx1"/>
-                </a:solidFill>
-                <a:effectLst/>
-                <a:uLnTx/>
-                <a:uFillTx/>
-                <a:latin typeface="+mn-lt"/>
-                <a:ea typeface="+mn-ea"/>
-                <a:cs typeface="+mn-cs"/>
-              </a:rPr>
-              <a:t> that also is </a:t>
-            </a:r>
-          </a:p>
-          <a:p>
-            <a:pPr marL="274320" marR="0" lvl="0" indent="-274320" algn="l" defTabSz="914400" rtl="0" eaLnBrk="1" fontAlgn="auto" latinLnBrk="0" hangingPunct="1">
-              <a:lnSpc>
-                <a:spcPct val="100000"/>
-              </a:lnSpc>
-              <a:spcBef>
-                <a:spcPct val="20000"/>
-              </a:spcBef>
-              <a:spcAft>
-                <a:spcPts val="0"/>
-              </a:spcAft>
-              <a:buClr>
-                <a:schemeClr val="accent3"/>
-              </a:buClr>
-              <a:buSzPct val="95000"/>
-              <a:buFont typeface="Wingdings 2"/>
-              <a:buNone/>
-              <a:tabLst/>
-              <a:defRPr/>
-            </a:pPr>
-            <a:r>
-              <a:rPr lang="en-US" sz="2600" dirty="0"/>
-              <a:t>                             </a:t>
-            </a:r>
-            <a:r>
-              <a:rPr kumimoji="0" lang="en-US" sz="2600" b="0" i="0" u="none" strike="noStrike" kern="1200" cap="none" spc="0" normalizeH="0" noProof="0" dirty="0">
-                <a:ln>
-                  <a:noFill/>
-                </a:ln>
-                <a:solidFill>
-                  <a:schemeClr val="tx1"/>
-                </a:solidFill>
-                <a:effectLst/>
-                <a:uLnTx/>
-                <a:uFillTx/>
-                <a:latin typeface="+mn-lt"/>
-                <a:ea typeface="+mn-ea"/>
-                <a:cs typeface="+mn-cs"/>
-              </a:rPr>
-              <a:t>an endpoint of an edge in circuit. </a:t>
-            </a:r>
-          </a:p>
-          <a:p>
-            <a:pPr marL="274320" marR="0" lvl="0" indent="-274320" algn="l" defTabSz="914400" rtl="0" eaLnBrk="1" fontAlgn="auto" latinLnBrk="0" hangingPunct="1">
-              <a:lnSpc>
-                <a:spcPct val="100000"/>
-              </a:lnSpc>
-              <a:spcBef>
-                <a:spcPct val="20000"/>
-              </a:spcBef>
-              <a:spcAft>
-                <a:spcPts val="0"/>
-              </a:spcAft>
-              <a:buClr>
-                <a:schemeClr val="accent3"/>
-              </a:buClr>
-              <a:buSzPct val="95000"/>
-              <a:buFont typeface="Wingdings 2"/>
-              <a:buNone/>
-              <a:tabLst/>
-              <a:defRPr/>
-            </a:pPr>
-            <a:r>
-              <a:rPr lang="en-US" sz="2600" dirty="0"/>
-              <a:t>        </a:t>
-            </a:r>
-            <a:r>
-              <a:rPr lang="en-US" sz="2600" i="1" dirty="0"/>
-              <a:t>H</a:t>
-            </a:r>
-            <a:r>
-              <a:rPr lang="en-US" sz="2600" dirty="0"/>
-              <a:t> := </a:t>
-            </a:r>
-            <a:r>
-              <a:rPr lang="en-US" sz="2600" i="1" dirty="0"/>
-              <a:t>H</a:t>
-            </a:r>
-            <a:r>
-              <a:rPr lang="en-US" sz="2600" dirty="0"/>
-              <a:t> with edges of </a:t>
-            </a:r>
-            <a:r>
-              <a:rPr lang="en-US" sz="2600" i="1" dirty="0" err="1"/>
-              <a:t>subciruit</a:t>
-            </a:r>
-            <a:r>
-              <a:rPr lang="en-US" sz="2600" dirty="0"/>
-              <a:t> and all isolated vertices removed</a:t>
-            </a:r>
-            <a:endParaRPr kumimoji="0" lang="en-US" sz="2600" b="0" i="0" u="none" strike="noStrike" kern="1200" cap="none" spc="0" normalizeH="0" noProof="0" dirty="0">
-              <a:ln>
-                <a:noFill/>
-              </a:ln>
-              <a:solidFill>
-                <a:schemeClr val="tx1"/>
-              </a:solidFill>
-              <a:effectLst/>
-              <a:uLnTx/>
-              <a:uFillTx/>
-              <a:latin typeface="+mn-lt"/>
-              <a:ea typeface="+mn-ea"/>
-              <a:cs typeface="+mn-cs"/>
-            </a:endParaRPr>
-          </a:p>
-          <a:p>
-            <a:pPr marL="274320" marR="0" lvl="0" indent="-274320" algn="l" defTabSz="914400" rtl="0" eaLnBrk="1" fontAlgn="auto" latinLnBrk="0" hangingPunct="1">
-              <a:lnSpc>
-                <a:spcPct val="100000"/>
-              </a:lnSpc>
-              <a:spcBef>
-                <a:spcPct val="20000"/>
-              </a:spcBef>
-              <a:spcAft>
-                <a:spcPts val="0"/>
-              </a:spcAft>
-              <a:buClr>
-                <a:schemeClr val="accent3"/>
-              </a:buClr>
-              <a:buSzPct val="95000"/>
-              <a:buFont typeface="Wingdings 2"/>
-              <a:buNone/>
-              <a:tabLst/>
-              <a:defRPr/>
-            </a:pPr>
-            <a:r>
-              <a:rPr lang="en-US" sz="2600" dirty="0"/>
-              <a:t>        </a:t>
-            </a:r>
-            <a:r>
-              <a:rPr lang="en-US" sz="2600" i="1" dirty="0"/>
-              <a:t>circuit </a:t>
-            </a:r>
-            <a:r>
-              <a:rPr lang="en-US" sz="2600" dirty="0"/>
-              <a:t>:= </a:t>
-            </a:r>
-            <a:r>
-              <a:rPr lang="en-US" sz="2600" i="1" dirty="0"/>
-              <a:t>circuit</a:t>
-            </a:r>
-            <a:r>
-              <a:rPr lang="en-US" sz="2600" dirty="0"/>
-              <a:t> with </a:t>
-            </a:r>
-            <a:r>
-              <a:rPr lang="en-US" sz="2600" dirty="0" err="1"/>
-              <a:t>s</a:t>
-            </a:r>
-            <a:r>
-              <a:rPr lang="en-US" sz="2600" i="1" dirty="0" err="1"/>
-              <a:t>ubcircuit</a:t>
-            </a:r>
-            <a:r>
-              <a:rPr lang="en-US" sz="2600" dirty="0"/>
-              <a:t> inserted at the appropriate vertex. </a:t>
-            </a:r>
-            <a:endParaRPr kumimoji="0" lang="en-US" sz="2600" b="0" i="0" u="none" strike="noStrike" kern="1200" cap="none" spc="0" normalizeH="0" noProof="0" dirty="0">
-              <a:ln>
-                <a:noFill/>
-              </a:ln>
-              <a:solidFill>
-                <a:schemeClr val="tx1"/>
-              </a:solidFill>
-              <a:effectLst/>
-              <a:uLnTx/>
-              <a:uFillTx/>
-              <a:latin typeface="+mn-lt"/>
-              <a:ea typeface="+mn-ea"/>
-              <a:cs typeface="+mn-cs"/>
-            </a:endParaRPr>
-          </a:p>
-          <a:p>
-            <a:pPr marL="274320" marR="0" lvl="0" indent="-274320" algn="l" defTabSz="914400" rtl="0" eaLnBrk="1" fontAlgn="auto" latinLnBrk="0" hangingPunct="1">
-              <a:lnSpc>
-                <a:spcPct val="100000"/>
-              </a:lnSpc>
-              <a:spcBef>
-                <a:spcPct val="20000"/>
-              </a:spcBef>
-              <a:spcAft>
-                <a:spcPts val="0"/>
-              </a:spcAft>
-              <a:buClr>
-                <a:schemeClr val="accent3"/>
-              </a:buClr>
-              <a:buSzPct val="95000"/>
-              <a:buFont typeface="Wingdings 2"/>
-              <a:buNone/>
-              <a:tabLst/>
-              <a:defRPr/>
-            </a:pPr>
-            <a:r>
-              <a:rPr kumimoji="0" lang="en-US" sz="2600" b="1" i="0" u="none" strike="noStrike" kern="1200" cap="none" spc="0" normalizeH="0" baseline="0" noProof="0" dirty="0">
-                <a:ln>
-                  <a:noFill/>
-                </a:ln>
-                <a:solidFill>
-                  <a:schemeClr val="tx1"/>
-                </a:solidFill>
-                <a:effectLst/>
-                <a:uLnTx/>
-                <a:uFillTx/>
-                <a:latin typeface="+mn-lt"/>
-                <a:ea typeface="+mn-ea"/>
-                <a:cs typeface="+mn-cs"/>
-              </a:rPr>
-              <a:t>return</a:t>
-            </a:r>
-            <a:r>
-              <a:rPr kumimoji="0" lang="en-US" sz="2600" b="0" i="0" u="none" strike="noStrike" kern="1200" cap="none" spc="0" normalizeH="0" baseline="0" noProof="0" dirty="0">
-                <a:ln>
-                  <a:noFill/>
-                </a:ln>
-                <a:solidFill>
-                  <a:schemeClr val="tx1"/>
-                </a:solidFill>
-                <a:effectLst/>
-                <a:uLnTx/>
-                <a:uFillTx/>
-                <a:latin typeface="+mn-lt"/>
-                <a:ea typeface="+mn-ea"/>
-                <a:cs typeface="+mn-cs"/>
-              </a:rPr>
-              <a:t> </a:t>
-            </a:r>
-            <a:r>
-              <a:rPr lang="en-US" sz="2600" i="1" dirty="0"/>
-              <a:t>circuit</a:t>
-            </a:r>
-            <a:r>
-              <a:rPr kumimoji="0" lang="en-US" sz="2600" b="0" u="none" strike="noStrike" kern="1200" cap="none" spc="0" normalizeH="0" baseline="0" noProof="0" dirty="0">
-                <a:ln>
-                  <a:noFill/>
-                </a:ln>
-                <a:solidFill>
-                  <a:schemeClr val="tx1"/>
-                </a:solidFill>
-                <a:effectLst/>
-                <a:uLnTx/>
-                <a:uFillTx/>
-                <a:latin typeface="+mn-lt"/>
-                <a:ea typeface="+mn-ea"/>
-                <a:cs typeface="+mn-cs"/>
-              </a:rPr>
-              <a:t>{</a:t>
-            </a:r>
-            <a:r>
-              <a:rPr kumimoji="0" lang="en-US" sz="2600" b="0" i="1" u="none" strike="noStrike" kern="1200" cap="none" spc="0" normalizeH="0" baseline="0" noProof="0" dirty="0">
-                <a:ln>
-                  <a:noFill/>
-                </a:ln>
-                <a:solidFill>
-                  <a:schemeClr val="tx1"/>
-                </a:solidFill>
-                <a:effectLst/>
-                <a:uLnTx/>
-                <a:uFillTx/>
-                <a:latin typeface="+mn-lt"/>
-                <a:ea typeface="+mn-ea"/>
-                <a:cs typeface="+mn-cs"/>
-              </a:rPr>
-              <a:t>circuit</a:t>
-            </a:r>
-            <a:r>
-              <a:rPr kumimoji="0" lang="en-US" sz="2600" b="0" u="none" strike="noStrike" kern="1200" cap="none" spc="0" normalizeH="0" noProof="0" dirty="0">
-                <a:ln>
-                  <a:noFill/>
-                </a:ln>
-                <a:solidFill>
-                  <a:schemeClr val="tx1"/>
-                </a:solidFill>
-                <a:effectLst/>
-                <a:uLnTx/>
-                <a:uFillTx/>
-                <a:latin typeface="+mn-lt"/>
-                <a:ea typeface="+mn-ea"/>
-                <a:cs typeface="+mn-cs"/>
-              </a:rPr>
-              <a:t> is an Euler circuit</a:t>
-            </a:r>
-            <a:r>
-              <a:rPr lang="en-US" sz="2600" dirty="0"/>
-              <a:t>} </a:t>
-            </a:r>
-            <a:endParaRPr kumimoji="0" lang="en-US" sz="2600" b="0" i="1" u="none" strike="noStrike" kern="1200" cap="none" spc="0" normalizeH="0" baseline="0" noProof="0" dirty="0">
-              <a:ln>
-                <a:noFill/>
-              </a:ln>
-              <a:solidFill>
-                <a:schemeClr val="tx1"/>
-              </a:solidFill>
-              <a:effectLst/>
-              <a:uLnTx/>
-              <a:uFillTx/>
-              <a:latin typeface="+mn-lt"/>
-              <a:ea typeface="+mn-ea"/>
-              <a:cs typeface="+mn-cs"/>
-            </a:endParaRPr>
-          </a:p>
-        </p:txBody>
-      </p:sp>
-    </p:spTree>
-    <p:extLst>
-      <p:ext uri="{BB962C8B-B14F-4D97-AF65-F5344CB8AC3E}">
-        <p14:creationId xmlns:p14="http://schemas.microsoft.com/office/powerpoint/2010/main" val="2634232422"/>
       </p:ext>
     </p:extLst>
   </p:cSld>
@@ -33100,6 +32475,994 @@
         <p:spPr/>
         <p:txBody>
           <a:bodyPr>
+            <a:normAutofit fontScale="90000"/>
+          </a:bodyPr>
+          <a:lstStyle/>
+          <a:p>
+            <a:r>
+              <a:rPr lang="en-US" dirty="0"/>
+              <a:t>Algorithm for Constructing an  Euler Circuits</a:t>
+            </a:r>
+          </a:p>
+        </p:txBody>
+      </p:sp>
+      <p:sp>
+        <p:nvSpPr>
+          <p:cNvPr id="3" name="Content Placeholder 2"/>
+          <p:cNvSpPr>
+            <a:spLocks noGrp="1"/>
+          </p:cNvSpPr>
+          <p:nvPr>
+            <p:ph idx="1"/>
+          </p:nvPr>
+        </p:nvSpPr>
+        <p:spPr/>
+        <p:txBody>
+          <a:bodyPr/>
+          <a:lstStyle/>
+          <a:p>
+            <a:pPr marL="0" indent="0">
+              <a:buNone/>
+            </a:pPr>
+            <a:r>
+              <a:rPr lang="en-US" dirty="0"/>
+              <a:t>In our proof we developed this algorithms for constructing a Euler circuit in a graph with no vertices of odd degree.</a:t>
+            </a:r>
+          </a:p>
+        </p:txBody>
+      </p:sp>
+      <p:sp>
+        <p:nvSpPr>
+          <p:cNvPr id="4" name="Content Placeholder 2"/>
+          <p:cNvSpPr txBox="1">
+            <a:spLocks/>
+          </p:cNvSpPr>
+          <p:nvPr/>
+        </p:nvSpPr>
+        <p:spPr>
+          <a:xfrm>
+            <a:off x="685800" y="3429000"/>
+            <a:ext cx="8153400" cy="3124199"/>
+          </a:xfrm>
+          <a:prstGeom prst="rect">
+            <a:avLst/>
+          </a:prstGeom>
+          <a:ln>
+            <a:solidFill>
+              <a:schemeClr val="accent1"/>
+            </a:solidFill>
+          </a:ln>
+        </p:spPr>
+        <p:txBody>
+          <a:bodyPr vert="horz">
+            <a:normAutofit fontScale="70000" lnSpcReduction="20000"/>
+          </a:bodyPr>
+          <a:lstStyle/>
+          <a:p>
+            <a:pPr marL="274320" marR="0" lvl="0" indent="-274320" algn="l" defTabSz="914400" rtl="0" eaLnBrk="1" fontAlgn="auto" latinLnBrk="0" hangingPunct="1">
+              <a:lnSpc>
+                <a:spcPct val="100000"/>
+              </a:lnSpc>
+              <a:spcBef>
+                <a:spcPct val="20000"/>
+              </a:spcBef>
+              <a:spcAft>
+                <a:spcPts val="0"/>
+              </a:spcAft>
+              <a:buClr>
+                <a:schemeClr val="accent3"/>
+              </a:buClr>
+              <a:buSzPct val="95000"/>
+              <a:buFont typeface="Wingdings 2"/>
+              <a:buNone/>
+              <a:tabLst/>
+              <a:defRPr/>
+            </a:pPr>
+            <a:r>
+              <a:rPr lang="en-US" sz="2600" b="1" dirty="0"/>
+              <a:t>   procedure</a:t>
+            </a:r>
+            <a:r>
+              <a:rPr kumimoji="0" lang="en-US" sz="2600" b="0" i="0" u="none" strike="noStrike" kern="1200" cap="none" spc="0" normalizeH="0" baseline="0" noProof="0" dirty="0">
+                <a:ln>
+                  <a:noFill/>
+                </a:ln>
+                <a:solidFill>
+                  <a:schemeClr val="tx1"/>
+                </a:solidFill>
+                <a:effectLst/>
+                <a:uLnTx/>
+                <a:uFillTx/>
+                <a:latin typeface="+mn-lt"/>
+                <a:ea typeface="+mn-ea"/>
+                <a:cs typeface="+mn-cs"/>
+              </a:rPr>
+              <a:t> </a:t>
+            </a:r>
+            <a:r>
+              <a:rPr lang="en-US" sz="2600" i="1" dirty="0"/>
+              <a:t>Euler</a:t>
+            </a:r>
+            <a:r>
+              <a:rPr kumimoji="0" lang="en-US" sz="2600" b="0" i="0" u="none" strike="noStrike" kern="1200" cap="none" spc="0" normalizeH="0" baseline="0" noProof="0" dirty="0">
+                <a:ln>
+                  <a:noFill/>
+                </a:ln>
+                <a:solidFill>
+                  <a:schemeClr val="tx1"/>
+                </a:solidFill>
+                <a:effectLst/>
+                <a:uLnTx/>
+                <a:uFillTx/>
+                <a:latin typeface="+mn-lt"/>
+                <a:ea typeface="+mn-ea"/>
+                <a:cs typeface="+mn-cs"/>
+              </a:rPr>
+              <a:t>(</a:t>
+            </a:r>
+            <a:r>
+              <a:rPr lang="en-US" sz="2600" i="1" dirty="0"/>
+              <a:t>G</a:t>
+            </a:r>
+            <a:r>
+              <a:rPr kumimoji="0" lang="en-US" sz="2600" b="0" i="0" u="none" strike="noStrike" kern="1200" cap="none" spc="0" normalizeH="0" baseline="0" noProof="0" dirty="0">
+                <a:ln>
+                  <a:noFill/>
+                </a:ln>
+                <a:solidFill>
+                  <a:schemeClr val="tx1"/>
+                </a:solidFill>
+                <a:effectLst/>
+                <a:uLnTx/>
+                <a:uFillTx/>
+                <a:latin typeface="+mn-lt"/>
+                <a:ea typeface="+mn-ea"/>
+                <a:cs typeface="+mn-cs"/>
+              </a:rPr>
+              <a:t>: connected</a:t>
+            </a:r>
+            <a:r>
+              <a:rPr kumimoji="0" lang="en-US" sz="2600" b="0" i="0" u="none" strike="noStrike" kern="1200" cap="none" spc="0" normalizeH="0" noProof="0" dirty="0">
+                <a:ln>
+                  <a:noFill/>
+                </a:ln>
+                <a:solidFill>
+                  <a:schemeClr val="tx1"/>
+                </a:solidFill>
+                <a:effectLst/>
+                <a:uLnTx/>
+                <a:uFillTx/>
+                <a:latin typeface="+mn-lt"/>
+                <a:ea typeface="+mn-ea"/>
+                <a:cs typeface="+mn-cs"/>
+              </a:rPr>
+              <a:t> </a:t>
+            </a:r>
+            <a:r>
+              <a:rPr kumimoji="0" lang="en-US" sz="2600" b="0" i="0" u="none" strike="noStrike" kern="1200" cap="none" spc="0" normalizeH="0" noProof="0" dirty="0" err="1">
+                <a:ln>
+                  <a:noFill/>
+                </a:ln>
+                <a:solidFill>
+                  <a:schemeClr val="tx1"/>
+                </a:solidFill>
+                <a:effectLst/>
+                <a:uLnTx/>
+                <a:uFillTx/>
+                <a:latin typeface="+mn-lt"/>
+                <a:ea typeface="+mn-ea"/>
+                <a:cs typeface="+mn-cs"/>
+              </a:rPr>
+              <a:t>multigraph</a:t>
+            </a:r>
+            <a:r>
+              <a:rPr kumimoji="0" lang="en-US" sz="2600" b="0" i="0" u="none" strike="noStrike" kern="1200" cap="none" spc="0" normalizeH="0" noProof="0" dirty="0">
+                <a:ln>
+                  <a:noFill/>
+                </a:ln>
+                <a:solidFill>
+                  <a:schemeClr val="tx1"/>
+                </a:solidFill>
+                <a:effectLst/>
+                <a:uLnTx/>
+                <a:uFillTx/>
+                <a:latin typeface="+mn-lt"/>
+                <a:ea typeface="+mn-ea"/>
+                <a:cs typeface="+mn-cs"/>
+              </a:rPr>
+              <a:t> with all vertices of even degree</a:t>
+            </a:r>
+            <a:r>
+              <a:rPr kumimoji="0" lang="en-US" sz="2600" b="0" i="0" u="none" strike="noStrike" kern="1200" cap="none" spc="0" normalizeH="0" baseline="0" noProof="0" dirty="0">
+                <a:ln>
+                  <a:noFill/>
+                </a:ln>
+                <a:solidFill>
+                  <a:schemeClr val="tx1"/>
+                </a:solidFill>
+                <a:effectLst/>
+                <a:uLnTx/>
+                <a:uFillTx/>
+                <a:latin typeface="+mn-lt"/>
+                <a:ea typeface="+mn-ea"/>
+                <a:cs typeface="+mn-cs"/>
+              </a:rPr>
+              <a:t>)</a:t>
+            </a:r>
+          </a:p>
+          <a:p>
+            <a:pPr marL="274320" marR="0" lvl="0" indent="-274320" algn="l" defTabSz="914400" rtl="0" eaLnBrk="1" fontAlgn="auto" latinLnBrk="0" hangingPunct="1">
+              <a:lnSpc>
+                <a:spcPct val="100000"/>
+              </a:lnSpc>
+              <a:spcBef>
+                <a:spcPct val="20000"/>
+              </a:spcBef>
+              <a:spcAft>
+                <a:spcPts val="0"/>
+              </a:spcAft>
+              <a:buClr>
+                <a:schemeClr val="accent3"/>
+              </a:buClr>
+              <a:buSzPct val="95000"/>
+              <a:buFont typeface="Wingdings 2"/>
+              <a:buNone/>
+              <a:tabLst/>
+              <a:defRPr/>
+            </a:pPr>
+            <a:r>
+              <a:rPr kumimoji="0" lang="en-US" sz="2600" b="0" i="1" u="none" strike="noStrike" kern="1200" cap="none" spc="0" normalizeH="0" baseline="0" noProof="0" dirty="0">
+                <a:ln>
+                  <a:noFill/>
+                </a:ln>
+                <a:solidFill>
+                  <a:schemeClr val="tx1"/>
+                </a:solidFill>
+                <a:effectLst/>
+                <a:uLnTx/>
+                <a:uFillTx/>
+                <a:latin typeface="+mn-lt"/>
+                <a:ea typeface="+mn-ea"/>
+                <a:cs typeface="+mn-cs"/>
+              </a:rPr>
+              <a:t>   </a:t>
+            </a:r>
+            <a:r>
+              <a:rPr lang="en-US" sz="2600" i="1" dirty="0"/>
+              <a:t>circuit</a:t>
+            </a:r>
+            <a:r>
+              <a:rPr kumimoji="0" lang="en-US" sz="2600" b="0" i="0" u="none" strike="noStrike" kern="1200" cap="none" spc="0" normalizeH="0" baseline="0" noProof="0" dirty="0">
+                <a:ln>
+                  <a:noFill/>
+                </a:ln>
+                <a:solidFill>
+                  <a:schemeClr val="tx1"/>
+                </a:solidFill>
+                <a:effectLst/>
+                <a:uLnTx/>
+                <a:uFillTx/>
+                <a:latin typeface="+mn-lt"/>
+                <a:ea typeface="+mn-ea"/>
+                <a:cs typeface="+mn-cs"/>
+              </a:rPr>
+              <a:t> := </a:t>
+            </a:r>
+            <a:r>
+              <a:rPr lang="en-US" sz="2600" dirty="0">
+                <a:ea typeface="Cambria Math" pitchFamily="18" charset="0"/>
+              </a:rPr>
+              <a:t>a circuit in </a:t>
+            </a:r>
+            <a:r>
+              <a:rPr lang="en-US" sz="2600" i="1" dirty="0">
+                <a:ea typeface="Cambria Math" pitchFamily="18" charset="0"/>
+              </a:rPr>
+              <a:t>G </a:t>
+            </a:r>
+            <a:r>
+              <a:rPr lang="en-US" sz="2600" dirty="0">
+                <a:ea typeface="Cambria Math" pitchFamily="18" charset="0"/>
+              </a:rPr>
+              <a:t>beginning at an arbitrarily chosen vertex with edges </a:t>
+            </a:r>
+          </a:p>
+          <a:p>
+            <a:pPr marL="274320" marR="0" lvl="0" indent="-274320" algn="l" defTabSz="914400" rtl="0" eaLnBrk="1" fontAlgn="auto" latinLnBrk="0" hangingPunct="1">
+              <a:lnSpc>
+                <a:spcPct val="100000"/>
+              </a:lnSpc>
+              <a:spcBef>
+                <a:spcPct val="20000"/>
+              </a:spcBef>
+              <a:spcAft>
+                <a:spcPts val="0"/>
+              </a:spcAft>
+              <a:buClr>
+                <a:schemeClr val="accent3"/>
+              </a:buClr>
+              <a:buSzPct val="95000"/>
+              <a:buFont typeface="Wingdings 2"/>
+              <a:buNone/>
+              <a:tabLst/>
+              <a:defRPr/>
+            </a:pPr>
+            <a:r>
+              <a:rPr lang="en-US" sz="2600" dirty="0">
+                <a:ea typeface="Cambria Math" pitchFamily="18" charset="0"/>
+              </a:rPr>
+              <a:t>                   successively  </a:t>
+            </a:r>
+            <a:r>
+              <a:rPr kumimoji="0" lang="en-US" sz="2600" b="0" i="0" u="none" strike="noStrike" kern="1200" cap="none" spc="0" normalizeH="0" noProof="0" dirty="0">
+                <a:ln>
+                  <a:noFill/>
+                </a:ln>
+                <a:solidFill>
+                  <a:schemeClr val="tx1"/>
+                </a:solidFill>
+                <a:effectLst/>
+                <a:uLnTx/>
+                <a:uFillTx/>
+                <a:latin typeface="+mn-lt"/>
+                <a:ea typeface="Cambria Math" pitchFamily="18" charset="0"/>
+                <a:cs typeface="+mn-cs"/>
+              </a:rPr>
+              <a:t>added to form a path that returns to this vertex. </a:t>
+            </a:r>
+            <a:endParaRPr kumimoji="0" lang="en-US" sz="2600" b="0" i="0" u="none" strike="noStrike" kern="1200" cap="none" spc="0" normalizeH="0" baseline="0" noProof="0" dirty="0">
+              <a:ln>
+                <a:noFill/>
+              </a:ln>
+              <a:solidFill>
+                <a:schemeClr val="tx1"/>
+              </a:solidFill>
+              <a:effectLst/>
+              <a:uLnTx/>
+              <a:uFillTx/>
+              <a:latin typeface="+mn-lt"/>
+              <a:ea typeface="+mn-ea"/>
+              <a:cs typeface="+mn-cs"/>
+            </a:endParaRPr>
+          </a:p>
+          <a:p>
+            <a:pPr marL="274320" marR="0" lvl="0" indent="-274320" algn="l" defTabSz="914400" rtl="0" eaLnBrk="1" fontAlgn="auto" latinLnBrk="0" hangingPunct="1">
+              <a:lnSpc>
+                <a:spcPct val="100000"/>
+              </a:lnSpc>
+              <a:spcBef>
+                <a:spcPct val="20000"/>
+              </a:spcBef>
+              <a:spcAft>
+                <a:spcPts val="0"/>
+              </a:spcAft>
+              <a:buClr>
+                <a:schemeClr val="accent3"/>
+              </a:buClr>
+              <a:buSzPct val="95000"/>
+              <a:buFont typeface="Wingdings 2"/>
+              <a:buNone/>
+              <a:tabLst/>
+              <a:defRPr/>
+            </a:pPr>
+            <a:r>
+              <a:rPr kumimoji="0" lang="en-US" sz="2600" b="0" i="1" u="none" strike="noStrike" kern="1200" cap="none" spc="0" normalizeH="0" baseline="0" noProof="0" dirty="0">
+                <a:ln>
+                  <a:noFill/>
+                </a:ln>
+                <a:solidFill>
+                  <a:schemeClr val="tx1"/>
+                </a:solidFill>
+                <a:effectLst/>
+                <a:uLnTx/>
+                <a:uFillTx/>
+                <a:latin typeface="+mn-lt"/>
+                <a:ea typeface="+mn-ea"/>
+                <a:cs typeface="+mn-cs"/>
+              </a:rPr>
+              <a:t>    H</a:t>
+            </a:r>
+            <a:r>
+              <a:rPr kumimoji="0" lang="en-US" sz="2600" b="0" i="0" u="none" strike="noStrike" kern="1200" cap="none" spc="0" normalizeH="0" baseline="0" noProof="0" dirty="0">
+                <a:ln>
+                  <a:noFill/>
+                </a:ln>
+                <a:solidFill>
+                  <a:schemeClr val="tx1"/>
+                </a:solidFill>
+                <a:effectLst/>
+                <a:uLnTx/>
+                <a:uFillTx/>
+                <a:latin typeface="+mn-lt"/>
+                <a:ea typeface="+mn-ea"/>
+                <a:cs typeface="+mn-cs"/>
+              </a:rPr>
+              <a:t> := </a:t>
+            </a:r>
+            <a:r>
+              <a:rPr lang="en-US" sz="2600" i="1" dirty="0"/>
+              <a:t>G</a:t>
+            </a:r>
+            <a:r>
+              <a:rPr lang="en-US" sz="2600" dirty="0"/>
+              <a:t> with the edges of this circuit removed</a:t>
+            </a:r>
+            <a:r>
+              <a:rPr kumimoji="0" lang="en-US" sz="2600" b="0" u="none" strike="noStrike" kern="1200" cap="none" spc="0" normalizeH="0" baseline="0" noProof="0" dirty="0">
+                <a:ln>
+                  <a:noFill/>
+                </a:ln>
+                <a:solidFill>
+                  <a:schemeClr val="tx1"/>
+                </a:solidFill>
+                <a:effectLst/>
+                <a:uLnTx/>
+                <a:uFillTx/>
+              </a:rPr>
+              <a:t> </a:t>
+            </a:r>
+          </a:p>
+          <a:p>
+            <a:pPr marL="274320" marR="0" lvl="0" indent="-274320" algn="l" defTabSz="914400" rtl="0" eaLnBrk="1" fontAlgn="auto" latinLnBrk="0" hangingPunct="1">
+              <a:lnSpc>
+                <a:spcPct val="100000"/>
+              </a:lnSpc>
+              <a:spcBef>
+                <a:spcPct val="20000"/>
+              </a:spcBef>
+              <a:spcAft>
+                <a:spcPts val="0"/>
+              </a:spcAft>
+              <a:buClr>
+                <a:schemeClr val="accent3"/>
+              </a:buClr>
+              <a:buSzPct val="95000"/>
+              <a:buFont typeface="Wingdings 2"/>
+              <a:buNone/>
+              <a:tabLst/>
+              <a:defRPr/>
+            </a:pPr>
+            <a:r>
+              <a:rPr kumimoji="0" lang="en-US" sz="2600" b="0" i="0" u="none" strike="noStrike" kern="1200" cap="none" spc="0" normalizeH="0" baseline="0" noProof="0" dirty="0">
+                <a:ln>
+                  <a:noFill/>
+                </a:ln>
+                <a:solidFill>
+                  <a:schemeClr val="tx1"/>
+                </a:solidFill>
+                <a:effectLst/>
+                <a:uLnTx/>
+                <a:uFillTx/>
+                <a:latin typeface="+mn-lt"/>
+                <a:ea typeface="+mn-ea"/>
+                <a:cs typeface="+mn-cs"/>
+              </a:rPr>
+              <a:t>    </a:t>
+            </a:r>
+            <a:r>
+              <a:rPr lang="en-US" sz="2600" b="1" dirty="0"/>
+              <a:t>while</a:t>
+            </a:r>
+            <a:r>
+              <a:rPr kumimoji="0" lang="en-US" sz="2600" b="0" i="0" u="none" strike="noStrike" kern="1200" cap="none" spc="0" normalizeH="0" baseline="0" noProof="0" dirty="0">
+                <a:ln>
+                  <a:noFill/>
+                </a:ln>
+                <a:solidFill>
+                  <a:schemeClr val="tx1"/>
+                </a:solidFill>
+                <a:effectLst/>
+                <a:uLnTx/>
+                <a:uFillTx/>
+                <a:latin typeface="+mn-lt"/>
+                <a:ea typeface="+mn-ea"/>
+                <a:cs typeface="+mn-cs"/>
+              </a:rPr>
+              <a:t> </a:t>
+            </a:r>
+            <a:r>
+              <a:rPr lang="en-US" sz="2600" i="1" dirty="0"/>
+              <a:t>H </a:t>
+            </a:r>
+            <a:r>
+              <a:rPr kumimoji="0" lang="en-US" sz="2600" b="0" i="0" u="none" strike="noStrike" kern="1200" cap="none" spc="0" normalizeH="0" baseline="0" noProof="0" dirty="0">
+                <a:ln>
+                  <a:noFill/>
+                </a:ln>
+                <a:solidFill>
+                  <a:schemeClr val="tx1"/>
+                </a:solidFill>
+                <a:effectLst/>
+                <a:uLnTx/>
+                <a:uFillTx/>
+                <a:latin typeface="+mn-lt"/>
+                <a:ea typeface="+mn-ea"/>
+                <a:cs typeface="+mn-cs"/>
+              </a:rPr>
+              <a:t> has edges</a:t>
+            </a:r>
+            <a:endParaRPr lang="en-US" sz="2600" b="1" dirty="0"/>
+          </a:p>
+          <a:p>
+            <a:pPr marL="274320" marR="0" lvl="0" indent="-274320" algn="l" defTabSz="914400" rtl="0" eaLnBrk="1" fontAlgn="auto" latinLnBrk="0" hangingPunct="1">
+              <a:lnSpc>
+                <a:spcPct val="100000"/>
+              </a:lnSpc>
+              <a:spcBef>
+                <a:spcPct val="20000"/>
+              </a:spcBef>
+              <a:spcAft>
+                <a:spcPts val="0"/>
+              </a:spcAft>
+              <a:buClr>
+                <a:schemeClr val="accent3"/>
+              </a:buClr>
+              <a:buSzPct val="95000"/>
+              <a:buFont typeface="Wingdings 2"/>
+              <a:buNone/>
+              <a:tabLst/>
+              <a:defRPr/>
+            </a:pPr>
+            <a:r>
+              <a:rPr lang="en-US" sz="2600" b="1" i="1" dirty="0"/>
+              <a:t>         </a:t>
+            </a:r>
+            <a:r>
+              <a:rPr lang="en-US" sz="2600" i="1" dirty="0" err="1"/>
+              <a:t>subciruit</a:t>
+            </a:r>
+            <a:r>
+              <a:rPr lang="en-US" sz="2600" i="1" dirty="0"/>
+              <a:t> </a:t>
+            </a:r>
+            <a:r>
+              <a:rPr kumimoji="0" lang="en-US" sz="2600" b="0" i="0" u="none" strike="noStrike" kern="1200" cap="none" spc="0" normalizeH="0" baseline="0" noProof="0" dirty="0">
+                <a:ln>
+                  <a:noFill/>
+                </a:ln>
+                <a:solidFill>
+                  <a:schemeClr val="tx1"/>
+                </a:solidFill>
+                <a:effectLst/>
+                <a:uLnTx/>
+                <a:uFillTx/>
+                <a:latin typeface="+mn-lt"/>
+                <a:ea typeface="+mn-ea"/>
+                <a:cs typeface="+mn-cs"/>
+              </a:rPr>
+              <a:t> := a</a:t>
+            </a:r>
+            <a:r>
+              <a:rPr kumimoji="0" lang="en-US" sz="2600" b="0" i="0" u="none" strike="noStrike" kern="1200" cap="none" spc="0" normalizeH="0" noProof="0" dirty="0">
+                <a:ln>
+                  <a:noFill/>
+                </a:ln>
+                <a:solidFill>
+                  <a:schemeClr val="tx1"/>
+                </a:solidFill>
+                <a:effectLst/>
+                <a:uLnTx/>
+                <a:uFillTx/>
+                <a:latin typeface="+mn-lt"/>
+                <a:ea typeface="+mn-ea"/>
+                <a:cs typeface="+mn-cs"/>
+              </a:rPr>
+              <a:t> circuit in </a:t>
+            </a:r>
+            <a:r>
+              <a:rPr kumimoji="0" lang="en-US" sz="2600" b="0" i="1" u="none" strike="noStrike" kern="1200" cap="none" spc="0" normalizeH="0" noProof="0" dirty="0">
+                <a:ln>
+                  <a:noFill/>
+                </a:ln>
+                <a:solidFill>
+                  <a:schemeClr val="tx1"/>
+                </a:solidFill>
+                <a:effectLst/>
+                <a:uLnTx/>
+                <a:uFillTx/>
+                <a:latin typeface="+mn-lt"/>
+                <a:ea typeface="+mn-ea"/>
+                <a:cs typeface="+mn-cs"/>
+              </a:rPr>
+              <a:t>H</a:t>
+            </a:r>
+            <a:r>
+              <a:rPr kumimoji="0" lang="en-US" sz="2600" b="0" i="0" u="none" strike="noStrike" kern="1200" cap="none" spc="0" normalizeH="0" noProof="0" dirty="0">
+                <a:ln>
+                  <a:noFill/>
+                </a:ln>
+                <a:solidFill>
+                  <a:schemeClr val="tx1"/>
+                </a:solidFill>
+                <a:effectLst/>
+                <a:uLnTx/>
+                <a:uFillTx/>
+                <a:latin typeface="+mn-lt"/>
+                <a:ea typeface="+mn-ea"/>
+                <a:cs typeface="+mn-cs"/>
+              </a:rPr>
+              <a:t> beginning at a vertex in </a:t>
+            </a:r>
+            <a:r>
+              <a:rPr kumimoji="0" lang="en-US" sz="2600" b="0" i="1" u="none" strike="noStrike" kern="1200" cap="none" spc="0" normalizeH="0" noProof="0" dirty="0">
+                <a:ln>
+                  <a:noFill/>
+                </a:ln>
+                <a:solidFill>
+                  <a:schemeClr val="tx1"/>
+                </a:solidFill>
+                <a:effectLst/>
+                <a:uLnTx/>
+                <a:uFillTx/>
+                <a:latin typeface="+mn-lt"/>
+                <a:ea typeface="+mn-ea"/>
+                <a:cs typeface="+mn-cs"/>
+              </a:rPr>
+              <a:t>H</a:t>
+            </a:r>
+            <a:r>
+              <a:rPr kumimoji="0" lang="en-US" sz="2600" b="0" i="0" u="none" strike="noStrike" kern="1200" cap="none" spc="0" normalizeH="0" noProof="0" dirty="0">
+                <a:ln>
+                  <a:noFill/>
+                </a:ln>
+                <a:solidFill>
+                  <a:schemeClr val="tx1"/>
+                </a:solidFill>
+                <a:effectLst/>
+                <a:uLnTx/>
+                <a:uFillTx/>
+                <a:latin typeface="+mn-lt"/>
+                <a:ea typeface="+mn-ea"/>
+                <a:cs typeface="+mn-cs"/>
+              </a:rPr>
+              <a:t> that also is </a:t>
+            </a:r>
+          </a:p>
+          <a:p>
+            <a:pPr marL="274320" marR="0" lvl="0" indent="-274320" algn="l" defTabSz="914400" rtl="0" eaLnBrk="1" fontAlgn="auto" latinLnBrk="0" hangingPunct="1">
+              <a:lnSpc>
+                <a:spcPct val="100000"/>
+              </a:lnSpc>
+              <a:spcBef>
+                <a:spcPct val="20000"/>
+              </a:spcBef>
+              <a:spcAft>
+                <a:spcPts val="0"/>
+              </a:spcAft>
+              <a:buClr>
+                <a:schemeClr val="accent3"/>
+              </a:buClr>
+              <a:buSzPct val="95000"/>
+              <a:buFont typeface="Wingdings 2"/>
+              <a:buNone/>
+              <a:tabLst/>
+              <a:defRPr/>
+            </a:pPr>
+            <a:r>
+              <a:rPr lang="en-US" sz="2600" dirty="0"/>
+              <a:t>                             </a:t>
+            </a:r>
+            <a:r>
+              <a:rPr kumimoji="0" lang="en-US" sz="2600" b="0" i="0" u="none" strike="noStrike" kern="1200" cap="none" spc="0" normalizeH="0" noProof="0" dirty="0">
+                <a:ln>
+                  <a:noFill/>
+                </a:ln>
+                <a:solidFill>
+                  <a:schemeClr val="tx1"/>
+                </a:solidFill>
+                <a:effectLst/>
+                <a:uLnTx/>
+                <a:uFillTx/>
+                <a:latin typeface="+mn-lt"/>
+                <a:ea typeface="+mn-ea"/>
+                <a:cs typeface="+mn-cs"/>
+              </a:rPr>
+              <a:t>an endpoint of an edge in circuit. </a:t>
+            </a:r>
+          </a:p>
+          <a:p>
+            <a:pPr marL="274320" marR="0" lvl="0" indent="-274320" algn="l" defTabSz="914400" rtl="0" eaLnBrk="1" fontAlgn="auto" latinLnBrk="0" hangingPunct="1">
+              <a:lnSpc>
+                <a:spcPct val="100000"/>
+              </a:lnSpc>
+              <a:spcBef>
+                <a:spcPct val="20000"/>
+              </a:spcBef>
+              <a:spcAft>
+                <a:spcPts val="0"/>
+              </a:spcAft>
+              <a:buClr>
+                <a:schemeClr val="accent3"/>
+              </a:buClr>
+              <a:buSzPct val="95000"/>
+              <a:buFont typeface="Wingdings 2"/>
+              <a:buNone/>
+              <a:tabLst/>
+              <a:defRPr/>
+            </a:pPr>
+            <a:r>
+              <a:rPr lang="en-US" sz="2600" dirty="0"/>
+              <a:t>        </a:t>
+            </a:r>
+            <a:r>
+              <a:rPr lang="en-US" sz="2600" i="1" dirty="0"/>
+              <a:t>H</a:t>
+            </a:r>
+            <a:r>
+              <a:rPr lang="en-US" sz="2600" dirty="0"/>
+              <a:t> := </a:t>
+            </a:r>
+            <a:r>
+              <a:rPr lang="en-US" sz="2600" i="1" dirty="0"/>
+              <a:t>H</a:t>
+            </a:r>
+            <a:r>
+              <a:rPr lang="en-US" sz="2600" dirty="0"/>
+              <a:t> with edges of </a:t>
+            </a:r>
+            <a:r>
+              <a:rPr lang="en-US" sz="2600" i="1" dirty="0" err="1"/>
+              <a:t>subciruit</a:t>
+            </a:r>
+            <a:r>
+              <a:rPr lang="en-US" sz="2600" dirty="0"/>
+              <a:t> and all isolated vertices removed</a:t>
+            </a:r>
+            <a:endParaRPr kumimoji="0" lang="en-US" sz="2600" b="0" i="0" u="none" strike="noStrike" kern="1200" cap="none" spc="0" normalizeH="0" noProof="0" dirty="0">
+              <a:ln>
+                <a:noFill/>
+              </a:ln>
+              <a:solidFill>
+                <a:schemeClr val="tx1"/>
+              </a:solidFill>
+              <a:effectLst/>
+              <a:uLnTx/>
+              <a:uFillTx/>
+              <a:latin typeface="+mn-lt"/>
+              <a:ea typeface="+mn-ea"/>
+              <a:cs typeface="+mn-cs"/>
+            </a:endParaRPr>
+          </a:p>
+          <a:p>
+            <a:pPr marL="274320" marR="0" lvl="0" indent="-274320" algn="l" defTabSz="914400" rtl="0" eaLnBrk="1" fontAlgn="auto" latinLnBrk="0" hangingPunct="1">
+              <a:lnSpc>
+                <a:spcPct val="100000"/>
+              </a:lnSpc>
+              <a:spcBef>
+                <a:spcPct val="20000"/>
+              </a:spcBef>
+              <a:spcAft>
+                <a:spcPts val="0"/>
+              </a:spcAft>
+              <a:buClr>
+                <a:schemeClr val="accent3"/>
+              </a:buClr>
+              <a:buSzPct val="95000"/>
+              <a:buFont typeface="Wingdings 2"/>
+              <a:buNone/>
+              <a:tabLst/>
+              <a:defRPr/>
+            </a:pPr>
+            <a:r>
+              <a:rPr lang="en-US" sz="2600" dirty="0"/>
+              <a:t>        </a:t>
+            </a:r>
+            <a:r>
+              <a:rPr lang="en-US" sz="2600" i="1" dirty="0"/>
+              <a:t>circuit </a:t>
+            </a:r>
+            <a:r>
+              <a:rPr lang="en-US" sz="2600" dirty="0"/>
+              <a:t>:= </a:t>
+            </a:r>
+            <a:r>
+              <a:rPr lang="en-US" sz="2600" i="1" dirty="0"/>
+              <a:t>circuit</a:t>
+            </a:r>
+            <a:r>
+              <a:rPr lang="en-US" sz="2600" dirty="0"/>
+              <a:t> with </a:t>
+            </a:r>
+            <a:r>
+              <a:rPr lang="en-US" sz="2600" dirty="0" err="1"/>
+              <a:t>s</a:t>
+            </a:r>
+            <a:r>
+              <a:rPr lang="en-US" sz="2600" i="1" dirty="0" err="1"/>
+              <a:t>ubcircuit</a:t>
+            </a:r>
+            <a:r>
+              <a:rPr lang="en-US" sz="2600" dirty="0"/>
+              <a:t> inserted at the appropriate vertex. </a:t>
+            </a:r>
+            <a:endParaRPr kumimoji="0" lang="en-US" sz="2600" b="0" i="0" u="none" strike="noStrike" kern="1200" cap="none" spc="0" normalizeH="0" noProof="0" dirty="0">
+              <a:ln>
+                <a:noFill/>
+              </a:ln>
+              <a:solidFill>
+                <a:schemeClr val="tx1"/>
+              </a:solidFill>
+              <a:effectLst/>
+              <a:uLnTx/>
+              <a:uFillTx/>
+              <a:latin typeface="+mn-lt"/>
+              <a:ea typeface="+mn-ea"/>
+              <a:cs typeface="+mn-cs"/>
+            </a:endParaRPr>
+          </a:p>
+          <a:p>
+            <a:pPr marL="274320" marR="0" lvl="0" indent="-274320" algn="l" defTabSz="914400" rtl="0" eaLnBrk="1" fontAlgn="auto" latinLnBrk="0" hangingPunct="1">
+              <a:lnSpc>
+                <a:spcPct val="100000"/>
+              </a:lnSpc>
+              <a:spcBef>
+                <a:spcPct val="20000"/>
+              </a:spcBef>
+              <a:spcAft>
+                <a:spcPts val="0"/>
+              </a:spcAft>
+              <a:buClr>
+                <a:schemeClr val="accent3"/>
+              </a:buClr>
+              <a:buSzPct val="95000"/>
+              <a:buFont typeface="Wingdings 2"/>
+              <a:buNone/>
+              <a:tabLst/>
+              <a:defRPr/>
+            </a:pPr>
+            <a:r>
+              <a:rPr kumimoji="0" lang="en-US" sz="2600" b="1" i="0" u="none" strike="noStrike" kern="1200" cap="none" spc="0" normalizeH="0" baseline="0" noProof="0" dirty="0">
+                <a:ln>
+                  <a:noFill/>
+                </a:ln>
+                <a:solidFill>
+                  <a:schemeClr val="tx1"/>
+                </a:solidFill>
+                <a:effectLst/>
+                <a:uLnTx/>
+                <a:uFillTx/>
+                <a:latin typeface="+mn-lt"/>
+                <a:ea typeface="+mn-ea"/>
+                <a:cs typeface="+mn-cs"/>
+              </a:rPr>
+              <a:t>return</a:t>
+            </a:r>
+            <a:r>
+              <a:rPr kumimoji="0" lang="en-US" sz="2600" b="0" i="0" u="none" strike="noStrike" kern="1200" cap="none" spc="0" normalizeH="0" baseline="0" noProof="0" dirty="0">
+                <a:ln>
+                  <a:noFill/>
+                </a:ln>
+                <a:solidFill>
+                  <a:schemeClr val="tx1"/>
+                </a:solidFill>
+                <a:effectLst/>
+                <a:uLnTx/>
+                <a:uFillTx/>
+                <a:latin typeface="+mn-lt"/>
+                <a:ea typeface="+mn-ea"/>
+                <a:cs typeface="+mn-cs"/>
+              </a:rPr>
+              <a:t> </a:t>
+            </a:r>
+            <a:r>
+              <a:rPr lang="en-US" sz="2600" i="1" dirty="0"/>
+              <a:t>circuit</a:t>
+            </a:r>
+            <a:r>
+              <a:rPr kumimoji="0" lang="en-US" sz="2600" b="0" u="none" strike="noStrike" kern="1200" cap="none" spc="0" normalizeH="0" baseline="0" noProof="0" dirty="0">
+                <a:ln>
+                  <a:noFill/>
+                </a:ln>
+                <a:solidFill>
+                  <a:schemeClr val="tx1"/>
+                </a:solidFill>
+                <a:effectLst/>
+                <a:uLnTx/>
+                <a:uFillTx/>
+                <a:latin typeface="+mn-lt"/>
+                <a:ea typeface="+mn-ea"/>
+                <a:cs typeface="+mn-cs"/>
+              </a:rPr>
+              <a:t>{</a:t>
+            </a:r>
+            <a:r>
+              <a:rPr kumimoji="0" lang="en-US" sz="2600" b="0" i="1" u="none" strike="noStrike" kern="1200" cap="none" spc="0" normalizeH="0" baseline="0" noProof="0" dirty="0">
+                <a:ln>
+                  <a:noFill/>
+                </a:ln>
+                <a:solidFill>
+                  <a:schemeClr val="tx1"/>
+                </a:solidFill>
+                <a:effectLst/>
+                <a:uLnTx/>
+                <a:uFillTx/>
+                <a:latin typeface="+mn-lt"/>
+                <a:ea typeface="+mn-ea"/>
+                <a:cs typeface="+mn-cs"/>
+              </a:rPr>
+              <a:t>circuit</a:t>
+            </a:r>
+            <a:r>
+              <a:rPr kumimoji="0" lang="en-US" sz="2600" b="0" u="none" strike="noStrike" kern="1200" cap="none" spc="0" normalizeH="0" noProof="0" dirty="0">
+                <a:ln>
+                  <a:noFill/>
+                </a:ln>
+                <a:solidFill>
+                  <a:schemeClr val="tx1"/>
+                </a:solidFill>
+                <a:effectLst/>
+                <a:uLnTx/>
+                <a:uFillTx/>
+                <a:latin typeface="+mn-lt"/>
+                <a:ea typeface="+mn-ea"/>
+                <a:cs typeface="+mn-cs"/>
+              </a:rPr>
+              <a:t> is an Euler circuit</a:t>
+            </a:r>
+            <a:r>
+              <a:rPr lang="en-US" sz="2600" dirty="0"/>
+              <a:t>} </a:t>
+            </a:r>
+            <a:endParaRPr kumimoji="0" lang="en-US" sz="2600" b="0" i="1" u="none" strike="noStrike" kern="1200" cap="none" spc="0" normalizeH="0" baseline="0" noProof="0" dirty="0">
+              <a:ln>
+                <a:noFill/>
+              </a:ln>
+              <a:solidFill>
+                <a:schemeClr val="tx1"/>
+              </a:solidFill>
+              <a:effectLst/>
+              <a:uLnTx/>
+              <a:uFillTx/>
+              <a:latin typeface="+mn-lt"/>
+              <a:ea typeface="+mn-ea"/>
+              <a:cs typeface="+mn-cs"/>
+            </a:endParaRPr>
+          </a:p>
+        </p:txBody>
+      </p:sp>
+    </p:spTree>
+    <p:extLst>
+      <p:ext uri="{BB962C8B-B14F-4D97-AF65-F5344CB8AC3E}">
+        <p14:creationId xmlns:p14="http://schemas.microsoft.com/office/powerpoint/2010/main" val="2634232422"/>
+      </p:ext>
+    </p:extLst>
+  </p:cSld>
+  <p:clrMapOvr>
+    <a:masterClrMapping/>
+  </p:clrMapOvr>
+</p:sld>
+</file>
+
+<file path=ppt/slides/slide81.xml><?xml version="1.0" encoding="utf-8"?>
+<p:sld xmlns:a="http://schemas.openxmlformats.org/drawingml/2006/main" xmlns:r="http://schemas.openxmlformats.org/officeDocument/2006/relationships" xmlns:p="http://schemas.openxmlformats.org/presentationml/2006/main">
+  <p:cSld>
+    <p:spTree>
+      <p:nvGrpSpPr>
+        <p:cNvPr id="1" name=""/>
+        <p:cNvGrpSpPr/>
+        <p:nvPr/>
+      </p:nvGrpSpPr>
+      <p:grpSpPr>
+        <a:xfrm>
+          <a:off x="0" y="0"/>
+          <a:ext cx="0" cy="0"/>
+          <a:chOff x="0" y="0"/>
+          <a:chExt cx="0" cy="0"/>
+        </a:xfrm>
+      </p:grpSpPr>
+      <p:sp>
+        <p:nvSpPr>
+          <p:cNvPr id="2" name="Title 1"/>
+          <p:cNvSpPr>
+            <a:spLocks noGrp="1"/>
+          </p:cNvSpPr>
+          <p:nvPr>
+            <p:ph type="title"/>
+          </p:nvPr>
+        </p:nvSpPr>
+        <p:spPr/>
+        <p:txBody>
+          <a:bodyPr>
             <a:noAutofit/>
           </a:bodyPr>
           <a:lstStyle/>
@@ -33278,7 +33641,7 @@
 </p:sld>
 </file>
 
-<file path=ppt/slides/slide81.xml><?xml version="1.0" encoding="utf-8"?>
+<file path=ppt/slides/slide82.xml><?xml version="1.0" encoding="utf-8"?>
 <p:sld xmlns:a="http://schemas.openxmlformats.org/drawingml/2006/main" xmlns:r="http://schemas.openxmlformats.org/officeDocument/2006/relationships" xmlns:p="http://schemas.openxmlformats.org/presentationml/2006/main">
   <p:cSld>
     <p:spTree>
@@ -33671,7 +34034,7 @@
 </p:sld>
 </file>
 
-<file path=ppt/slides/slide82.xml><?xml version="1.0" encoding="utf-8"?>
+<file path=ppt/slides/slide83.xml><?xml version="1.0" encoding="utf-8"?>
 <p:sld xmlns:a="http://schemas.openxmlformats.org/drawingml/2006/main" xmlns:r="http://schemas.openxmlformats.org/officeDocument/2006/relationships" xmlns:p="http://schemas.openxmlformats.org/presentationml/2006/main">
   <p:cSld>
     <p:spTree>
@@ -33804,7 +34167,7 @@
 </p:sld>
 </file>
 
-<file path=ppt/slides/slide83.xml><?xml version="1.0" encoding="utf-8"?>
+<file path=ppt/slides/slide84.xml><?xml version="1.0" encoding="utf-8"?>
 <p:sld xmlns:a="http://schemas.openxmlformats.org/drawingml/2006/main" xmlns:r="http://schemas.openxmlformats.org/officeDocument/2006/relationships" xmlns:p="http://schemas.openxmlformats.org/presentationml/2006/main">
   <p:cSld>
     <p:spTree>
@@ -34128,7 +34491,7 @@
 </p:sld>
 </file>
 
-<file path=ppt/slides/slide84.xml><?xml version="1.0" encoding="utf-8"?>
+<file path=ppt/slides/slide85.xml><?xml version="1.0" encoding="utf-8"?>
 <p:sld xmlns:a="http://schemas.openxmlformats.org/drawingml/2006/main" xmlns:r="http://schemas.openxmlformats.org/officeDocument/2006/relationships" xmlns:p="http://schemas.openxmlformats.org/presentationml/2006/main">
   <p:cSld>
     <p:spTree>
@@ -34729,7 +35092,7 @@
 </p:sld>
 </file>
 
-<file path=ppt/slides/slide85.xml><?xml version="1.0" encoding="utf-8"?>
+<file path=ppt/slides/slide86.xml><?xml version="1.0" encoding="utf-8"?>
 <p:sld xmlns:a="http://schemas.openxmlformats.org/drawingml/2006/main" xmlns:r="http://schemas.openxmlformats.org/officeDocument/2006/relationships" xmlns:p="http://schemas.openxmlformats.org/presentationml/2006/main">
   <p:cSld>
     <p:spTree>
@@ -35073,7 +35436,7 @@
 </p:sld>
 </file>
 
-<file path=ppt/slides/slide86.xml><?xml version="1.0" encoding="utf-8"?>
+<file path=ppt/slides/slide87.xml><?xml version="1.0" encoding="utf-8"?>
 <p:sld xmlns:a="http://schemas.openxmlformats.org/drawingml/2006/main" xmlns:r="http://schemas.openxmlformats.org/officeDocument/2006/relationships" xmlns:p="http://schemas.openxmlformats.org/presentationml/2006/main">
   <p:cSld>
     <p:spTree>
@@ -35516,7 +35879,7 @@
 </p:sld>
 </file>
 
-<file path=ppt/slides/slide87.xml><?xml version="1.0" encoding="utf-8"?>
+<file path=ppt/slides/slide88.xml><?xml version="1.0" encoding="utf-8"?>
 <p:sld xmlns:a="http://schemas.openxmlformats.org/drawingml/2006/main" xmlns:r="http://schemas.openxmlformats.org/officeDocument/2006/relationships" xmlns:p="http://schemas.openxmlformats.org/presentationml/2006/main">
   <p:cSld>
     <p:spTree>

--- a/cs2620/slides/cs2620_notes10.pptx
+++ b/cs2620/slides/cs2620_notes10.pptx
@@ -5,7 +5,7 @@
     <p:sldMasterId id="2147483660" r:id="rId1"/>
   </p:sldMasterIdLst>
   <p:notesMasterIdLst>
-    <p:notesMasterId r:id="rId90"/>
+    <p:notesMasterId r:id="rId91"/>
   </p:notesMasterIdLst>
   <p:sldIdLst>
     <p:sldId id="256" r:id="rId2"/>
@@ -77,25 +77,26 @@
     <p:sldId id="443" r:id="rId68"/>
     <p:sldId id="441" r:id="rId69"/>
     <p:sldId id="448" r:id="rId70"/>
-    <p:sldId id="450" r:id="rId71"/>
-    <p:sldId id="451" r:id="rId72"/>
-    <p:sldId id="357" r:id="rId73"/>
-    <p:sldId id="452" r:id="rId74"/>
-    <p:sldId id="453" r:id="rId75"/>
-    <p:sldId id="454" r:id="rId76"/>
-    <p:sldId id="456" r:id="rId77"/>
-    <p:sldId id="468" r:id="rId78"/>
-    <p:sldId id="480" r:id="rId79"/>
-    <p:sldId id="481" r:id="rId80"/>
-    <p:sldId id="469" r:id="rId81"/>
-    <p:sldId id="455" r:id="rId82"/>
-    <p:sldId id="457" r:id="rId83"/>
-    <p:sldId id="458" r:id="rId84"/>
-    <p:sldId id="463" r:id="rId85"/>
-    <p:sldId id="465" r:id="rId86"/>
-    <p:sldId id="460" r:id="rId87"/>
-    <p:sldId id="434" r:id="rId88"/>
-    <p:sldId id="461" r:id="rId89"/>
+    <p:sldId id="484" r:id="rId71"/>
+    <p:sldId id="450" r:id="rId72"/>
+    <p:sldId id="451" r:id="rId73"/>
+    <p:sldId id="357" r:id="rId74"/>
+    <p:sldId id="452" r:id="rId75"/>
+    <p:sldId id="453" r:id="rId76"/>
+    <p:sldId id="454" r:id="rId77"/>
+    <p:sldId id="456" r:id="rId78"/>
+    <p:sldId id="468" r:id="rId79"/>
+    <p:sldId id="480" r:id="rId80"/>
+    <p:sldId id="481" r:id="rId81"/>
+    <p:sldId id="469" r:id="rId82"/>
+    <p:sldId id="455" r:id="rId83"/>
+    <p:sldId id="457" r:id="rId84"/>
+    <p:sldId id="458" r:id="rId85"/>
+    <p:sldId id="463" r:id="rId86"/>
+    <p:sldId id="465" r:id="rId87"/>
+    <p:sldId id="460" r:id="rId88"/>
+    <p:sldId id="434" r:id="rId89"/>
+    <p:sldId id="461" r:id="rId90"/>
   </p:sldIdLst>
   <p:sldSz cx="9144000" cy="6858000" type="screen4x3"/>
   <p:notesSz cx="6858000" cy="9144000"/>
@@ -216,7 +217,7 @@
 <file path=ppt/revisionInfo.xml><?xml version="1.0" encoding="utf-8"?>
 <p1510:revInfo xmlns:a="http://schemas.openxmlformats.org/drawingml/2006/main" xmlns:r="http://schemas.openxmlformats.org/officeDocument/2006/relationships" xmlns:p1510="http://schemas.microsoft.com/office/powerpoint/2015/10/main">
   <p1510:revLst>
-    <p1510:client id="{0550724F-5D33-FC48-80B7-89CFFB601FB8}" v="10" dt="2020-11-03T17:36:15.477"/>
+    <p1510:client id="{0550724F-5D33-FC48-80B7-89CFFB601FB8}" v="11" dt="2020-11-05T18:13:24.534"/>
   </p1510:revLst>
 </p1510:revInfo>
 </file>
@@ -226,7 +227,7 @@
   <pc:docChgLst>
     <pc:chgData name="Lin  Chen" userId="5b8d33d8-9b1a-4612-8f39-9bee1ddd9437" providerId="ADAL" clId="{0550724F-5D33-FC48-80B7-89CFFB601FB8}"/>
     <pc:docChg chg="undo custSel addSld delSld modSld sldOrd">
-      <pc:chgData name="Lin  Chen" userId="5b8d33d8-9b1a-4612-8f39-9bee1ddd9437" providerId="ADAL" clId="{0550724F-5D33-FC48-80B7-89CFFB601FB8}" dt="2020-11-03T17:52:29.989" v="760" actId="207"/>
+      <pc:chgData name="Lin  Chen" userId="5b8d33d8-9b1a-4612-8f39-9bee1ddd9437" providerId="ADAL" clId="{0550724F-5D33-FC48-80B7-89CFFB601FB8}" dt="2020-11-05T18:50:03.163" v="1065" actId="207"/>
       <pc:docMkLst>
         <pc:docMk/>
       </pc:docMkLst>
@@ -403,6 +404,21 @@
           <ac:spMkLst>
             <pc:docMk/>
             <pc:sldMk cId="0" sldId="339"/>
+            <ac:spMk id="3" creationId="{00000000-0000-0000-0000-000000000000}"/>
+          </ac:spMkLst>
+        </pc:spChg>
+      </pc:sldChg>
+      <pc:sldChg chg="modSp mod">
+        <pc:chgData name="Lin  Chen" userId="5b8d33d8-9b1a-4612-8f39-9bee1ddd9437" providerId="ADAL" clId="{0550724F-5D33-FC48-80B7-89CFFB601FB8}" dt="2020-11-05T17:45:50.891" v="762" actId="207"/>
+        <pc:sldMkLst>
+          <pc:docMk/>
+          <pc:sldMk cId="0" sldId="342"/>
+        </pc:sldMkLst>
+        <pc:spChg chg="mod">
+          <ac:chgData name="Lin  Chen" userId="5b8d33d8-9b1a-4612-8f39-9bee1ddd9437" providerId="ADAL" clId="{0550724F-5D33-FC48-80B7-89CFFB601FB8}" dt="2020-11-05T17:45:50.891" v="762" actId="207"/>
+          <ac:spMkLst>
+            <pc:docMk/>
+            <pc:sldMk cId="0" sldId="342"/>
             <ac:spMk id="3" creationId="{00000000-0000-0000-0000-000000000000}"/>
           </ac:spMkLst>
         </pc:spChg>
@@ -746,6 +762,142 @@
         </pc:spChg>
       </pc:sldChg>
       <pc:sldChg chg="modSp mod">
+        <pc:chgData name="Lin  Chen" userId="5b8d33d8-9b1a-4612-8f39-9bee1ddd9437" providerId="ADAL" clId="{0550724F-5D33-FC48-80B7-89CFFB601FB8}" dt="2020-11-05T17:47:32.688" v="770" actId="207"/>
+        <pc:sldMkLst>
+          <pc:docMk/>
+          <pc:sldMk cId="497551538" sldId="436"/>
+        </pc:sldMkLst>
+        <pc:spChg chg="mod">
+          <ac:chgData name="Lin  Chen" userId="5b8d33d8-9b1a-4612-8f39-9bee1ddd9437" providerId="ADAL" clId="{0550724F-5D33-FC48-80B7-89CFFB601FB8}" dt="2020-11-05T17:47:32.688" v="770" actId="207"/>
+          <ac:spMkLst>
+            <pc:docMk/>
+            <pc:sldMk cId="497551538" sldId="436"/>
+            <ac:spMk id="3" creationId="{00000000-0000-0000-0000-000000000000}"/>
+          </ac:spMkLst>
+        </pc:spChg>
+      </pc:sldChg>
+      <pc:sldChg chg="modSp mod">
+        <pc:chgData name="Lin  Chen" userId="5b8d33d8-9b1a-4612-8f39-9bee1ddd9437" providerId="ADAL" clId="{0550724F-5D33-FC48-80B7-89CFFB601FB8}" dt="2020-11-05T18:10:11.562" v="775" actId="207"/>
+        <pc:sldMkLst>
+          <pc:docMk/>
+          <pc:sldMk cId="739562142" sldId="441"/>
+        </pc:sldMkLst>
+        <pc:spChg chg="mod">
+          <ac:chgData name="Lin  Chen" userId="5b8d33d8-9b1a-4612-8f39-9bee1ddd9437" providerId="ADAL" clId="{0550724F-5D33-FC48-80B7-89CFFB601FB8}" dt="2020-11-05T18:10:11.562" v="775" actId="207"/>
+          <ac:spMkLst>
+            <pc:docMk/>
+            <pc:sldMk cId="739562142" sldId="441"/>
+            <ac:spMk id="3" creationId="{00000000-0000-0000-0000-000000000000}"/>
+          </ac:spMkLst>
+        </pc:spChg>
+      </pc:sldChg>
+      <pc:sldChg chg="modSp mod">
+        <pc:chgData name="Lin  Chen" userId="5b8d33d8-9b1a-4612-8f39-9bee1ddd9437" providerId="ADAL" clId="{0550724F-5D33-FC48-80B7-89CFFB601FB8}" dt="2020-11-05T18:07:57.160" v="773" actId="207"/>
+        <pc:sldMkLst>
+          <pc:docMk/>
+          <pc:sldMk cId="1752110799" sldId="443"/>
+        </pc:sldMkLst>
+        <pc:spChg chg="mod">
+          <ac:chgData name="Lin  Chen" userId="5b8d33d8-9b1a-4612-8f39-9bee1ddd9437" providerId="ADAL" clId="{0550724F-5D33-FC48-80B7-89CFFB601FB8}" dt="2020-11-05T18:07:57.160" v="773" actId="207"/>
+          <ac:spMkLst>
+            <pc:docMk/>
+            <pc:sldMk cId="1752110799" sldId="443"/>
+            <ac:spMk id="3" creationId="{00000000-0000-0000-0000-000000000000}"/>
+          </ac:spMkLst>
+        </pc:spChg>
+      </pc:sldChg>
+      <pc:sldChg chg="modSp mod">
+        <pc:chgData name="Lin  Chen" userId="5b8d33d8-9b1a-4612-8f39-9bee1ddd9437" providerId="ADAL" clId="{0550724F-5D33-FC48-80B7-89CFFB601FB8}" dt="2020-11-05T18:00:10.471" v="772" actId="207"/>
+        <pc:sldMkLst>
+          <pc:docMk/>
+          <pc:sldMk cId="3935227020" sldId="447"/>
+        </pc:sldMkLst>
+        <pc:spChg chg="mod">
+          <ac:chgData name="Lin  Chen" userId="5b8d33d8-9b1a-4612-8f39-9bee1ddd9437" providerId="ADAL" clId="{0550724F-5D33-FC48-80B7-89CFFB601FB8}" dt="2020-11-05T18:00:10.471" v="772" actId="207"/>
+          <ac:spMkLst>
+            <pc:docMk/>
+            <pc:sldMk cId="3935227020" sldId="447"/>
+            <ac:spMk id="3" creationId="{00000000-0000-0000-0000-000000000000}"/>
+          </ac:spMkLst>
+        </pc:spChg>
+      </pc:sldChg>
+      <pc:sldChg chg="modSp mod">
+        <pc:chgData name="Lin  Chen" userId="5b8d33d8-9b1a-4612-8f39-9bee1ddd9437" providerId="ADAL" clId="{0550724F-5D33-FC48-80B7-89CFFB601FB8}" dt="2020-11-05T18:13:49.862" v="783" actId="14100"/>
+        <pc:sldMkLst>
+          <pc:docMk/>
+          <pc:sldMk cId="3111153856" sldId="448"/>
+        </pc:sldMkLst>
+        <pc:spChg chg="mod">
+          <ac:chgData name="Lin  Chen" userId="5b8d33d8-9b1a-4612-8f39-9bee1ddd9437" providerId="ADAL" clId="{0550724F-5D33-FC48-80B7-89CFFB601FB8}" dt="2020-11-05T18:13:45.258" v="781" actId="27636"/>
+          <ac:spMkLst>
+            <pc:docMk/>
+            <pc:sldMk cId="3111153856" sldId="448"/>
+            <ac:spMk id="3" creationId="{00000000-0000-0000-0000-000000000000}"/>
+          </ac:spMkLst>
+        </pc:spChg>
+        <pc:picChg chg="mod">
+          <ac:chgData name="Lin  Chen" userId="5b8d33d8-9b1a-4612-8f39-9bee1ddd9437" providerId="ADAL" clId="{0550724F-5D33-FC48-80B7-89CFFB601FB8}" dt="2020-11-05T18:13:49.862" v="783" actId="14100"/>
+          <ac:picMkLst>
+            <pc:docMk/>
+            <pc:sldMk cId="3111153856" sldId="448"/>
+            <ac:picMk id="4" creationId="{00000000-0000-0000-0000-000000000000}"/>
+          </ac:picMkLst>
+        </pc:picChg>
+      </pc:sldChg>
+      <pc:sldChg chg="modSp mod">
+        <pc:chgData name="Lin  Chen" userId="5b8d33d8-9b1a-4612-8f39-9bee1ddd9437" providerId="ADAL" clId="{0550724F-5D33-FC48-80B7-89CFFB601FB8}" dt="2020-11-05T18:35:50.191" v="793" actId="20577"/>
+        <pc:sldMkLst>
+          <pc:docMk/>
+          <pc:sldMk cId="3786188589" sldId="452"/>
+        </pc:sldMkLst>
+        <pc:spChg chg="mod">
+          <ac:chgData name="Lin  Chen" userId="5b8d33d8-9b1a-4612-8f39-9bee1ddd9437" providerId="ADAL" clId="{0550724F-5D33-FC48-80B7-89CFFB601FB8}" dt="2020-11-05T18:35:50.191" v="793" actId="20577"/>
+          <ac:spMkLst>
+            <pc:docMk/>
+            <pc:sldMk cId="3786188589" sldId="452"/>
+            <ac:spMk id="3" creationId="{00000000-0000-0000-0000-000000000000}"/>
+          </ac:spMkLst>
+        </pc:spChg>
+      </pc:sldChg>
+      <pc:sldChg chg="modSp mod">
+        <pc:chgData name="Lin  Chen" userId="5b8d33d8-9b1a-4612-8f39-9bee1ddd9437" providerId="ADAL" clId="{0550724F-5D33-FC48-80B7-89CFFB601FB8}" dt="2020-11-05T18:45:58.584" v="1061" actId="1076"/>
+        <pc:sldMkLst>
+          <pc:docMk/>
+          <pc:sldMk cId="1303016944" sldId="453"/>
+        </pc:sldMkLst>
+        <pc:spChg chg="mod">
+          <ac:chgData name="Lin  Chen" userId="5b8d33d8-9b1a-4612-8f39-9bee1ddd9437" providerId="ADAL" clId="{0550724F-5D33-FC48-80B7-89CFFB601FB8}" dt="2020-11-05T18:45:36.309" v="1060" actId="207"/>
+          <ac:spMkLst>
+            <pc:docMk/>
+            <pc:sldMk cId="1303016944" sldId="453"/>
+            <ac:spMk id="3" creationId="{00000000-0000-0000-0000-000000000000}"/>
+          </ac:spMkLst>
+        </pc:spChg>
+        <pc:picChg chg="mod">
+          <ac:chgData name="Lin  Chen" userId="5b8d33d8-9b1a-4612-8f39-9bee1ddd9437" providerId="ADAL" clId="{0550724F-5D33-FC48-80B7-89CFFB601FB8}" dt="2020-11-05T18:45:58.584" v="1061" actId="1076"/>
+          <ac:picMkLst>
+            <pc:docMk/>
+            <pc:sldMk cId="1303016944" sldId="453"/>
+            <ac:picMk id="4" creationId="{00000000-0000-0000-0000-000000000000}"/>
+          </ac:picMkLst>
+        </pc:picChg>
+      </pc:sldChg>
+      <pc:sldChg chg="modSp mod">
+        <pc:chgData name="Lin  Chen" userId="5b8d33d8-9b1a-4612-8f39-9bee1ddd9437" providerId="ADAL" clId="{0550724F-5D33-FC48-80B7-89CFFB601FB8}" dt="2020-11-05T18:50:03.163" v="1065" actId="207"/>
+        <pc:sldMkLst>
+          <pc:docMk/>
+          <pc:sldMk cId="243559925" sldId="454"/>
+        </pc:sldMkLst>
+        <pc:spChg chg="mod">
+          <ac:chgData name="Lin  Chen" userId="5b8d33d8-9b1a-4612-8f39-9bee1ddd9437" providerId="ADAL" clId="{0550724F-5D33-FC48-80B7-89CFFB601FB8}" dt="2020-11-05T18:50:03.163" v="1065" actId="207"/>
+          <ac:spMkLst>
+            <pc:docMk/>
+            <pc:sldMk cId="243559925" sldId="454"/>
+            <ac:spMk id="3" creationId="{00000000-0000-0000-0000-000000000000}"/>
+          </ac:spMkLst>
+        </pc:spChg>
+      </pc:sldChg>
+      <pc:sldChg chg="modSp mod">
         <pc:chgData name="Lin  Chen" userId="5b8d33d8-9b1a-4612-8f39-9bee1ddd9437" providerId="ADAL" clId="{0550724F-5D33-FC48-80B7-89CFFB601FB8}" dt="2020-10-27T16:15:30.094" v="162" actId="207"/>
         <pc:sldMkLst>
           <pc:docMk/>
@@ -963,6 +1115,45 @@
           </ac:spMkLst>
         </pc:spChg>
       </pc:sldChg>
+      <pc:sldChg chg="addSp delSp modSp add mod">
+        <pc:chgData name="Lin  Chen" userId="5b8d33d8-9b1a-4612-8f39-9bee1ddd9437" providerId="ADAL" clId="{0550724F-5D33-FC48-80B7-89CFFB601FB8}" dt="2020-11-05T18:14:26.029" v="792" actId="207"/>
+        <pc:sldMkLst>
+          <pc:docMk/>
+          <pc:sldMk cId="2687090243" sldId="484"/>
+        </pc:sldMkLst>
+        <pc:spChg chg="del">
+          <ac:chgData name="Lin  Chen" userId="5b8d33d8-9b1a-4612-8f39-9bee1ddd9437" providerId="ADAL" clId="{0550724F-5D33-FC48-80B7-89CFFB601FB8}" dt="2020-11-05T18:14:13.065" v="789" actId="478"/>
+          <ac:spMkLst>
+            <pc:docMk/>
+            <pc:sldMk cId="2687090243" sldId="484"/>
+            <ac:spMk id="2" creationId="{00000000-0000-0000-0000-000000000000}"/>
+          </ac:spMkLst>
+        </pc:spChg>
+        <pc:spChg chg="mod">
+          <ac:chgData name="Lin  Chen" userId="5b8d33d8-9b1a-4612-8f39-9bee1ddd9437" providerId="ADAL" clId="{0550724F-5D33-FC48-80B7-89CFFB601FB8}" dt="2020-11-05T18:14:26.029" v="792" actId="207"/>
+          <ac:spMkLst>
+            <pc:docMk/>
+            <pc:sldMk cId="2687090243" sldId="484"/>
+            <ac:spMk id="3" creationId="{00000000-0000-0000-0000-000000000000}"/>
+          </ac:spMkLst>
+        </pc:spChg>
+        <pc:spChg chg="add del mod">
+          <ac:chgData name="Lin  Chen" userId="5b8d33d8-9b1a-4612-8f39-9bee1ddd9437" providerId="ADAL" clId="{0550724F-5D33-FC48-80B7-89CFFB601FB8}" dt="2020-11-05T18:14:15.926" v="790" actId="478"/>
+          <ac:spMkLst>
+            <pc:docMk/>
+            <pc:sldMk cId="2687090243" sldId="484"/>
+            <ac:spMk id="6" creationId="{BDC9E9AA-32EE-BC43-988C-D91BA74407E3}"/>
+          </ac:spMkLst>
+        </pc:spChg>
+        <pc:picChg chg="mod">
+          <ac:chgData name="Lin  Chen" userId="5b8d33d8-9b1a-4612-8f39-9bee1ddd9437" providerId="ADAL" clId="{0550724F-5D33-FC48-80B7-89CFFB601FB8}" dt="2020-11-05T18:14:19.505" v="791" actId="1076"/>
+          <ac:picMkLst>
+            <pc:docMk/>
+            <pc:sldMk cId="2687090243" sldId="484"/>
+            <ac:picMk id="4" creationId="{00000000-0000-0000-0000-000000000000}"/>
+          </ac:picMkLst>
+        </pc:picChg>
+      </pc:sldChg>
     </pc:docChg>
   </pc:docChgLst>
 </pc:chgInfo>
@@ -1051,7 +1242,7 @@
             <a:fld id="{F62EE97F-2327-4FE9-8874-2C0F3581839A}" type="datetimeFigureOut">
               <a:rPr lang="en-US" smtClean="0"/>
               <a:pPr/>
-              <a:t>11/3/20</a:t>
+              <a:t>11/5/20</a:t>
             </a:fld>
             <a:endParaRPr lang="en-US"/>
           </a:p>
@@ -1387,7 +1578,7 @@
             <a:fld id="{8A6B134D-0EB3-42CB-9322-AA369738187D}" type="slidenum">
               <a:rPr lang="en-US" smtClean="0"/>
               <a:pPr/>
-              <a:t>71</a:t>
+              <a:t>72</a:t>
             </a:fld>
             <a:endParaRPr lang="en-US"/>
           </a:p>
@@ -1578,7 +1769,7 @@
             <a:fld id="{74223539-C274-414E-836E-21403C9CE2AE}" type="datetimeFigureOut">
               <a:rPr lang="en-US" smtClean="0"/>
               <a:pPr/>
-              <a:t>11/3/20</a:t>
+              <a:t>11/5/20</a:t>
             </a:fld>
             <a:endParaRPr lang="en-US"/>
           </a:p>
@@ -1744,7 +1935,7 @@
             <a:fld id="{74223539-C274-414E-836E-21403C9CE2AE}" type="datetimeFigureOut">
               <a:rPr lang="en-US" smtClean="0"/>
               <a:pPr/>
-              <a:t>11/3/20</a:t>
+              <a:t>11/5/20</a:t>
             </a:fld>
             <a:endParaRPr lang="en-US"/>
           </a:p>
@@ -1920,7 +2111,7 @@
             <a:fld id="{74223539-C274-414E-836E-21403C9CE2AE}" type="datetimeFigureOut">
               <a:rPr lang="en-US" smtClean="0"/>
               <a:pPr/>
-              <a:t>11/3/20</a:t>
+              <a:t>11/5/20</a:t>
             </a:fld>
             <a:endParaRPr lang="en-US"/>
           </a:p>
@@ -2086,7 +2277,7 @@
             <a:fld id="{74223539-C274-414E-836E-21403C9CE2AE}" type="datetimeFigureOut">
               <a:rPr lang="en-US" smtClean="0"/>
               <a:pPr/>
-              <a:t>11/3/20</a:t>
+              <a:t>11/5/20</a:t>
             </a:fld>
             <a:endParaRPr lang="en-US"/>
           </a:p>
@@ -2329,7 +2520,7 @@
             <a:fld id="{74223539-C274-414E-836E-21403C9CE2AE}" type="datetimeFigureOut">
               <a:rPr lang="en-US" smtClean="0"/>
               <a:pPr/>
-              <a:t>11/3/20</a:t>
+              <a:t>11/5/20</a:t>
             </a:fld>
             <a:endParaRPr lang="en-US"/>
           </a:p>
@@ -2594,7 +2785,7 @@
             <a:fld id="{74223539-C274-414E-836E-21403C9CE2AE}" type="datetimeFigureOut">
               <a:rPr lang="en-US" smtClean="0"/>
               <a:pPr/>
-              <a:t>11/3/20</a:t>
+              <a:t>11/5/20</a:t>
             </a:fld>
             <a:endParaRPr lang="en-US"/>
           </a:p>
@@ -2973,7 +3164,7 @@
             <a:fld id="{74223539-C274-414E-836E-21403C9CE2AE}" type="datetimeFigureOut">
               <a:rPr lang="en-US" smtClean="0"/>
               <a:pPr/>
-              <a:t>11/3/20</a:t>
+              <a:t>11/5/20</a:t>
             </a:fld>
             <a:endParaRPr lang="en-US"/>
           </a:p>
@@ -3124,7 +3315,7 @@
             <a:fld id="{74223539-C274-414E-836E-21403C9CE2AE}" type="datetimeFigureOut">
               <a:rPr lang="en-US" smtClean="0"/>
               <a:pPr/>
-              <a:t>11/3/20</a:t>
+              <a:t>11/5/20</a:t>
             </a:fld>
             <a:endParaRPr lang="en-US"/>
           </a:p>
@@ -3216,7 +3407,7 @@
             <a:fld id="{74223539-C274-414E-836E-21403C9CE2AE}" type="datetimeFigureOut">
               <a:rPr lang="en-US" smtClean="0"/>
               <a:pPr/>
-              <a:t>11/3/20</a:t>
+              <a:t>11/5/20</a:t>
             </a:fld>
             <a:endParaRPr lang="en-US"/>
           </a:p>
@@ -3478,7 +3669,7 @@
             <a:fld id="{74223539-C274-414E-836E-21403C9CE2AE}" type="datetimeFigureOut">
               <a:rPr lang="en-US" smtClean="0"/>
               <a:pPr/>
-              <a:t>11/3/20</a:t>
+              <a:t>11/5/20</a:t>
             </a:fld>
             <a:endParaRPr lang="en-US"/>
           </a:p>
@@ -3767,7 +3958,7 @@
             <a:fld id="{74223539-C274-414E-836E-21403C9CE2AE}" type="datetimeFigureOut">
               <a:rPr lang="en-US" smtClean="0"/>
               <a:pPr/>
-              <a:t>11/3/20</a:t>
+              <a:t>11/5/20</a:t>
             </a:fld>
             <a:endParaRPr lang="en-US"/>
           </a:p>
@@ -4538,7 +4729,7 @@
             <a:fld id="{74223539-C274-414E-836E-21403C9CE2AE}" type="datetimeFigureOut">
               <a:rPr lang="en-US" smtClean="0"/>
               <a:pPr/>
-              <a:t>11/3/20</a:t>
+              <a:t>11/5/20</a:t>
             </a:fld>
             <a:endParaRPr lang="en-US"/>
           </a:p>
@@ -25167,12 +25358,28 @@
               <a:t>A </a:t>
             </a:r>
             <a:r>
-              <a:rPr lang="en-US" i="1" dirty="0"/>
+              <a:rPr lang="en-US" i="1" dirty="0">
+                <a:solidFill>
+                  <a:srgbClr val="FF0000"/>
+                </a:solidFill>
+              </a:rPr>
               <a:t>path</a:t>
             </a:r>
             <a:r>
               <a:rPr lang="en-US" dirty="0"/>
-              <a:t> is a sequence of edges that begins at a vertex of a graph and travels from vertex to vertex along edges of the graph. As the path travels along its edges, it visits the vertices along this path, that is, the endpoints of these.</a:t>
+              <a:t> is a sequence of edges that begins at a vertex of a graph and travels from vertex to vertex </a:t>
+            </a:r>
+            <a:r>
+              <a:rPr lang="en-US" dirty="0">
+                <a:solidFill>
+                  <a:srgbClr val="FF0000"/>
+                </a:solidFill>
+              </a:rPr>
+              <a:t>along</a:t>
+            </a:r>
+            <a:r>
+              <a:rPr lang="en-US" dirty="0"/>
+              <a:t> edges of the graph. As the path travels along its edges, it visits the vertices along this path, that is, the endpoints of these.</a:t>
             </a:r>
           </a:p>
           <a:p>
@@ -25562,7 +25769,11 @@
               <a:t>The path is a </a:t>
             </a:r>
             <a:r>
-              <a:rPr lang="en-US" sz="3200" i="1" dirty="0"/>
+              <a:rPr lang="en-US" sz="3200" i="1" dirty="0">
+                <a:solidFill>
+                  <a:srgbClr val="FF0000"/>
+                </a:solidFill>
+              </a:rPr>
               <a:t>circuit</a:t>
             </a:r>
             <a:r>
@@ -25680,7 +25891,11 @@
               <a:t>A path or circuit is </a:t>
             </a:r>
             <a:r>
-              <a:rPr lang="en-US" sz="3200" i="1" dirty="0"/>
+              <a:rPr lang="en-US" sz="3200" i="1" dirty="0">
+                <a:solidFill>
+                  <a:srgbClr val="FF0000"/>
+                </a:solidFill>
+              </a:rPr>
               <a:t>simple</a:t>
             </a:r>
             <a:r>
@@ -26357,7 +26572,11 @@
               <a:t>: An undirected graph is called  </a:t>
             </a:r>
             <a:r>
-              <a:rPr lang="en-US" i="1" dirty="0"/>
+              <a:rPr lang="en-US" i="1" dirty="0">
+                <a:solidFill>
+                  <a:srgbClr val="FF0000"/>
+                </a:solidFill>
+              </a:rPr>
               <a:t>connected</a:t>
             </a:r>
             <a:r>
@@ -26373,7 +26592,11 @@
               <a:t> is called </a:t>
             </a:r>
             <a:r>
-              <a:rPr lang="en-US" i="1" dirty="0"/>
+              <a:rPr lang="en-US" i="1" dirty="0">
+                <a:solidFill>
+                  <a:srgbClr val="FF0000"/>
+                </a:solidFill>
+              </a:rPr>
               <a:t>disconnected</a:t>
             </a:r>
             <a:r>
@@ -26590,7 +26813,11 @@
               <a:t>: A </a:t>
             </a:r>
             <a:r>
-              <a:rPr lang="en-US" i="1" dirty="0"/>
+              <a:rPr lang="en-US" i="1" dirty="0">
+                <a:solidFill>
+                  <a:srgbClr val="FF0000"/>
+                </a:solidFill>
+              </a:rPr>
               <a:t>connected component </a:t>
             </a:r>
             <a:r>
@@ -26914,7 +27141,11 @@
               <a:t>: A directed graph is </a:t>
             </a:r>
             <a:r>
-              <a:rPr lang="en-US" i="1" dirty="0"/>
+              <a:rPr lang="en-US" i="1" dirty="0">
+                <a:solidFill>
+                  <a:srgbClr val="FF0000"/>
+                </a:solidFill>
+              </a:rPr>
               <a:t>strongly connected </a:t>
             </a:r>
             <a:r>
@@ -26983,7 +27214,11 @@
               <a:t>: A directed graph is </a:t>
             </a:r>
             <a:r>
-              <a:rPr lang="en-US" i="1" dirty="0"/>
+              <a:rPr lang="en-US" i="1" dirty="0">
+                <a:solidFill>
+                  <a:srgbClr val="FF0000"/>
+                </a:solidFill>
+              </a:rPr>
               <a:t>weakly connected </a:t>
             </a:r>
             <a:r>
@@ -27080,7 +27315,7 @@
         <p:spPr/>
         <p:txBody>
           <a:bodyPr>
-            <a:normAutofit fontScale="77500" lnSpcReduction="20000"/>
+            <a:normAutofit/>
           </a:bodyPr>
           <a:lstStyle/>
           <a:p>
@@ -27134,212 +27369,6 @@
             <a:r>
               <a:rPr lang="en-US" dirty="0"/>
               <a:t>, but it is weakly connected.</a:t>
-            </a:r>
-          </a:p>
-          <a:p>
-            <a:pPr indent="0">
-              <a:buNone/>
-            </a:pPr>
-            <a:endParaRPr lang="en-US" dirty="0"/>
-          </a:p>
-          <a:p>
-            <a:pPr indent="0">
-              <a:buNone/>
-            </a:pPr>
-            <a:r>
-              <a:rPr lang="en-US" b="1" dirty="0"/>
-              <a:t>Definition</a:t>
-            </a:r>
-            <a:r>
-              <a:rPr lang="en-US" dirty="0"/>
-              <a:t>: The </a:t>
-            </a:r>
-            <a:r>
-              <a:rPr lang="en-US" dirty="0" err="1"/>
-              <a:t>subgraphs</a:t>
-            </a:r>
-            <a:r>
-              <a:rPr lang="en-US" dirty="0"/>
-              <a:t> of a directed graph </a:t>
-            </a:r>
-            <a:r>
-              <a:rPr lang="en-US" i="1" dirty="0"/>
-              <a:t>G</a:t>
-            </a:r>
-            <a:r>
-              <a:rPr lang="en-US" dirty="0"/>
-              <a:t> that are strongly connected but not contained in larger strongly connected </a:t>
-            </a:r>
-            <a:r>
-              <a:rPr lang="en-US" dirty="0" err="1"/>
-              <a:t>subgraphs</a:t>
-            </a:r>
-            <a:r>
-              <a:rPr lang="en-US" dirty="0"/>
-              <a:t>, that is, the maximal strongly connected </a:t>
-            </a:r>
-            <a:r>
-              <a:rPr lang="en-US" dirty="0" err="1"/>
-              <a:t>subgraphs</a:t>
-            </a:r>
-            <a:r>
-              <a:rPr lang="en-US" dirty="0"/>
-              <a:t>, are called the </a:t>
-            </a:r>
-            <a:r>
-              <a:rPr lang="en-US" i="1" dirty="0"/>
-              <a:t>strongly connected components</a:t>
-            </a:r>
-            <a:r>
-              <a:rPr lang="en-US" dirty="0"/>
-              <a:t> or </a:t>
-            </a:r>
-            <a:r>
-              <a:rPr lang="en-US" i="1" dirty="0"/>
-              <a:t>strong components </a:t>
-            </a:r>
-            <a:r>
-              <a:rPr lang="en-US" dirty="0"/>
-              <a:t>of </a:t>
-            </a:r>
-            <a:r>
-              <a:rPr lang="en-US" i="1" dirty="0"/>
-              <a:t>G</a:t>
-            </a:r>
-            <a:r>
-              <a:rPr lang="en-US" dirty="0"/>
-              <a:t>. </a:t>
-            </a:r>
-          </a:p>
-          <a:p>
-            <a:pPr indent="0">
-              <a:buNone/>
-            </a:pPr>
-            <a:endParaRPr lang="en-US" dirty="0"/>
-          </a:p>
-          <a:p>
-            <a:pPr indent="0">
-              <a:buNone/>
-            </a:pPr>
-            <a:r>
-              <a:rPr lang="en-US" b="1" dirty="0"/>
-              <a:t>Example (</a:t>
-            </a:r>
-            <a:r>
-              <a:rPr lang="en-US" i="1" dirty="0"/>
-              <a:t>continued</a:t>
-            </a:r>
-            <a:r>
-              <a:rPr lang="en-US" b="1" dirty="0"/>
-              <a:t>)</a:t>
-            </a:r>
-            <a:r>
-              <a:rPr lang="en-US" dirty="0"/>
-              <a:t>: The graph </a:t>
-            </a:r>
-            <a:r>
-              <a:rPr lang="en-US" i="1" dirty="0"/>
-              <a:t>H</a:t>
-            </a:r>
-            <a:r>
-              <a:rPr lang="en-US" dirty="0"/>
-              <a:t> has three strongly connected components, consisting of the vertex </a:t>
-            </a:r>
-            <a:r>
-              <a:rPr lang="en-US" i="1" dirty="0"/>
-              <a:t>a</a:t>
-            </a:r>
-            <a:r>
-              <a:rPr lang="en-US" dirty="0"/>
-              <a:t>; the vertex </a:t>
-            </a:r>
-            <a:r>
-              <a:rPr lang="en-US" i="1" dirty="0"/>
-              <a:t>e;</a:t>
-            </a:r>
-            <a:r>
-              <a:rPr lang="en-US" dirty="0"/>
-              <a:t> and the </a:t>
-            </a:r>
-            <a:r>
-              <a:rPr lang="en-US" dirty="0" err="1"/>
-              <a:t>subgraph</a:t>
-            </a:r>
-            <a:r>
-              <a:rPr lang="en-US" dirty="0"/>
-              <a:t> consisting of the vertices </a:t>
-            </a:r>
-            <a:r>
-              <a:rPr lang="en-US" i="1" dirty="0"/>
-              <a:t>b</a:t>
-            </a:r>
-            <a:r>
-              <a:rPr lang="en-US" dirty="0"/>
-              <a:t>, </a:t>
-            </a:r>
-            <a:r>
-              <a:rPr lang="en-US" i="1" dirty="0"/>
-              <a:t>c</a:t>
-            </a:r>
-            <a:r>
-              <a:rPr lang="en-US" dirty="0"/>
-              <a:t>, </a:t>
-            </a:r>
-            <a:r>
-              <a:rPr lang="en-US" i="1" dirty="0"/>
-              <a:t>d</a:t>
-            </a:r>
-            <a:r>
-              <a:rPr lang="en-US" dirty="0"/>
-              <a:t> and edges (</a:t>
-            </a:r>
-            <a:r>
-              <a:rPr lang="en-US" i="1" dirty="0" err="1"/>
-              <a:t>b</a:t>
-            </a:r>
-            <a:r>
-              <a:rPr lang="en-US" dirty="0" err="1"/>
-              <a:t>,</a:t>
-            </a:r>
-            <a:r>
-              <a:rPr lang="en-US" i="1" dirty="0" err="1"/>
-              <a:t>c</a:t>
-            </a:r>
-            <a:r>
-              <a:rPr lang="en-US" dirty="0"/>
-              <a:t>), (</a:t>
-            </a:r>
-            <a:r>
-              <a:rPr lang="en-US" i="1" dirty="0" err="1"/>
-              <a:t>c</a:t>
-            </a:r>
-            <a:r>
-              <a:rPr lang="en-US" dirty="0" err="1"/>
-              <a:t>,</a:t>
-            </a:r>
-            <a:r>
-              <a:rPr lang="en-US" i="1" dirty="0" err="1"/>
-              <a:t>d</a:t>
-            </a:r>
-            <a:r>
-              <a:rPr lang="en-US" dirty="0"/>
-              <a:t>), and (</a:t>
-            </a:r>
-            <a:r>
-              <a:rPr lang="en-US" i="1" dirty="0" err="1"/>
-              <a:t>d</a:t>
-            </a:r>
-            <a:r>
-              <a:rPr lang="en-US" dirty="0" err="1"/>
-              <a:t>,</a:t>
-            </a:r>
-            <a:r>
-              <a:rPr lang="en-US" i="1" dirty="0" err="1"/>
-              <a:t>b</a:t>
-            </a:r>
-            <a:r>
-              <a:rPr lang="en-US" dirty="0"/>
-              <a:t>).</a:t>
             </a:r>
           </a:p>
         </p:txBody>
@@ -27366,8 +27395,8 @@
         </p:blipFill>
         <p:spPr>
           <a:xfrm>
-            <a:off x="5410200" y="1752600"/>
-            <a:ext cx="2124456" cy="1063752"/>
+            <a:off x="2667000" y="4572000"/>
+            <a:ext cx="3657600" cy="1831424"/>
           </a:xfrm>
           <a:prstGeom prst="rect">
             <a:avLst/>
@@ -27560,6 +27589,314 @@
       </p:grpSpPr>
       <p:sp>
         <p:nvSpPr>
+          <p:cNvPr id="3" name="Content Placeholder 2"/>
+          <p:cNvSpPr>
+            <a:spLocks noGrp="1"/>
+          </p:cNvSpPr>
+          <p:nvPr>
+            <p:ph idx="1"/>
+          </p:nvPr>
+        </p:nvSpPr>
+        <p:spPr/>
+        <p:txBody>
+          <a:bodyPr>
+            <a:normAutofit lnSpcReduction="10000"/>
+          </a:bodyPr>
+          <a:lstStyle/>
+          <a:p>
+            <a:pPr indent="0">
+              <a:buNone/>
+            </a:pPr>
+            <a:endParaRPr lang="en-US" dirty="0"/>
+          </a:p>
+          <a:p>
+            <a:pPr indent="0">
+              <a:buNone/>
+            </a:pPr>
+            <a:r>
+              <a:rPr lang="en-US" b="1" dirty="0"/>
+              <a:t>Definition</a:t>
+            </a:r>
+            <a:r>
+              <a:rPr lang="en-US" dirty="0"/>
+              <a:t>: The </a:t>
+            </a:r>
+            <a:r>
+              <a:rPr lang="en-US" dirty="0" err="1"/>
+              <a:t>subgraphs</a:t>
+            </a:r>
+            <a:r>
+              <a:rPr lang="en-US" dirty="0"/>
+              <a:t> of a directed graph </a:t>
+            </a:r>
+            <a:r>
+              <a:rPr lang="en-US" i="1" dirty="0"/>
+              <a:t>G</a:t>
+            </a:r>
+            <a:r>
+              <a:rPr lang="en-US" dirty="0"/>
+              <a:t> that are strongly connected but not contained in larger strongly connected </a:t>
+            </a:r>
+            <a:r>
+              <a:rPr lang="en-US" dirty="0" err="1"/>
+              <a:t>subgraphs</a:t>
+            </a:r>
+            <a:r>
+              <a:rPr lang="en-US" dirty="0"/>
+              <a:t>, that is, the maximal strongly connected </a:t>
+            </a:r>
+            <a:r>
+              <a:rPr lang="en-US" dirty="0" err="1"/>
+              <a:t>subgraphs</a:t>
+            </a:r>
+            <a:r>
+              <a:rPr lang="en-US" dirty="0"/>
+              <a:t>, are called the </a:t>
+            </a:r>
+            <a:r>
+              <a:rPr lang="en-US" i="1" dirty="0">
+                <a:solidFill>
+                  <a:srgbClr val="FF0000"/>
+                </a:solidFill>
+              </a:rPr>
+              <a:t>strongly connected components</a:t>
+            </a:r>
+            <a:r>
+              <a:rPr lang="en-US" dirty="0">
+                <a:solidFill>
+                  <a:srgbClr val="FF0000"/>
+                </a:solidFill>
+              </a:rPr>
+              <a:t> or </a:t>
+            </a:r>
+            <a:r>
+              <a:rPr lang="en-US" i="1" dirty="0">
+                <a:solidFill>
+                  <a:srgbClr val="FF0000"/>
+                </a:solidFill>
+              </a:rPr>
+              <a:t>strong components </a:t>
+            </a:r>
+            <a:r>
+              <a:rPr lang="en-US" dirty="0"/>
+              <a:t>of </a:t>
+            </a:r>
+            <a:r>
+              <a:rPr lang="en-US" i="1" dirty="0"/>
+              <a:t>G</a:t>
+            </a:r>
+            <a:r>
+              <a:rPr lang="en-US" dirty="0"/>
+              <a:t>. </a:t>
+            </a:r>
+          </a:p>
+          <a:p>
+            <a:pPr indent="0">
+              <a:buNone/>
+            </a:pPr>
+            <a:endParaRPr lang="en-US" dirty="0"/>
+          </a:p>
+          <a:p>
+            <a:pPr indent="0">
+              <a:buNone/>
+            </a:pPr>
+            <a:r>
+              <a:rPr lang="en-US" b="1" dirty="0"/>
+              <a:t>Example (</a:t>
+            </a:r>
+            <a:r>
+              <a:rPr lang="en-US" i="1" dirty="0"/>
+              <a:t>continued</a:t>
+            </a:r>
+            <a:r>
+              <a:rPr lang="en-US" b="1" dirty="0"/>
+              <a:t>)</a:t>
+            </a:r>
+            <a:r>
+              <a:rPr lang="en-US" dirty="0"/>
+              <a:t>: The graph </a:t>
+            </a:r>
+            <a:r>
+              <a:rPr lang="en-US" i="1" dirty="0"/>
+              <a:t>H</a:t>
+            </a:r>
+            <a:r>
+              <a:rPr lang="en-US" dirty="0"/>
+              <a:t> has </a:t>
+            </a:r>
+            <a:r>
+              <a:rPr lang="en-US" dirty="0">
+                <a:solidFill>
+                  <a:srgbClr val="FF0000"/>
+                </a:solidFill>
+              </a:rPr>
+              <a:t>three</a:t>
+            </a:r>
+            <a:r>
+              <a:rPr lang="en-US" dirty="0"/>
+              <a:t> strongly connected components, consisting of the vertex </a:t>
+            </a:r>
+            <a:r>
+              <a:rPr lang="en-US" i="1" dirty="0"/>
+              <a:t>a</a:t>
+            </a:r>
+            <a:r>
+              <a:rPr lang="en-US" dirty="0"/>
+              <a:t>; the vertex </a:t>
+            </a:r>
+            <a:r>
+              <a:rPr lang="en-US" i="1" dirty="0"/>
+              <a:t>e;</a:t>
+            </a:r>
+            <a:r>
+              <a:rPr lang="en-US" dirty="0"/>
+              <a:t> and the </a:t>
+            </a:r>
+            <a:r>
+              <a:rPr lang="en-US" dirty="0" err="1"/>
+              <a:t>subgraph</a:t>
+            </a:r>
+            <a:r>
+              <a:rPr lang="en-US" dirty="0"/>
+              <a:t> consisting of the vertices </a:t>
+            </a:r>
+            <a:r>
+              <a:rPr lang="en-US" i="1" dirty="0"/>
+              <a:t>b</a:t>
+            </a:r>
+            <a:r>
+              <a:rPr lang="en-US" dirty="0"/>
+              <a:t>, </a:t>
+            </a:r>
+            <a:r>
+              <a:rPr lang="en-US" i="1" dirty="0"/>
+              <a:t>c</a:t>
+            </a:r>
+            <a:r>
+              <a:rPr lang="en-US" dirty="0"/>
+              <a:t>, </a:t>
+            </a:r>
+            <a:r>
+              <a:rPr lang="en-US" i="1" dirty="0"/>
+              <a:t>d</a:t>
+            </a:r>
+            <a:r>
+              <a:rPr lang="en-US" dirty="0"/>
+              <a:t> and edges (</a:t>
+            </a:r>
+            <a:r>
+              <a:rPr lang="en-US" i="1" dirty="0" err="1"/>
+              <a:t>b</a:t>
+            </a:r>
+            <a:r>
+              <a:rPr lang="en-US" dirty="0" err="1"/>
+              <a:t>,</a:t>
+            </a:r>
+            <a:r>
+              <a:rPr lang="en-US" i="1" dirty="0" err="1"/>
+              <a:t>c</a:t>
+            </a:r>
+            <a:r>
+              <a:rPr lang="en-US" dirty="0"/>
+              <a:t>), (</a:t>
+            </a:r>
+            <a:r>
+              <a:rPr lang="en-US" i="1" dirty="0" err="1"/>
+              <a:t>c</a:t>
+            </a:r>
+            <a:r>
+              <a:rPr lang="en-US" dirty="0" err="1"/>
+              <a:t>,</a:t>
+            </a:r>
+            <a:r>
+              <a:rPr lang="en-US" i="1" dirty="0" err="1"/>
+              <a:t>d</a:t>
+            </a:r>
+            <a:r>
+              <a:rPr lang="en-US" dirty="0"/>
+              <a:t>), and (</a:t>
+            </a:r>
+            <a:r>
+              <a:rPr lang="en-US" i="1" dirty="0" err="1"/>
+              <a:t>d</a:t>
+            </a:r>
+            <a:r>
+              <a:rPr lang="en-US" dirty="0" err="1"/>
+              <a:t>,</a:t>
+            </a:r>
+            <a:r>
+              <a:rPr lang="en-US" i="1" dirty="0" err="1"/>
+              <a:t>b</a:t>
+            </a:r>
+            <a:r>
+              <a:rPr lang="en-US" dirty="0"/>
+              <a:t>).</a:t>
+            </a:r>
+          </a:p>
+        </p:txBody>
+      </p:sp>
+      <p:pic>
+        <p:nvPicPr>
+          <p:cNvPr id="4" name="Picture 3"/>
+          <p:cNvPicPr>
+            <a:picLocks noChangeAspect="1"/>
+          </p:cNvPicPr>
+          <p:nvPr/>
+        </p:nvPicPr>
+        <p:blipFill>
+          <a:blip r:embed="rId2" cstate="print">
+            <a:extLst>
+              <a:ext uri="{28A0092B-C50C-407E-A947-70E740481C1C}">
+                <a14:useLocalDpi xmlns:a14="http://schemas.microsoft.com/office/drawing/2010/main" val="0"/>
+              </a:ext>
+            </a:extLst>
+          </a:blip>
+          <a:stretch>
+            <a:fillRect/>
+          </a:stretch>
+        </p:blipFill>
+        <p:spPr>
+          <a:xfrm>
+            <a:off x="2286000" y="228600"/>
+            <a:ext cx="4300654" cy="2153412"/>
+          </a:xfrm>
+          <a:prstGeom prst="rect">
+            <a:avLst/>
+          </a:prstGeom>
+        </p:spPr>
+      </p:pic>
+    </p:spTree>
+    <p:extLst>
+      <p:ext uri="{BB962C8B-B14F-4D97-AF65-F5344CB8AC3E}">
+        <p14:creationId xmlns:p14="http://schemas.microsoft.com/office/powerpoint/2010/main" val="2687090243"/>
+      </p:ext>
+    </p:extLst>
+  </p:cSld>
+  <p:clrMapOvr>
+    <a:masterClrMapping/>
+  </p:clrMapOvr>
+</p:sld>
+</file>
+
+<file path=ppt/slides/slide71.xml><?xml version="1.0" encoding="utf-8"?>
+<p:sld xmlns:a="http://schemas.openxmlformats.org/drawingml/2006/main" xmlns:r="http://schemas.openxmlformats.org/officeDocument/2006/relationships" xmlns:p="http://schemas.openxmlformats.org/presentationml/2006/main">
+  <p:cSld>
+    <p:spTree>
+      <p:nvGrpSpPr>
+        <p:cNvPr id="1" name=""/>
+        <p:cNvGrpSpPr/>
+        <p:nvPr/>
+      </p:nvGrpSpPr>
+      <p:grpSpPr>
+        <a:xfrm>
+          <a:off x="0" y="0"/>
+          <a:ext cx="0" cy="0"/>
+          <a:chOff x="0" y="0"/>
+          <a:chExt cx="0" cy="0"/>
+        </a:xfrm>
+      </p:grpSpPr>
+      <p:sp>
+        <p:nvSpPr>
           <p:cNvPr id="2" name="Title 1"/>
           <p:cNvSpPr>
             <a:spLocks noGrp="1"/>
@@ -28651,7 +28988,7 @@
 </p:sld>
 </file>
 
-<file path=ppt/slides/slide71.xml><?xml version="1.0" encoding="utf-8"?>
+<file path=ppt/slides/slide72.xml><?xml version="1.0" encoding="utf-8"?>
 <p:sld xmlns:a="http://schemas.openxmlformats.org/drawingml/2006/main" xmlns:r="http://schemas.openxmlformats.org/officeDocument/2006/relationships" xmlns:p="http://schemas.openxmlformats.org/presentationml/2006/main">
   <p:cSld>
     <p:spTree>
@@ -29545,7 +29882,7 @@
 </p:sld>
 </file>
 
-<file path=ppt/slides/slide72.xml><?xml version="1.0" encoding="utf-8"?>
+<file path=ppt/slides/slide73.xml><?xml version="1.0" encoding="utf-8"?>
 <p:sld xmlns:a="http://schemas.openxmlformats.org/drawingml/2006/main" xmlns:r="http://schemas.openxmlformats.org/officeDocument/2006/relationships" xmlns:p="http://schemas.openxmlformats.org/presentationml/2006/main">
   <p:cSld>
     <p:spTree>
@@ -29621,7 +29958,7 @@
 </p:sld>
 </file>
 
-<file path=ppt/slides/slide73.xml><?xml version="1.0" encoding="utf-8"?>
+<file path=ppt/slides/slide74.xml><?xml version="1.0" encoding="utf-8"?>
 <p:sld xmlns:a="http://schemas.openxmlformats.org/drawingml/2006/main" xmlns:r="http://schemas.openxmlformats.org/officeDocument/2006/relationships" xmlns:p="http://schemas.openxmlformats.org/presentationml/2006/main">
   <p:cSld>
     <p:spTree>
@@ -29727,15 +30064,7 @@
           <a:p>
             <a:r>
               <a:rPr lang="en-US" dirty="0"/>
-              <a:t>People wondered whether </a:t>
-            </a:r>
-            <a:r>
-              <a:rPr lang="en-US" dirty="0" err="1"/>
-              <a:t>whether</a:t>
-            </a:r>
-            <a:r>
-              <a:rPr lang="en-US" dirty="0"/>
-              <a:t> it was possible to follow a path that crosses each bridge exactly once and returns to the starting point.</a:t>
+              <a:t>People wondered whether it was possible to follow a path that crosses each bridge exactly once and returns to the starting point.</a:t>
             </a:r>
           </a:p>
           <a:p>
@@ -30034,7 +30363,7 @@
 </p:sld>
 </file>
 
-<file path=ppt/slides/slide74.xml><?xml version="1.0" encoding="utf-8"?>
+<file path=ppt/slides/slide75.xml><?xml version="1.0" encoding="utf-8"?>
 <p:sld xmlns:a="http://schemas.openxmlformats.org/drawingml/2006/main" xmlns:r="http://schemas.openxmlformats.org/officeDocument/2006/relationships" xmlns:p="http://schemas.openxmlformats.org/presentationml/2006/main">
   <p:cSld>
     <p:spTree>
@@ -30096,7 +30425,7 @@
         <p:spPr/>
         <p:txBody>
           <a:bodyPr>
-            <a:normAutofit fontScale="85000" lnSpcReduction="10000"/>
+            <a:normAutofit fontScale="77500" lnSpcReduction="20000"/>
           </a:bodyPr>
           <a:lstStyle/>
           <a:p>
@@ -30112,7 +30441,11 @@
               <a:t>: An </a:t>
             </a:r>
             <a:r>
-              <a:rPr lang="en-US" i="1" dirty="0"/>
+              <a:rPr lang="en-US" i="1" dirty="0">
+                <a:solidFill>
+                  <a:srgbClr val="FF0000"/>
+                </a:solidFill>
+              </a:rPr>
               <a:t>Euler circuit </a:t>
             </a:r>
             <a:r>
@@ -30136,7 +30469,11 @@
               <a:t>. An </a:t>
             </a:r>
             <a:r>
-              <a:rPr lang="en-US" i="1" dirty="0"/>
+              <a:rPr lang="en-US" i="1" dirty="0">
+                <a:solidFill>
+                  <a:srgbClr val="FF0000"/>
+                </a:solidFill>
+              </a:rPr>
               <a:t>Euler path </a:t>
             </a:r>
             <a:r>
@@ -30158,6 +30495,40 @@
             <a:r>
               <a:rPr lang="en-US" dirty="0"/>
               <a:t>. </a:t>
+            </a:r>
+          </a:p>
+          <a:p>
+            <a:pPr indent="0">
+              <a:buNone/>
+            </a:pPr>
+            <a:r>
+              <a:rPr lang="en-US" dirty="0">
+                <a:solidFill>
+                  <a:srgbClr val="FF0000"/>
+                </a:solidFill>
+              </a:rPr>
+              <a:t>Euler circuit</a:t>
+            </a:r>
+            <a:r>
+              <a:rPr lang="en-US" dirty="0"/>
+              <a:t>: pass each edge once, may pass a vertex more than once, stop as the same vertex</a:t>
+            </a:r>
+          </a:p>
+          <a:p>
+            <a:pPr indent="0">
+              <a:buNone/>
+            </a:pPr>
+            <a:r>
+              <a:rPr lang="en-US" dirty="0">
+                <a:solidFill>
+                  <a:srgbClr val="FF0000"/>
+                </a:solidFill>
+              </a:rPr>
+              <a:t>Euler path</a:t>
+            </a:r>
+            <a:r>
+              <a:rPr lang="en-US" dirty="0"/>
+              <a:t>: pass each edge once, may not stop as the same vertex</a:t>
             </a:r>
           </a:p>
           <a:p>
@@ -30463,7 +30834,7 @@
         </p:blipFill>
         <p:spPr>
           <a:xfrm>
-            <a:off x="3886200" y="3657600"/>
+            <a:off x="2819400" y="4138061"/>
             <a:ext cx="2518410" cy="938022"/>
           </a:xfrm>
           <a:prstGeom prst="rect">
@@ -30484,7 +30855,7 @@
 </p:sld>
 </file>
 
-<file path=ppt/slides/slide75.xml><?xml version="1.0" encoding="utf-8"?>
+<file path=ppt/slides/slide76.xml><?xml version="1.0" encoding="utf-8"?>
 <p:sld xmlns:a="http://schemas.openxmlformats.org/drawingml/2006/main" xmlns:r="http://schemas.openxmlformats.org/officeDocument/2006/relationships" xmlns:p="http://schemas.openxmlformats.org/presentationml/2006/main">
   <p:cSld>
     <p:spTree>
@@ -30652,19 +31023,67 @@
             </a:r>
             <a:r>
               <a:rPr lang="en-US" dirty="0"/>
-              <a:t>) must be even.</a:t>
-            </a:r>
-          </a:p>
-          <a:p>
-            <a:r>
-              <a:rPr lang="en-US" dirty="0"/>
-              <a:t>We conclude that the degree of every other vertex must also be even.</a:t>
-            </a:r>
-          </a:p>
-          <a:p>
-            <a:r>
-              <a:rPr lang="en-US" dirty="0"/>
-              <a:t>By the same reasoning, we see that the initial vertex and the final vertex of an Euler path have odd degree, while every other vertex has even degree.  So, a graph with an Euler path has exactly two vertices of odd degree.</a:t>
+              <a:t>) must be </a:t>
+            </a:r>
+            <a:r>
+              <a:rPr lang="en-US" dirty="0">
+                <a:solidFill>
+                  <a:srgbClr val="FF0000"/>
+                </a:solidFill>
+              </a:rPr>
+              <a:t>even</a:t>
+            </a:r>
+            <a:r>
+              <a:rPr lang="en-US" dirty="0"/>
+              <a:t>.</a:t>
+            </a:r>
+          </a:p>
+          <a:p>
+            <a:r>
+              <a:rPr lang="en-US" dirty="0"/>
+              <a:t>We conclude that the degree of </a:t>
+            </a:r>
+            <a:r>
+              <a:rPr lang="en-US" dirty="0">
+                <a:solidFill>
+                  <a:srgbClr val="FF0000"/>
+                </a:solidFill>
+              </a:rPr>
+              <a:t>every</a:t>
+            </a:r>
+            <a:r>
+              <a:rPr lang="en-US" dirty="0"/>
+              <a:t> other vertex must also be </a:t>
+            </a:r>
+            <a:r>
+              <a:rPr lang="en-US" dirty="0">
+                <a:solidFill>
+                  <a:srgbClr val="FF0000"/>
+                </a:solidFill>
+              </a:rPr>
+              <a:t>even</a:t>
+            </a:r>
+            <a:r>
+              <a:rPr lang="en-US" dirty="0"/>
+              <a:t>.</a:t>
+            </a:r>
+          </a:p>
+          <a:p>
+            <a:r>
+              <a:rPr lang="en-US" dirty="0"/>
+              <a:t>By the same reasoning, we see that the initial vertex and the final vertex of an Euler path have </a:t>
+            </a:r>
+            <a:r>
+              <a:rPr lang="en-US" dirty="0">
+                <a:solidFill>
+                  <a:srgbClr val="FF0000"/>
+                </a:solidFill>
+              </a:rPr>
+              <a:t>odd</a:t>
+            </a:r>
+            <a:r>
+              <a:rPr lang="en-US" dirty="0"/>
+              <a:t> degree, while every other vertex has even degree.  So, a graph with an Euler path has exactly two vertices of odd degree.</a:t>
             </a:r>
           </a:p>
           <a:p>
@@ -30688,7 +31107,7 @@
 </p:sld>
 </file>
 
-<file path=ppt/slides/slide76.xml><?xml version="1.0" encoding="utf-8"?>
+<file path=ppt/slides/slide77.xml><?xml version="1.0" encoding="utf-8"?>
 <p:sld xmlns:a="http://schemas.openxmlformats.org/drawingml/2006/main" xmlns:r="http://schemas.openxmlformats.org/officeDocument/2006/relationships" xmlns:p="http://schemas.openxmlformats.org/presentationml/2006/main">
   <p:cSld>
     <p:spTree>
@@ -31532,7 +31951,7 @@
 </p:sld>
 </file>
 
-<file path=ppt/slides/slide77.xml><?xml version="1.0" encoding="utf-8"?>
+<file path=ppt/slides/slide78.xml><?xml version="1.0" encoding="utf-8"?>
 <p:sld xmlns:a="http://schemas.openxmlformats.org/drawingml/2006/main" xmlns:r="http://schemas.openxmlformats.org/officeDocument/2006/relationships" xmlns:p="http://schemas.openxmlformats.org/presentationml/2006/main">
   <p:cSld>
     <p:spTree>
@@ -31852,7 +32271,7 @@
 </p:sld>
 </file>
 
-<file path=ppt/slides/slide78.xml><?xml version="1.0" encoding="utf-8"?>
+<file path=ppt/slides/slide79.xml><?xml version="1.0" encoding="utf-8"?>
 <p:sld xmlns:a="http://schemas.openxmlformats.org/drawingml/2006/main" xmlns:r="http://schemas.openxmlformats.org/officeDocument/2006/relationships" xmlns:p="http://schemas.openxmlformats.org/presentationml/2006/main">
   <p:cSld>
     <p:spTree>
@@ -32024,135 +32443,6 @@
     <p:extLst>
       <p:ext uri="{BB962C8B-B14F-4D97-AF65-F5344CB8AC3E}">
         <p14:creationId xmlns:p14="http://schemas.microsoft.com/office/powerpoint/2010/main" val="2673916081"/>
-      </p:ext>
-    </p:extLst>
-  </p:cSld>
-  <p:clrMapOvr>
-    <a:masterClrMapping/>
-  </p:clrMapOvr>
-</p:sld>
-</file>
-
-<file path=ppt/slides/slide79.xml><?xml version="1.0" encoding="utf-8"?>
-<p:sld xmlns:a="http://schemas.openxmlformats.org/drawingml/2006/main" xmlns:r="http://schemas.openxmlformats.org/officeDocument/2006/relationships" xmlns:p="http://schemas.openxmlformats.org/presentationml/2006/main">
-  <p:cSld>
-    <p:spTree>
-      <p:nvGrpSpPr>
-        <p:cNvPr id="1" name=""/>
-        <p:cNvGrpSpPr/>
-        <p:nvPr/>
-      </p:nvGrpSpPr>
-      <p:grpSpPr>
-        <a:xfrm>
-          <a:off x="0" y="0"/>
-          <a:ext cx="0" cy="0"/>
-          <a:chOff x="0" y="0"/>
-          <a:chExt cx="0" cy="0"/>
-        </a:xfrm>
-      </p:grpSpPr>
-      <p:sp>
-        <p:nvSpPr>
-          <p:cNvPr id="2" name="Title 1"/>
-          <p:cNvSpPr>
-            <a:spLocks noGrp="1"/>
-          </p:cNvSpPr>
-          <p:nvPr>
-            <p:ph type="title"/>
-          </p:nvPr>
-        </p:nvSpPr>
-        <p:spPr/>
-        <p:txBody>
-          <a:bodyPr/>
-          <a:lstStyle/>
-          <a:p>
-            <a:r>
-              <a:rPr lang="en-US" dirty="0"/>
-              <a:t>Classroom Exercise</a:t>
-            </a:r>
-          </a:p>
-        </p:txBody>
-      </p:sp>
-      <p:sp>
-        <p:nvSpPr>
-          <p:cNvPr id="3" name="Content Placeholder 2"/>
-          <p:cNvSpPr>
-            <a:spLocks noGrp="1"/>
-          </p:cNvSpPr>
-          <p:nvPr>
-            <p:ph idx="1"/>
-          </p:nvPr>
-        </p:nvSpPr>
-        <p:spPr/>
-        <p:txBody>
-          <a:bodyPr/>
-          <a:lstStyle/>
-          <a:p>
-            <a:r>
-              <a:rPr lang="en-US" dirty="0"/>
-              <a:t>Determine whether the given graph has an Euler circuit. Construct such a circuit when one exists. If no Euler circuit exists, determine whether the graph has an Euler path and construct such a path if one exists.</a:t>
-            </a:r>
-          </a:p>
-          <a:p>
-            <a:endParaRPr lang="en-US" dirty="0"/>
-          </a:p>
-        </p:txBody>
-      </p:sp>
-      <p:sp>
-        <p:nvSpPr>
-          <p:cNvPr id="5" name="Rectangle 3" descr="ch10_Page_153"/>
-          <p:cNvSpPr>
-            <a:spLocks noGrp="1" noChangeAspect="1" noChangeArrowheads="1"/>
-          </p:cNvSpPr>
-          <p:nvPr isPhoto="1"/>
-        </p:nvSpPr>
-        <p:spPr bwMode="auto">
-          <a:xfrm>
-            <a:off x="2286000" y="3562350"/>
-            <a:ext cx="4394200" cy="3295650"/>
-          </a:xfrm>
-          <a:prstGeom prst="rect">
-            <a:avLst/>
-          </a:prstGeom>
-          <a:blipFill dpi="0" rotWithShape="1">
-            <a:blip r:embed="rId2"/>
-            <a:srcRect/>
-            <a:stretch>
-              <a:fillRect/>
-            </a:stretch>
-          </a:blipFill>
-          <a:ln w="9525">
-            <a:solidFill>
-              <a:schemeClr val="tx1"/>
-            </a:solidFill>
-            <a:miter lim="800000"/>
-            <a:headEnd/>
-            <a:tailEnd/>
-          </a:ln>
-          <a:effectLst/>
-          <a:extLst>
-            <a:ext uri="{AF507438-7753-43E0-B8FC-AC1667EBCBE1}">
-              <a14:hiddenEffects xmlns:a14="http://schemas.microsoft.com/office/drawing/2010/main">
-                <a:effectLst>
-                  <a:outerShdw dist="35921" dir="2700000" algn="ctr" rotWithShape="0">
-                    <a:schemeClr val="bg2"/>
-                  </a:outerShdw>
-                </a:effectLst>
-              </a14:hiddenEffects>
-            </a:ext>
-          </a:extLst>
-        </p:spPr>
-        <p:txBody>
-          <a:bodyPr/>
-          <a:lstStyle/>
-          <a:p>
-            <a:endParaRPr lang="en-US"/>
-          </a:p>
-        </p:txBody>
-      </p:sp>
-    </p:spTree>
-    <p:extLst>
-      <p:ext uri="{BB962C8B-B14F-4D97-AF65-F5344CB8AC3E}">
-        <p14:creationId xmlns:p14="http://schemas.microsoft.com/office/powerpoint/2010/main" val="1195998045"/>
       </p:ext>
     </p:extLst>
   </p:cSld>
@@ -32474,6 +32764,135 @@
         </p:nvSpPr>
         <p:spPr/>
         <p:txBody>
+          <a:bodyPr/>
+          <a:lstStyle/>
+          <a:p>
+            <a:r>
+              <a:rPr lang="en-US" dirty="0"/>
+              <a:t>Classroom Exercise</a:t>
+            </a:r>
+          </a:p>
+        </p:txBody>
+      </p:sp>
+      <p:sp>
+        <p:nvSpPr>
+          <p:cNvPr id="3" name="Content Placeholder 2"/>
+          <p:cNvSpPr>
+            <a:spLocks noGrp="1"/>
+          </p:cNvSpPr>
+          <p:nvPr>
+            <p:ph idx="1"/>
+          </p:nvPr>
+        </p:nvSpPr>
+        <p:spPr/>
+        <p:txBody>
+          <a:bodyPr/>
+          <a:lstStyle/>
+          <a:p>
+            <a:r>
+              <a:rPr lang="en-US" dirty="0"/>
+              <a:t>Determine whether the given graph has an Euler circuit. Construct such a circuit when one exists. If no Euler circuit exists, determine whether the graph has an Euler path and construct such a path if one exists.</a:t>
+            </a:r>
+          </a:p>
+          <a:p>
+            <a:endParaRPr lang="en-US" dirty="0"/>
+          </a:p>
+        </p:txBody>
+      </p:sp>
+      <p:sp>
+        <p:nvSpPr>
+          <p:cNvPr id="5" name="Rectangle 3" descr="ch10_Page_153"/>
+          <p:cNvSpPr>
+            <a:spLocks noGrp="1" noChangeAspect="1" noChangeArrowheads="1"/>
+          </p:cNvSpPr>
+          <p:nvPr isPhoto="1"/>
+        </p:nvSpPr>
+        <p:spPr bwMode="auto">
+          <a:xfrm>
+            <a:off x="2286000" y="3562350"/>
+            <a:ext cx="4394200" cy="3295650"/>
+          </a:xfrm>
+          <a:prstGeom prst="rect">
+            <a:avLst/>
+          </a:prstGeom>
+          <a:blipFill dpi="0" rotWithShape="1">
+            <a:blip r:embed="rId2"/>
+            <a:srcRect/>
+            <a:stretch>
+              <a:fillRect/>
+            </a:stretch>
+          </a:blipFill>
+          <a:ln w="9525">
+            <a:solidFill>
+              <a:schemeClr val="tx1"/>
+            </a:solidFill>
+            <a:miter lim="800000"/>
+            <a:headEnd/>
+            <a:tailEnd/>
+          </a:ln>
+          <a:effectLst/>
+          <a:extLst>
+            <a:ext uri="{AF507438-7753-43E0-B8FC-AC1667EBCBE1}">
+              <a14:hiddenEffects xmlns:a14="http://schemas.microsoft.com/office/drawing/2010/main">
+                <a:effectLst>
+                  <a:outerShdw dist="35921" dir="2700000" algn="ctr" rotWithShape="0">
+                    <a:schemeClr val="bg2"/>
+                  </a:outerShdw>
+                </a:effectLst>
+              </a14:hiddenEffects>
+            </a:ext>
+          </a:extLst>
+        </p:spPr>
+        <p:txBody>
+          <a:bodyPr/>
+          <a:lstStyle/>
+          <a:p>
+            <a:endParaRPr lang="en-US"/>
+          </a:p>
+        </p:txBody>
+      </p:sp>
+    </p:spTree>
+    <p:extLst>
+      <p:ext uri="{BB962C8B-B14F-4D97-AF65-F5344CB8AC3E}">
+        <p14:creationId xmlns:p14="http://schemas.microsoft.com/office/powerpoint/2010/main" val="1195998045"/>
+      </p:ext>
+    </p:extLst>
+  </p:cSld>
+  <p:clrMapOvr>
+    <a:masterClrMapping/>
+  </p:clrMapOvr>
+</p:sld>
+</file>
+
+<file path=ppt/slides/slide81.xml><?xml version="1.0" encoding="utf-8"?>
+<p:sld xmlns:a="http://schemas.openxmlformats.org/drawingml/2006/main" xmlns:r="http://schemas.openxmlformats.org/officeDocument/2006/relationships" xmlns:p="http://schemas.openxmlformats.org/presentationml/2006/main">
+  <p:cSld>
+    <p:spTree>
+      <p:nvGrpSpPr>
+        <p:cNvPr id="1" name=""/>
+        <p:cNvGrpSpPr/>
+        <p:nvPr/>
+      </p:nvGrpSpPr>
+      <p:grpSpPr>
+        <a:xfrm>
+          <a:off x="0" y="0"/>
+          <a:ext cx="0" cy="0"/>
+          <a:chOff x="0" y="0"/>
+          <a:chExt cx="0" cy="0"/>
+        </a:xfrm>
+      </p:grpSpPr>
+      <p:sp>
+        <p:nvSpPr>
+          <p:cNvPr id="2" name="Title 1"/>
+          <p:cNvSpPr>
+            <a:spLocks noGrp="1"/>
+          </p:cNvSpPr>
+          <p:nvPr>
+            <p:ph type="title"/>
+          </p:nvPr>
+        </p:nvSpPr>
+        <p:spPr/>
+        <p:txBody>
           <a:bodyPr>
             <a:normAutofit fontScale="90000"/>
           </a:bodyPr>
@@ -33433,7 +33852,7 @@
 </p:sld>
 </file>
 
-<file path=ppt/slides/slide81.xml><?xml version="1.0" encoding="utf-8"?>
+<file path=ppt/slides/slide82.xml><?xml version="1.0" encoding="utf-8"?>
 <p:sld xmlns:a="http://schemas.openxmlformats.org/drawingml/2006/main" xmlns:r="http://schemas.openxmlformats.org/officeDocument/2006/relationships" xmlns:p="http://schemas.openxmlformats.org/presentationml/2006/main">
   <p:cSld>
     <p:spTree>
@@ -33641,7 +34060,7 @@
 </p:sld>
 </file>
 
-<file path=ppt/slides/slide82.xml><?xml version="1.0" encoding="utf-8"?>
+<file path=ppt/slides/slide83.xml><?xml version="1.0" encoding="utf-8"?>
 <p:sld xmlns:a="http://schemas.openxmlformats.org/drawingml/2006/main" xmlns:r="http://schemas.openxmlformats.org/officeDocument/2006/relationships" xmlns:p="http://schemas.openxmlformats.org/presentationml/2006/main">
   <p:cSld>
     <p:spTree>
@@ -34034,7 +34453,7 @@
 </p:sld>
 </file>
 
-<file path=ppt/slides/slide83.xml><?xml version="1.0" encoding="utf-8"?>
+<file path=ppt/slides/slide84.xml><?xml version="1.0" encoding="utf-8"?>
 <p:sld xmlns:a="http://schemas.openxmlformats.org/drawingml/2006/main" xmlns:r="http://schemas.openxmlformats.org/officeDocument/2006/relationships" xmlns:p="http://schemas.openxmlformats.org/presentationml/2006/main">
   <p:cSld>
     <p:spTree>
@@ -34167,7 +34586,7 @@
 </p:sld>
 </file>
 
-<file path=ppt/slides/slide84.xml><?xml version="1.0" encoding="utf-8"?>
+<file path=ppt/slides/slide85.xml><?xml version="1.0" encoding="utf-8"?>
 <p:sld xmlns:a="http://schemas.openxmlformats.org/drawingml/2006/main" xmlns:r="http://schemas.openxmlformats.org/officeDocument/2006/relationships" xmlns:p="http://schemas.openxmlformats.org/presentationml/2006/main">
   <p:cSld>
     <p:spTree>
@@ -34491,7 +34910,7 @@
 </p:sld>
 </file>
 
-<file path=ppt/slides/slide85.xml><?xml version="1.0" encoding="utf-8"?>
+<file path=ppt/slides/slide86.xml><?xml version="1.0" encoding="utf-8"?>
 <p:sld xmlns:a="http://schemas.openxmlformats.org/drawingml/2006/main" xmlns:r="http://schemas.openxmlformats.org/officeDocument/2006/relationships" xmlns:p="http://schemas.openxmlformats.org/presentationml/2006/main">
   <p:cSld>
     <p:spTree>
@@ -35092,7 +35511,7 @@
 </p:sld>
 </file>
 
-<file path=ppt/slides/slide86.xml><?xml version="1.0" encoding="utf-8"?>
+<file path=ppt/slides/slide87.xml><?xml version="1.0" encoding="utf-8"?>
 <p:sld xmlns:a="http://schemas.openxmlformats.org/drawingml/2006/main" xmlns:r="http://schemas.openxmlformats.org/officeDocument/2006/relationships" xmlns:p="http://schemas.openxmlformats.org/presentationml/2006/main">
   <p:cSld>
     <p:spTree>
@@ -35436,7 +35855,7 @@
 </p:sld>
 </file>
 
-<file path=ppt/slides/slide87.xml><?xml version="1.0" encoding="utf-8"?>
+<file path=ppt/slides/slide88.xml><?xml version="1.0" encoding="utf-8"?>
 <p:sld xmlns:a="http://schemas.openxmlformats.org/drawingml/2006/main" xmlns:r="http://schemas.openxmlformats.org/officeDocument/2006/relationships" xmlns:p="http://schemas.openxmlformats.org/presentationml/2006/main">
   <p:cSld>
     <p:spTree>
@@ -35879,7 +36298,7 @@
 </p:sld>
 </file>
 
-<file path=ppt/slides/slide88.xml><?xml version="1.0" encoding="utf-8"?>
+<file path=ppt/slides/slide89.xml><?xml version="1.0" encoding="utf-8"?>
 <p:sld xmlns:a="http://schemas.openxmlformats.org/drawingml/2006/main" xmlns:r="http://schemas.openxmlformats.org/officeDocument/2006/relationships" xmlns:p="http://schemas.openxmlformats.org/presentationml/2006/main">
   <p:cSld>
     <p:spTree>

--- a/cs2620/slides/cs2620_notes10.pptx
+++ b/cs2620/slides/cs2620_notes10.pptx
@@ -227,7 +227,7 @@
   <pc:docChgLst>
     <pc:chgData name="Lin  Chen" userId="5b8d33d8-9b1a-4612-8f39-9bee1ddd9437" providerId="ADAL" clId="{0550724F-5D33-FC48-80B7-89CFFB601FB8}"/>
     <pc:docChg chg="undo custSel addSld delSld modSld sldOrd">
-      <pc:chgData name="Lin  Chen" userId="5b8d33d8-9b1a-4612-8f39-9bee1ddd9437" providerId="ADAL" clId="{0550724F-5D33-FC48-80B7-89CFFB601FB8}" dt="2020-11-05T18:50:03.163" v="1065" actId="207"/>
+      <pc:chgData name="Lin  Chen" userId="5b8d33d8-9b1a-4612-8f39-9bee1ddd9437" providerId="ADAL" clId="{0550724F-5D33-FC48-80B7-89CFFB601FB8}" dt="2020-11-10T17:04:52.900" v="1079" actId="207"/>
       <pc:docMkLst>
         <pc:docMk/>
       </pc:docMkLst>
@@ -762,6 +762,21 @@
         </pc:spChg>
       </pc:sldChg>
       <pc:sldChg chg="modSp mod">
+        <pc:chgData name="Lin  Chen" userId="5b8d33d8-9b1a-4612-8f39-9bee1ddd9437" providerId="ADAL" clId="{0550724F-5D33-FC48-80B7-89CFFB601FB8}" dt="2020-11-10T17:04:07.787" v="1078" actId="207"/>
+        <pc:sldMkLst>
+          <pc:docMk/>
+          <pc:sldMk cId="3537858309" sldId="434"/>
+        </pc:sldMkLst>
+        <pc:spChg chg="mod">
+          <ac:chgData name="Lin  Chen" userId="5b8d33d8-9b1a-4612-8f39-9bee1ddd9437" providerId="ADAL" clId="{0550724F-5D33-FC48-80B7-89CFFB601FB8}" dt="2020-11-10T17:04:07.787" v="1078" actId="207"/>
+          <ac:spMkLst>
+            <pc:docMk/>
+            <pc:sldMk cId="3537858309" sldId="434"/>
+            <ac:spMk id="18" creationId="{00000000-0000-0000-0000-000000000000}"/>
+          </ac:spMkLst>
+        </pc:spChg>
+      </pc:sldChg>
+      <pc:sldChg chg="modSp mod">
         <pc:chgData name="Lin  Chen" userId="5b8d33d8-9b1a-4612-8f39-9bee1ddd9437" providerId="ADAL" clId="{0550724F-5D33-FC48-80B7-89CFFB601FB8}" dt="2020-11-05T17:47:32.688" v="770" actId="207"/>
         <pc:sldMkLst>
           <pc:docMk/>
@@ -893,6 +908,81 @@
           <ac:spMkLst>
             <pc:docMk/>
             <pc:sldMk cId="243559925" sldId="454"/>
+            <ac:spMk id="3" creationId="{00000000-0000-0000-0000-000000000000}"/>
+          </ac:spMkLst>
+        </pc:spChg>
+      </pc:sldChg>
+      <pc:sldChg chg="modSp mod">
+        <pc:chgData name="Lin  Chen" userId="5b8d33d8-9b1a-4612-8f39-9bee1ddd9437" providerId="ADAL" clId="{0550724F-5D33-FC48-80B7-89CFFB601FB8}" dt="2020-11-10T16:56:49.038" v="1070" actId="207"/>
+        <pc:sldMkLst>
+          <pc:docMk/>
+          <pc:sldMk cId="1282661429" sldId="455"/>
+        </pc:sldMkLst>
+        <pc:spChg chg="mod">
+          <ac:chgData name="Lin  Chen" userId="5b8d33d8-9b1a-4612-8f39-9bee1ddd9437" providerId="ADAL" clId="{0550724F-5D33-FC48-80B7-89CFFB601FB8}" dt="2020-11-10T16:56:49.038" v="1070" actId="207"/>
+          <ac:spMkLst>
+            <pc:docMk/>
+            <pc:sldMk cId="1282661429" sldId="455"/>
+            <ac:spMk id="3" creationId="{00000000-0000-0000-0000-000000000000}"/>
+          </ac:spMkLst>
+        </pc:spChg>
+      </pc:sldChg>
+      <pc:sldChg chg="modSp mod">
+        <pc:chgData name="Lin  Chen" userId="5b8d33d8-9b1a-4612-8f39-9bee1ddd9437" providerId="ADAL" clId="{0550724F-5D33-FC48-80B7-89CFFB601FB8}" dt="2020-11-10T16:55:14.478" v="1066" actId="207"/>
+        <pc:sldMkLst>
+          <pc:docMk/>
+          <pc:sldMk cId="1750943905" sldId="456"/>
+        </pc:sldMkLst>
+        <pc:spChg chg="mod">
+          <ac:chgData name="Lin  Chen" userId="5b8d33d8-9b1a-4612-8f39-9bee1ddd9437" providerId="ADAL" clId="{0550724F-5D33-FC48-80B7-89CFFB601FB8}" dt="2020-11-10T16:55:14.478" v="1066" actId="207"/>
+          <ac:spMkLst>
+            <pc:docMk/>
+            <pc:sldMk cId="1750943905" sldId="456"/>
+            <ac:spMk id="6" creationId="{00000000-0000-0000-0000-000000000000}"/>
+          </ac:spMkLst>
+        </pc:spChg>
+      </pc:sldChg>
+      <pc:sldChg chg="modSp mod">
+        <pc:chgData name="Lin  Chen" userId="5b8d33d8-9b1a-4612-8f39-9bee1ddd9437" providerId="ADAL" clId="{0550724F-5D33-FC48-80B7-89CFFB601FB8}" dt="2020-11-10T17:04:52.900" v="1079" actId="207"/>
+        <pc:sldMkLst>
+          <pc:docMk/>
+          <pc:sldMk cId="3991648520" sldId="461"/>
+        </pc:sldMkLst>
+        <pc:spChg chg="mod">
+          <ac:chgData name="Lin  Chen" userId="5b8d33d8-9b1a-4612-8f39-9bee1ddd9437" providerId="ADAL" clId="{0550724F-5D33-FC48-80B7-89CFFB601FB8}" dt="2020-11-10T17:04:52.900" v="1079" actId="207"/>
+          <ac:spMkLst>
+            <pc:docMk/>
+            <pc:sldMk cId="3991648520" sldId="461"/>
+            <ac:spMk id="3" creationId="{00000000-0000-0000-0000-000000000000}"/>
+          </ac:spMkLst>
+        </pc:spChg>
+      </pc:sldChg>
+      <pc:sldChg chg="modSp mod">
+        <pc:chgData name="Lin  Chen" userId="5b8d33d8-9b1a-4612-8f39-9bee1ddd9437" providerId="ADAL" clId="{0550724F-5D33-FC48-80B7-89CFFB601FB8}" dt="2020-11-10T17:00:57.435" v="1072" actId="207"/>
+        <pc:sldMkLst>
+          <pc:docMk/>
+          <pc:sldMk cId="1228129452" sldId="463"/>
+        </pc:sldMkLst>
+        <pc:spChg chg="mod">
+          <ac:chgData name="Lin  Chen" userId="5b8d33d8-9b1a-4612-8f39-9bee1ddd9437" providerId="ADAL" clId="{0550724F-5D33-FC48-80B7-89CFFB601FB8}" dt="2020-11-10T17:00:57.435" v="1072" actId="207"/>
+          <ac:spMkLst>
+            <pc:docMk/>
+            <pc:sldMk cId="1228129452" sldId="463"/>
+            <ac:spMk id="3" creationId="{00000000-0000-0000-0000-000000000000}"/>
+          </ac:spMkLst>
+        </pc:spChg>
+      </pc:sldChg>
+      <pc:sldChg chg="modSp mod">
+        <pc:chgData name="Lin  Chen" userId="5b8d33d8-9b1a-4612-8f39-9bee1ddd9437" providerId="ADAL" clId="{0550724F-5D33-FC48-80B7-89CFFB601FB8}" dt="2020-11-10T17:02:14.641" v="1077" actId="207"/>
+        <pc:sldMkLst>
+          <pc:docMk/>
+          <pc:sldMk cId="2912161302" sldId="465"/>
+        </pc:sldMkLst>
+        <pc:spChg chg="mod">
+          <ac:chgData name="Lin  Chen" userId="5b8d33d8-9b1a-4612-8f39-9bee1ddd9437" providerId="ADAL" clId="{0550724F-5D33-FC48-80B7-89CFFB601FB8}" dt="2020-11-10T17:02:14.641" v="1077" actId="207"/>
+          <ac:spMkLst>
+            <pc:docMk/>
+            <pc:sldMk cId="2912161302" sldId="465"/>
             <ac:spMk id="3" creationId="{00000000-0000-0000-0000-000000000000}"/>
           </ac:spMkLst>
         </pc:spChg>
@@ -1242,7 +1332,7 @@
             <a:fld id="{F62EE97F-2327-4FE9-8874-2C0F3581839A}" type="datetimeFigureOut">
               <a:rPr lang="en-US" smtClean="0"/>
               <a:pPr/>
-              <a:t>11/5/20</a:t>
+              <a:t>11/10/20</a:t>
             </a:fld>
             <a:endParaRPr lang="en-US"/>
           </a:p>
@@ -1769,7 +1859,7 @@
             <a:fld id="{74223539-C274-414E-836E-21403C9CE2AE}" type="datetimeFigureOut">
               <a:rPr lang="en-US" smtClean="0"/>
               <a:pPr/>
-              <a:t>11/5/20</a:t>
+              <a:t>11/10/20</a:t>
             </a:fld>
             <a:endParaRPr lang="en-US"/>
           </a:p>
@@ -1935,7 +2025,7 @@
             <a:fld id="{74223539-C274-414E-836E-21403C9CE2AE}" type="datetimeFigureOut">
               <a:rPr lang="en-US" smtClean="0"/>
               <a:pPr/>
-              <a:t>11/5/20</a:t>
+              <a:t>11/10/20</a:t>
             </a:fld>
             <a:endParaRPr lang="en-US"/>
           </a:p>
@@ -2111,7 +2201,7 @@
             <a:fld id="{74223539-C274-414E-836E-21403C9CE2AE}" type="datetimeFigureOut">
               <a:rPr lang="en-US" smtClean="0"/>
               <a:pPr/>
-              <a:t>11/5/20</a:t>
+              <a:t>11/10/20</a:t>
             </a:fld>
             <a:endParaRPr lang="en-US"/>
           </a:p>
@@ -2277,7 +2367,7 @@
             <a:fld id="{74223539-C274-414E-836E-21403C9CE2AE}" type="datetimeFigureOut">
               <a:rPr lang="en-US" smtClean="0"/>
               <a:pPr/>
-              <a:t>11/5/20</a:t>
+              <a:t>11/10/20</a:t>
             </a:fld>
             <a:endParaRPr lang="en-US"/>
           </a:p>
@@ -2520,7 +2610,7 @@
             <a:fld id="{74223539-C274-414E-836E-21403C9CE2AE}" type="datetimeFigureOut">
               <a:rPr lang="en-US" smtClean="0"/>
               <a:pPr/>
-              <a:t>11/5/20</a:t>
+              <a:t>11/10/20</a:t>
             </a:fld>
             <a:endParaRPr lang="en-US"/>
           </a:p>
@@ -2785,7 +2875,7 @@
             <a:fld id="{74223539-C274-414E-836E-21403C9CE2AE}" type="datetimeFigureOut">
               <a:rPr lang="en-US" smtClean="0"/>
               <a:pPr/>
-              <a:t>11/5/20</a:t>
+              <a:t>11/10/20</a:t>
             </a:fld>
             <a:endParaRPr lang="en-US"/>
           </a:p>
@@ -3164,7 +3254,7 @@
             <a:fld id="{74223539-C274-414E-836E-21403C9CE2AE}" type="datetimeFigureOut">
               <a:rPr lang="en-US" smtClean="0"/>
               <a:pPr/>
-              <a:t>11/5/20</a:t>
+              <a:t>11/10/20</a:t>
             </a:fld>
             <a:endParaRPr lang="en-US"/>
           </a:p>
@@ -3315,7 +3405,7 @@
             <a:fld id="{74223539-C274-414E-836E-21403C9CE2AE}" type="datetimeFigureOut">
               <a:rPr lang="en-US" smtClean="0"/>
               <a:pPr/>
-              <a:t>11/5/20</a:t>
+              <a:t>11/10/20</a:t>
             </a:fld>
             <a:endParaRPr lang="en-US"/>
           </a:p>
@@ -3407,7 +3497,7 @@
             <a:fld id="{74223539-C274-414E-836E-21403C9CE2AE}" type="datetimeFigureOut">
               <a:rPr lang="en-US" smtClean="0"/>
               <a:pPr/>
-              <a:t>11/5/20</a:t>
+              <a:t>11/10/20</a:t>
             </a:fld>
             <a:endParaRPr lang="en-US"/>
           </a:p>
@@ -3669,7 +3759,7 @@
             <a:fld id="{74223539-C274-414E-836E-21403C9CE2AE}" type="datetimeFigureOut">
               <a:rPr lang="en-US" smtClean="0"/>
               <a:pPr/>
-              <a:t>11/5/20</a:t>
+              <a:t>11/10/20</a:t>
             </a:fld>
             <a:endParaRPr lang="en-US"/>
           </a:p>
@@ -3958,7 +4048,7 @@
             <a:fld id="{74223539-C274-414E-836E-21403C9CE2AE}" type="datetimeFigureOut">
               <a:rPr lang="en-US" smtClean="0"/>
               <a:pPr/>
-              <a:t>11/5/20</a:t>
+              <a:t>11/10/20</a:t>
             </a:fld>
             <a:endParaRPr lang="en-US"/>
           </a:p>
@@ -4729,7 +4819,7 @@
             <a:fld id="{74223539-C274-414E-836E-21403C9CE2AE}" type="datetimeFigureOut">
               <a:rPr lang="en-US" smtClean="0"/>
               <a:pPr/>
-              <a:t>11/5/20</a:t>
+              <a:t>11/10/20</a:t>
             </a:fld>
             <a:endParaRPr lang="en-US"/>
           </a:p>
@@ -31232,7 +31322,19 @@
             </a:r>
             <a:r>
               <a:rPr lang="en-US" dirty="0"/>
-              <a:t> vertices, all of even degree.  Let </a:t>
+              <a:t> vertices, all of </a:t>
+            </a:r>
+            <a:r>
+              <a:rPr lang="en-US" dirty="0">
+                <a:solidFill>
+                  <a:srgbClr val="FF0000"/>
+                </a:solidFill>
+              </a:rPr>
+              <a:t>even degree</a:t>
+            </a:r>
+            <a:r>
+              <a:rPr lang="en-US" dirty="0"/>
+              <a:t>.  Let </a:t>
             </a:r>
             <a:r>
               <a:rPr lang="en-US" i="1" dirty="0"/>
@@ -33935,7 +34037,55 @@
             </a:r>
             <a:r>
               <a:rPr lang="en-US" dirty="0"/>
-              <a:t> with at least two vertices has an Euler circuit if and only if each of its vertices has an even degree and it has an Euler path if and only if it has exactly two vertices of odd degree.</a:t>
+              <a:t> with at least two vertices has an </a:t>
+            </a:r>
+            <a:r>
+              <a:rPr lang="en-US" dirty="0">
+                <a:solidFill>
+                  <a:srgbClr val="FF0000"/>
+                </a:solidFill>
+              </a:rPr>
+              <a:t>Euler circuit </a:t>
+            </a:r>
+            <a:r>
+              <a:rPr lang="en-US" dirty="0"/>
+              <a:t>if and only if each of its vertices has an </a:t>
+            </a:r>
+            <a:r>
+              <a:rPr lang="en-US" dirty="0">
+                <a:solidFill>
+                  <a:srgbClr val="FF0000"/>
+                </a:solidFill>
+              </a:rPr>
+              <a:t>even degree </a:t>
+            </a:r>
+            <a:r>
+              <a:rPr lang="en-US" dirty="0"/>
+              <a:t>and it has an </a:t>
+            </a:r>
+            <a:r>
+              <a:rPr lang="en-US" dirty="0">
+                <a:solidFill>
+                  <a:srgbClr val="FF0000"/>
+                </a:solidFill>
+              </a:rPr>
+              <a:t>Euler path </a:t>
+            </a:r>
+            <a:r>
+              <a:rPr lang="en-US" dirty="0"/>
+              <a:t>if and only if it has exactly two vertices of </a:t>
+            </a:r>
+            <a:r>
+              <a:rPr lang="en-US" dirty="0">
+                <a:solidFill>
+                  <a:srgbClr val="FF0000"/>
+                </a:solidFill>
+              </a:rPr>
+              <a:t>odd degree</a:t>
+            </a:r>
+            <a:r>
+              <a:rPr lang="en-US" dirty="0"/>
+              <a:t>.</a:t>
             </a:r>
           </a:p>
           <a:p>
@@ -34673,8 +34823,28 @@
           <a:lstStyle/>
           <a:p>
             <a:r>
-              <a:rPr lang="en-US" dirty="0"/>
-              <a:t>Euler paths and circuits contained every edge only once. Now we look at paths and circuits that contain every vertex exactly once. </a:t>
+              <a:rPr lang="en-US" dirty="0">
+                <a:solidFill>
+                  <a:srgbClr val="FF0000"/>
+                </a:solidFill>
+              </a:rPr>
+              <a:t>Euler paths and circuits </a:t>
+            </a:r>
+            <a:r>
+              <a:rPr lang="en-US" dirty="0"/>
+              <a:t>contained </a:t>
+            </a:r>
+            <a:r>
+              <a:rPr lang="en-US" dirty="0">
+                <a:solidFill>
+                  <a:srgbClr val="FF0000"/>
+                </a:solidFill>
+              </a:rPr>
+              <a:t>every edge only once</a:t>
+            </a:r>
+            <a:r>
+              <a:rPr lang="en-US" dirty="0"/>
+              <a:t>. Now we look at paths and circuits that contain every vertex exactly once. </a:t>
             </a:r>
           </a:p>
           <a:p>
@@ -34983,10 +35153,26 @@
             </a:r>
             <a:r>
               <a:rPr lang="en-US" dirty="0"/>
-              <a:t> that passes through every vertex exactly once is called a </a:t>
-            </a:r>
-            <a:r>
-              <a:rPr lang="en-US" i="1" dirty="0"/>
+              <a:t> that passes through </a:t>
+            </a:r>
+            <a:r>
+              <a:rPr lang="en-US" dirty="0">
+                <a:solidFill>
+                  <a:srgbClr val="FF0000"/>
+                </a:solidFill>
+              </a:rPr>
+              <a:t>every vertex exactly once </a:t>
+            </a:r>
+            <a:r>
+              <a:rPr lang="en-US" dirty="0"/>
+              <a:t>is called a </a:t>
+            </a:r>
+            <a:r>
+              <a:rPr lang="en-US" i="1" dirty="0">
+                <a:solidFill>
+                  <a:srgbClr val="FF0000"/>
+                </a:solidFill>
+              </a:rPr>
               <a:t>Hamilton path</a:t>
             </a:r>
             <a:r>
@@ -35002,8 +35188,16 @@
               <a:t>that passes through every vertex exactly once is called a </a:t>
             </a:r>
             <a:r>
-              <a:rPr lang="en-US" i="1" dirty="0"/>
-              <a:t>Hamilton circuit.  </a:t>
+              <a:rPr lang="en-US" i="1" dirty="0">
+                <a:solidFill>
+                  <a:srgbClr val="FF0000"/>
+                </a:solidFill>
+              </a:rPr>
+              <a:t>Hamilton circuit</a:t>
+            </a:r>
+            <a:r>
+              <a:rPr lang="en-US" i="1" dirty="0"/>
+              <a:t>.  </a:t>
             </a:r>
           </a:p>
           <a:p>
@@ -35992,7 +36186,19 @@
           <a:p>
             <a:r>
               <a:rPr lang="en-US" dirty="0"/>
-              <a:t>Unlike for an Euler circuit, no simple necessary and sufficient conditions are known for the existence of a </a:t>
+              <a:t>Unlike for an Euler circuit, </a:t>
+            </a:r>
+            <a:r>
+              <a:rPr lang="en-US" dirty="0">
+                <a:solidFill>
+                  <a:srgbClr val="FF0000"/>
+                </a:solidFill>
+              </a:rPr>
+              <a:t>no simple </a:t>
+            </a:r>
+            <a:r>
+              <a:rPr lang="en-US" dirty="0"/>
+              <a:t>necessary and sufficient conditions are known for the existence of a </a:t>
             </a:r>
             <a:r>
               <a:rPr lang="en-US" dirty="0" err="1"/>
@@ -36367,20 +36573,40 @@
               <a:t>The famous </a:t>
             </a:r>
             <a:r>
-              <a:rPr lang="en-US" i="1" dirty="0"/>
+              <a:rPr lang="en-US" i="1" dirty="0">
+                <a:solidFill>
+                  <a:srgbClr val="FF0000"/>
+                </a:solidFill>
+              </a:rPr>
               <a:t>traveling salesperson problem </a:t>
             </a:r>
             <a:r>
-              <a:rPr lang="en-US" dirty="0"/>
+              <a:rPr lang="en-US" dirty="0">
+                <a:solidFill>
+                  <a:srgbClr val="FF0000"/>
+                </a:solidFill>
+              </a:rPr>
               <a:t>(</a:t>
             </a:r>
             <a:r>
-              <a:rPr lang="en-US" i="1" dirty="0"/>
+              <a:rPr lang="en-US" i="1" dirty="0">
+                <a:solidFill>
+                  <a:srgbClr val="FF0000"/>
+                </a:solidFill>
+              </a:rPr>
               <a:t>TSP</a:t>
             </a:r>
             <a:r>
-              <a:rPr lang="en-US" dirty="0"/>
-              <a:t>) asks for the shortest route a traveling salesperson should take to visit a set of cities. This problem reduces to finding a Hamilton circuit such that the total sum of the weights of its edges is as small as possible.</a:t>
+              <a:rPr lang="en-US" dirty="0">
+                <a:solidFill>
+                  <a:srgbClr val="FF0000"/>
+                </a:solidFill>
+              </a:rPr>
+              <a:t>) </a:t>
+            </a:r>
+            <a:r>
+              <a:rPr lang="en-US" dirty="0"/>
+              <a:t>asks for the shortest route a traveling salesperson should take to visit a set of cities. This problem reduces to finding a Hamilton circuit such that the total sum of the weights of its edges is as small as possible.</a:t>
             </a:r>
           </a:p>
           <a:p>
